--- a/talks/StateDenoisedRNNs.pptx
+++ b/talks/StateDenoisedRNNs.pptx
@@ -5,20 +5,21 @@
     <p:sldMasterId id="2147483660" r:id="rId1"/>
   </p:sldMasterIdLst>
   <p:notesMasterIdLst>
-    <p:notesMasterId r:id="rId13"/>
+    <p:notesMasterId r:id="rId14"/>
   </p:notesMasterIdLst>
   <p:sldIdLst>
     <p:sldId id="436" r:id="rId2"/>
-    <p:sldId id="440" r:id="rId3"/>
-    <p:sldId id="441" r:id="rId4"/>
-    <p:sldId id="442" r:id="rId5"/>
-    <p:sldId id="443" r:id="rId6"/>
-    <p:sldId id="444" r:id="rId7"/>
-    <p:sldId id="445" r:id="rId8"/>
-    <p:sldId id="446" r:id="rId9"/>
-    <p:sldId id="465" r:id="rId10"/>
-    <p:sldId id="466" r:id="rId11"/>
-    <p:sldId id="464" r:id="rId12"/>
+    <p:sldId id="469" r:id="rId3"/>
+    <p:sldId id="470" r:id="rId4"/>
+    <p:sldId id="471" r:id="rId5"/>
+    <p:sldId id="444" r:id="rId6"/>
+    <p:sldId id="445" r:id="rId7"/>
+    <p:sldId id="446" r:id="rId8"/>
+    <p:sldId id="465" r:id="rId9"/>
+    <p:sldId id="466" r:id="rId10"/>
+    <p:sldId id="464" r:id="rId11"/>
+    <p:sldId id="467" r:id="rId12"/>
+    <p:sldId id="468" r:id="rId13"/>
   </p:sldIdLst>
   <p:sldSz cx="12192000" cy="6858000"/>
   <p:notesSz cx="6858000" cy="9144000"/>
@@ -218,7 +219,7 @@
           <a:p>
             <a:fld id="{BF044F71-2A91-C84A-869D-4F4E1A19AFF8}" type="datetimeFigureOut">
               <a:rPr lang="en-US" smtClean="0"/>
-              <a:t>11/30/17</a:t>
+              <a:t>12/2/17</a:t>
             </a:fld>
             <a:endParaRPr lang="en-US"/>
           </a:p>
@@ -486,6 +487,258 @@
 </p:notesMaster>
 </file>
 
+<file path=ppt/notesSlides/notesSlide1.xml><?xml version="1.0" encoding="utf-8"?>
+<p:notes xmlns:a="http://schemas.openxmlformats.org/drawingml/2006/main" xmlns:r="http://schemas.openxmlformats.org/officeDocument/2006/relationships" xmlns:p="http://schemas.openxmlformats.org/presentationml/2006/main">
+  <p:cSld>
+    <p:spTree>
+      <p:nvGrpSpPr>
+        <p:cNvPr id="1" name=""/>
+        <p:cNvGrpSpPr/>
+        <p:nvPr/>
+      </p:nvGrpSpPr>
+      <p:grpSpPr>
+        <a:xfrm>
+          <a:off x="0" y="0"/>
+          <a:ext cx="0" cy="0"/>
+          <a:chOff x="0" y="0"/>
+          <a:chExt cx="0" cy="0"/>
+        </a:xfrm>
+      </p:grpSpPr>
+      <p:sp>
+        <p:nvSpPr>
+          <p:cNvPr id="2" name="Slide Image Placeholder 1"/>
+          <p:cNvSpPr>
+            <a:spLocks noGrp="1" noRot="1" noChangeAspect="1"/>
+          </p:cNvSpPr>
+          <p:nvPr>
+            <p:ph type="sldImg"/>
+          </p:nvPr>
+        </p:nvSpPr>
+        <p:spPr/>
+      </p:sp>
+      <p:sp>
+        <p:nvSpPr>
+          <p:cNvPr id="3" name="Notes Placeholder 2"/>
+          <p:cNvSpPr>
+            <a:spLocks noGrp="1"/>
+          </p:cNvSpPr>
+          <p:nvPr>
+            <p:ph type="body" idx="1"/>
+          </p:nvPr>
+        </p:nvSpPr>
+        <p:spPr/>
+        <p:txBody>
+          <a:bodyPr/>
+          <a:lstStyle/>
+          <a:p>
+            <a:endParaRPr lang="en-US" dirty="0"/>
+          </a:p>
+        </p:txBody>
+      </p:sp>
+      <p:sp>
+        <p:nvSpPr>
+          <p:cNvPr id="4" name="Slide Number Placeholder 3"/>
+          <p:cNvSpPr>
+            <a:spLocks noGrp="1"/>
+          </p:cNvSpPr>
+          <p:nvPr>
+            <p:ph type="sldNum" sz="quarter" idx="10"/>
+          </p:nvPr>
+        </p:nvSpPr>
+        <p:spPr/>
+        <p:txBody>
+          <a:bodyPr/>
+          <a:lstStyle/>
+          <a:p>
+            <a:fld id="{DA4B0918-989A-B147-B126-A98AEDAA35F6}" type="slidenum">
+              <a:rPr lang="en-US" smtClean="0"/>
+              <a:t>7</a:t>
+            </a:fld>
+            <a:endParaRPr lang="en-US"/>
+          </a:p>
+        </p:txBody>
+      </p:sp>
+    </p:spTree>
+    <p:extLst>
+      <p:ext uri="{BB962C8B-B14F-4D97-AF65-F5344CB8AC3E}">
+        <p14:creationId xmlns:p14="http://schemas.microsoft.com/office/powerpoint/2010/main" val="394151394"/>
+      </p:ext>
+    </p:extLst>
+  </p:cSld>
+  <p:clrMapOvr>
+    <a:masterClrMapping/>
+  </p:clrMapOvr>
+</p:notes>
+</file>
+
+<file path=ppt/notesSlides/notesSlide2.xml><?xml version="1.0" encoding="utf-8"?>
+<p:notes xmlns:a="http://schemas.openxmlformats.org/drawingml/2006/main" xmlns:r="http://schemas.openxmlformats.org/officeDocument/2006/relationships" xmlns:p="http://schemas.openxmlformats.org/presentationml/2006/main">
+  <p:cSld>
+    <p:spTree>
+      <p:nvGrpSpPr>
+        <p:cNvPr id="1" name=""/>
+        <p:cNvGrpSpPr/>
+        <p:nvPr/>
+      </p:nvGrpSpPr>
+      <p:grpSpPr>
+        <a:xfrm>
+          <a:off x="0" y="0"/>
+          <a:ext cx="0" cy="0"/>
+          <a:chOff x="0" y="0"/>
+          <a:chExt cx="0" cy="0"/>
+        </a:xfrm>
+      </p:grpSpPr>
+      <p:sp>
+        <p:nvSpPr>
+          <p:cNvPr id="2" name="Slide Image Placeholder 1"/>
+          <p:cNvSpPr>
+            <a:spLocks noGrp="1" noRot="1" noChangeAspect="1"/>
+          </p:cNvSpPr>
+          <p:nvPr>
+            <p:ph type="sldImg"/>
+          </p:nvPr>
+        </p:nvSpPr>
+        <p:spPr/>
+      </p:sp>
+      <p:sp>
+        <p:nvSpPr>
+          <p:cNvPr id="3" name="Notes Placeholder 2"/>
+          <p:cNvSpPr>
+            <a:spLocks noGrp="1"/>
+          </p:cNvSpPr>
+          <p:nvPr>
+            <p:ph type="body" idx="1"/>
+          </p:nvPr>
+        </p:nvSpPr>
+        <p:spPr/>
+        <p:txBody>
+          <a:bodyPr/>
+          <a:lstStyle/>
+          <a:p>
+            <a:endParaRPr lang="en-US" dirty="0"/>
+          </a:p>
+        </p:txBody>
+      </p:sp>
+      <p:sp>
+        <p:nvSpPr>
+          <p:cNvPr id="4" name="Slide Number Placeholder 3"/>
+          <p:cNvSpPr>
+            <a:spLocks noGrp="1"/>
+          </p:cNvSpPr>
+          <p:nvPr>
+            <p:ph type="sldNum" sz="quarter" idx="10"/>
+          </p:nvPr>
+        </p:nvSpPr>
+        <p:spPr/>
+        <p:txBody>
+          <a:bodyPr/>
+          <a:lstStyle/>
+          <a:p>
+            <a:fld id="{DA4B0918-989A-B147-B126-A98AEDAA35F6}" type="slidenum">
+              <a:rPr lang="en-US" smtClean="0"/>
+              <a:t>11</a:t>
+            </a:fld>
+            <a:endParaRPr lang="en-US"/>
+          </a:p>
+        </p:txBody>
+      </p:sp>
+    </p:spTree>
+    <p:extLst>
+      <p:ext uri="{BB962C8B-B14F-4D97-AF65-F5344CB8AC3E}">
+        <p14:creationId xmlns:p14="http://schemas.microsoft.com/office/powerpoint/2010/main" val="1803602681"/>
+      </p:ext>
+    </p:extLst>
+  </p:cSld>
+  <p:clrMapOvr>
+    <a:masterClrMapping/>
+  </p:clrMapOvr>
+</p:notes>
+</file>
+
+<file path=ppt/notesSlides/notesSlide3.xml><?xml version="1.0" encoding="utf-8"?>
+<p:notes xmlns:a="http://schemas.openxmlformats.org/drawingml/2006/main" xmlns:r="http://schemas.openxmlformats.org/officeDocument/2006/relationships" xmlns:p="http://schemas.openxmlformats.org/presentationml/2006/main">
+  <p:cSld>
+    <p:spTree>
+      <p:nvGrpSpPr>
+        <p:cNvPr id="1" name=""/>
+        <p:cNvGrpSpPr/>
+        <p:nvPr/>
+      </p:nvGrpSpPr>
+      <p:grpSpPr>
+        <a:xfrm>
+          <a:off x="0" y="0"/>
+          <a:ext cx="0" cy="0"/>
+          <a:chOff x="0" y="0"/>
+          <a:chExt cx="0" cy="0"/>
+        </a:xfrm>
+      </p:grpSpPr>
+      <p:sp>
+        <p:nvSpPr>
+          <p:cNvPr id="2" name="Slide Image Placeholder 1"/>
+          <p:cNvSpPr>
+            <a:spLocks noGrp="1" noRot="1" noChangeAspect="1"/>
+          </p:cNvSpPr>
+          <p:nvPr>
+            <p:ph type="sldImg"/>
+          </p:nvPr>
+        </p:nvSpPr>
+        <p:spPr/>
+      </p:sp>
+      <p:sp>
+        <p:nvSpPr>
+          <p:cNvPr id="3" name="Notes Placeholder 2"/>
+          <p:cNvSpPr>
+            <a:spLocks noGrp="1"/>
+          </p:cNvSpPr>
+          <p:nvPr>
+            <p:ph type="body" idx="1"/>
+          </p:nvPr>
+        </p:nvSpPr>
+        <p:spPr/>
+        <p:txBody>
+          <a:bodyPr/>
+          <a:lstStyle/>
+          <a:p>
+            <a:endParaRPr lang="en-US" dirty="0"/>
+          </a:p>
+        </p:txBody>
+      </p:sp>
+      <p:sp>
+        <p:nvSpPr>
+          <p:cNvPr id="4" name="Slide Number Placeholder 3"/>
+          <p:cNvSpPr>
+            <a:spLocks noGrp="1"/>
+          </p:cNvSpPr>
+          <p:nvPr>
+            <p:ph type="sldNum" sz="quarter" idx="10"/>
+          </p:nvPr>
+        </p:nvSpPr>
+        <p:spPr/>
+        <p:txBody>
+          <a:bodyPr/>
+          <a:lstStyle/>
+          <a:p>
+            <a:fld id="{DA4B0918-989A-B147-B126-A98AEDAA35F6}" type="slidenum">
+              <a:rPr lang="en-US" smtClean="0"/>
+              <a:t>12</a:t>
+            </a:fld>
+            <a:endParaRPr lang="en-US"/>
+          </a:p>
+        </p:txBody>
+      </p:sp>
+    </p:spTree>
+    <p:extLst>
+      <p:ext uri="{BB962C8B-B14F-4D97-AF65-F5344CB8AC3E}">
+        <p14:creationId xmlns:p14="http://schemas.microsoft.com/office/powerpoint/2010/main" val="643580287"/>
+      </p:ext>
+    </p:extLst>
+  </p:cSld>
+  <p:clrMapOvr>
+    <a:masterClrMapping/>
+  </p:clrMapOvr>
+</p:notes>
+</file>
+
 <file path=ppt/slideLayouts/slideLayout1.xml><?xml version="1.0" encoding="utf-8"?>
 <p:sldLayout xmlns:a="http://schemas.openxmlformats.org/drawingml/2006/main" xmlns:r="http://schemas.openxmlformats.org/officeDocument/2006/relationships" xmlns:p="http://schemas.openxmlformats.org/presentationml/2006/main" type="title" preserve="1">
   <p:cSld name="Title Slide">
@@ -685,7 +938,7 @@
                 </a:solidFill>
               </a:rPr>
               <a:pPr/>
-              <a:t>11/30/17</a:t>
+              <a:t>12/2/17</a:t>
             </a:fld>
             <a:endParaRPr lang="en-US">
               <a:solidFill>
@@ -894,7 +1147,7 @@
                 </a:solidFill>
               </a:rPr>
               <a:pPr/>
-              <a:t>11/30/17</a:t>
+              <a:t>12/2/17</a:t>
             </a:fld>
             <a:endParaRPr lang="en-US">
               <a:solidFill>
@@ -1110,7 +1363,7 @@
                 </a:solidFill>
               </a:rPr>
               <a:pPr/>
-              <a:t>11/30/17</a:t>
+              <a:t>12/2/17</a:t>
             </a:fld>
             <a:endParaRPr lang="en-US">
               <a:solidFill>
@@ -1807,7 +2060,7 @@
                 </a:solidFill>
               </a:rPr>
               <a:pPr/>
-              <a:t>11/30/17</a:t>
+              <a:t>12/2/17</a:t>
             </a:fld>
             <a:endParaRPr lang="en-US">
               <a:solidFill>
@@ -2092,7 +2345,7 @@
                 </a:solidFill>
               </a:rPr>
               <a:pPr/>
-              <a:t>11/30/17</a:t>
+              <a:t>12/2/17</a:t>
             </a:fld>
             <a:endParaRPr lang="en-US">
               <a:solidFill>
@@ -2419,7 +2672,7 @@
                 </a:solidFill>
               </a:rPr>
               <a:pPr/>
-              <a:t>11/30/17</a:t>
+              <a:t>12/2/17</a:t>
             </a:fld>
             <a:endParaRPr lang="en-US">
               <a:solidFill>
@@ -2880,7 +3133,7 @@
                 </a:solidFill>
               </a:rPr>
               <a:pPr/>
-              <a:t>11/30/17</a:t>
+              <a:t>12/2/17</a:t>
             </a:fld>
             <a:endParaRPr lang="en-US">
               <a:solidFill>
@@ -3034,7 +3287,7 @@
                 </a:solidFill>
               </a:rPr>
               <a:pPr/>
-              <a:t>11/30/17</a:t>
+              <a:t>12/2/17</a:t>
             </a:fld>
             <a:endParaRPr lang="en-US">
               <a:solidFill>
@@ -3161,7 +3414,7 @@
                 </a:solidFill>
               </a:rPr>
               <a:pPr/>
-              <a:t>11/30/17</a:t>
+              <a:t>12/2/17</a:t>
             </a:fld>
             <a:endParaRPr lang="en-US">
               <a:solidFill>
@@ -3470,7 +3723,7 @@
                 </a:solidFill>
               </a:rPr>
               <a:pPr/>
-              <a:t>11/30/17</a:t>
+              <a:t>12/2/17</a:t>
             </a:fld>
             <a:endParaRPr lang="en-US">
               <a:solidFill>
@@ -3759,7 +4012,7 @@
                 </a:solidFill>
               </a:rPr>
               <a:pPr/>
-              <a:t>11/30/17</a:t>
+              <a:t>12/2/17</a:t>
             </a:fld>
             <a:endParaRPr lang="en-US">
               <a:solidFill>
@@ -4013,7 +4266,7 @@
                   <a:spcPct val="41000"/>
                 </a:lnSpc>
               </a:pPr>
-              <a:t>11/30/17</a:t>
+              <a:t>12/2/17</a:t>
             </a:fld>
             <a:endParaRPr lang="en-US">
               <a:solidFill>
@@ -4564,3373 +4817,6 @@
 </file>
 
 <file path=ppt/slides/slide10.xml><?xml version="1.0" encoding="utf-8"?>
-<p:sld xmlns:a="http://schemas.openxmlformats.org/drawingml/2006/main" xmlns:r="http://schemas.openxmlformats.org/officeDocument/2006/relationships" xmlns:p="http://schemas.openxmlformats.org/presentationml/2006/main">
-  <p:cSld>
-    <p:spTree>
-      <p:nvGrpSpPr>
-        <p:cNvPr id="1" name=""/>
-        <p:cNvGrpSpPr/>
-        <p:nvPr/>
-      </p:nvGrpSpPr>
-      <p:grpSpPr>
-        <a:xfrm>
-          <a:off x="0" y="0"/>
-          <a:ext cx="0" cy="0"/>
-          <a:chOff x="0" y="0"/>
-          <a:chExt cx="0" cy="0"/>
-        </a:xfrm>
-      </p:grpSpPr>
-      <p:sp>
-        <p:nvSpPr>
-          <p:cNvPr id="2" name="Title 1"/>
-          <p:cNvSpPr>
-            <a:spLocks noGrp="1"/>
-          </p:cNvSpPr>
-          <p:nvPr>
-            <p:ph type="title"/>
-          </p:nvPr>
-        </p:nvSpPr>
-        <p:spPr/>
-        <p:txBody>
-          <a:bodyPr/>
-          <a:lstStyle/>
-          <a:p>
-            <a:r>
-              <a:rPr lang="en-US" dirty="0" smtClean="0"/>
-              <a:t>Training Attractor Net</a:t>
-            </a:r>
-            <a:endParaRPr lang="en-US" dirty="0"/>
-          </a:p>
-        </p:txBody>
-      </p:sp>
-      <mc:AlternateContent xmlns:mc="http://schemas.openxmlformats.org/markup-compatibility/2006">
-        <mc:Choice xmlns:a14="http://schemas.microsoft.com/office/drawing/2010/main" Requires="a14">
-          <p:sp>
-            <p:nvSpPr>
-              <p:cNvPr id="3" name="Content Placeholder 2"/>
-              <p:cNvSpPr>
-                <a:spLocks noGrp="1"/>
-              </p:cNvSpPr>
-              <p:nvPr>
-                <p:ph idx="1"/>
-              </p:nvPr>
-            </p:nvSpPr>
-            <p:spPr/>
-            <p:txBody>
-              <a:bodyPr/>
-              <a:lstStyle/>
-              <a:p>
-                <a:r>
-                  <a:rPr lang="en-US" dirty="0" smtClean="0">
-                    <a:solidFill>
-                      <a:schemeClr val="tx1"/>
-                    </a:solidFill>
-                  </a:rPr>
-                  <a:t>Given set of target attractors, </a:t>
-                </a:r>
-                <a14:m>
-                  <m:oMath xmlns:m="http://schemas.openxmlformats.org/officeDocument/2006/math">
-                    <m:d>
-                      <m:dPr>
-                        <m:begChr m:val="{"/>
-                        <m:endChr m:val="}"/>
-                        <m:ctrlPr>
-                          <a:rPr lang="en-US" b="1" i="1" smtClean="0">
-                            <a:solidFill>
-                              <a:schemeClr val="tx1"/>
-                            </a:solidFill>
-                            <a:latin typeface="Cambria Math" charset="0"/>
-                          </a:rPr>
-                        </m:ctrlPr>
-                      </m:dPr>
-                      <m:e>
-                        <m:sSub>
-                          <m:sSubPr>
-                            <m:ctrlPr>
-                              <a:rPr lang="en-US" b="1" i="1" smtClean="0">
-                                <a:solidFill>
-                                  <a:schemeClr val="tx1"/>
-                                </a:solidFill>
-                                <a:latin typeface="Cambria Math" charset="0"/>
-                              </a:rPr>
-                            </m:ctrlPr>
-                          </m:sSubPr>
-                          <m:e>
-                            <m:r>
-                              <a:rPr lang="en-US" b="1" i="1" smtClean="0">
-                                <a:solidFill>
-                                  <a:schemeClr val="tx1"/>
-                                </a:solidFill>
-                                <a:latin typeface="Cambria Math" charset="0"/>
-                              </a:rPr>
-                              <m:t>𝝃</m:t>
-                            </m:r>
-                          </m:e>
-                          <m:sub>
-                            <m:r>
-                              <a:rPr lang="en-US" b="1" i="1" smtClean="0">
-                                <a:solidFill>
-                                  <a:schemeClr val="tx1"/>
-                                </a:solidFill>
-                                <a:latin typeface="Cambria Math" charset="0"/>
-                              </a:rPr>
-                              <m:t>𝟏</m:t>
-                            </m:r>
-                          </m:sub>
-                        </m:sSub>
-                        <m:r>
-                          <a:rPr lang="en-US" b="1" i="1" smtClean="0">
-                            <a:solidFill>
-                              <a:schemeClr val="tx1"/>
-                            </a:solidFill>
-                            <a:latin typeface="Cambria Math" charset="0"/>
-                          </a:rPr>
-                          <m:t>, …, </m:t>
-                        </m:r>
-                        <m:sSub>
-                          <m:sSubPr>
-                            <m:ctrlPr>
-                              <a:rPr lang="en-US" b="1" i="1" smtClean="0">
-                                <a:solidFill>
-                                  <a:schemeClr val="tx1"/>
-                                </a:solidFill>
-                                <a:latin typeface="Cambria Math" charset="0"/>
-                              </a:rPr>
-                            </m:ctrlPr>
-                          </m:sSubPr>
-                          <m:e>
-                            <m:r>
-                              <a:rPr lang="en-US" b="1" i="1" smtClean="0">
-                                <a:solidFill>
-                                  <a:schemeClr val="tx1"/>
-                                </a:solidFill>
-                                <a:latin typeface="Cambria Math" charset="0"/>
-                              </a:rPr>
-                              <m:t>𝝃</m:t>
-                            </m:r>
-                          </m:e>
-                          <m:sub>
-                            <m:r>
-                              <a:rPr lang="en-US" b="1" i="1" smtClean="0">
-                                <a:solidFill>
-                                  <a:schemeClr val="tx1"/>
-                                </a:solidFill>
-                                <a:latin typeface="Cambria Math" charset="0"/>
-                              </a:rPr>
-                              <m:t>𝒏</m:t>
-                            </m:r>
-                          </m:sub>
-                        </m:sSub>
-                      </m:e>
-                    </m:d>
-                  </m:oMath>
-                </a14:m>
-                <a:endParaRPr lang="en-US" b="1" dirty="0" smtClean="0">
-                  <a:solidFill>
-                    <a:schemeClr val="tx1"/>
-                  </a:solidFill>
-                </a:endParaRPr>
-              </a:p>
-              <a:p>
-                <a:r>
-                  <a:rPr lang="en-US" dirty="0" smtClean="0">
-                    <a:solidFill>
-                      <a:schemeClr val="tx1"/>
-                    </a:solidFill>
-                  </a:rPr>
-                  <a:t>Input is corrupted attractor state</a:t>
-                </a:r>
-              </a:p>
-              <a:p>
-                <a:pPr lvl="1"/>
-                <a14:m>
-                  <m:oMath xmlns:m="http://schemas.openxmlformats.org/officeDocument/2006/math">
-                    <m:r>
-                      <a:rPr lang="en-US" b="1" i="1" smtClean="0">
-                        <a:solidFill>
-                          <a:srgbClr val="A50002"/>
-                        </a:solidFill>
-                        <a:latin typeface="Cambria Math" charset="0"/>
-                      </a:rPr>
-                      <m:t>𝒙</m:t>
-                    </m:r>
-                    <m:r>
-                      <a:rPr lang="en-US" b="1" i="1" smtClean="0">
-                        <a:latin typeface="Cambria Math" charset="0"/>
-                      </a:rPr>
-                      <m:t>=</m:t>
-                    </m:r>
-                    <m:sSup>
-                      <m:sSupPr>
-                        <m:ctrlPr>
-                          <a:rPr lang="en-US" i="1">
-                            <a:latin typeface="Cambria Math" charset="0"/>
-                          </a:rPr>
-                        </m:ctrlPr>
-                      </m:sSupPr>
-                      <m:e>
-                        <m:r>
-                          <a:rPr lang="en-US" b="1" i="1" smtClean="0">
-                            <a:latin typeface="Cambria Math" charset="0"/>
-                          </a:rPr>
-                          <m:t>𝝈</m:t>
-                        </m:r>
-                        <m:r>
-                          <a:rPr lang="en-US" b="1" i="1" smtClean="0">
-                            <a:latin typeface="Cambria Math" charset="0"/>
-                          </a:rPr>
-                          <m:t>(</m:t>
-                        </m:r>
-                        <m:r>
-                          <a:rPr lang="en-US" i="1">
-                            <a:latin typeface="Cambria Math" charset="0"/>
-                          </a:rPr>
-                          <m:t>𝝈</m:t>
-                        </m:r>
-                      </m:e>
-                      <m:sup>
-                        <m:r>
-                          <a:rPr lang="en-US" i="1">
-                            <a:latin typeface="Cambria Math" charset="0"/>
-                          </a:rPr>
-                          <m:t>−</m:t>
-                        </m:r>
-                        <m:r>
-                          <a:rPr lang="en-US" i="1">
-                            <a:latin typeface="Cambria Math" charset="0"/>
-                          </a:rPr>
-                          <m:t>𝟏</m:t>
-                        </m:r>
-                      </m:sup>
-                    </m:sSup>
-                    <m:r>
-                      <a:rPr lang="en-US" i="1">
-                        <a:latin typeface="Cambria Math" charset="0"/>
-                      </a:rPr>
-                      <m:t>(</m:t>
-                    </m:r>
-                    <m:r>
-                      <a:rPr lang="en-US" b="1" i="1" smtClean="0">
-                        <a:solidFill>
-                          <a:srgbClr val="0000FF"/>
-                        </a:solidFill>
-                        <a:latin typeface="Cambria Math" charset="0"/>
-                      </a:rPr>
-                      <m:t>𝝃</m:t>
-                    </m:r>
-                    <m:r>
-                      <a:rPr lang="en-US" i="1">
-                        <a:latin typeface="Cambria Math" charset="0"/>
-                      </a:rPr>
-                      <m:t>)</m:t>
-                    </m:r>
-                    <m:r>
-                      <a:rPr lang="en-US" b="1" i="1" smtClean="0">
-                        <a:latin typeface="Cambria Math" charset="0"/>
-                      </a:rPr>
-                      <m:t>+</m:t>
-                    </m:r>
-                    <m:r>
-                      <a:rPr lang="en-US" b="1" i="1" smtClean="0">
-                        <a:latin typeface="Cambria Math" charset="0"/>
-                      </a:rPr>
-                      <m:t>𝜼</m:t>
-                    </m:r>
-                    <m:r>
-                      <a:rPr lang="en-US" b="1" i="0" smtClean="0">
-                        <a:latin typeface="Cambria Math" charset="0"/>
-                      </a:rPr>
-                      <m:t>)</m:t>
-                    </m:r>
-                  </m:oMath>
-                </a14:m>
-                <a:r>
-                  <a:rPr lang="en-US" dirty="0" smtClean="0"/>
-                  <a:t>  where  </a:t>
-                </a:r>
-                <a14:m>
-                  <m:oMath xmlns:m="http://schemas.openxmlformats.org/officeDocument/2006/math">
-                    <m:r>
-                      <a:rPr lang="en-US" b="1" i="1" smtClean="0">
-                        <a:latin typeface="Cambria Math" charset="0"/>
-                      </a:rPr>
-                      <m:t>𝜼</m:t>
-                    </m:r>
-                    <m:r>
-                      <a:rPr lang="en-US" b="1" i="1" smtClean="0">
-                        <a:latin typeface="Cambria Math" charset="0"/>
-                      </a:rPr>
-                      <m:t> ~ </m:t>
-                    </m:r>
-                    <m:r>
-                      <a:rPr lang="en-US" i="1">
-                        <a:latin typeface="Cambria Math" charset="0"/>
-                        <a:ea typeface="Cambria Math" charset="0"/>
-                        <a:cs typeface="Cambria Math" charset="0"/>
-                      </a:rPr>
-                      <m:t>𝓝</m:t>
-                    </m:r>
-                    <m:r>
-                      <a:rPr lang="en-US" i="1">
-                        <a:latin typeface="Cambria Math" charset="0"/>
-                      </a:rPr>
-                      <m:t>(</m:t>
-                    </m:r>
-                    <m:r>
-                      <a:rPr lang="en-US" i="1">
-                        <a:latin typeface="Cambria Math" charset="0"/>
-                      </a:rPr>
-                      <m:t>𝟎</m:t>
-                    </m:r>
-                    <m:r>
-                      <a:rPr lang="en-US" i="1">
-                        <a:latin typeface="Cambria Math" charset="0"/>
-                      </a:rPr>
-                      <m:t>,</m:t>
-                    </m:r>
-                    <m:r>
-                      <a:rPr lang="en-US" b="1" i="1" smtClean="0">
-                        <a:latin typeface="Cambria Math" charset="0"/>
-                      </a:rPr>
-                      <m:t>.</m:t>
-                    </m:r>
-                    <m:r>
-                      <a:rPr lang="en-US" b="1" i="1" smtClean="0">
-                        <a:latin typeface="Cambria Math" charset="0"/>
-                      </a:rPr>
-                      <m:t>𝟐</m:t>
-                    </m:r>
-                    <m:sSup>
-                      <m:sSupPr>
-                        <m:ctrlPr>
-                          <a:rPr lang="en-US" b="1" i="1" smtClean="0">
-                            <a:latin typeface="Cambria Math" charset="0"/>
-                          </a:rPr>
-                        </m:ctrlPr>
-                      </m:sSupPr>
-                      <m:e>
-                        <m:r>
-                          <a:rPr lang="en-US" b="1" i="1" smtClean="0">
-                            <a:latin typeface="Cambria Math" charset="0"/>
-                          </a:rPr>
-                          <m:t>𝟓</m:t>
-                        </m:r>
-                      </m:e>
-                      <m:sup>
-                        <m:r>
-                          <a:rPr lang="en-US" b="1" i="1" smtClean="0">
-                            <a:latin typeface="Cambria Math" charset="0"/>
-                          </a:rPr>
-                          <m:t>𝟐</m:t>
-                        </m:r>
-                      </m:sup>
-                    </m:sSup>
-                    <m:r>
-                      <a:rPr lang="en-US" i="1">
-                        <a:latin typeface="Cambria Math" charset="0"/>
-                      </a:rPr>
-                      <m:t>)</m:t>
-                    </m:r>
-                  </m:oMath>
-                </a14:m>
-                <a:endParaRPr lang="en-US" dirty="0" smtClean="0"/>
-              </a:p>
-              <a:p>
-                <a:r>
-                  <a:rPr lang="en-US" dirty="0" smtClean="0">
-                    <a:solidFill>
-                      <a:schemeClr val="tx1"/>
-                    </a:solidFill>
-                  </a:rPr>
-                  <a:t>Training objective</a:t>
-                </a:r>
-              </a:p>
-              <a:p>
-                <a:pPr lvl="1"/>
-                <a14:m>
-                  <m:oMath xmlns:m="http://schemas.openxmlformats.org/officeDocument/2006/math">
-                    <m:r>
-                      <a:rPr lang="en-US" b="1" i="1" smtClean="0">
-                        <a:latin typeface="Cambria Math" charset="0"/>
-                      </a:rPr>
-                      <m:t>𝑬</m:t>
-                    </m:r>
-                    <m:r>
-                      <a:rPr lang="en-US" b="1" i="1" smtClean="0">
-                        <a:latin typeface="Cambria Math" charset="0"/>
-                      </a:rPr>
-                      <m:t>=</m:t>
-                    </m:r>
-                    <m:sSup>
-                      <m:sSupPr>
-                        <m:ctrlPr>
-                          <a:rPr lang="en-US" i="1">
-                            <a:latin typeface="Cambria Math" charset="0"/>
-                          </a:rPr>
-                        </m:ctrlPr>
-                      </m:sSupPr>
-                      <m:e>
-                        <m:d>
-                          <m:dPr>
-                            <m:begChr m:val="|"/>
-                            <m:endChr m:val="|"/>
-                            <m:ctrlPr>
-                              <a:rPr lang="hr-HR" i="1">
-                                <a:latin typeface="Cambria Math" charset="0"/>
-                              </a:rPr>
-                            </m:ctrlPr>
-                          </m:dPr>
-                          <m:e>
-                            <m:sSub>
-                              <m:sSubPr>
-                                <m:ctrlPr>
-                                  <a:rPr lang="en-US" b="1" i="1" smtClean="0">
-                                    <a:solidFill>
-                                      <a:srgbClr val="7030A0"/>
-                                    </a:solidFill>
-                                    <a:latin typeface="Cambria Math" charset="0"/>
-                                  </a:rPr>
-                                </m:ctrlPr>
-                              </m:sSubPr>
-                              <m:e>
-                                <m:r>
-                                  <a:rPr lang="en-US" b="1" i="1" smtClean="0">
-                                    <a:solidFill>
-                                      <a:srgbClr val="7030A0"/>
-                                    </a:solidFill>
-                                    <a:latin typeface="Cambria Math" charset="0"/>
-                                  </a:rPr>
-                                  <m:t>𝒂</m:t>
-                                </m:r>
-                              </m:e>
-                              <m:sub>
-                                <m:r>
-                                  <a:rPr lang="en-US" b="1" i="1" smtClean="0">
-                                    <a:solidFill>
-                                      <a:srgbClr val="7030A0"/>
-                                    </a:solidFill>
-                                    <a:latin typeface="Cambria Math" charset="0"/>
-                                  </a:rPr>
-                                  <m:t>∞</m:t>
-                                </m:r>
-                              </m:sub>
-                            </m:sSub>
-                            <m:r>
-                              <a:rPr lang="en-US" i="1">
-                                <a:latin typeface="Cambria Math" charset="0"/>
-                              </a:rPr>
-                              <m:t>−</m:t>
-                            </m:r>
-                            <m:r>
-                              <a:rPr lang="en-US" b="1" i="1" smtClean="0">
-                                <a:solidFill>
-                                  <a:srgbClr val="0000FF"/>
-                                </a:solidFill>
-                                <a:latin typeface="Cambria Math" charset="0"/>
-                              </a:rPr>
-                              <m:t>𝝃</m:t>
-                            </m:r>
-                          </m:e>
-                        </m:d>
-                      </m:e>
-                      <m:sup>
-                        <m:r>
-                          <a:rPr lang="en-US" i="1">
-                            <a:latin typeface="Cambria Math" charset="0"/>
-                          </a:rPr>
-                          <m:t>𝟐</m:t>
-                        </m:r>
-                      </m:sup>
-                    </m:sSup>
-                    <m:r>
-                      <a:rPr lang="en-US" b="1" i="1" smtClean="0">
-                        <a:latin typeface="Cambria Math" charset="0"/>
-                      </a:rPr>
-                      <m:t>/</m:t>
-                    </m:r>
-                    <m:sSup>
-                      <m:sSupPr>
-                        <m:ctrlPr>
-                          <a:rPr lang="en-US" i="1">
-                            <a:latin typeface="Cambria Math" charset="0"/>
-                          </a:rPr>
-                        </m:ctrlPr>
-                      </m:sSupPr>
-                      <m:e>
-                        <m:d>
-                          <m:dPr>
-                            <m:begChr m:val="|"/>
-                            <m:endChr m:val="|"/>
-                            <m:ctrlPr>
-                              <a:rPr lang="hr-HR" i="1">
-                                <a:latin typeface="Cambria Math" charset="0"/>
-                              </a:rPr>
-                            </m:ctrlPr>
-                          </m:dPr>
-                          <m:e>
-                            <m:r>
-                              <a:rPr lang="en-US" b="1" i="1" smtClean="0">
-                                <a:solidFill>
-                                  <a:srgbClr val="C00000"/>
-                                </a:solidFill>
-                                <a:latin typeface="Cambria Math" charset="0"/>
-                              </a:rPr>
-                              <m:t>𝒙</m:t>
-                            </m:r>
-                            <m:r>
-                              <a:rPr lang="en-US" i="1">
-                                <a:latin typeface="Cambria Math" charset="0"/>
-                              </a:rPr>
-                              <m:t>−</m:t>
-                            </m:r>
-                            <m:r>
-                              <a:rPr lang="en-US" i="1">
-                                <a:solidFill>
-                                  <a:srgbClr val="0000FF"/>
-                                </a:solidFill>
-                                <a:latin typeface="Cambria Math" charset="0"/>
-                              </a:rPr>
-                              <m:t>𝝃</m:t>
-                            </m:r>
-                          </m:e>
-                        </m:d>
-                      </m:e>
-                      <m:sup>
-                        <m:r>
-                          <a:rPr lang="en-US" i="1">
-                            <a:latin typeface="Cambria Math" charset="0"/>
-                          </a:rPr>
-                          <m:t>𝟐</m:t>
-                        </m:r>
-                      </m:sup>
-                    </m:sSup>
-                  </m:oMath>
-                </a14:m>
-                <a:endParaRPr lang="en-US" dirty="0"/>
-              </a:p>
-              <a:p>
-                <a:pPr lvl="1"/>
-                <a:endParaRPr lang="en-US" dirty="0"/>
-              </a:p>
-            </p:txBody>
-          </p:sp>
-        </mc:Choice>
-        <mc:Fallback>
-          <p:sp>
-            <p:nvSpPr>
-              <p:cNvPr id="3" name="Content Placeholder 2"/>
-              <p:cNvSpPr>
-                <a:spLocks noGrp="1" noRot="1" noChangeAspect="1" noMove="1" noResize="1" noEditPoints="1" noAdjustHandles="1" noChangeArrowheads="1" noChangeShapeType="1" noTextEdit="1"/>
-              </p:cNvSpPr>
-              <p:nvPr>
-                <p:ph idx="1"/>
-              </p:nvPr>
-            </p:nvSpPr>
-            <p:spPr>
-              <a:blipFill rotWithShape="0">
-                <a:blip r:embed="rId2"/>
-                <a:stretch>
-                  <a:fillRect l="-164" t="-1026"/>
-                </a:stretch>
-              </a:blipFill>
-            </p:spPr>
-            <p:txBody>
-              <a:bodyPr/>
-              <a:lstStyle/>
-              <a:p>
-                <a:r>
-                  <a:rPr lang="en-US">
-                    <a:noFill/>
-                  </a:rPr>
-                  <a:t> </a:t>
-                </a:r>
-              </a:p>
-            </p:txBody>
-          </p:sp>
-        </mc:Fallback>
-      </mc:AlternateContent>
-      <p:grpSp>
-        <p:nvGrpSpPr>
-          <p:cNvPr id="77" name="Group 76"/>
-          <p:cNvGrpSpPr/>
-          <p:nvPr/>
-        </p:nvGrpSpPr>
-        <p:grpSpPr>
-          <a:xfrm>
-            <a:off x="4983974" y="3303485"/>
-            <a:ext cx="2266500" cy="2645263"/>
-            <a:chOff x="12287600" y="3288759"/>
-            <a:chExt cx="2266500" cy="2645252"/>
-          </a:xfrm>
-        </p:grpSpPr>
-        <p:grpSp>
-          <p:nvGrpSpPr>
-            <p:cNvPr id="4" name="Group 3"/>
-            <p:cNvGrpSpPr/>
-            <p:nvPr/>
-          </p:nvGrpSpPr>
-          <p:grpSpPr>
-            <a:xfrm>
-              <a:off x="12299424" y="5576645"/>
-              <a:ext cx="1755761" cy="357366"/>
-              <a:chOff x="5838484" y="4644073"/>
-              <a:chExt cx="2169328" cy="441544"/>
-            </a:xfrm>
-          </p:grpSpPr>
-          <p:sp>
-            <p:nvSpPr>
-              <p:cNvPr id="5" name="Oval 4"/>
-              <p:cNvSpPr/>
-              <p:nvPr/>
-            </p:nvSpPr>
-            <p:spPr>
-              <a:xfrm>
-                <a:off x="6305845" y="4677248"/>
-                <a:ext cx="365663" cy="365663"/>
-              </a:xfrm>
-              <a:prstGeom prst="ellipse">
-                <a:avLst/>
-              </a:prstGeom>
-              <a:noFill/>
-              <a:ln w="25400">
-                <a:solidFill>
-                  <a:srgbClr val="C00000"/>
-                </a:solidFill>
-              </a:ln>
-            </p:spPr>
-            <p:style>
-              <a:lnRef idx="2">
-                <a:schemeClr val="accent1">
-                  <a:shade val="50000"/>
-                </a:schemeClr>
-              </a:lnRef>
-              <a:fillRef idx="1">
-                <a:schemeClr val="accent1"/>
-              </a:fillRef>
-              <a:effectRef idx="0">
-                <a:schemeClr val="accent1"/>
-              </a:effectRef>
-              <a:fontRef idx="minor">
-                <a:schemeClr val="lt1"/>
-              </a:fontRef>
-            </p:style>
-            <p:txBody>
-              <a:bodyPr rtlCol="0" anchor="ctr"/>
-              <a:lstStyle/>
-              <a:p>
-                <a:pPr algn="ctr"/>
-                <a:endParaRPr lang="en-US">
-                  <a:solidFill>
-                    <a:schemeClr val="tx1"/>
-                  </a:solidFill>
-                </a:endParaRPr>
-              </a:p>
-            </p:txBody>
-          </p:sp>
-          <p:sp>
-            <p:nvSpPr>
-              <p:cNvPr id="6" name="Oval 5"/>
-              <p:cNvSpPr/>
-              <p:nvPr/>
-            </p:nvSpPr>
-            <p:spPr>
-              <a:xfrm>
-                <a:off x="6738431" y="4677248"/>
-                <a:ext cx="365663" cy="365663"/>
-              </a:xfrm>
-              <a:prstGeom prst="ellipse">
-                <a:avLst/>
-              </a:prstGeom>
-              <a:noFill/>
-              <a:ln w="25400">
-                <a:solidFill>
-                  <a:srgbClr val="C00000"/>
-                </a:solidFill>
-              </a:ln>
-            </p:spPr>
-            <p:style>
-              <a:lnRef idx="2">
-                <a:schemeClr val="accent1">
-                  <a:shade val="50000"/>
-                </a:schemeClr>
-              </a:lnRef>
-              <a:fillRef idx="1">
-                <a:schemeClr val="accent1"/>
-              </a:fillRef>
-              <a:effectRef idx="0">
-                <a:schemeClr val="accent1"/>
-              </a:effectRef>
-              <a:fontRef idx="minor">
-                <a:schemeClr val="lt1"/>
-              </a:fontRef>
-            </p:style>
-            <p:txBody>
-              <a:bodyPr rtlCol="0" anchor="ctr"/>
-              <a:lstStyle/>
-              <a:p>
-                <a:pPr algn="ctr"/>
-                <a:endParaRPr lang="en-US">
-                  <a:solidFill>
-                    <a:schemeClr val="tx1"/>
-                  </a:solidFill>
-                </a:endParaRPr>
-              </a:p>
-            </p:txBody>
-          </p:sp>
-          <p:sp>
-            <p:nvSpPr>
-              <p:cNvPr id="7" name="Oval 6"/>
-              <p:cNvSpPr/>
-              <p:nvPr/>
-            </p:nvSpPr>
-            <p:spPr>
-              <a:xfrm>
-                <a:off x="7171017" y="4677260"/>
-                <a:ext cx="365663" cy="365664"/>
-              </a:xfrm>
-              <a:prstGeom prst="ellipse">
-                <a:avLst/>
-              </a:prstGeom>
-              <a:noFill/>
-              <a:ln w="25400">
-                <a:solidFill>
-                  <a:srgbClr val="C00000"/>
-                </a:solidFill>
-              </a:ln>
-            </p:spPr>
-            <p:style>
-              <a:lnRef idx="2">
-                <a:schemeClr val="accent1">
-                  <a:shade val="50000"/>
-                </a:schemeClr>
-              </a:lnRef>
-              <a:fillRef idx="1">
-                <a:schemeClr val="accent1"/>
-              </a:fillRef>
-              <a:effectRef idx="0">
-                <a:schemeClr val="accent1"/>
-              </a:effectRef>
-              <a:fontRef idx="minor">
-                <a:schemeClr val="lt1"/>
-              </a:fontRef>
-            </p:style>
-            <p:txBody>
-              <a:bodyPr rtlCol="0" anchor="ctr"/>
-              <a:lstStyle/>
-              <a:p>
-                <a:pPr algn="ctr"/>
-                <a:endParaRPr lang="en-US">
-                  <a:solidFill>
-                    <a:schemeClr val="tx1"/>
-                  </a:solidFill>
-                </a:endParaRPr>
-              </a:p>
-            </p:txBody>
-          </p:sp>
-          <p:sp>
-            <p:nvSpPr>
-              <p:cNvPr id="8" name="Oval 7"/>
-              <p:cNvSpPr/>
-              <p:nvPr/>
-            </p:nvSpPr>
-            <p:spPr>
-              <a:xfrm>
-                <a:off x="7603603" y="4677248"/>
-                <a:ext cx="365663" cy="365663"/>
-              </a:xfrm>
-              <a:prstGeom prst="ellipse">
-                <a:avLst/>
-              </a:prstGeom>
-              <a:noFill/>
-              <a:ln w="25400">
-                <a:solidFill>
-                  <a:srgbClr val="C00000"/>
-                </a:solidFill>
-              </a:ln>
-            </p:spPr>
-            <p:style>
-              <a:lnRef idx="2">
-                <a:schemeClr val="accent1">
-                  <a:shade val="50000"/>
-                </a:schemeClr>
-              </a:lnRef>
-              <a:fillRef idx="1">
-                <a:schemeClr val="accent1"/>
-              </a:fillRef>
-              <a:effectRef idx="0">
-                <a:schemeClr val="accent1"/>
-              </a:effectRef>
-              <a:fontRef idx="minor">
-                <a:schemeClr val="lt1"/>
-              </a:fontRef>
-            </p:style>
-            <p:txBody>
-              <a:bodyPr rtlCol="0" anchor="ctr"/>
-              <a:lstStyle/>
-              <a:p>
-                <a:pPr algn="ctr"/>
-                <a:endParaRPr lang="en-US">
-                  <a:solidFill>
-                    <a:schemeClr val="tx1"/>
-                  </a:solidFill>
-                </a:endParaRPr>
-              </a:p>
-            </p:txBody>
-          </p:sp>
-          <p:sp>
-            <p:nvSpPr>
-              <p:cNvPr id="9" name="Oval 8"/>
-              <p:cNvSpPr/>
-              <p:nvPr/>
-            </p:nvSpPr>
-            <p:spPr>
-              <a:xfrm>
-                <a:off x="5873259" y="4677248"/>
-                <a:ext cx="365663" cy="365663"/>
-              </a:xfrm>
-              <a:prstGeom prst="ellipse">
-                <a:avLst/>
-              </a:prstGeom>
-              <a:noFill/>
-              <a:ln w="25400">
-                <a:solidFill>
-                  <a:srgbClr val="C00000"/>
-                </a:solidFill>
-              </a:ln>
-            </p:spPr>
-            <p:style>
-              <a:lnRef idx="2">
-                <a:schemeClr val="accent1">
-                  <a:shade val="50000"/>
-                </a:schemeClr>
-              </a:lnRef>
-              <a:fillRef idx="1">
-                <a:schemeClr val="accent1"/>
-              </a:fillRef>
-              <a:effectRef idx="0">
-                <a:schemeClr val="accent1"/>
-              </a:effectRef>
-              <a:fontRef idx="minor">
-                <a:schemeClr val="lt1"/>
-              </a:fontRef>
-            </p:style>
-            <p:txBody>
-              <a:bodyPr rtlCol="0" anchor="ctr"/>
-              <a:lstStyle/>
-              <a:p>
-                <a:pPr algn="ctr"/>
-                <a:endParaRPr lang="en-US">
-                  <a:solidFill>
-                    <a:schemeClr val="tx1"/>
-                  </a:solidFill>
-                </a:endParaRPr>
-              </a:p>
-            </p:txBody>
-          </p:sp>
-          <p:sp>
-            <p:nvSpPr>
-              <p:cNvPr id="10" name="Rectangle 9"/>
-              <p:cNvSpPr/>
-              <p:nvPr/>
-            </p:nvSpPr>
-            <p:spPr>
-              <a:xfrm>
-                <a:off x="5838484" y="4644073"/>
-                <a:ext cx="2169328" cy="441544"/>
-              </a:xfrm>
-              <a:prstGeom prst="rect">
-                <a:avLst/>
-              </a:prstGeom>
-              <a:noFill/>
-              <a:ln w="25400">
-                <a:solidFill>
-                  <a:srgbClr val="C00000"/>
-                </a:solidFill>
-              </a:ln>
-            </p:spPr>
-            <p:style>
-              <a:lnRef idx="2">
-                <a:schemeClr val="accent1">
-                  <a:shade val="50000"/>
-                </a:schemeClr>
-              </a:lnRef>
-              <a:fillRef idx="1">
-                <a:schemeClr val="accent1"/>
-              </a:fillRef>
-              <a:effectRef idx="0">
-                <a:schemeClr val="accent1"/>
-              </a:effectRef>
-              <a:fontRef idx="minor">
-                <a:schemeClr val="lt1"/>
-              </a:fontRef>
-            </p:style>
-            <p:txBody>
-              <a:bodyPr rtlCol="0" anchor="ctr"/>
-              <a:lstStyle/>
-              <a:p>
-                <a:pPr algn="ctr"/>
-                <a:endParaRPr lang="en-US">
-                  <a:solidFill>
-                    <a:schemeClr val="tx1"/>
-                  </a:solidFill>
-                </a:endParaRPr>
-              </a:p>
-            </p:txBody>
-          </p:sp>
-        </p:grpSp>
-        <p:cxnSp>
-          <p:nvCxnSpPr>
-            <p:cNvPr id="11" name="Straight Arrow Connector 10"/>
-            <p:cNvCxnSpPr>
-              <a:stCxn id="10" idx="0"/>
-              <a:endCxn id="15" idx="4"/>
-            </p:cNvCxnSpPr>
-            <p:nvPr/>
-          </p:nvCxnSpPr>
-          <p:spPr>
-            <a:xfrm flipH="1" flipV="1">
-              <a:off x="13163954" y="3919618"/>
-              <a:ext cx="13351" cy="1657037"/>
-            </a:xfrm>
-            <a:prstGeom prst="straightConnector1">
-              <a:avLst/>
-            </a:prstGeom>
-            <a:ln w="50800">
-              <a:solidFill>
-                <a:srgbClr val="C00000"/>
-              </a:solidFill>
-              <a:tailEnd type="triangle"/>
-            </a:ln>
-            <a:effectLst/>
-          </p:spPr>
-          <p:style>
-            <a:lnRef idx="2">
-              <a:schemeClr val="accent1"/>
-            </a:lnRef>
-            <a:fillRef idx="0">
-              <a:schemeClr val="accent1"/>
-            </a:fillRef>
-            <a:effectRef idx="1">
-              <a:schemeClr val="accent1"/>
-            </a:effectRef>
-            <a:fontRef idx="minor">
-              <a:schemeClr val="tx1"/>
-            </a:fontRef>
-          </p:style>
-        </p:cxnSp>
-        <p:cxnSp>
-          <p:nvCxnSpPr>
-            <p:cNvPr id="12" name="Straight Arrow Connector 11"/>
-            <p:cNvCxnSpPr>
-              <a:stCxn id="15" idx="0"/>
-            </p:cNvCxnSpPr>
-            <p:nvPr/>
-          </p:nvCxnSpPr>
-          <p:spPr>
-            <a:xfrm flipV="1">
-              <a:off x="13163954" y="3288759"/>
-              <a:ext cx="0" cy="334907"/>
-            </a:xfrm>
-            <a:prstGeom prst="straightConnector1">
-              <a:avLst/>
-            </a:prstGeom>
-            <a:ln w="50800">
-              <a:solidFill>
-                <a:srgbClr val="7030A0"/>
-              </a:solidFill>
-              <a:tailEnd type="triangle"/>
-            </a:ln>
-            <a:effectLst/>
-          </p:spPr>
-          <p:style>
-            <a:lnRef idx="2">
-              <a:schemeClr val="accent1"/>
-            </a:lnRef>
-            <a:fillRef idx="0">
-              <a:schemeClr val="accent1"/>
-            </a:fillRef>
-            <a:effectRef idx="1">
-              <a:schemeClr val="accent1"/>
-            </a:effectRef>
-            <a:fontRef idx="minor">
-              <a:schemeClr val="tx1"/>
-            </a:fontRef>
-          </p:style>
-        </p:cxnSp>
-        <p:grpSp>
-          <p:nvGrpSpPr>
-            <p:cNvPr id="71" name="Group 70"/>
-            <p:cNvGrpSpPr/>
-            <p:nvPr/>
-          </p:nvGrpSpPr>
-          <p:grpSpPr>
-            <a:xfrm>
-              <a:off x="12287600" y="3594784"/>
-              <a:ext cx="2266500" cy="359399"/>
-              <a:chOff x="4874465" y="4696004"/>
-              <a:chExt cx="2266500" cy="359399"/>
-            </a:xfrm>
-          </p:grpSpPr>
-          <p:grpSp>
-            <p:nvGrpSpPr>
-              <p:cNvPr id="13" name="Group 12"/>
-              <p:cNvGrpSpPr/>
-              <p:nvPr/>
-            </p:nvGrpSpPr>
-            <p:grpSpPr>
-              <a:xfrm>
-                <a:off x="4874465" y="4698036"/>
-                <a:ext cx="1755761" cy="357367"/>
-                <a:chOff x="5838484" y="3917173"/>
-                <a:chExt cx="2169328" cy="441544"/>
-              </a:xfrm>
-            </p:grpSpPr>
-            <p:sp>
-              <p:nvSpPr>
-                <p:cNvPr id="14" name="Oval 13"/>
-                <p:cNvSpPr/>
-                <p:nvPr/>
-              </p:nvSpPr>
-              <p:spPr>
-                <a:xfrm>
-                  <a:off x="6305845" y="3950348"/>
-                  <a:ext cx="365663" cy="365663"/>
-                </a:xfrm>
-                <a:prstGeom prst="ellipse">
-                  <a:avLst/>
-                </a:prstGeom>
-                <a:noFill/>
-                <a:ln w="25400">
-                  <a:solidFill>
-                    <a:srgbClr val="7030A0"/>
-                  </a:solidFill>
-                </a:ln>
-              </p:spPr>
-              <p:style>
-                <a:lnRef idx="2">
-                  <a:schemeClr val="accent1">
-                    <a:shade val="50000"/>
-                  </a:schemeClr>
-                </a:lnRef>
-                <a:fillRef idx="1">
-                  <a:schemeClr val="accent1"/>
-                </a:fillRef>
-                <a:effectRef idx="0">
-                  <a:schemeClr val="accent1"/>
-                </a:effectRef>
-                <a:fontRef idx="minor">
-                  <a:schemeClr val="lt1"/>
-                </a:fontRef>
-              </p:style>
-              <p:txBody>
-                <a:bodyPr rtlCol="0" anchor="ctr"/>
-                <a:lstStyle/>
-                <a:p>
-                  <a:pPr algn="ctr"/>
-                  <a:endParaRPr lang="en-US">
-                    <a:solidFill>
-                      <a:schemeClr val="tx1"/>
-                    </a:solidFill>
-                  </a:endParaRPr>
-                </a:p>
-              </p:txBody>
-            </p:sp>
-            <p:sp>
-              <p:nvSpPr>
-                <p:cNvPr id="15" name="Oval 14"/>
-                <p:cNvSpPr/>
-                <p:nvPr/>
-              </p:nvSpPr>
-              <p:spPr>
-                <a:xfrm>
-                  <a:off x="6738431" y="3950348"/>
-                  <a:ext cx="365663" cy="365663"/>
-                </a:xfrm>
-                <a:prstGeom prst="ellipse">
-                  <a:avLst/>
-                </a:prstGeom>
-                <a:noFill/>
-                <a:ln w="25400">
-                  <a:solidFill>
-                    <a:srgbClr val="7030A0"/>
-                  </a:solidFill>
-                </a:ln>
-              </p:spPr>
-              <p:style>
-                <a:lnRef idx="2">
-                  <a:schemeClr val="accent1">
-                    <a:shade val="50000"/>
-                  </a:schemeClr>
-                </a:lnRef>
-                <a:fillRef idx="1">
-                  <a:schemeClr val="accent1"/>
-                </a:fillRef>
-                <a:effectRef idx="0">
-                  <a:schemeClr val="accent1"/>
-                </a:effectRef>
-                <a:fontRef idx="minor">
-                  <a:schemeClr val="lt1"/>
-                </a:fontRef>
-              </p:style>
-              <p:txBody>
-                <a:bodyPr rtlCol="0" anchor="ctr"/>
-                <a:lstStyle/>
-                <a:p>
-                  <a:pPr algn="ctr"/>
-                  <a:endParaRPr lang="en-US">
-                    <a:solidFill>
-                      <a:schemeClr val="tx1"/>
-                    </a:solidFill>
-                  </a:endParaRPr>
-                </a:p>
-              </p:txBody>
-            </p:sp>
-            <p:sp>
-              <p:nvSpPr>
-                <p:cNvPr id="16" name="Oval 15"/>
-                <p:cNvSpPr/>
-                <p:nvPr/>
-              </p:nvSpPr>
-              <p:spPr>
-                <a:xfrm>
-                  <a:off x="7171017" y="3950348"/>
-                  <a:ext cx="365663" cy="365663"/>
-                </a:xfrm>
-                <a:prstGeom prst="ellipse">
-                  <a:avLst/>
-                </a:prstGeom>
-                <a:noFill/>
-                <a:ln w="25400">
-                  <a:solidFill>
-                    <a:srgbClr val="7030A0"/>
-                  </a:solidFill>
-                </a:ln>
-              </p:spPr>
-              <p:style>
-                <a:lnRef idx="2">
-                  <a:schemeClr val="accent1">
-                    <a:shade val="50000"/>
-                  </a:schemeClr>
-                </a:lnRef>
-                <a:fillRef idx="1">
-                  <a:schemeClr val="accent1"/>
-                </a:fillRef>
-                <a:effectRef idx="0">
-                  <a:schemeClr val="accent1"/>
-                </a:effectRef>
-                <a:fontRef idx="minor">
-                  <a:schemeClr val="lt1"/>
-                </a:fontRef>
-              </p:style>
-              <p:txBody>
-                <a:bodyPr rtlCol="0" anchor="ctr"/>
-                <a:lstStyle/>
-                <a:p>
-                  <a:pPr algn="ctr"/>
-                  <a:endParaRPr lang="en-US">
-                    <a:solidFill>
-                      <a:schemeClr val="tx1"/>
-                    </a:solidFill>
-                  </a:endParaRPr>
-                </a:p>
-              </p:txBody>
-            </p:sp>
-            <p:sp>
-              <p:nvSpPr>
-                <p:cNvPr id="17" name="Oval 16"/>
-                <p:cNvSpPr/>
-                <p:nvPr/>
-              </p:nvSpPr>
-              <p:spPr>
-                <a:xfrm>
-                  <a:off x="7603603" y="3950348"/>
-                  <a:ext cx="365663" cy="365663"/>
-                </a:xfrm>
-                <a:prstGeom prst="ellipse">
-                  <a:avLst/>
-                </a:prstGeom>
-                <a:noFill/>
-                <a:ln w="25400">
-                  <a:solidFill>
-                    <a:srgbClr val="7030A0"/>
-                  </a:solidFill>
-                </a:ln>
-              </p:spPr>
-              <p:style>
-                <a:lnRef idx="2">
-                  <a:schemeClr val="accent1">
-                    <a:shade val="50000"/>
-                  </a:schemeClr>
-                </a:lnRef>
-                <a:fillRef idx="1">
-                  <a:schemeClr val="accent1"/>
-                </a:fillRef>
-                <a:effectRef idx="0">
-                  <a:schemeClr val="accent1"/>
-                </a:effectRef>
-                <a:fontRef idx="minor">
-                  <a:schemeClr val="lt1"/>
-                </a:fontRef>
-              </p:style>
-              <p:txBody>
-                <a:bodyPr rtlCol="0" anchor="ctr"/>
-                <a:lstStyle/>
-                <a:p>
-                  <a:pPr algn="ctr"/>
-                  <a:endParaRPr lang="en-US">
-                    <a:solidFill>
-                      <a:schemeClr val="tx1"/>
-                    </a:solidFill>
-                  </a:endParaRPr>
-                </a:p>
-              </p:txBody>
-            </p:sp>
-            <p:sp>
-              <p:nvSpPr>
-                <p:cNvPr id="18" name="Oval 17"/>
-                <p:cNvSpPr/>
-                <p:nvPr/>
-              </p:nvSpPr>
-              <p:spPr>
-                <a:xfrm>
-                  <a:off x="5873259" y="3950348"/>
-                  <a:ext cx="365663" cy="365663"/>
-                </a:xfrm>
-                <a:prstGeom prst="ellipse">
-                  <a:avLst/>
-                </a:prstGeom>
-                <a:noFill/>
-                <a:ln w="25400">
-                  <a:solidFill>
-                    <a:srgbClr val="7030A0"/>
-                  </a:solidFill>
-                </a:ln>
-              </p:spPr>
-              <p:style>
-                <a:lnRef idx="2">
-                  <a:schemeClr val="accent1">
-                    <a:shade val="50000"/>
-                  </a:schemeClr>
-                </a:lnRef>
-                <a:fillRef idx="1">
-                  <a:schemeClr val="accent1"/>
-                </a:fillRef>
-                <a:effectRef idx="0">
-                  <a:schemeClr val="accent1"/>
-                </a:effectRef>
-                <a:fontRef idx="minor">
-                  <a:schemeClr val="lt1"/>
-                </a:fontRef>
-              </p:style>
-              <p:txBody>
-                <a:bodyPr rtlCol="0" anchor="ctr"/>
-                <a:lstStyle/>
-                <a:p>
-                  <a:pPr algn="ctr"/>
-                  <a:endParaRPr lang="en-US">
-                    <a:solidFill>
-                      <a:schemeClr val="tx1"/>
-                    </a:solidFill>
-                  </a:endParaRPr>
-                </a:p>
-              </p:txBody>
-            </p:sp>
-            <p:sp>
-              <p:nvSpPr>
-                <p:cNvPr id="19" name="Rectangle 18"/>
-                <p:cNvSpPr/>
-                <p:nvPr/>
-              </p:nvSpPr>
-              <p:spPr>
-                <a:xfrm>
-                  <a:off x="5838484" y="3917173"/>
-                  <a:ext cx="2169328" cy="441544"/>
-                </a:xfrm>
-                <a:prstGeom prst="rect">
-                  <a:avLst/>
-                </a:prstGeom>
-                <a:noFill/>
-                <a:ln w="25400">
-                  <a:solidFill>
-                    <a:srgbClr val="7030A0"/>
-                  </a:solidFill>
-                </a:ln>
-              </p:spPr>
-              <p:style>
-                <a:lnRef idx="2">
-                  <a:schemeClr val="accent1">
-                    <a:shade val="50000"/>
-                  </a:schemeClr>
-                </a:lnRef>
-                <a:fillRef idx="1">
-                  <a:schemeClr val="accent1"/>
-                </a:fillRef>
-                <a:effectRef idx="0">
-                  <a:schemeClr val="accent1"/>
-                </a:effectRef>
-                <a:fontRef idx="minor">
-                  <a:schemeClr val="lt1"/>
-                </a:fontRef>
-              </p:style>
-              <p:txBody>
-                <a:bodyPr rtlCol="0" anchor="ctr"/>
-                <a:lstStyle/>
-                <a:p>
-                  <a:pPr algn="ctr"/>
-                  <a:endParaRPr lang="en-US">
-                    <a:solidFill>
-                      <a:schemeClr val="tx1"/>
-                    </a:solidFill>
-                  </a:endParaRPr>
-                </a:p>
-              </p:txBody>
-            </p:sp>
-          </p:grpSp>
-          <p:sp>
-            <p:nvSpPr>
-              <p:cNvPr id="20" name="Curved Left Arrow 19"/>
-              <p:cNvSpPr/>
-              <p:nvPr/>
-            </p:nvSpPr>
-            <p:spPr>
-              <a:xfrm>
-                <a:off x="6653194" y="4696004"/>
-                <a:ext cx="487771" cy="359399"/>
-              </a:xfrm>
-              <a:prstGeom prst="curvedLeftArrow">
-                <a:avLst>
-                  <a:gd name="adj1" fmla="val 14052"/>
-                  <a:gd name="adj2" fmla="val 50000"/>
-                  <a:gd name="adj3" fmla="val 23783"/>
-                </a:avLst>
-              </a:prstGeom>
-              <a:solidFill>
-                <a:srgbClr val="00B2B2"/>
-              </a:solidFill>
-              <a:ln w="25400">
-                <a:solidFill>
-                  <a:srgbClr val="00C6BA"/>
-                </a:solidFill>
-              </a:ln>
-            </p:spPr>
-            <p:style>
-              <a:lnRef idx="2">
-                <a:schemeClr val="accent1">
-                  <a:shade val="50000"/>
-                </a:schemeClr>
-              </a:lnRef>
-              <a:fillRef idx="1">
-                <a:schemeClr val="accent1"/>
-              </a:fillRef>
-              <a:effectRef idx="0">
-                <a:schemeClr val="accent1"/>
-              </a:effectRef>
-              <a:fontRef idx="minor">
-                <a:schemeClr val="lt1"/>
-              </a:fontRef>
-            </p:style>
-            <p:txBody>
-              <a:bodyPr rtlCol="0" anchor="ctr"/>
-              <a:lstStyle/>
-              <a:p>
-                <a:pPr algn="ctr"/>
-                <a:endParaRPr lang="en-US">
-                  <a:solidFill>
-                    <a:schemeClr val="tx1"/>
-                  </a:solidFill>
-                </a:endParaRPr>
-              </a:p>
-            </p:txBody>
-          </p:sp>
-        </p:grpSp>
-      </p:grpSp>
-      <p:grpSp>
-        <p:nvGrpSpPr>
-          <p:cNvPr id="80" name="Group 79"/>
-          <p:cNvGrpSpPr/>
-          <p:nvPr/>
-        </p:nvGrpSpPr>
-        <p:grpSpPr>
-          <a:xfrm>
-            <a:off x="8128028" y="3600082"/>
-            <a:ext cx="4063972" cy="2993258"/>
-            <a:chOff x="8128028" y="3600082"/>
-            <a:chExt cx="4063972" cy="2993258"/>
-          </a:xfrm>
-        </p:grpSpPr>
-        <p:grpSp>
-          <p:nvGrpSpPr>
-            <p:cNvPr id="23" name="Group 22"/>
-            <p:cNvGrpSpPr/>
-            <p:nvPr/>
-          </p:nvGrpSpPr>
-          <p:grpSpPr>
-            <a:xfrm>
-              <a:off x="9480007" y="5575466"/>
-              <a:ext cx="1755761" cy="357367"/>
-              <a:chOff x="5838484" y="4644073"/>
-              <a:chExt cx="2169328" cy="441544"/>
-            </a:xfrm>
-          </p:grpSpPr>
-          <p:sp>
-            <p:nvSpPr>
-              <p:cNvPr id="50" name="Oval 49"/>
-              <p:cNvSpPr/>
-              <p:nvPr/>
-            </p:nvSpPr>
-            <p:spPr>
-              <a:xfrm>
-                <a:off x="6305845" y="4677248"/>
-                <a:ext cx="365663" cy="365663"/>
-              </a:xfrm>
-              <a:prstGeom prst="ellipse">
-                <a:avLst/>
-              </a:prstGeom>
-              <a:noFill/>
-              <a:ln w="25400">
-                <a:solidFill>
-                  <a:srgbClr val="C00000"/>
-                </a:solidFill>
-              </a:ln>
-            </p:spPr>
-            <p:style>
-              <a:lnRef idx="2">
-                <a:schemeClr val="accent1">
-                  <a:shade val="50000"/>
-                </a:schemeClr>
-              </a:lnRef>
-              <a:fillRef idx="1">
-                <a:schemeClr val="accent1"/>
-              </a:fillRef>
-              <a:effectRef idx="0">
-                <a:schemeClr val="accent1"/>
-              </a:effectRef>
-              <a:fontRef idx="minor">
-                <a:schemeClr val="lt1"/>
-              </a:fontRef>
-            </p:style>
-            <p:txBody>
-              <a:bodyPr rtlCol="0" anchor="ctr"/>
-              <a:lstStyle/>
-              <a:p>
-                <a:pPr algn="ctr"/>
-                <a:endParaRPr lang="en-US">
-                  <a:solidFill>
-                    <a:schemeClr val="tx1"/>
-                  </a:solidFill>
-                </a:endParaRPr>
-              </a:p>
-            </p:txBody>
-          </p:sp>
-          <p:sp>
-            <p:nvSpPr>
-              <p:cNvPr id="51" name="Oval 50"/>
-              <p:cNvSpPr/>
-              <p:nvPr/>
-            </p:nvSpPr>
-            <p:spPr>
-              <a:xfrm>
-                <a:off x="6738431" y="4677248"/>
-                <a:ext cx="365663" cy="365663"/>
-              </a:xfrm>
-              <a:prstGeom prst="ellipse">
-                <a:avLst/>
-              </a:prstGeom>
-              <a:noFill/>
-              <a:ln w="25400">
-                <a:solidFill>
-                  <a:srgbClr val="C00000"/>
-                </a:solidFill>
-              </a:ln>
-            </p:spPr>
-            <p:style>
-              <a:lnRef idx="2">
-                <a:schemeClr val="accent1">
-                  <a:shade val="50000"/>
-                </a:schemeClr>
-              </a:lnRef>
-              <a:fillRef idx="1">
-                <a:schemeClr val="accent1"/>
-              </a:fillRef>
-              <a:effectRef idx="0">
-                <a:schemeClr val="accent1"/>
-              </a:effectRef>
-              <a:fontRef idx="minor">
-                <a:schemeClr val="lt1"/>
-              </a:fontRef>
-            </p:style>
-            <p:txBody>
-              <a:bodyPr rtlCol="0" anchor="ctr"/>
-              <a:lstStyle/>
-              <a:p>
-                <a:pPr algn="ctr"/>
-                <a:endParaRPr lang="en-US">
-                  <a:solidFill>
-                    <a:schemeClr val="tx1"/>
-                  </a:solidFill>
-                </a:endParaRPr>
-              </a:p>
-            </p:txBody>
-          </p:sp>
-          <p:sp>
-            <p:nvSpPr>
-              <p:cNvPr id="52" name="Oval 51"/>
-              <p:cNvSpPr/>
-              <p:nvPr/>
-            </p:nvSpPr>
-            <p:spPr>
-              <a:xfrm>
-                <a:off x="7171017" y="4677248"/>
-                <a:ext cx="365663" cy="365663"/>
-              </a:xfrm>
-              <a:prstGeom prst="ellipse">
-                <a:avLst/>
-              </a:prstGeom>
-              <a:noFill/>
-              <a:ln w="25400">
-                <a:solidFill>
-                  <a:srgbClr val="C00000"/>
-                </a:solidFill>
-              </a:ln>
-            </p:spPr>
-            <p:style>
-              <a:lnRef idx="2">
-                <a:schemeClr val="accent1">
-                  <a:shade val="50000"/>
-                </a:schemeClr>
-              </a:lnRef>
-              <a:fillRef idx="1">
-                <a:schemeClr val="accent1"/>
-              </a:fillRef>
-              <a:effectRef idx="0">
-                <a:schemeClr val="accent1"/>
-              </a:effectRef>
-              <a:fontRef idx="minor">
-                <a:schemeClr val="lt1"/>
-              </a:fontRef>
-            </p:style>
-            <p:txBody>
-              <a:bodyPr rtlCol="0" anchor="ctr"/>
-              <a:lstStyle/>
-              <a:p>
-                <a:pPr algn="ctr"/>
-                <a:endParaRPr lang="en-US">
-                  <a:solidFill>
-                    <a:schemeClr val="tx1"/>
-                  </a:solidFill>
-                </a:endParaRPr>
-              </a:p>
-            </p:txBody>
-          </p:sp>
-          <p:sp>
-            <p:nvSpPr>
-              <p:cNvPr id="53" name="Oval 52"/>
-              <p:cNvSpPr/>
-              <p:nvPr/>
-            </p:nvSpPr>
-            <p:spPr>
-              <a:xfrm>
-                <a:off x="7603603" y="4677248"/>
-                <a:ext cx="365663" cy="365663"/>
-              </a:xfrm>
-              <a:prstGeom prst="ellipse">
-                <a:avLst/>
-              </a:prstGeom>
-              <a:noFill/>
-              <a:ln w="25400">
-                <a:solidFill>
-                  <a:srgbClr val="C00000"/>
-                </a:solidFill>
-              </a:ln>
-            </p:spPr>
-            <p:style>
-              <a:lnRef idx="2">
-                <a:schemeClr val="accent1">
-                  <a:shade val="50000"/>
-                </a:schemeClr>
-              </a:lnRef>
-              <a:fillRef idx="1">
-                <a:schemeClr val="accent1"/>
-              </a:fillRef>
-              <a:effectRef idx="0">
-                <a:schemeClr val="accent1"/>
-              </a:effectRef>
-              <a:fontRef idx="minor">
-                <a:schemeClr val="lt1"/>
-              </a:fontRef>
-            </p:style>
-            <p:txBody>
-              <a:bodyPr rtlCol="0" anchor="ctr"/>
-              <a:lstStyle/>
-              <a:p>
-                <a:pPr algn="ctr"/>
-                <a:endParaRPr lang="en-US">
-                  <a:solidFill>
-                    <a:schemeClr val="tx1"/>
-                  </a:solidFill>
-                </a:endParaRPr>
-              </a:p>
-            </p:txBody>
-          </p:sp>
-          <p:sp>
-            <p:nvSpPr>
-              <p:cNvPr id="54" name="Oval 53"/>
-              <p:cNvSpPr/>
-              <p:nvPr/>
-            </p:nvSpPr>
-            <p:spPr>
-              <a:xfrm>
-                <a:off x="5873259" y="4677248"/>
-                <a:ext cx="365663" cy="365663"/>
-              </a:xfrm>
-              <a:prstGeom prst="ellipse">
-                <a:avLst/>
-              </a:prstGeom>
-              <a:noFill/>
-              <a:ln w="25400">
-                <a:solidFill>
-                  <a:srgbClr val="C00000"/>
-                </a:solidFill>
-              </a:ln>
-            </p:spPr>
-            <p:style>
-              <a:lnRef idx="2">
-                <a:schemeClr val="accent1">
-                  <a:shade val="50000"/>
-                </a:schemeClr>
-              </a:lnRef>
-              <a:fillRef idx="1">
-                <a:schemeClr val="accent1"/>
-              </a:fillRef>
-              <a:effectRef idx="0">
-                <a:schemeClr val="accent1"/>
-              </a:effectRef>
-              <a:fontRef idx="minor">
-                <a:schemeClr val="lt1"/>
-              </a:fontRef>
-            </p:style>
-            <p:txBody>
-              <a:bodyPr rtlCol="0" anchor="ctr"/>
-              <a:lstStyle/>
-              <a:p>
-                <a:pPr algn="ctr"/>
-                <a:endParaRPr lang="en-US" dirty="0">
-                  <a:solidFill>
-                    <a:schemeClr val="tx1"/>
-                  </a:solidFill>
-                </a:endParaRPr>
-              </a:p>
-            </p:txBody>
-          </p:sp>
-          <p:sp>
-            <p:nvSpPr>
-              <p:cNvPr id="55" name="Rectangle 54"/>
-              <p:cNvSpPr/>
-              <p:nvPr/>
-            </p:nvSpPr>
-            <p:spPr>
-              <a:xfrm>
-                <a:off x="5838484" y="4644073"/>
-                <a:ext cx="2169328" cy="441544"/>
-              </a:xfrm>
-              <a:prstGeom prst="rect">
-                <a:avLst/>
-              </a:prstGeom>
-              <a:noFill/>
-              <a:ln w="25400">
-                <a:solidFill>
-                  <a:srgbClr val="C00000"/>
-                </a:solidFill>
-              </a:ln>
-            </p:spPr>
-            <p:style>
-              <a:lnRef idx="2">
-                <a:schemeClr val="accent1">
-                  <a:shade val="50000"/>
-                </a:schemeClr>
-              </a:lnRef>
-              <a:fillRef idx="1">
-                <a:schemeClr val="accent1"/>
-              </a:fillRef>
-              <a:effectRef idx="0">
-                <a:schemeClr val="accent1"/>
-              </a:effectRef>
-              <a:fontRef idx="minor">
-                <a:schemeClr val="lt1"/>
-              </a:fontRef>
-            </p:style>
-            <p:txBody>
-              <a:bodyPr rtlCol="0" anchor="ctr"/>
-              <a:lstStyle/>
-              <a:p>
-                <a:pPr algn="ctr"/>
-                <a:endParaRPr lang="en-US">
-                  <a:solidFill>
-                    <a:schemeClr val="tx1"/>
-                  </a:solidFill>
-                </a:endParaRPr>
-              </a:p>
-            </p:txBody>
-          </p:sp>
-        </p:grpSp>
-        <p:cxnSp>
-          <p:nvCxnSpPr>
-            <p:cNvPr id="24" name="Straight Arrow Connector 23"/>
-            <p:cNvCxnSpPr/>
-            <p:nvPr/>
-          </p:nvCxnSpPr>
-          <p:spPr>
-            <a:xfrm flipV="1">
-              <a:off x="10357888" y="5932833"/>
-              <a:ext cx="0" cy="278385"/>
-            </a:xfrm>
-            <a:prstGeom prst="straightConnector1">
-              <a:avLst/>
-            </a:prstGeom>
-            <a:ln w="50800">
-              <a:solidFill>
-                <a:srgbClr val="0000FF"/>
-              </a:solidFill>
-              <a:tailEnd type="triangle"/>
-            </a:ln>
-            <a:effectLst/>
-          </p:spPr>
-          <p:style>
-            <a:lnRef idx="2">
-              <a:schemeClr val="accent1"/>
-            </a:lnRef>
-            <a:fillRef idx="0">
-              <a:schemeClr val="accent1"/>
-            </a:fillRef>
-            <a:effectRef idx="1">
-              <a:schemeClr val="accent1"/>
-            </a:effectRef>
-            <a:fontRef idx="minor">
-              <a:schemeClr val="tx1"/>
-            </a:fontRef>
-          </p:style>
-        </p:cxnSp>
-        <p:grpSp>
-          <p:nvGrpSpPr>
-            <p:cNvPr id="25" name="Group 24"/>
-            <p:cNvGrpSpPr/>
-            <p:nvPr/>
-          </p:nvGrpSpPr>
-          <p:grpSpPr>
-            <a:xfrm>
-              <a:off x="9478481" y="4400770"/>
-              <a:ext cx="1755761" cy="357367"/>
-              <a:chOff x="5838484" y="3917173"/>
-              <a:chExt cx="2169328" cy="441544"/>
-            </a:xfrm>
-          </p:grpSpPr>
-          <p:sp>
-            <p:nvSpPr>
-              <p:cNvPr id="44" name="Oval 43"/>
-              <p:cNvSpPr/>
-              <p:nvPr/>
-            </p:nvSpPr>
-            <p:spPr>
-              <a:xfrm>
-                <a:off x="6305845" y="3950348"/>
-                <a:ext cx="365663" cy="365663"/>
-              </a:xfrm>
-              <a:prstGeom prst="ellipse">
-                <a:avLst/>
-              </a:prstGeom>
-              <a:noFill/>
-              <a:ln w="25400">
-                <a:solidFill>
-                  <a:srgbClr val="7030A0"/>
-                </a:solidFill>
-              </a:ln>
-            </p:spPr>
-            <p:style>
-              <a:lnRef idx="2">
-                <a:schemeClr val="accent1">
-                  <a:shade val="50000"/>
-                </a:schemeClr>
-              </a:lnRef>
-              <a:fillRef idx="1">
-                <a:schemeClr val="accent1"/>
-              </a:fillRef>
-              <a:effectRef idx="0">
-                <a:schemeClr val="accent1"/>
-              </a:effectRef>
-              <a:fontRef idx="minor">
-                <a:schemeClr val="lt1"/>
-              </a:fontRef>
-            </p:style>
-            <p:txBody>
-              <a:bodyPr rtlCol="0" anchor="ctr"/>
-              <a:lstStyle/>
-              <a:p>
-                <a:pPr algn="ctr"/>
-                <a:endParaRPr lang="en-US">
-                  <a:solidFill>
-                    <a:schemeClr val="tx1"/>
-                  </a:solidFill>
-                </a:endParaRPr>
-              </a:p>
-            </p:txBody>
-          </p:sp>
-          <p:sp>
-            <p:nvSpPr>
-              <p:cNvPr id="45" name="Oval 44"/>
-              <p:cNvSpPr/>
-              <p:nvPr/>
-            </p:nvSpPr>
-            <p:spPr>
-              <a:xfrm>
-                <a:off x="6738431" y="3950348"/>
-                <a:ext cx="365663" cy="365663"/>
-              </a:xfrm>
-              <a:prstGeom prst="ellipse">
-                <a:avLst/>
-              </a:prstGeom>
-              <a:noFill/>
-              <a:ln w="25400">
-                <a:solidFill>
-                  <a:srgbClr val="7030A0"/>
-                </a:solidFill>
-              </a:ln>
-            </p:spPr>
-            <p:style>
-              <a:lnRef idx="2">
-                <a:schemeClr val="accent1">
-                  <a:shade val="50000"/>
-                </a:schemeClr>
-              </a:lnRef>
-              <a:fillRef idx="1">
-                <a:schemeClr val="accent1"/>
-              </a:fillRef>
-              <a:effectRef idx="0">
-                <a:schemeClr val="accent1"/>
-              </a:effectRef>
-              <a:fontRef idx="minor">
-                <a:schemeClr val="lt1"/>
-              </a:fontRef>
-            </p:style>
-            <p:txBody>
-              <a:bodyPr rtlCol="0" anchor="ctr"/>
-              <a:lstStyle/>
-              <a:p>
-                <a:pPr algn="ctr"/>
-                <a:endParaRPr lang="en-US">
-                  <a:solidFill>
-                    <a:schemeClr val="tx1"/>
-                  </a:solidFill>
-                </a:endParaRPr>
-              </a:p>
-            </p:txBody>
-          </p:sp>
-          <p:sp>
-            <p:nvSpPr>
-              <p:cNvPr id="46" name="Oval 45"/>
-              <p:cNvSpPr/>
-              <p:nvPr/>
-            </p:nvSpPr>
-            <p:spPr>
-              <a:xfrm>
-                <a:off x="7171017" y="3950348"/>
-                <a:ext cx="365663" cy="365663"/>
-              </a:xfrm>
-              <a:prstGeom prst="ellipse">
-                <a:avLst/>
-              </a:prstGeom>
-              <a:noFill/>
-              <a:ln w="25400">
-                <a:solidFill>
-                  <a:srgbClr val="7030A0"/>
-                </a:solidFill>
-              </a:ln>
-            </p:spPr>
-            <p:style>
-              <a:lnRef idx="2">
-                <a:schemeClr val="accent1">
-                  <a:shade val="50000"/>
-                </a:schemeClr>
-              </a:lnRef>
-              <a:fillRef idx="1">
-                <a:schemeClr val="accent1"/>
-              </a:fillRef>
-              <a:effectRef idx="0">
-                <a:schemeClr val="accent1"/>
-              </a:effectRef>
-              <a:fontRef idx="minor">
-                <a:schemeClr val="lt1"/>
-              </a:fontRef>
-            </p:style>
-            <p:txBody>
-              <a:bodyPr rtlCol="0" anchor="ctr"/>
-              <a:lstStyle/>
-              <a:p>
-                <a:pPr algn="ctr"/>
-                <a:endParaRPr lang="en-US">
-                  <a:solidFill>
-                    <a:schemeClr val="tx1"/>
-                  </a:solidFill>
-                </a:endParaRPr>
-              </a:p>
-            </p:txBody>
-          </p:sp>
-          <p:sp>
-            <p:nvSpPr>
-              <p:cNvPr id="47" name="Oval 46"/>
-              <p:cNvSpPr/>
-              <p:nvPr/>
-            </p:nvSpPr>
-            <p:spPr>
-              <a:xfrm>
-                <a:off x="7603603" y="3950348"/>
-                <a:ext cx="365663" cy="365663"/>
-              </a:xfrm>
-              <a:prstGeom prst="ellipse">
-                <a:avLst/>
-              </a:prstGeom>
-              <a:noFill/>
-              <a:ln w="25400">
-                <a:solidFill>
-                  <a:srgbClr val="7030A0"/>
-                </a:solidFill>
-              </a:ln>
-            </p:spPr>
-            <p:style>
-              <a:lnRef idx="2">
-                <a:schemeClr val="accent1">
-                  <a:shade val="50000"/>
-                </a:schemeClr>
-              </a:lnRef>
-              <a:fillRef idx="1">
-                <a:schemeClr val="accent1"/>
-              </a:fillRef>
-              <a:effectRef idx="0">
-                <a:schemeClr val="accent1"/>
-              </a:effectRef>
-              <a:fontRef idx="minor">
-                <a:schemeClr val="lt1"/>
-              </a:fontRef>
-            </p:style>
-            <p:txBody>
-              <a:bodyPr rtlCol="0" anchor="ctr"/>
-              <a:lstStyle/>
-              <a:p>
-                <a:pPr algn="ctr"/>
-                <a:endParaRPr lang="en-US">
-                  <a:solidFill>
-                    <a:schemeClr val="tx1"/>
-                  </a:solidFill>
-                </a:endParaRPr>
-              </a:p>
-            </p:txBody>
-          </p:sp>
-          <p:sp>
-            <p:nvSpPr>
-              <p:cNvPr id="48" name="Oval 47"/>
-              <p:cNvSpPr/>
-              <p:nvPr/>
-            </p:nvSpPr>
-            <p:spPr>
-              <a:xfrm>
-                <a:off x="5873259" y="3950348"/>
-                <a:ext cx="365663" cy="365663"/>
-              </a:xfrm>
-              <a:prstGeom prst="ellipse">
-                <a:avLst/>
-              </a:prstGeom>
-              <a:noFill/>
-              <a:ln w="25400">
-                <a:solidFill>
-                  <a:srgbClr val="7030A0"/>
-                </a:solidFill>
-              </a:ln>
-            </p:spPr>
-            <p:style>
-              <a:lnRef idx="2">
-                <a:schemeClr val="accent1">
-                  <a:shade val="50000"/>
-                </a:schemeClr>
-              </a:lnRef>
-              <a:fillRef idx="1">
-                <a:schemeClr val="accent1"/>
-              </a:fillRef>
-              <a:effectRef idx="0">
-                <a:schemeClr val="accent1"/>
-              </a:effectRef>
-              <a:fontRef idx="minor">
-                <a:schemeClr val="lt1"/>
-              </a:fontRef>
-            </p:style>
-            <p:txBody>
-              <a:bodyPr rtlCol="0" anchor="ctr"/>
-              <a:lstStyle/>
-              <a:p>
-                <a:pPr algn="ctr"/>
-                <a:endParaRPr lang="en-US">
-                  <a:solidFill>
-                    <a:schemeClr val="tx1"/>
-                  </a:solidFill>
-                </a:endParaRPr>
-              </a:p>
-            </p:txBody>
-          </p:sp>
-          <p:sp>
-            <p:nvSpPr>
-              <p:cNvPr id="49" name="Rectangle 48"/>
-              <p:cNvSpPr/>
-              <p:nvPr/>
-            </p:nvSpPr>
-            <p:spPr>
-              <a:xfrm>
-                <a:off x="5838484" y="3917173"/>
-                <a:ext cx="2169328" cy="441544"/>
-              </a:xfrm>
-              <a:prstGeom prst="rect">
-                <a:avLst/>
-              </a:prstGeom>
-              <a:noFill/>
-              <a:ln w="25400">
-                <a:solidFill>
-                  <a:srgbClr val="7030A0"/>
-                </a:solidFill>
-              </a:ln>
-            </p:spPr>
-            <p:style>
-              <a:lnRef idx="2">
-                <a:schemeClr val="accent1">
-                  <a:shade val="50000"/>
-                </a:schemeClr>
-              </a:lnRef>
-              <a:fillRef idx="1">
-                <a:schemeClr val="accent1"/>
-              </a:fillRef>
-              <a:effectRef idx="0">
-                <a:schemeClr val="accent1"/>
-              </a:effectRef>
-              <a:fontRef idx="minor">
-                <a:schemeClr val="lt1"/>
-              </a:fontRef>
-            </p:style>
-            <p:txBody>
-              <a:bodyPr rtlCol="0" anchor="ctr"/>
-              <a:lstStyle/>
-              <a:p>
-                <a:pPr algn="ctr"/>
-                <a:endParaRPr lang="en-US">
-                  <a:solidFill>
-                    <a:schemeClr val="tx1"/>
-                  </a:solidFill>
-                </a:endParaRPr>
-              </a:p>
-            </p:txBody>
-          </p:sp>
-        </p:grpSp>
-        <p:cxnSp>
-          <p:nvCxnSpPr>
-            <p:cNvPr id="26" name="Straight Arrow Connector 25"/>
-            <p:cNvCxnSpPr/>
-            <p:nvPr/>
-          </p:nvCxnSpPr>
-          <p:spPr>
-            <a:xfrm flipV="1">
-              <a:off x="10357888" y="5344512"/>
-              <a:ext cx="0" cy="230955"/>
-            </a:xfrm>
-            <a:prstGeom prst="straightConnector1">
-              <a:avLst/>
-            </a:prstGeom>
-            <a:ln w="50800">
-              <a:solidFill>
-                <a:srgbClr val="C00000"/>
-              </a:solidFill>
-              <a:tailEnd type="triangle"/>
-            </a:ln>
-            <a:effectLst/>
-          </p:spPr>
-          <p:style>
-            <a:lnRef idx="2">
-              <a:schemeClr val="accent1"/>
-            </a:lnRef>
-            <a:fillRef idx="0">
-              <a:schemeClr val="accent1"/>
-            </a:fillRef>
-            <a:effectRef idx="1">
-              <a:schemeClr val="accent1"/>
-            </a:effectRef>
-            <a:fontRef idx="minor">
-              <a:schemeClr val="tx1"/>
-            </a:fontRef>
-          </p:style>
-        </p:cxnSp>
-        <p:cxnSp>
-          <p:nvCxnSpPr>
-            <p:cNvPr id="27" name="Straight Arrow Connector 26"/>
-            <p:cNvCxnSpPr/>
-            <p:nvPr/>
-          </p:nvCxnSpPr>
-          <p:spPr>
-            <a:xfrm flipH="1" flipV="1">
-              <a:off x="10356361" y="4758136"/>
-              <a:ext cx="1526" cy="229009"/>
-            </a:xfrm>
-            <a:prstGeom prst="straightConnector1">
-              <a:avLst/>
-            </a:prstGeom>
-            <a:ln w="50800">
-              <a:solidFill>
-                <a:srgbClr val="00C6BA"/>
-              </a:solidFill>
-              <a:tailEnd type="triangle"/>
-            </a:ln>
-            <a:effectLst/>
-          </p:spPr>
-          <p:style>
-            <a:lnRef idx="2">
-              <a:schemeClr val="accent1"/>
-            </a:lnRef>
-            <a:fillRef idx="0">
-              <a:schemeClr val="accent1"/>
-            </a:fillRef>
-            <a:effectRef idx="1">
-              <a:schemeClr val="accent1"/>
-            </a:effectRef>
-            <a:fontRef idx="minor">
-              <a:schemeClr val="tx1"/>
-            </a:fontRef>
-          </p:style>
-        </p:cxnSp>
-        <p:grpSp>
-          <p:nvGrpSpPr>
-            <p:cNvPr id="28" name="Group 27"/>
-            <p:cNvGrpSpPr/>
-            <p:nvPr/>
-          </p:nvGrpSpPr>
-          <p:grpSpPr>
-            <a:xfrm>
-              <a:off x="9480007" y="4987145"/>
-              <a:ext cx="1755761" cy="357367"/>
-              <a:chOff x="5838484" y="3917173"/>
-              <a:chExt cx="2169328" cy="441544"/>
-            </a:xfrm>
-          </p:grpSpPr>
-          <p:sp>
-            <p:nvSpPr>
-              <p:cNvPr id="38" name="Oval 37"/>
-              <p:cNvSpPr/>
-              <p:nvPr/>
-            </p:nvSpPr>
-            <p:spPr>
-              <a:xfrm>
-                <a:off x="6305845" y="3950348"/>
-                <a:ext cx="365663" cy="365663"/>
-              </a:xfrm>
-              <a:prstGeom prst="ellipse">
-                <a:avLst/>
-              </a:prstGeom>
-              <a:noFill/>
-              <a:ln w="25400">
-                <a:solidFill>
-                  <a:srgbClr val="7030A0"/>
-                </a:solidFill>
-              </a:ln>
-            </p:spPr>
-            <p:style>
-              <a:lnRef idx="2">
-                <a:schemeClr val="accent1">
-                  <a:shade val="50000"/>
-                </a:schemeClr>
-              </a:lnRef>
-              <a:fillRef idx="1">
-                <a:schemeClr val="accent1"/>
-              </a:fillRef>
-              <a:effectRef idx="0">
-                <a:schemeClr val="accent1"/>
-              </a:effectRef>
-              <a:fontRef idx="minor">
-                <a:schemeClr val="lt1"/>
-              </a:fontRef>
-            </p:style>
-            <p:txBody>
-              <a:bodyPr rtlCol="0" anchor="ctr"/>
-              <a:lstStyle/>
-              <a:p>
-                <a:pPr algn="ctr"/>
-                <a:endParaRPr lang="en-US">
-                  <a:solidFill>
-                    <a:schemeClr val="tx1"/>
-                  </a:solidFill>
-                </a:endParaRPr>
-              </a:p>
-            </p:txBody>
-          </p:sp>
-          <p:sp>
-            <p:nvSpPr>
-              <p:cNvPr id="39" name="Oval 38"/>
-              <p:cNvSpPr/>
-              <p:nvPr/>
-            </p:nvSpPr>
-            <p:spPr>
-              <a:xfrm>
-                <a:off x="6738431" y="3950348"/>
-                <a:ext cx="365663" cy="365663"/>
-              </a:xfrm>
-              <a:prstGeom prst="ellipse">
-                <a:avLst/>
-              </a:prstGeom>
-              <a:noFill/>
-              <a:ln w="25400">
-                <a:solidFill>
-                  <a:srgbClr val="7030A0"/>
-                </a:solidFill>
-              </a:ln>
-            </p:spPr>
-            <p:style>
-              <a:lnRef idx="2">
-                <a:schemeClr val="accent1">
-                  <a:shade val="50000"/>
-                </a:schemeClr>
-              </a:lnRef>
-              <a:fillRef idx="1">
-                <a:schemeClr val="accent1"/>
-              </a:fillRef>
-              <a:effectRef idx="0">
-                <a:schemeClr val="accent1"/>
-              </a:effectRef>
-              <a:fontRef idx="minor">
-                <a:schemeClr val="lt1"/>
-              </a:fontRef>
-            </p:style>
-            <p:txBody>
-              <a:bodyPr rtlCol="0" anchor="ctr"/>
-              <a:lstStyle/>
-              <a:p>
-                <a:pPr algn="ctr"/>
-                <a:endParaRPr lang="en-US">
-                  <a:solidFill>
-                    <a:schemeClr val="tx1"/>
-                  </a:solidFill>
-                </a:endParaRPr>
-              </a:p>
-            </p:txBody>
-          </p:sp>
-          <p:sp>
-            <p:nvSpPr>
-              <p:cNvPr id="40" name="Oval 39"/>
-              <p:cNvSpPr/>
-              <p:nvPr/>
-            </p:nvSpPr>
-            <p:spPr>
-              <a:xfrm>
-                <a:off x="7171017" y="3950348"/>
-                <a:ext cx="365663" cy="365663"/>
-              </a:xfrm>
-              <a:prstGeom prst="ellipse">
-                <a:avLst/>
-              </a:prstGeom>
-              <a:noFill/>
-              <a:ln w="25400">
-                <a:solidFill>
-                  <a:srgbClr val="7030A0"/>
-                </a:solidFill>
-              </a:ln>
-            </p:spPr>
-            <p:style>
-              <a:lnRef idx="2">
-                <a:schemeClr val="accent1">
-                  <a:shade val="50000"/>
-                </a:schemeClr>
-              </a:lnRef>
-              <a:fillRef idx="1">
-                <a:schemeClr val="accent1"/>
-              </a:fillRef>
-              <a:effectRef idx="0">
-                <a:schemeClr val="accent1"/>
-              </a:effectRef>
-              <a:fontRef idx="minor">
-                <a:schemeClr val="lt1"/>
-              </a:fontRef>
-            </p:style>
-            <p:txBody>
-              <a:bodyPr rtlCol="0" anchor="ctr"/>
-              <a:lstStyle/>
-              <a:p>
-                <a:pPr algn="ctr"/>
-                <a:endParaRPr lang="en-US">
-                  <a:solidFill>
-                    <a:schemeClr val="tx1"/>
-                  </a:solidFill>
-                </a:endParaRPr>
-              </a:p>
-            </p:txBody>
-          </p:sp>
-          <p:sp>
-            <p:nvSpPr>
-              <p:cNvPr id="41" name="Oval 40"/>
-              <p:cNvSpPr/>
-              <p:nvPr/>
-            </p:nvSpPr>
-            <p:spPr>
-              <a:xfrm>
-                <a:off x="7603603" y="3950348"/>
-                <a:ext cx="365663" cy="365663"/>
-              </a:xfrm>
-              <a:prstGeom prst="ellipse">
-                <a:avLst/>
-              </a:prstGeom>
-              <a:noFill/>
-              <a:ln w="25400">
-                <a:solidFill>
-                  <a:srgbClr val="7030A0"/>
-                </a:solidFill>
-              </a:ln>
-            </p:spPr>
-            <p:style>
-              <a:lnRef idx="2">
-                <a:schemeClr val="accent1">
-                  <a:shade val="50000"/>
-                </a:schemeClr>
-              </a:lnRef>
-              <a:fillRef idx="1">
-                <a:schemeClr val="accent1"/>
-              </a:fillRef>
-              <a:effectRef idx="0">
-                <a:schemeClr val="accent1"/>
-              </a:effectRef>
-              <a:fontRef idx="minor">
-                <a:schemeClr val="lt1"/>
-              </a:fontRef>
-            </p:style>
-            <p:txBody>
-              <a:bodyPr rtlCol="0" anchor="ctr"/>
-              <a:lstStyle/>
-              <a:p>
-                <a:pPr algn="ctr"/>
-                <a:endParaRPr lang="en-US">
-                  <a:solidFill>
-                    <a:schemeClr val="tx1"/>
-                  </a:solidFill>
-                </a:endParaRPr>
-              </a:p>
-            </p:txBody>
-          </p:sp>
-          <p:sp>
-            <p:nvSpPr>
-              <p:cNvPr id="42" name="Oval 41"/>
-              <p:cNvSpPr/>
-              <p:nvPr/>
-            </p:nvSpPr>
-            <p:spPr>
-              <a:xfrm>
-                <a:off x="5873259" y="3950348"/>
-                <a:ext cx="365663" cy="365663"/>
-              </a:xfrm>
-              <a:prstGeom prst="ellipse">
-                <a:avLst/>
-              </a:prstGeom>
-              <a:noFill/>
-              <a:ln w="25400">
-                <a:solidFill>
-                  <a:srgbClr val="7030A0"/>
-                </a:solidFill>
-              </a:ln>
-            </p:spPr>
-            <p:style>
-              <a:lnRef idx="2">
-                <a:schemeClr val="accent1">
-                  <a:shade val="50000"/>
-                </a:schemeClr>
-              </a:lnRef>
-              <a:fillRef idx="1">
-                <a:schemeClr val="accent1"/>
-              </a:fillRef>
-              <a:effectRef idx="0">
-                <a:schemeClr val="accent1"/>
-              </a:effectRef>
-              <a:fontRef idx="minor">
-                <a:schemeClr val="lt1"/>
-              </a:fontRef>
-            </p:style>
-            <p:txBody>
-              <a:bodyPr rtlCol="0" anchor="ctr"/>
-              <a:lstStyle/>
-              <a:p>
-                <a:pPr algn="ctr"/>
-                <a:endParaRPr lang="en-US">
-                  <a:solidFill>
-                    <a:schemeClr val="tx1"/>
-                  </a:solidFill>
-                </a:endParaRPr>
-              </a:p>
-            </p:txBody>
-          </p:sp>
-          <p:sp>
-            <p:nvSpPr>
-              <p:cNvPr id="43" name="Rectangle 42"/>
-              <p:cNvSpPr/>
-              <p:nvPr/>
-            </p:nvSpPr>
-            <p:spPr>
-              <a:xfrm>
-                <a:off x="5838484" y="3917173"/>
-                <a:ext cx="2169328" cy="441544"/>
-              </a:xfrm>
-              <a:prstGeom prst="rect">
-                <a:avLst/>
-              </a:prstGeom>
-              <a:noFill/>
-              <a:ln w="25400">
-                <a:solidFill>
-                  <a:srgbClr val="7030A0"/>
-                </a:solidFill>
-              </a:ln>
-            </p:spPr>
-            <p:style>
-              <a:lnRef idx="2">
-                <a:schemeClr val="accent1">
-                  <a:shade val="50000"/>
-                </a:schemeClr>
-              </a:lnRef>
-              <a:fillRef idx="1">
-                <a:schemeClr val="accent1"/>
-              </a:fillRef>
-              <a:effectRef idx="0">
-                <a:schemeClr val="accent1"/>
-              </a:effectRef>
-              <a:fontRef idx="minor">
-                <a:schemeClr val="lt1"/>
-              </a:fontRef>
-            </p:style>
-            <p:txBody>
-              <a:bodyPr rtlCol="0" anchor="ctr"/>
-              <a:lstStyle/>
-              <a:p>
-                <a:pPr algn="ctr"/>
-                <a:endParaRPr lang="en-US">
-                  <a:solidFill>
-                    <a:schemeClr val="tx1"/>
-                  </a:solidFill>
-                </a:endParaRPr>
-              </a:p>
-            </p:txBody>
-          </p:sp>
-        </p:grpSp>
-        <p:grpSp>
-          <p:nvGrpSpPr>
-            <p:cNvPr id="29" name="Group 28"/>
-            <p:cNvGrpSpPr/>
-            <p:nvPr/>
-          </p:nvGrpSpPr>
-          <p:grpSpPr>
-            <a:xfrm>
-              <a:off x="9478481" y="3600082"/>
-              <a:ext cx="1755761" cy="357367"/>
-              <a:chOff x="5838484" y="3917173"/>
-              <a:chExt cx="2169328" cy="441544"/>
-            </a:xfrm>
-          </p:grpSpPr>
-          <p:sp>
-            <p:nvSpPr>
-              <p:cNvPr id="32" name="Oval 31"/>
-              <p:cNvSpPr/>
-              <p:nvPr/>
-            </p:nvSpPr>
-            <p:spPr>
-              <a:xfrm>
-                <a:off x="6305845" y="3950348"/>
-                <a:ext cx="365663" cy="365663"/>
-              </a:xfrm>
-              <a:prstGeom prst="ellipse">
-                <a:avLst/>
-              </a:prstGeom>
-              <a:noFill/>
-              <a:ln w="25400">
-                <a:solidFill>
-                  <a:srgbClr val="7030A0"/>
-                </a:solidFill>
-              </a:ln>
-            </p:spPr>
-            <p:style>
-              <a:lnRef idx="2">
-                <a:schemeClr val="accent1">
-                  <a:shade val="50000"/>
-                </a:schemeClr>
-              </a:lnRef>
-              <a:fillRef idx="1">
-                <a:schemeClr val="accent1"/>
-              </a:fillRef>
-              <a:effectRef idx="0">
-                <a:schemeClr val="accent1"/>
-              </a:effectRef>
-              <a:fontRef idx="minor">
-                <a:schemeClr val="lt1"/>
-              </a:fontRef>
-            </p:style>
-            <p:txBody>
-              <a:bodyPr rtlCol="0" anchor="ctr"/>
-              <a:lstStyle/>
-              <a:p>
-                <a:pPr algn="ctr"/>
-                <a:endParaRPr lang="en-US" dirty="0" smtClean="0">
-                  <a:solidFill>
-                    <a:schemeClr val="tx1"/>
-                  </a:solidFill>
-                </a:endParaRPr>
-              </a:p>
-              <a:p>
-                <a:pPr algn="ctr"/>
-                <a:endParaRPr lang="en-US" dirty="0">
-                  <a:solidFill>
-                    <a:schemeClr val="tx1"/>
-                  </a:solidFill>
-                </a:endParaRPr>
-              </a:p>
-            </p:txBody>
-          </p:sp>
-          <p:sp>
-            <p:nvSpPr>
-              <p:cNvPr id="33" name="Oval 32"/>
-              <p:cNvSpPr/>
-              <p:nvPr/>
-            </p:nvSpPr>
-            <p:spPr>
-              <a:xfrm>
-                <a:off x="6738431" y="3950348"/>
-                <a:ext cx="365663" cy="365663"/>
-              </a:xfrm>
-              <a:prstGeom prst="ellipse">
-                <a:avLst/>
-              </a:prstGeom>
-              <a:noFill/>
-              <a:ln w="25400">
-                <a:solidFill>
-                  <a:srgbClr val="7030A0"/>
-                </a:solidFill>
-              </a:ln>
-            </p:spPr>
-            <p:style>
-              <a:lnRef idx="2">
-                <a:schemeClr val="accent1">
-                  <a:shade val="50000"/>
-                </a:schemeClr>
-              </a:lnRef>
-              <a:fillRef idx="1">
-                <a:schemeClr val="accent1"/>
-              </a:fillRef>
-              <a:effectRef idx="0">
-                <a:schemeClr val="accent1"/>
-              </a:effectRef>
-              <a:fontRef idx="minor">
-                <a:schemeClr val="lt1"/>
-              </a:fontRef>
-            </p:style>
-            <p:txBody>
-              <a:bodyPr rtlCol="0" anchor="ctr"/>
-              <a:lstStyle/>
-              <a:p>
-                <a:pPr algn="ctr"/>
-                <a:endParaRPr lang="en-US">
-                  <a:solidFill>
-                    <a:schemeClr val="tx1"/>
-                  </a:solidFill>
-                </a:endParaRPr>
-              </a:p>
-            </p:txBody>
-          </p:sp>
-          <p:sp>
-            <p:nvSpPr>
-              <p:cNvPr id="34" name="Oval 33"/>
-              <p:cNvSpPr/>
-              <p:nvPr/>
-            </p:nvSpPr>
-            <p:spPr>
-              <a:xfrm>
-                <a:off x="7171017" y="3950348"/>
-                <a:ext cx="365663" cy="365663"/>
-              </a:xfrm>
-              <a:prstGeom prst="ellipse">
-                <a:avLst/>
-              </a:prstGeom>
-              <a:noFill/>
-              <a:ln w="25400">
-                <a:solidFill>
-                  <a:srgbClr val="7030A0"/>
-                </a:solidFill>
-              </a:ln>
-            </p:spPr>
-            <p:style>
-              <a:lnRef idx="2">
-                <a:schemeClr val="accent1">
-                  <a:shade val="50000"/>
-                </a:schemeClr>
-              </a:lnRef>
-              <a:fillRef idx="1">
-                <a:schemeClr val="accent1"/>
-              </a:fillRef>
-              <a:effectRef idx="0">
-                <a:schemeClr val="accent1"/>
-              </a:effectRef>
-              <a:fontRef idx="minor">
-                <a:schemeClr val="lt1"/>
-              </a:fontRef>
-            </p:style>
-            <p:txBody>
-              <a:bodyPr rtlCol="0" anchor="ctr"/>
-              <a:lstStyle/>
-              <a:p>
-                <a:pPr algn="ctr"/>
-                <a:endParaRPr lang="en-US">
-                  <a:solidFill>
-                    <a:schemeClr val="tx1"/>
-                  </a:solidFill>
-                </a:endParaRPr>
-              </a:p>
-            </p:txBody>
-          </p:sp>
-          <p:sp>
-            <p:nvSpPr>
-              <p:cNvPr id="35" name="Oval 34"/>
-              <p:cNvSpPr/>
-              <p:nvPr/>
-            </p:nvSpPr>
-            <p:spPr>
-              <a:xfrm>
-                <a:off x="7603603" y="3950348"/>
-                <a:ext cx="365663" cy="365663"/>
-              </a:xfrm>
-              <a:prstGeom prst="ellipse">
-                <a:avLst/>
-              </a:prstGeom>
-              <a:noFill/>
-              <a:ln w="25400">
-                <a:solidFill>
-                  <a:srgbClr val="7030A0"/>
-                </a:solidFill>
-              </a:ln>
-            </p:spPr>
-            <p:style>
-              <a:lnRef idx="2">
-                <a:schemeClr val="accent1">
-                  <a:shade val="50000"/>
-                </a:schemeClr>
-              </a:lnRef>
-              <a:fillRef idx="1">
-                <a:schemeClr val="accent1"/>
-              </a:fillRef>
-              <a:effectRef idx="0">
-                <a:schemeClr val="accent1"/>
-              </a:effectRef>
-              <a:fontRef idx="minor">
-                <a:schemeClr val="lt1"/>
-              </a:fontRef>
-            </p:style>
-            <p:txBody>
-              <a:bodyPr rtlCol="0" anchor="ctr"/>
-              <a:lstStyle/>
-              <a:p>
-                <a:pPr algn="ctr"/>
-                <a:endParaRPr lang="en-US">
-                  <a:solidFill>
-                    <a:schemeClr val="tx1"/>
-                  </a:solidFill>
-                </a:endParaRPr>
-              </a:p>
-            </p:txBody>
-          </p:sp>
-          <p:sp>
-            <p:nvSpPr>
-              <p:cNvPr id="36" name="Oval 35"/>
-              <p:cNvSpPr/>
-              <p:nvPr/>
-            </p:nvSpPr>
-            <p:spPr>
-              <a:xfrm>
-                <a:off x="5873259" y="3950348"/>
-                <a:ext cx="365663" cy="365663"/>
-              </a:xfrm>
-              <a:prstGeom prst="ellipse">
-                <a:avLst/>
-              </a:prstGeom>
-              <a:noFill/>
-              <a:ln w="25400">
-                <a:solidFill>
-                  <a:srgbClr val="7030A0"/>
-                </a:solidFill>
-              </a:ln>
-            </p:spPr>
-            <p:style>
-              <a:lnRef idx="2">
-                <a:schemeClr val="accent1">
-                  <a:shade val="50000"/>
-                </a:schemeClr>
-              </a:lnRef>
-              <a:fillRef idx="1">
-                <a:schemeClr val="accent1"/>
-              </a:fillRef>
-              <a:effectRef idx="0">
-                <a:schemeClr val="accent1"/>
-              </a:effectRef>
-              <a:fontRef idx="minor">
-                <a:schemeClr val="lt1"/>
-              </a:fontRef>
-            </p:style>
-            <p:txBody>
-              <a:bodyPr rtlCol="0" anchor="ctr"/>
-              <a:lstStyle/>
-              <a:p>
-                <a:pPr algn="ctr"/>
-                <a:endParaRPr lang="en-US">
-                  <a:solidFill>
-                    <a:schemeClr val="tx1"/>
-                  </a:solidFill>
-                </a:endParaRPr>
-              </a:p>
-            </p:txBody>
-          </p:sp>
-          <p:sp>
-            <p:nvSpPr>
-              <p:cNvPr id="37" name="Rectangle 36"/>
-              <p:cNvSpPr/>
-              <p:nvPr/>
-            </p:nvSpPr>
-            <p:spPr>
-              <a:xfrm>
-                <a:off x="5838484" y="3917173"/>
-                <a:ext cx="2169328" cy="441544"/>
-              </a:xfrm>
-              <a:prstGeom prst="rect">
-                <a:avLst/>
-              </a:prstGeom>
-              <a:noFill/>
-              <a:ln w="25400">
-                <a:solidFill>
-                  <a:srgbClr val="7030A0"/>
-                </a:solidFill>
-              </a:ln>
-            </p:spPr>
-            <p:style>
-              <a:lnRef idx="2">
-                <a:schemeClr val="accent1">
-                  <a:shade val="50000"/>
-                </a:schemeClr>
-              </a:lnRef>
-              <a:fillRef idx="1">
-                <a:schemeClr val="accent1"/>
-              </a:fillRef>
-              <a:effectRef idx="0">
-                <a:schemeClr val="accent1"/>
-              </a:effectRef>
-              <a:fontRef idx="minor">
-                <a:schemeClr val="lt1"/>
-              </a:fontRef>
-            </p:style>
-            <p:txBody>
-              <a:bodyPr rtlCol="0" anchor="ctr"/>
-              <a:lstStyle/>
-              <a:p>
-                <a:pPr algn="ctr"/>
-                <a:endParaRPr lang="en-US">
-                  <a:solidFill>
-                    <a:schemeClr val="tx1"/>
-                  </a:solidFill>
-                </a:endParaRPr>
-              </a:p>
-            </p:txBody>
-          </p:sp>
-        </p:grpSp>
-        <p:cxnSp>
-          <p:nvCxnSpPr>
-            <p:cNvPr id="30" name="Straight Arrow Connector 29"/>
-            <p:cNvCxnSpPr/>
-            <p:nvPr/>
-          </p:nvCxnSpPr>
-          <p:spPr>
-            <a:xfrm flipV="1">
-              <a:off x="10356361" y="3957449"/>
-              <a:ext cx="0" cy="230954"/>
-            </a:xfrm>
-            <a:prstGeom prst="straightConnector1">
-              <a:avLst/>
-            </a:prstGeom>
-            <a:ln w="50800">
-              <a:solidFill>
-                <a:srgbClr val="00C6BA"/>
-              </a:solidFill>
-              <a:tailEnd type="triangle"/>
-            </a:ln>
-            <a:effectLst/>
-          </p:spPr>
-          <p:style>
-            <a:lnRef idx="2">
-              <a:schemeClr val="accent1"/>
-            </a:lnRef>
-            <a:fillRef idx="0">
-              <a:schemeClr val="accent1"/>
-            </a:fillRef>
-            <a:effectRef idx="1">
-              <a:schemeClr val="accent1"/>
-            </a:effectRef>
-            <a:fontRef idx="minor">
-              <a:schemeClr val="tx1"/>
-            </a:fontRef>
-          </p:style>
-        </p:cxnSp>
-        <p:sp>
-          <p:nvSpPr>
-            <p:cNvPr id="31" name="TextBox 30"/>
-            <p:cNvSpPr txBox="1"/>
-            <p:nvPr/>
-          </p:nvSpPr>
-          <p:spPr>
-            <a:xfrm>
-              <a:off x="10125683" y="3915423"/>
-              <a:ext cx="466794" cy="569387"/>
-            </a:xfrm>
-            <a:prstGeom prst="rect">
-              <a:avLst/>
-            </a:prstGeom>
-            <a:noFill/>
-            <a:ln>
-              <a:noFill/>
-            </a:ln>
-          </p:spPr>
-          <p:txBody>
-            <a:bodyPr wrap="none" rtlCol="0">
-              <a:spAutoFit/>
-            </a:bodyPr>
-            <a:lstStyle/>
-            <a:p>
-              <a:r>
-                <a:rPr lang="mr-IN" sz="3100" b="1" dirty="0" smtClean="0">
-                  <a:solidFill>
-                    <a:srgbClr val="7030A0"/>
-                  </a:solidFill>
-                  <a:latin typeface="+mn-lt"/>
-                </a:rPr>
-                <a:t>…</a:t>
-              </a:r>
-              <a:endParaRPr lang="en-US" sz="3100" b="1" dirty="0">
-                <a:solidFill>
-                  <a:srgbClr val="7030A0"/>
-                </a:solidFill>
-                <a:latin typeface="+mn-lt"/>
-              </a:endParaRPr>
-            </a:p>
-          </p:txBody>
-        </p:sp>
-        <p:sp>
-          <p:nvSpPr>
-            <p:cNvPr id="57" name="TextBox 56"/>
-            <p:cNvSpPr txBox="1"/>
-            <p:nvPr/>
-          </p:nvSpPr>
-          <p:spPr>
-            <a:xfrm>
-              <a:off x="11447886" y="6089513"/>
-              <a:ext cx="744114" cy="344710"/>
-            </a:xfrm>
-            <a:prstGeom prst="rect">
-              <a:avLst/>
-            </a:prstGeom>
-            <a:noFill/>
-            <a:ln w="28575">
-              <a:solidFill>
-                <a:schemeClr val="accent1"/>
-              </a:solidFill>
-              <a:prstDash val="sysDot"/>
-            </a:ln>
-          </p:spPr>
-          <p:txBody>
-            <a:bodyPr wrap="none" tIns="18288" rIns="91440" bIns="18288" rtlCol="0">
-              <a:spAutoFit/>
-            </a:bodyPr>
-            <a:lstStyle/>
-            <a:p>
-              <a:r>
-                <a:rPr lang="en-US" sz="2000" b="1" i="1" dirty="0" smtClean="0">
-                  <a:solidFill>
-                    <a:srgbClr val="0F6FC6"/>
-                  </a:solidFill>
-                  <a:latin typeface="+mn-lt"/>
-                </a:rPr>
-                <a:t>noise</a:t>
-              </a:r>
-              <a:endParaRPr lang="en-US" sz="2000" b="1" i="1" dirty="0">
-                <a:solidFill>
-                  <a:srgbClr val="0F6FC6"/>
-                </a:solidFill>
-                <a:latin typeface="+mn-lt"/>
-              </a:endParaRPr>
-            </a:p>
-          </p:txBody>
-        </p:sp>
-        <p:cxnSp>
-          <p:nvCxnSpPr>
-            <p:cNvPr id="58" name="Straight Arrow Connector 57"/>
-            <p:cNvCxnSpPr/>
-            <p:nvPr/>
-          </p:nvCxnSpPr>
-          <p:spPr>
-            <a:xfrm flipH="1" flipV="1">
-              <a:off x="11234242" y="5863207"/>
-              <a:ext cx="213644" cy="398661"/>
-            </a:xfrm>
-            <a:prstGeom prst="straightConnector1">
-              <a:avLst/>
-            </a:prstGeom>
-            <a:ln w="31750">
-              <a:solidFill>
-                <a:schemeClr val="accent1"/>
-              </a:solidFill>
-              <a:prstDash val="sysDot"/>
-              <a:tailEnd type="triangle"/>
-            </a:ln>
-            <a:effectLst/>
-          </p:spPr>
-          <p:style>
-            <a:lnRef idx="2">
-              <a:schemeClr val="accent1"/>
-            </a:lnRef>
-            <a:fillRef idx="0">
-              <a:schemeClr val="accent1"/>
-            </a:fillRef>
-            <a:effectRef idx="1">
-              <a:schemeClr val="accent1"/>
-            </a:effectRef>
-            <a:fontRef idx="minor">
-              <a:schemeClr val="tx1"/>
-            </a:fontRef>
-          </p:style>
-        </p:cxnSp>
-        <p:sp>
-          <p:nvSpPr>
-            <p:cNvPr id="59" name="Curved Right Arrow 58"/>
-            <p:cNvSpPr/>
-            <p:nvPr/>
-          </p:nvSpPr>
-          <p:spPr>
-            <a:xfrm rot="10800000" flipH="1">
-              <a:off x="8602126" y="3615700"/>
-              <a:ext cx="740780" cy="2891469"/>
-            </a:xfrm>
-            <a:prstGeom prst="curvedRightArrow">
-              <a:avLst/>
-            </a:prstGeom>
-            <a:solidFill>
-              <a:schemeClr val="bg1">
-                <a:lumMod val="65000"/>
-              </a:schemeClr>
-            </a:solidFill>
-            <a:ln w="25400">
-              <a:solidFill>
-                <a:schemeClr val="bg1">
-                  <a:lumMod val="65000"/>
-                </a:schemeClr>
-              </a:solidFill>
-            </a:ln>
-          </p:spPr>
-          <p:style>
-            <a:lnRef idx="2">
-              <a:schemeClr val="accent1">
-                <a:shade val="50000"/>
-              </a:schemeClr>
-            </a:lnRef>
-            <a:fillRef idx="1">
-              <a:schemeClr val="accent1"/>
-            </a:fillRef>
-            <a:effectRef idx="0">
-              <a:schemeClr val="accent1"/>
-            </a:effectRef>
-            <a:fontRef idx="minor">
-              <a:schemeClr val="lt1"/>
-            </a:fontRef>
-          </p:style>
-          <p:txBody>
-            <a:bodyPr rtlCol="0" anchor="ctr"/>
-            <a:lstStyle/>
-            <a:p>
-              <a:pPr algn="ctr"/>
-              <a:endParaRPr lang="en-US">
-                <a:solidFill>
-                  <a:schemeClr val="tx1"/>
-                </a:solidFill>
-              </a:endParaRPr>
-            </a:p>
-          </p:txBody>
-        </p:sp>
-        <p:sp>
-          <p:nvSpPr>
-            <p:cNvPr id="60" name="TextBox 59"/>
-            <p:cNvSpPr txBox="1"/>
-            <p:nvPr/>
-          </p:nvSpPr>
-          <p:spPr>
-            <a:xfrm rot="16200000">
-              <a:off x="7488237" y="4426062"/>
-              <a:ext cx="1679691" cy="400110"/>
-            </a:xfrm>
-            <a:prstGeom prst="rect">
-              <a:avLst/>
-            </a:prstGeom>
-            <a:noFill/>
-          </p:spPr>
-          <p:txBody>
-            <a:bodyPr wrap="none" rtlCol="0">
-              <a:spAutoFit/>
-            </a:bodyPr>
-            <a:lstStyle/>
-            <a:p>
-              <a:r>
-                <a:rPr lang="en-US" sz="2000" b="1" dirty="0" smtClean="0">
-                  <a:solidFill>
-                    <a:schemeClr val="bg1">
-                      <a:lumMod val="65000"/>
-                    </a:schemeClr>
-                  </a:solidFill>
-                  <a:latin typeface="+mn-lt"/>
-                </a:rPr>
-                <a:t>training signal</a:t>
-              </a:r>
-              <a:endParaRPr lang="en-US" sz="2000" b="1" dirty="0">
-                <a:solidFill>
-                  <a:schemeClr val="bg1">
-                    <a:lumMod val="65000"/>
-                  </a:schemeClr>
-                </a:solidFill>
-                <a:latin typeface="+mn-lt"/>
-              </a:endParaRPr>
-            </a:p>
-          </p:txBody>
-        </p:sp>
-        <p:grpSp>
-          <p:nvGrpSpPr>
-            <p:cNvPr id="69" name="Group 68"/>
-            <p:cNvGrpSpPr/>
-            <p:nvPr/>
-          </p:nvGrpSpPr>
-          <p:grpSpPr>
-            <a:xfrm>
-              <a:off x="9476954" y="6235973"/>
-              <a:ext cx="1755761" cy="357367"/>
-              <a:chOff x="9632407" y="5727866"/>
-              <a:chExt cx="1755761" cy="357367"/>
-            </a:xfrm>
-          </p:grpSpPr>
-          <p:sp>
-            <p:nvSpPr>
-              <p:cNvPr id="63" name="Oval 62"/>
-              <p:cNvSpPr/>
-              <p:nvPr/>
-            </p:nvSpPr>
-            <p:spPr>
-              <a:xfrm>
-                <a:off x="10010669" y="5754716"/>
-                <a:ext cx="295952" cy="295952"/>
-              </a:xfrm>
-              <a:prstGeom prst="ellipse">
-                <a:avLst/>
-              </a:prstGeom>
-              <a:noFill/>
-              <a:ln w="25400">
-                <a:solidFill>
-                  <a:srgbClr val="0000FF"/>
-                </a:solidFill>
-              </a:ln>
-            </p:spPr>
-            <p:style>
-              <a:lnRef idx="2">
-                <a:schemeClr val="accent1">
-                  <a:shade val="50000"/>
-                </a:schemeClr>
-              </a:lnRef>
-              <a:fillRef idx="1">
-                <a:schemeClr val="accent1"/>
-              </a:fillRef>
-              <a:effectRef idx="0">
-                <a:schemeClr val="accent1"/>
-              </a:effectRef>
-              <a:fontRef idx="minor">
-                <a:schemeClr val="lt1"/>
-              </a:fontRef>
-            </p:style>
-            <p:txBody>
-              <a:bodyPr rtlCol="0" anchor="ctr"/>
-              <a:lstStyle/>
-              <a:p>
-                <a:pPr algn="ctr"/>
-                <a:endParaRPr lang="en-US">
-                  <a:solidFill>
-                    <a:schemeClr val="tx1"/>
-                  </a:solidFill>
-                </a:endParaRPr>
-              </a:p>
-            </p:txBody>
-          </p:sp>
-          <p:sp>
-            <p:nvSpPr>
-              <p:cNvPr id="64" name="Oval 63"/>
-              <p:cNvSpPr/>
-              <p:nvPr/>
-            </p:nvSpPr>
-            <p:spPr>
-              <a:xfrm>
-                <a:off x="10360785" y="5754716"/>
-                <a:ext cx="295952" cy="295952"/>
-              </a:xfrm>
-              <a:prstGeom prst="ellipse">
-                <a:avLst/>
-              </a:prstGeom>
-              <a:noFill/>
-              <a:ln w="25400">
-                <a:solidFill>
-                  <a:srgbClr val="0000FF"/>
-                </a:solidFill>
-              </a:ln>
-            </p:spPr>
-            <p:style>
-              <a:lnRef idx="2">
-                <a:schemeClr val="accent1">
-                  <a:shade val="50000"/>
-                </a:schemeClr>
-              </a:lnRef>
-              <a:fillRef idx="1">
-                <a:schemeClr val="accent1"/>
-              </a:fillRef>
-              <a:effectRef idx="0">
-                <a:schemeClr val="accent1"/>
-              </a:effectRef>
-              <a:fontRef idx="minor">
-                <a:schemeClr val="lt1"/>
-              </a:fontRef>
-            </p:style>
-            <p:txBody>
-              <a:bodyPr rtlCol="0" anchor="ctr"/>
-              <a:lstStyle/>
-              <a:p>
-                <a:pPr algn="ctr"/>
-                <a:endParaRPr lang="en-US">
-                  <a:solidFill>
-                    <a:schemeClr val="tx1"/>
-                  </a:solidFill>
-                </a:endParaRPr>
-              </a:p>
-            </p:txBody>
-          </p:sp>
-          <p:sp>
-            <p:nvSpPr>
-              <p:cNvPr id="65" name="Oval 64"/>
-              <p:cNvSpPr/>
-              <p:nvPr/>
-            </p:nvSpPr>
-            <p:spPr>
-              <a:xfrm>
-                <a:off x="10710902" y="5754716"/>
-                <a:ext cx="295952" cy="295952"/>
-              </a:xfrm>
-              <a:prstGeom prst="ellipse">
-                <a:avLst/>
-              </a:prstGeom>
-              <a:noFill/>
-              <a:ln w="25400">
-                <a:solidFill>
-                  <a:srgbClr val="0000FF"/>
-                </a:solidFill>
-              </a:ln>
-            </p:spPr>
-            <p:style>
-              <a:lnRef idx="2">
-                <a:schemeClr val="accent1">
-                  <a:shade val="50000"/>
-                </a:schemeClr>
-              </a:lnRef>
-              <a:fillRef idx="1">
-                <a:schemeClr val="accent1"/>
-              </a:fillRef>
-              <a:effectRef idx="0">
-                <a:schemeClr val="accent1"/>
-              </a:effectRef>
-              <a:fontRef idx="minor">
-                <a:schemeClr val="lt1"/>
-              </a:fontRef>
-            </p:style>
-            <p:txBody>
-              <a:bodyPr rtlCol="0" anchor="ctr"/>
-              <a:lstStyle/>
-              <a:p>
-                <a:pPr algn="ctr"/>
-                <a:endParaRPr lang="en-US">
-                  <a:solidFill>
-                    <a:schemeClr val="tx1"/>
-                  </a:solidFill>
-                </a:endParaRPr>
-              </a:p>
-            </p:txBody>
-          </p:sp>
-          <p:sp>
-            <p:nvSpPr>
-              <p:cNvPr id="66" name="Oval 65"/>
-              <p:cNvSpPr/>
-              <p:nvPr/>
-            </p:nvSpPr>
-            <p:spPr>
-              <a:xfrm>
-                <a:off x="11061019" y="5754716"/>
-                <a:ext cx="295952" cy="295952"/>
-              </a:xfrm>
-              <a:prstGeom prst="ellipse">
-                <a:avLst/>
-              </a:prstGeom>
-              <a:noFill/>
-              <a:ln w="25400">
-                <a:solidFill>
-                  <a:srgbClr val="0000FF"/>
-                </a:solidFill>
-              </a:ln>
-            </p:spPr>
-            <p:style>
-              <a:lnRef idx="2">
-                <a:schemeClr val="accent1">
-                  <a:shade val="50000"/>
-                </a:schemeClr>
-              </a:lnRef>
-              <a:fillRef idx="1">
-                <a:schemeClr val="accent1"/>
-              </a:fillRef>
-              <a:effectRef idx="0">
-                <a:schemeClr val="accent1"/>
-              </a:effectRef>
-              <a:fontRef idx="minor">
-                <a:schemeClr val="lt1"/>
-              </a:fontRef>
-            </p:style>
-            <p:txBody>
-              <a:bodyPr rtlCol="0" anchor="ctr"/>
-              <a:lstStyle/>
-              <a:p>
-                <a:pPr algn="ctr"/>
-                <a:endParaRPr lang="en-US">
-                  <a:solidFill>
-                    <a:schemeClr val="tx1"/>
-                  </a:solidFill>
-                </a:endParaRPr>
-              </a:p>
-            </p:txBody>
-          </p:sp>
-          <p:sp>
-            <p:nvSpPr>
-              <p:cNvPr id="67" name="Oval 66"/>
-              <p:cNvSpPr/>
-              <p:nvPr/>
-            </p:nvSpPr>
-            <p:spPr>
-              <a:xfrm>
-                <a:off x="9660552" y="5754716"/>
-                <a:ext cx="295952" cy="295952"/>
-              </a:xfrm>
-              <a:prstGeom prst="ellipse">
-                <a:avLst/>
-              </a:prstGeom>
-              <a:noFill/>
-              <a:ln w="25400">
-                <a:solidFill>
-                  <a:srgbClr val="0000FF"/>
-                </a:solidFill>
-              </a:ln>
-            </p:spPr>
-            <p:style>
-              <a:lnRef idx="2">
-                <a:schemeClr val="accent1">
-                  <a:shade val="50000"/>
-                </a:schemeClr>
-              </a:lnRef>
-              <a:fillRef idx="1">
-                <a:schemeClr val="accent1"/>
-              </a:fillRef>
-              <a:effectRef idx="0">
-                <a:schemeClr val="accent1"/>
-              </a:effectRef>
-              <a:fontRef idx="minor">
-                <a:schemeClr val="lt1"/>
-              </a:fontRef>
-            </p:style>
-            <p:txBody>
-              <a:bodyPr rtlCol="0" anchor="ctr"/>
-              <a:lstStyle/>
-              <a:p>
-                <a:pPr algn="ctr"/>
-                <a:endParaRPr lang="en-US" dirty="0">
-                  <a:solidFill>
-                    <a:schemeClr val="tx1"/>
-                  </a:solidFill>
-                </a:endParaRPr>
-              </a:p>
-            </p:txBody>
-          </p:sp>
-          <p:sp>
-            <p:nvSpPr>
-              <p:cNvPr id="68" name="Rectangle 67"/>
-              <p:cNvSpPr/>
-              <p:nvPr/>
-            </p:nvSpPr>
-            <p:spPr>
-              <a:xfrm>
-                <a:off x="9632407" y="5727866"/>
-                <a:ext cx="1755761" cy="357367"/>
-              </a:xfrm>
-              <a:prstGeom prst="rect">
-                <a:avLst/>
-              </a:prstGeom>
-              <a:noFill/>
-              <a:ln w="25400">
-                <a:solidFill>
-                  <a:srgbClr val="0000FF"/>
-                </a:solidFill>
-              </a:ln>
-            </p:spPr>
-            <p:style>
-              <a:lnRef idx="2">
-                <a:schemeClr val="accent1">
-                  <a:shade val="50000"/>
-                </a:schemeClr>
-              </a:lnRef>
-              <a:fillRef idx="1">
-                <a:schemeClr val="accent1"/>
-              </a:fillRef>
-              <a:effectRef idx="0">
-                <a:schemeClr val="accent1"/>
-              </a:effectRef>
-              <a:fontRef idx="minor">
-                <a:schemeClr val="lt1"/>
-              </a:fontRef>
-            </p:style>
-            <p:txBody>
-              <a:bodyPr rtlCol="0" anchor="ctr"/>
-              <a:lstStyle/>
-              <a:p>
-                <a:pPr algn="ctr"/>
-                <a:endParaRPr lang="en-US">
-                  <a:solidFill>
-                    <a:schemeClr val="tx1"/>
-                  </a:solidFill>
-                </a:endParaRPr>
-              </a:p>
-            </p:txBody>
-          </p:sp>
-        </p:grpSp>
-      </p:grpSp>
-    </p:spTree>
-    <p:extLst>
-      <p:ext uri="{BB962C8B-B14F-4D97-AF65-F5344CB8AC3E}">
-        <p14:creationId xmlns:p14="http://schemas.microsoft.com/office/powerpoint/2010/main" val="529437809"/>
-      </p:ext>
-    </p:extLst>
-  </p:cSld>
-  <p:clrMapOvr>
-    <a:masterClrMapping/>
-  </p:clrMapOvr>
-</p:sld>
-</file>
-
-<file path=ppt/slides/slide11.xml><?xml version="1.0" encoding="utf-8"?>
 <p:sld xmlns:a="http://schemas.openxmlformats.org/drawingml/2006/main" xmlns:r="http://schemas.openxmlformats.org/officeDocument/2006/relationships" xmlns:p="http://schemas.openxmlformats.org/presentationml/2006/main">
   <p:cSld>
     <p:spTree>
@@ -8712,7 +5598,7 @@
       </mc:AlternateContent>
       <p:pic>
         <p:nvPicPr>
-          <p:cNvPr id="4" name="Picture 3"/>
+          <p:cNvPr id="5" name="Picture 4"/>
           <p:cNvPicPr>
             <a:picLocks noChangeAspect="1"/>
           </p:cNvPicPr>
@@ -8732,7 +5618,7 @@
         </p:blipFill>
         <p:spPr>
           <a:xfrm>
-            <a:off x="7232499" y="4476998"/>
+            <a:off x="6634622" y="4019798"/>
             <a:ext cx="3761907" cy="1152566"/>
           </a:xfrm>
           <a:prstGeom prst="rect">
@@ -8757,6 +5643,677 @@
       </p:par>
     </p:tnLst>
   </p:timing>
+</p:sld>
+</file>
+
+<file path=ppt/slides/slide11.xml><?xml version="1.0" encoding="utf-8"?>
+<p:sld xmlns:a="http://schemas.openxmlformats.org/drawingml/2006/main" xmlns:r="http://schemas.openxmlformats.org/officeDocument/2006/relationships" xmlns:p="http://schemas.openxmlformats.org/presentationml/2006/main">
+  <p:cSld>
+    <p:spTree>
+      <p:nvGrpSpPr>
+        <p:cNvPr id="1" name=""/>
+        <p:cNvGrpSpPr/>
+        <p:nvPr/>
+      </p:nvGrpSpPr>
+      <p:grpSpPr>
+        <a:xfrm>
+          <a:off x="0" y="0"/>
+          <a:ext cx="0" cy="0"/>
+          <a:chOff x="0" y="0"/>
+          <a:chExt cx="0" cy="0"/>
+        </a:xfrm>
+      </p:grpSpPr>
+      <p:sp>
+        <p:nvSpPr>
+          <p:cNvPr id="2" name="Title 1"/>
+          <p:cNvSpPr>
+            <a:spLocks noGrp="1"/>
+          </p:cNvSpPr>
+          <p:nvPr>
+            <p:ph type="title"/>
+          </p:nvPr>
+        </p:nvSpPr>
+        <p:spPr/>
+        <p:txBody>
+          <a:bodyPr/>
+          <a:lstStyle/>
+          <a:p>
+            <a:r>
+              <a:rPr lang="en-US" dirty="0" smtClean="0"/>
+              <a:t>Results</a:t>
+            </a:r>
+            <a:endParaRPr lang="en-US" dirty="0"/>
+          </a:p>
+        </p:txBody>
+      </p:sp>
+      <p:sp>
+        <p:nvSpPr>
+          <p:cNvPr id="3" name="Content Placeholder 2"/>
+          <p:cNvSpPr>
+            <a:spLocks noGrp="1"/>
+          </p:cNvSpPr>
+          <p:nvPr>
+            <p:ph idx="1"/>
+          </p:nvPr>
+        </p:nvSpPr>
+        <p:spPr/>
+        <p:txBody>
+          <a:bodyPr/>
+          <a:lstStyle/>
+          <a:p>
+            <a:r>
+              <a:rPr lang="en-US" dirty="0" smtClean="0"/>
+              <a:t>Learning 5 element sequence parity function</a:t>
+            </a:r>
+          </a:p>
+          <a:p>
+            <a:pPr lvl="1"/>
+            <a:r>
+              <a:rPr lang="en-US" dirty="0" smtClean="0"/>
+              <a:t>training on all data, 100 replications</a:t>
+            </a:r>
+          </a:p>
+        </p:txBody>
+      </p:sp>
+      <p:graphicFrame>
+        <p:nvGraphicFramePr>
+          <p:cNvPr id="4" name="Table 3"/>
+          <p:cNvGraphicFramePr>
+            <a:graphicFrameLocks noGrp="1"/>
+          </p:cNvGraphicFramePr>
+          <p:nvPr>
+            <p:extLst>
+              <p:ext uri="{D42A27DB-BD31-4B8C-83A1-F6EECF244321}">
+                <p14:modId xmlns:p14="http://schemas.microsoft.com/office/powerpoint/2010/main" val="1959005367"/>
+              </p:ext>
+            </p:extLst>
+          </p:nvPr>
+        </p:nvGraphicFramePr>
+        <p:xfrm>
+          <a:off x="2032000" y="3355989"/>
+          <a:ext cx="6502400" cy="3243580"/>
+        </p:xfrm>
+        <a:graphic>
+          <a:graphicData uri="http://schemas.openxmlformats.org/drawingml/2006/table">
+            <a:tbl>
+              <a:tblPr firstRow="1" bandRow="1">
+                <a:tableStyleId>{5C22544A-7EE6-4342-B048-85BDC9FD1C3A}</a:tableStyleId>
+              </a:tblPr>
+              <a:tblGrid>
+                <a:gridCol w="1625600"/>
+                <a:gridCol w="1625600"/>
+                <a:gridCol w="1625600"/>
+                <a:gridCol w="1625600"/>
+              </a:tblGrid>
+              <a:tr h="370840">
+                <a:tc>
+                  <a:txBody>
+                    <a:bodyPr/>
+                    <a:lstStyle/>
+                    <a:p>
+                      <a:endParaRPr lang="en-US" dirty="0"/>
+                    </a:p>
+                  </a:txBody>
+                  <a:tcPr/>
+                </a:tc>
+                <a:tc>
+                  <a:txBody>
+                    <a:bodyPr/>
+                    <a:lstStyle/>
+                    <a:p>
+                      <a:r>
+                        <a:rPr lang="en-US" dirty="0" smtClean="0"/>
+                        <a:t>generic (</a:t>
+                      </a:r>
+                      <a:r>
+                        <a:rPr lang="en-US" dirty="0" err="1" smtClean="0"/>
+                        <a:t>tanh</a:t>
+                      </a:r>
+                      <a:r>
+                        <a:rPr lang="en-US" dirty="0" smtClean="0"/>
+                        <a:t>) RNN</a:t>
+                      </a:r>
+                      <a:endParaRPr lang="en-US" dirty="0"/>
+                    </a:p>
+                  </a:txBody>
+                  <a:tcPr/>
+                </a:tc>
+                <a:tc>
+                  <a:txBody>
+                    <a:bodyPr/>
+                    <a:lstStyle/>
+                    <a:p>
+                      <a:r>
+                        <a:rPr lang="en-US" dirty="0" smtClean="0"/>
+                        <a:t>state-</a:t>
+                      </a:r>
+                      <a:r>
+                        <a:rPr lang="en-US" dirty="0" err="1" smtClean="0"/>
+                        <a:t>denoised</a:t>
+                      </a:r>
+                      <a:r>
+                        <a:rPr lang="en-US" baseline="0" dirty="0" smtClean="0"/>
+                        <a:t> RNN</a:t>
+                      </a:r>
+                      <a:endParaRPr lang="en-US" dirty="0"/>
+                    </a:p>
+                  </a:txBody>
+                  <a:tcPr/>
+                </a:tc>
+                <a:tc>
+                  <a:txBody>
+                    <a:bodyPr/>
+                    <a:lstStyle/>
+                    <a:p>
+                      <a:r>
+                        <a:rPr lang="en-US" dirty="0" smtClean="0"/>
+                        <a:t>RNN</a:t>
+                      </a:r>
+                      <a:r>
+                        <a:rPr lang="en-US" baseline="0" dirty="0" smtClean="0"/>
+                        <a:t> + attractor net trained with </a:t>
+                      </a:r>
+                      <a:r>
+                        <a:rPr lang="en-US" baseline="0" dirty="0" err="1" smtClean="0"/>
+                        <a:t>pred</a:t>
+                      </a:r>
+                      <a:r>
+                        <a:rPr lang="en-US" baseline="0" dirty="0" smtClean="0"/>
+                        <a:t> error</a:t>
+                      </a:r>
+                      <a:endParaRPr lang="en-US" dirty="0"/>
+                    </a:p>
+                  </a:txBody>
+                  <a:tcPr/>
+                </a:tc>
+              </a:tr>
+              <a:tr h="358284">
+                <a:tc>
+                  <a:txBody>
+                    <a:bodyPr/>
+                    <a:lstStyle/>
+                    <a:p>
+                      <a:r>
+                        <a:rPr lang="en-US" dirty="0" smtClean="0"/>
+                        <a:t>training set accuracy</a:t>
+                      </a:r>
+                      <a:endParaRPr lang="en-US" dirty="0"/>
+                    </a:p>
+                  </a:txBody>
+                  <a:tcPr/>
+                </a:tc>
+                <a:tc>
+                  <a:txBody>
+                    <a:bodyPr/>
+                    <a:lstStyle/>
+                    <a:p>
+                      <a:r>
+                        <a:rPr lang="en-US" dirty="0" smtClean="0"/>
+                        <a:t>93.3%</a:t>
+                      </a:r>
+                      <a:endParaRPr lang="en-US" dirty="0"/>
+                    </a:p>
+                  </a:txBody>
+                  <a:tcPr/>
+                </a:tc>
+                <a:tc>
+                  <a:txBody>
+                    <a:bodyPr/>
+                    <a:lstStyle/>
+                    <a:p>
+                      <a:r>
+                        <a:rPr lang="en-US" dirty="0" smtClean="0"/>
+                        <a:t>97.8%</a:t>
+                      </a:r>
+                    </a:p>
+                    <a:p>
+                      <a:endParaRPr lang="en-US" dirty="0" smtClean="0"/>
+                    </a:p>
+                    <a:p>
+                      <a:pPr marL="0" marR="0" indent="0" algn="l" defTabSz="889409" rtl="0" eaLnBrk="1" fontAlgn="auto" latinLnBrk="0" hangingPunct="1">
+                        <a:lnSpc>
+                          <a:spcPct val="100000"/>
+                        </a:lnSpc>
+                        <a:spcBef>
+                          <a:spcPts val="0"/>
+                        </a:spcBef>
+                        <a:spcAft>
+                          <a:spcPts val="0"/>
+                        </a:spcAft>
+                        <a:buClrTx/>
+                        <a:buSzTx/>
+                        <a:buFontTx/>
+                        <a:buNone/>
+                        <a:tabLst/>
+                        <a:defRPr/>
+                      </a:pPr>
+                      <a:r>
+                        <a:rPr lang="en-US" dirty="0" smtClean="0"/>
+                        <a:t>2 sided paired t-test</a:t>
+                      </a:r>
+                      <a:r>
+                        <a:rPr lang="en-US" baseline="0" dirty="0" smtClean="0"/>
+                        <a:t> </a:t>
+                      </a:r>
+                      <a:r>
+                        <a:rPr lang="en-US" dirty="0" smtClean="0"/>
+                        <a:t>t(99)=3.42, p&lt;.001</a:t>
+                      </a:r>
+                    </a:p>
+                  </a:txBody>
+                  <a:tcPr/>
+                </a:tc>
+                <a:tc>
+                  <a:txBody>
+                    <a:bodyPr/>
+                    <a:lstStyle/>
+                    <a:p>
+                      <a:r>
+                        <a:rPr lang="en-US" dirty="0" smtClean="0"/>
+                        <a:t>75.8%</a:t>
+                      </a:r>
+                      <a:endParaRPr lang="en-US" dirty="0"/>
+                    </a:p>
+                  </a:txBody>
+                  <a:tcPr/>
+                </a:tc>
+              </a:tr>
+              <a:tr h="370840">
+                <a:tc>
+                  <a:txBody>
+                    <a:bodyPr/>
+                    <a:lstStyle/>
+                    <a:p>
+                      <a:r>
+                        <a:rPr lang="en-US" dirty="0" smtClean="0"/>
+                        <a:t>%</a:t>
+                      </a:r>
+                      <a:r>
+                        <a:rPr lang="en-US" baseline="0" dirty="0" smtClean="0"/>
+                        <a:t> successes</a:t>
+                      </a:r>
+                      <a:endParaRPr lang="en-US" dirty="0"/>
+                    </a:p>
+                  </a:txBody>
+                  <a:tcPr/>
+                </a:tc>
+                <a:tc>
+                  <a:txBody>
+                    <a:bodyPr/>
+                    <a:lstStyle/>
+                    <a:p>
+                      <a:r>
+                        <a:rPr lang="en-US" dirty="0" smtClean="0"/>
+                        <a:t>57</a:t>
+                      </a:r>
+                      <a:endParaRPr lang="en-US" dirty="0"/>
+                    </a:p>
+                  </a:txBody>
+                  <a:tcPr/>
+                </a:tc>
+                <a:tc>
+                  <a:txBody>
+                    <a:bodyPr/>
+                    <a:lstStyle/>
+                    <a:p>
+                      <a:r>
+                        <a:rPr lang="en-US" dirty="0" smtClean="0"/>
+                        <a:t>69</a:t>
+                      </a:r>
+                      <a:endParaRPr lang="en-US" dirty="0"/>
+                    </a:p>
+                  </a:txBody>
+                  <a:tcPr/>
+                </a:tc>
+                <a:tc>
+                  <a:txBody>
+                    <a:bodyPr/>
+                    <a:lstStyle/>
+                    <a:p>
+                      <a:r>
+                        <a:rPr lang="en-US" dirty="0" smtClean="0"/>
+                        <a:t>41</a:t>
+                      </a:r>
+                      <a:endParaRPr lang="en-US" dirty="0"/>
+                    </a:p>
+                  </a:txBody>
+                  <a:tcPr/>
+                </a:tc>
+              </a:tr>
+            </a:tbl>
+          </a:graphicData>
+        </a:graphic>
+      </p:graphicFrame>
+    </p:spTree>
+    <p:extLst>
+      <p:ext uri="{BB962C8B-B14F-4D97-AF65-F5344CB8AC3E}">
+        <p14:creationId xmlns:p14="http://schemas.microsoft.com/office/powerpoint/2010/main" val="586046814"/>
+      </p:ext>
+    </p:extLst>
+  </p:cSld>
+  <p:clrMapOvr>
+    <a:masterClrMapping/>
+  </p:clrMapOvr>
+</p:sld>
+</file>
+
+<file path=ppt/slides/slide12.xml><?xml version="1.0" encoding="utf-8"?>
+<p:sld xmlns:a="http://schemas.openxmlformats.org/drawingml/2006/main" xmlns:r="http://schemas.openxmlformats.org/officeDocument/2006/relationships" xmlns:p="http://schemas.openxmlformats.org/presentationml/2006/main">
+  <p:cSld>
+    <p:spTree>
+      <p:nvGrpSpPr>
+        <p:cNvPr id="1" name=""/>
+        <p:cNvGrpSpPr/>
+        <p:nvPr/>
+      </p:nvGrpSpPr>
+      <p:grpSpPr>
+        <a:xfrm>
+          <a:off x="0" y="0"/>
+          <a:ext cx="0" cy="0"/>
+          <a:chOff x="0" y="0"/>
+          <a:chExt cx="0" cy="0"/>
+        </a:xfrm>
+      </p:grpSpPr>
+      <p:sp>
+        <p:nvSpPr>
+          <p:cNvPr id="2" name="Title 1"/>
+          <p:cNvSpPr>
+            <a:spLocks noGrp="1"/>
+          </p:cNvSpPr>
+          <p:nvPr>
+            <p:ph type="title"/>
+          </p:nvPr>
+        </p:nvSpPr>
+        <p:spPr/>
+        <p:txBody>
+          <a:bodyPr/>
+          <a:lstStyle/>
+          <a:p>
+            <a:r>
+              <a:rPr lang="en-US" dirty="0" smtClean="0"/>
+              <a:t>Results</a:t>
+            </a:r>
+            <a:endParaRPr lang="en-US" dirty="0"/>
+          </a:p>
+        </p:txBody>
+      </p:sp>
+      <p:sp>
+        <p:nvSpPr>
+          <p:cNvPr id="3" name="Content Placeholder 2"/>
+          <p:cNvSpPr>
+            <a:spLocks noGrp="1"/>
+          </p:cNvSpPr>
+          <p:nvPr>
+            <p:ph idx="1"/>
+          </p:nvPr>
+        </p:nvSpPr>
+        <p:spPr/>
+        <p:txBody>
+          <a:bodyPr/>
+          <a:lstStyle/>
+          <a:p>
+            <a:r>
+              <a:rPr lang="en-US" dirty="0" smtClean="0"/>
+              <a:t>Learning majority function from few examples</a:t>
+            </a:r>
+          </a:p>
+          <a:p>
+            <a:pPr lvl="1"/>
+            <a:r>
+              <a:rPr lang="en-US" dirty="0" smtClean="0"/>
+              <a:t>12 element binary sequences</a:t>
+            </a:r>
+          </a:p>
+          <a:p>
+            <a:pPr lvl="1"/>
+            <a:r>
+              <a:rPr lang="en-US" dirty="0" smtClean="0"/>
+              <a:t>training on 64 random examples, testing on remaining</a:t>
+            </a:r>
+          </a:p>
+          <a:p>
+            <a:pPr lvl="1"/>
+            <a:r>
+              <a:rPr lang="en-US" dirty="0" err="1" smtClean="0"/>
+              <a:t>tanh</a:t>
+            </a:r>
+            <a:r>
+              <a:rPr lang="en-US" dirty="0" smtClean="0"/>
+              <a:t> RNN</a:t>
+            </a:r>
+          </a:p>
+        </p:txBody>
+      </p:sp>
+      <p:graphicFrame>
+        <p:nvGraphicFramePr>
+          <p:cNvPr id="4" name="Table 3"/>
+          <p:cNvGraphicFramePr>
+            <a:graphicFrameLocks noGrp="1"/>
+          </p:cNvGraphicFramePr>
+          <p:nvPr>
+            <p:extLst>
+              <p:ext uri="{D42A27DB-BD31-4B8C-83A1-F6EECF244321}">
+                <p14:modId xmlns:p14="http://schemas.microsoft.com/office/powerpoint/2010/main" val="1047165344"/>
+              </p:ext>
+            </p:extLst>
+          </p:nvPr>
+        </p:nvGraphicFramePr>
+        <p:xfrm>
+          <a:off x="2032000" y="3355989"/>
+          <a:ext cx="6502400" cy="2603754"/>
+        </p:xfrm>
+        <a:graphic>
+          <a:graphicData uri="http://schemas.openxmlformats.org/drawingml/2006/table">
+            <a:tbl>
+              <a:tblPr firstRow="1" bandRow="1">
+                <a:tableStyleId>{5C22544A-7EE6-4342-B048-85BDC9FD1C3A}</a:tableStyleId>
+              </a:tblPr>
+              <a:tblGrid>
+                <a:gridCol w="1625600"/>
+                <a:gridCol w="1625600"/>
+                <a:gridCol w="1625600"/>
+                <a:gridCol w="1625600"/>
+              </a:tblGrid>
+              <a:tr h="370840">
+                <a:tc>
+                  <a:txBody>
+                    <a:bodyPr/>
+                    <a:lstStyle/>
+                    <a:p>
+                      <a:endParaRPr lang="en-US" dirty="0"/>
+                    </a:p>
+                  </a:txBody>
+                  <a:tcPr/>
+                </a:tc>
+                <a:tc>
+                  <a:txBody>
+                    <a:bodyPr/>
+                    <a:lstStyle/>
+                    <a:p>
+                      <a:r>
+                        <a:rPr lang="en-US" dirty="0" smtClean="0"/>
+                        <a:t>generic (</a:t>
+                      </a:r>
+                      <a:r>
+                        <a:rPr lang="en-US" dirty="0" err="1" smtClean="0"/>
+                        <a:t>tanh</a:t>
+                      </a:r>
+                      <a:r>
+                        <a:rPr lang="en-US" dirty="0" smtClean="0"/>
+                        <a:t>) RNN</a:t>
+                      </a:r>
+                      <a:endParaRPr lang="en-US" dirty="0"/>
+                    </a:p>
+                  </a:txBody>
+                  <a:tcPr/>
+                </a:tc>
+                <a:tc>
+                  <a:txBody>
+                    <a:bodyPr/>
+                    <a:lstStyle/>
+                    <a:p>
+                      <a:r>
+                        <a:rPr lang="en-US" dirty="0" smtClean="0"/>
+                        <a:t>state-</a:t>
+                      </a:r>
+                      <a:r>
+                        <a:rPr lang="en-US" dirty="0" err="1" smtClean="0"/>
+                        <a:t>denoised</a:t>
+                      </a:r>
+                      <a:r>
+                        <a:rPr lang="en-US" baseline="0" dirty="0" smtClean="0"/>
+                        <a:t> RNN</a:t>
+                      </a:r>
+                      <a:endParaRPr lang="en-US" dirty="0"/>
+                    </a:p>
+                  </a:txBody>
+                  <a:tcPr/>
+                </a:tc>
+                <a:tc>
+                  <a:txBody>
+                    <a:bodyPr/>
+                    <a:lstStyle/>
+                    <a:p>
+                      <a:r>
+                        <a:rPr lang="en-US" dirty="0" err="1" smtClean="0"/>
+                        <a:t>RNN+attractor</a:t>
+                      </a:r>
+                      <a:r>
+                        <a:rPr lang="en-US" dirty="0" smtClean="0"/>
+                        <a:t> trained via prediction task</a:t>
+                      </a:r>
+                      <a:endParaRPr lang="en-US" dirty="0"/>
+                    </a:p>
+                  </a:txBody>
+                  <a:tcPr/>
+                </a:tc>
+              </a:tr>
+              <a:tr h="358284">
+                <a:tc>
+                  <a:txBody>
+                    <a:bodyPr/>
+                    <a:lstStyle/>
+                    <a:p>
+                      <a:r>
+                        <a:rPr lang="en-US" dirty="0" smtClean="0"/>
+                        <a:t>training set accuracy</a:t>
+                      </a:r>
+                      <a:endParaRPr lang="en-US" dirty="0"/>
+                    </a:p>
+                  </a:txBody>
+                  <a:tcPr/>
+                </a:tc>
+                <a:tc>
+                  <a:txBody>
+                    <a:bodyPr/>
+                    <a:lstStyle/>
+                    <a:p>
+                      <a:r>
+                        <a:rPr lang="en-US" dirty="0" smtClean="0"/>
+                        <a:t>86.5%</a:t>
+                      </a:r>
+                      <a:endParaRPr lang="en-US" dirty="0"/>
+                    </a:p>
+                  </a:txBody>
+                  <a:tcPr/>
+                </a:tc>
+                <a:tc>
+                  <a:txBody>
+                    <a:bodyPr/>
+                    <a:lstStyle/>
+                    <a:p>
+                      <a:r>
+                        <a:rPr lang="en-US" dirty="0" smtClean="0"/>
+                        <a:t>90.3%</a:t>
+                      </a:r>
+                    </a:p>
+                    <a:p>
+                      <a:endParaRPr lang="en-US" dirty="0" smtClean="0"/>
+                    </a:p>
+                    <a:p>
+                      <a:pPr marL="0" marR="0" indent="0" algn="l" defTabSz="889409" rtl="0" eaLnBrk="1" fontAlgn="auto" latinLnBrk="0" hangingPunct="1">
+                        <a:lnSpc>
+                          <a:spcPct val="100000"/>
+                        </a:lnSpc>
+                        <a:spcBef>
+                          <a:spcPts val="0"/>
+                        </a:spcBef>
+                        <a:spcAft>
+                          <a:spcPts val="0"/>
+                        </a:spcAft>
+                        <a:buClrTx/>
+                        <a:buSzTx/>
+                        <a:buFontTx/>
+                        <a:buNone/>
+                        <a:tabLst/>
+                        <a:defRPr/>
+                      </a:pPr>
+                      <a:r>
+                        <a:rPr lang="en-US" dirty="0" smtClean="0"/>
+                        <a:t>2 sided paired t-test</a:t>
+                      </a:r>
+                      <a:r>
+                        <a:rPr lang="en-US" baseline="0" dirty="0" smtClean="0"/>
+                        <a:t> </a:t>
+                      </a:r>
+                      <a:r>
+                        <a:rPr lang="en-US" dirty="0" smtClean="0"/>
+                        <a:t>t(99)=3.12, p=.0025</a:t>
+                      </a:r>
+                    </a:p>
+                  </a:txBody>
+                  <a:tcPr/>
+                </a:tc>
+                <a:tc>
+                  <a:txBody>
+                    <a:bodyPr/>
+                    <a:lstStyle/>
+                    <a:p>
+                      <a:r>
+                        <a:rPr lang="en-US" dirty="0" smtClean="0"/>
+                        <a:t>82.4%</a:t>
+                      </a:r>
+                    </a:p>
+                    <a:p>
+                      <a:endParaRPr lang="en-US" dirty="0" smtClean="0"/>
+                    </a:p>
+                    <a:p>
+                      <a:r>
+                        <a:rPr lang="en-US" dirty="0" smtClean="0"/>
+                        <a:t>2 sided paired t-test</a:t>
+                      </a:r>
+                    </a:p>
+                    <a:p>
+                      <a:r>
+                        <a:rPr lang="en-US" dirty="0" smtClean="0"/>
+                        <a:t>t(99)=3.35</a:t>
+                      </a:r>
+                    </a:p>
+                    <a:p>
+                      <a:r>
+                        <a:rPr lang="en-US" dirty="0" smtClean="0"/>
+                        <a:t>p=.0011</a:t>
+                      </a:r>
+                      <a:endParaRPr lang="en-US" dirty="0"/>
+                    </a:p>
+                  </a:txBody>
+                  <a:tcPr/>
+                </a:tc>
+              </a:tr>
+            </a:tbl>
+          </a:graphicData>
+        </a:graphic>
+      </p:graphicFrame>
+    </p:spTree>
+    <p:extLst>
+      <p:ext uri="{BB962C8B-B14F-4D97-AF65-F5344CB8AC3E}">
+        <p14:creationId xmlns:p14="http://schemas.microsoft.com/office/powerpoint/2010/main" val="1054550254"/>
+      </p:ext>
+    </p:extLst>
+  </p:cSld>
+  <p:clrMapOvr>
+    <a:masterClrMapping/>
+  </p:clrMapOvr>
 </p:sld>
 </file>
 
@@ -8957,7 +6514,7 @@
     </p:spTree>
     <p:extLst>
       <p:ext uri="{BB962C8B-B14F-4D97-AF65-F5344CB8AC3E}">
-        <p14:creationId xmlns:p14="http://schemas.microsoft.com/office/powerpoint/2010/main" val="1872831277"/>
+        <p14:creationId xmlns:p14="http://schemas.microsoft.com/office/powerpoint/2010/main" val="1582443022"/>
       </p:ext>
     </p:extLst>
   </p:cSld>
@@ -9174,7 +6731,7 @@
     </p:spTree>
     <p:extLst>
       <p:ext uri="{BB962C8B-B14F-4D97-AF65-F5344CB8AC3E}">
-        <p14:creationId xmlns:p14="http://schemas.microsoft.com/office/powerpoint/2010/main" val="1502967347"/>
+        <p14:creationId xmlns:p14="http://schemas.microsoft.com/office/powerpoint/2010/main" val="1682386306"/>
       </p:ext>
     </p:extLst>
   </p:cSld>
@@ -9291,7 +6848,7 @@
     </p:spTree>
     <p:extLst>
       <p:ext uri="{BB962C8B-B14F-4D97-AF65-F5344CB8AC3E}">
-        <p14:creationId xmlns:p14="http://schemas.microsoft.com/office/powerpoint/2010/main" val="2017321578"/>
+        <p14:creationId xmlns:p14="http://schemas.microsoft.com/office/powerpoint/2010/main" val="2096948540"/>
       </p:ext>
     </p:extLst>
   </p:cSld>
@@ -9352,43 +6909,6 @@
           </a:p>
         </p:txBody>
       </p:sp>
-      <p:sp>
-        <p:nvSpPr>
-          <p:cNvPr id="3" name="Content Placeholder 2"/>
-          <p:cNvSpPr>
-            <a:spLocks noGrp="1"/>
-          </p:cNvSpPr>
-          <p:nvPr>
-            <p:ph idx="1"/>
-          </p:nvPr>
-        </p:nvSpPr>
-        <p:spPr/>
-        <p:txBody>
-          <a:bodyPr/>
-          <a:lstStyle/>
-          <a:p>
-            <a:r>
-              <a:rPr lang="en-US" dirty="0" smtClean="0"/>
-              <a:t>Specific project idea</a:t>
-            </a:r>
-          </a:p>
-          <a:p>
-            <a:pPr lvl="1"/>
-            <a:r>
-              <a:rPr lang="en-US" dirty="0" smtClean="0"/>
-              <a:t>use parity network from assignment 6</a:t>
-            </a:r>
-          </a:p>
-          <a:p>
-            <a:pPr lvl="1"/>
-            <a:r>
-              <a:rPr lang="en-US" dirty="0" smtClean="0"/>
-              <a:t>add in attractor net dynamics</a:t>
-            </a:r>
-            <a:endParaRPr lang="en-US" dirty="0"/>
-          </a:p>
-        </p:txBody>
-      </p:sp>
       <p:grpSp>
         <p:nvGrpSpPr>
           <p:cNvPr id="22" name="Group 21"/>
@@ -9397,10 +6917,10 @@
         </p:nvGrpSpPr>
         <p:grpSpPr>
           <a:xfrm>
-            <a:off x="4297590" y="3630240"/>
-            <a:ext cx="3842551" cy="2876930"/>
-            <a:chOff x="7905763" y="2946354"/>
-            <a:chExt cx="3842551" cy="2876930"/>
+            <a:off x="4317643" y="1765097"/>
+            <a:ext cx="3842551" cy="4051110"/>
+            <a:chOff x="7905763" y="1772174"/>
+            <a:chExt cx="3842551" cy="4051110"/>
           </a:xfrm>
         </p:grpSpPr>
         <p:sp>
@@ -9420,7 +6940,7 @@
             <a:noFill/>
             <a:ln w="25400">
               <a:solidFill>
-                <a:srgbClr val="0000FF"/>
+                <a:srgbClr val="D4AE00"/>
               </a:solidFill>
             </a:ln>
           </p:spPr>
@@ -9791,7 +7311,7 @@
           </p:nvSpPr>
           <p:spPr>
             <a:xfrm>
-              <a:off x="9297495" y="2946354"/>
+              <a:off x="9297495" y="1772174"/>
               <a:ext cx="565484" cy="565484"/>
             </a:xfrm>
             <a:prstGeom prst="ellipse">
@@ -9800,7 +7320,7 @@
             <a:noFill/>
             <a:ln w="25400">
               <a:solidFill>
-                <a:srgbClr val="FFC000"/>
+                <a:srgbClr val="0000FF"/>
               </a:solidFill>
             </a:ln>
           </p:spPr>
@@ -9844,15 +7364,15 @@
           </p:nvCxnSpPr>
           <p:spPr>
             <a:xfrm flipH="1" flipV="1">
-              <a:off x="9580237" y="3511838"/>
-              <a:ext cx="2916" cy="531214"/>
+              <a:off x="9580237" y="2337658"/>
+              <a:ext cx="2916" cy="1705394"/>
             </a:xfrm>
             <a:prstGeom prst="straightConnector1">
               <a:avLst/>
             </a:prstGeom>
             <a:ln w="50800">
               <a:solidFill>
-                <a:srgbClr val="FFC000"/>
+                <a:srgbClr val="0000FF"/>
               </a:solidFill>
               <a:tailEnd type="triangle"/>
             </a:ln>
@@ -9892,7 +7412,7 @@
             </a:prstGeom>
             <a:ln w="50800">
               <a:solidFill>
-                <a:srgbClr val="0000FF"/>
+                <a:srgbClr val="D4AE00"/>
               </a:solidFill>
               <a:tailEnd type="triangle"/>
             </a:ln>
@@ -9932,11 +7452,11 @@
               </a:avLst>
             </a:prstGeom>
             <a:solidFill>
-              <a:srgbClr val="FF00FF"/>
+              <a:srgbClr val="FF00BA"/>
             </a:solidFill>
             <a:ln w="25400">
               <a:solidFill>
-                <a:srgbClr val="FF00FF"/>
+                <a:srgbClr val="FF00BA"/>
               </a:solidFill>
             </a:ln>
           </p:spPr>
@@ -9970,651 +7490,6 @@
           </p:txBody>
         </p:sp>
       </p:grpSp>
-    </p:spTree>
-    <p:extLst>
-      <p:ext uri="{BB962C8B-B14F-4D97-AF65-F5344CB8AC3E}">
-        <p14:creationId xmlns:p14="http://schemas.microsoft.com/office/powerpoint/2010/main" val="1790873840"/>
-      </p:ext>
-    </p:extLst>
-  </p:cSld>
-  <p:clrMapOvr>
-    <a:masterClrMapping/>
-  </p:clrMapOvr>
-  <p:timing>
-    <p:tnLst>
-      <p:par>
-        <p:cTn id="1" dur="indefinite" restart="never" nodeType="tmRoot"/>
-      </p:par>
-    </p:tnLst>
-  </p:timing>
-</p:sld>
-</file>
-
-<file path=ppt/slides/slide6.xml><?xml version="1.0" encoding="utf-8"?>
-<p:sld xmlns:a="http://schemas.openxmlformats.org/drawingml/2006/main" xmlns:r="http://schemas.openxmlformats.org/officeDocument/2006/relationships" xmlns:p="http://schemas.openxmlformats.org/presentationml/2006/main">
-  <p:cSld>
-    <p:spTree>
-      <p:nvGrpSpPr>
-        <p:cNvPr id="1" name=""/>
-        <p:cNvGrpSpPr/>
-        <p:nvPr/>
-      </p:nvGrpSpPr>
-      <p:grpSpPr>
-        <a:xfrm>
-          <a:off x="0" y="0"/>
-          <a:ext cx="0" cy="0"/>
-          <a:chOff x="0" y="0"/>
-          <a:chExt cx="0" cy="0"/>
-        </a:xfrm>
-      </p:grpSpPr>
-      <p:sp>
-        <p:nvSpPr>
-          <p:cNvPr id="2" name="Title 1"/>
-          <p:cNvSpPr>
-            <a:spLocks noGrp="1"/>
-          </p:cNvSpPr>
-          <p:nvPr>
-            <p:ph type="title"/>
-          </p:nvPr>
-        </p:nvSpPr>
-        <p:spPr/>
-        <p:txBody>
-          <a:bodyPr/>
-          <a:lstStyle/>
-          <a:p>
-            <a:r>
-              <a:rPr lang="en-US" dirty="0" err="1" smtClean="0"/>
-              <a:t>Denoising</a:t>
-            </a:r>
-            <a:r>
-              <a:rPr lang="en-US" dirty="0" smtClean="0"/>
-              <a:t> RNNs</a:t>
-            </a:r>
-            <a:endParaRPr lang="en-US" dirty="0"/>
-          </a:p>
-        </p:txBody>
-      </p:sp>
-      <p:grpSp>
-        <p:nvGrpSpPr>
-          <p:cNvPr id="22" name="Group 21"/>
-          <p:cNvGrpSpPr/>
-          <p:nvPr/>
-        </p:nvGrpSpPr>
-        <p:grpSpPr>
-          <a:xfrm>
-            <a:off x="454717" y="1803642"/>
-            <a:ext cx="3842551" cy="2876930"/>
-            <a:chOff x="7905763" y="2946354"/>
-            <a:chExt cx="3842551" cy="2876930"/>
-          </a:xfrm>
-        </p:grpSpPr>
-        <p:sp>
-          <p:nvSpPr>
-            <p:cNvPr id="4" name="Oval 3"/>
-            <p:cNvSpPr/>
-            <p:nvPr/>
-          </p:nvSpPr>
-          <p:spPr>
-            <a:xfrm>
-              <a:off x="9300411" y="5257800"/>
-              <a:ext cx="565484" cy="565484"/>
-            </a:xfrm>
-            <a:prstGeom prst="ellipse">
-              <a:avLst/>
-            </a:prstGeom>
-            <a:noFill/>
-            <a:ln w="25400">
-              <a:solidFill>
-                <a:srgbClr val="0000FF"/>
-              </a:solidFill>
-            </a:ln>
-          </p:spPr>
-          <p:style>
-            <a:lnRef idx="2">
-              <a:schemeClr val="accent1">
-                <a:shade val="50000"/>
-              </a:schemeClr>
-            </a:lnRef>
-            <a:fillRef idx="1">
-              <a:schemeClr val="accent1"/>
-            </a:fillRef>
-            <a:effectRef idx="0">
-              <a:schemeClr val="accent1"/>
-            </a:effectRef>
-            <a:fontRef idx="minor">
-              <a:schemeClr val="lt1"/>
-            </a:fontRef>
-          </p:style>
-          <p:txBody>
-            <a:bodyPr rtlCol="0" anchor="ctr"/>
-            <a:lstStyle/>
-            <a:p>
-              <a:pPr algn="ctr"/>
-              <a:endParaRPr lang="en-US">
-                <a:solidFill>
-                  <a:schemeClr val="tx1"/>
-                </a:solidFill>
-              </a:endParaRPr>
-            </a:p>
-          </p:txBody>
-        </p:sp>
-        <p:grpSp>
-          <p:nvGrpSpPr>
-            <p:cNvPr id="12" name="Group 11"/>
-            <p:cNvGrpSpPr/>
-            <p:nvPr/>
-          </p:nvGrpSpPr>
-          <p:grpSpPr>
-            <a:xfrm>
-              <a:off x="7905763" y="4043052"/>
-              <a:ext cx="3354780" cy="682831"/>
-              <a:chOff x="8294914" y="3289465"/>
-              <a:chExt cx="3354780" cy="682831"/>
-            </a:xfrm>
-          </p:grpSpPr>
-          <p:grpSp>
-            <p:nvGrpSpPr>
-              <p:cNvPr id="10" name="Group 9"/>
-              <p:cNvGrpSpPr/>
-              <p:nvPr/>
-            </p:nvGrpSpPr>
-            <p:grpSpPr>
-              <a:xfrm>
-                <a:off x="8348692" y="3340769"/>
-                <a:ext cx="3241392" cy="565484"/>
-                <a:chOff x="8348692" y="3340769"/>
-                <a:chExt cx="3241392" cy="565484"/>
-              </a:xfrm>
-            </p:grpSpPr>
-            <p:sp>
-              <p:nvSpPr>
-                <p:cNvPr id="5" name="Oval 4"/>
-                <p:cNvSpPr/>
-                <p:nvPr/>
-              </p:nvSpPr>
-              <p:spPr>
-                <a:xfrm>
-                  <a:off x="9017669" y="3340769"/>
-                  <a:ext cx="565484" cy="565484"/>
-                </a:xfrm>
-                <a:prstGeom prst="ellipse">
-                  <a:avLst/>
-                </a:prstGeom>
-                <a:noFill/>
-                <a:ln w="25400">
-                  <a:solidFill>
-                    <a:srgbClr val="C00000"/>
-                  </a:solidFill>
-                </a:ln>
-              </p:spPr>
-              <p:style>
-                <a:lnRef idx="2">
-                  <a:schemeClr val="accent1">
-                    <a:shade val="50000"/>
-                  </a:schemeClr>
-                </a:lnRef>
-                <a:fillRef idx="1">
-                  <a:schemeClr val="accent1"/>
-                </a:fillRef>
-                <a:effectRef idx="0">
-                  <a:schemeClr val="accent1"/>
-                </a:effectRef>
-                <a:fontRef idx="minor">
-                  <a:schemeClr val="lt1"/>
-                </a:fontRef>
-              </p:style>
-              <p:txBody>
-                <a:bodyPr rtlCol="0" anchor="ctr"/>
-                <a:lstStyle/>
-                <a:p>
-                  <a:pPr algn="ctr"/>
-                  <a:endParaRPr lang="en-US">
-                    <a:solidFill>
-                      <a:schemeClr val="tx1"/>
-                    </a:solidFill>
-                  </a:endParaRPr>
-                </a:p>
-              </p:txBody>
-            </p:sp>
-            <p:sp>
-              <p:nvSpPr>
-                <p:cNvPr id="6" name="Oval 5"/>
-                <p:cNvSpPr/>
-                <p:nvPr/>
-              </p:nvSpPr>
-              <p:spPr>
-                <a:xfrm>
-                  <a:off x="9686646" y="3340769"/>
-                  <a:ext cx="565484" cy="565484"/>
-                </a:xfrm>
-                <a:prstGeom prst="ellipse">
-                  <a:avLst/>
-                </a:prstGeom>
-                <a:noFill/>
-                <a:ln w="25400">
-                  <a:solidFill>
-                    <a:srgbClr val="C00000"/>
-                  </a:solidFill>
-                </a:ln>
-              </p:spPr>
-              <p:style>
-                <a:lnRef idx="2">
-                  <a:schemeClr val="accent1">
-                    <a:shade val="50000"/>
-                  </a:schemeClr>
-                </a:lnRef>
-                <a:fillRef idx="1">
-                  <a:schemeClr val="accent1"/>
-                </a:fillRef>
-                <a:effectRef idx="0">
-                  <a:schemeClr val="accent1"/>
-                </a:effectRef>
-                <a:fontRef idx="minor">
-                  <a:schemeClr val="lt1"/>
-                </a:fontRef>
-              </p:style>
-              <p:txBody>
-                <a:bodyPr rtlCol="0" anchor="ctr"/>
-                <a:lstStyle/>
-                <a:p>
-                  <a:pPr algn="ctr"/>
-                  <a:endParaRPr lang="en-US">
-                    <a:solidFill>
-                      <a:schemeClr val="tx1"/>
-                    </a:solidFill>
-                  </a:endParaRPr>
-                </a:p>
-              </p:txBody>
-            </p:sp>
-            <p:sp>
-              <p:nvSpPr>
-                <p:cNvPr id="7" name="Oval 6"/>
-                <p:cNvSpPr/>
-                <p:nvPr/>
-              </p:nvSpPr>
-              <p:spPr>
-                <a:xfrm>
-                  <a:off x="10355623" y="3340769"/>
-                  <a:ext cx="565484" cy="565484"/>
-                </a:xfrm>
-                <a:prstGeom prst="ellipse">
-                  <a:avLst/>
-                </a:prstGeom>
-                <a:noFill/>
-                <a:ln w="25400">
-                  <a:solidFill>
-                    <a:srgbClr val="C00000"/>
-                  </a:solidFill>
-                </a:ln>
-              </p:spPr>
-              <p:style>
-                <a:lnRef idx="2">
-                  <a:schemeClr val="accent1">
-                    <a:shade val="50000"/>
-                  </a:schemeClr>
-                </a:lnRef>
-                <a:fillRef idx="1">
-                  <a:schemeClr val="accent1"/>
-                </a:fillRef>
-                <a:effectRef idx="0">
-                  <a:schemeClr val="accent1"/>
-                </a:effectRef>
-                <a:fontRef idx="minor">
-                  <a:schemeClr val="lt1"/>
-                </a:fontRef>
-              </p:style>
-              <p:txBody>
-                <a:bodyPr rtlCol="0" anchor="ctr"/>
-                <a:lstStyle/>
-                <a:p>
-                  <a:pPr algn="ctr"/>
-                  <a:endParaRPr lang="en-US">
-                    <a:solidFill>
-                      <a:schemeClr val="tx1"/>
-                    </a:solidFill>
-                  </a:endParaRPr>
-                </a:p>
-              </p:txBody>
-            </p:sp>
-            <p:sp>
-              <p:nvSpPr>
-                <p:cNvPr id="8" name="Oval 7"/>
-                <p:cNvSpPr/>
-                <p:nvPr/>
-              </p:nvSpPr>
-              <p:spPr>
-                <a:xfrm>
-                  <a:off x="11024600" y="3340769"/>
-                  <a:ext cx="565484" cy="565484"/>
-                </a:xfrm>
-                <a:prstGeom prst="ellipse">
-                  <a:avLst/>
-                </a:prstGeom>
-                <a:noFill/>
-                <a:ln w="25400">
-                  <a:solidFill>
-                    <a:srgbClr val="C00000"/>
-                  </a:solidFill>
-                </a:ln>
-              </p:spPr>
-              <p:style>
-                <a:lnRef idx="2">
-                  <a:schemeClr val="accent1">
-                    <a:shade val="50000"/>
-                  </a:schemeClr>
-                </a:lnRef>
-                <a:fillRef idx="1">
-                  <a:schemeClr val="accent1"/>
-                </a:fillRef>
-                <a:effectRef idx="0">
-                  <a:schemeClr val="accent1"/>
-                </a:effectRef>
-                <a:fontRef idx="minor">
-                  <a:schemeClr val="lt1"/>
-                </a:fontRef>
-              </p:style>
-              <p:txBody>
-                <a:bodyPr rtlCol="0" anchor="ctr"/>
-                <a:lstStyle/>
-                <a:p>
-                  <a:pPr algn="ctr"/>
-                  <a:endParaRPr lang="en-US">
-                    <a:solidFill>
-                      <a:schemeClr val="tx1"/>
-                    </a:solidFill>
-                  </a:endParaRPr>
-                </a:p>
-              </p:txBody>
-            </p:sp>
-            <p:sp>
-              <p:nvSpPr>
-                <p:cNvPr id="9" name="Oval 8"/>
-                <p:cNvSpPr/>
-                <p:nvPr/>
-              </p:nvSpPr>
-              <p:spPr>
-                <a:xfrm>
-                  <a:off x="8348692" y="3340769"/>
-                  <a:ext cx="565484" cy="565484"/>
-                </a:xfrm>
-                <a:prstGeom prst="ellipse">
-                  <a:avLst/>
-                </a:prstGeom>
-                <a:noFill/>
-                <a:ln w="25400">
-                  <a:solidFill>
-                    <a:srgbClr val="C00000"/>
-                  </a:solidFill>
-                </a:ln>
-              </p:spPr>
-              <p:style>
-                <a:lnRef idx="2">
-                  <a:schemeClr val="accent1">
-                    <a:shade val="50000"/>
-                  </a:schemeClr>
-                </a:lnRef>
-                <a:fillRef idx="1">
-                  <a:schemeClr val="accent1"/>
-                </a:fillRef>
-                <a:effectRef idx="0">
-                  <a:schemeClr val="accent1"/>
-                </a:effectRef>
-                <a:fontRef idx="minor">
-                  <a:schemeClr val="lt1"/>
-                </a:fontRef>
-              </p:style>
-              <p:txBody>
-                <a:bodyPr rtlCol="0" anchor="ctr"/>
-                <a:lstStyle/>
-                <a:p>
-                  <a:pPr algn="ctr"/>
-                  <a:endParaRPr lang="en-US">
-                    <a:solidFill>
-                      <a:schemeClr val="tx1"/>
-                    </a:solidFill>
-                  </a:endParaRPr>
-                </a:p>
-              </p:txBody>
-            </p:sp>
-          </p:grpSp>
-          <p:sp>
-            <p:nvSpPr>
-              <p:cNvPr id="11" name="Rectangle 10"/>
-              <p:cNvSpPr/>
-              <p:nvPr/>
-            </p:nvSpPr>
-            <p:spPr>
-              <a:xfrm>
-                <a:off x="8294914" y="3289465"/>
-                <a:ext cx="3354780" cy="682831"/>
-              </a:xfrm>
-              <a:prstGeom prst="rect">
-                <a:avLst/>
-              </a:prstGeom>
-              <a:noFill/>
-              <a:ln w="25400">
-                <a:solidFill>
-                  <a:srgbClr val="C00000"/>
-                </a:solidFill>
-              </a:ln>
-            </p:spPr>
-            <p:style>
-              <a:lnRef idx="2">
-                <a:schemeClr val="accent1">
-                  <a:shade val="50000"/>
-                </a:schemeClr>
-              </a:lnRef>
-              <a:fillRef idx="1">
-                <a:schemeClr val="accent1"/>
-              </a:fillRef>
-              <a:effectRef idx="0">
-                <a:schemeClr val="accent1"/>
-              </a:effectRef>
-              <a:fontRef idx="minor">
-                <a:schemeClr val="lt1"/>
-              </a:fontRef>
-            </p:style>
-            <p:txBody>
-              <a:bodyPr rtlCol="0" anchor="ctr"/>
-              <a:lstStyle/>
-              <a:p>
-                <a:pPr algn="ctr"/>
-                <a:endParaRPr lang="en-US">
-                  <a:solidFill>
-                    <a:schemeClr val="tx1"/>
-                  </a:solidFill>
-                </a:endParaRPr>
-              </a:p>
-            </p:txBody>
-          </p:sp>
-        </p:grpSp>
-        <p:sp>
-          <p:nvSpPr>
-            <p:cNvPr id="13" name="Oval 12"/>
-            <p:cNvSpPr/>
-            <p:nvPr/>
-          </p:nvSpPr>
-          <p:spPr>
-            <a:xfrm>
-              <a:off x="9297495" y="2946354"/>
-              <a:ext cx="565484" cy="565484"/>
-            </a:xfrm>
-            <a:prstGeom prst="ellipse">
-              <a:avLst/>
-            </a:prstGeom>
-            <a:noFill/>
-            <a:ln w="25400">
-              <a:solidFill>
-                <a:srgbClr val="FFC000"/>
-              </a:solidFill>
-            </a:ln>
-          </p:spPr>
-          <p:style>
-            <a:lnRef idx="2">
-              <a:schemeClr val="accent1">
-                <a:shade val="50000"/>
-              </a:schemeClr>
-            </a:lnRef>
-            <a:fillRef idx="1">
-              <a:schemeClr val="accent1"/>
-            </a:fillRef>
-            <a:effectRef idx="0">
-              <a:schemeClr val="accent1"/>
-            </a:effectRef>
-            <a:fontRef idx="minor">
-              <a:schemeClr val="lt1"/>
-            </a:fontRef>
-          </p:style>
-          <p:txBody>
-            <a:bodyPr rtlCol="0" anchor="ctr"/>
-            <a:lstStyle/>
-            <a:p>
-              <a:pPr algn="ctr"/>
-              <a:endParaRPr lang="en-US">
-                <a:solidFill>
-                  <a:schemeClr val="tx1"/>
-                </a:solidFill>
-              </a:endParaRPr>
-            </a:p>
-          </p:txBody>
-        </p:sp>
-        <p:cxnSp>
-          <p:nvCxnSpPr>
-            <p:cNvPr id="15" name="Straight Arrow Connector 14"/>
-            <p:cNvCxnSpPr>
-              <a:stCxn id="11" idx="0"/>
-              <a:endCxn id="13" idx="4"/>
-            </p:cNvCxnSpPr>
-            <p:nvPr/>
-          </p:nvCxnSpPr>
-          <p:spPr>
-            <a:xfrm flipH="1" flipV="1">
-              <a:off x="9580237" y="3511838"/>
-              <a:ext cx="2916" cy="531214"/>
-            </a:xfrm>
-            <a:prstGeom prst="straightConnector1">
-              <a:avLst/>
-            </a:prstGeom>
-            <a:ln w="50800">
-              <a:solidFill>
-                <a:srgbClr val="FFC000"/>
-              </a:solidFill>
-              <a:tailEnd type="triangle"/>
-            </a:ln>
-            <a:effectLst/>
-          </p:spPr>
-          <p:style>
-            <a:lnRef idx="2">
-              <a:schemeClr val="accent1"/>
-            </a:lnRef>
-            <a:fillRef idx="0">
-              <a:schemeClr val="accent1"/>
-            </a:fillRef>
-            <a:effectRef idx="1">
-              <a:schemeClr val="accent1"/>
-            </a:effectRef>
-            <a:fontRef idx="minor">
-              <a:schemeClr val="tx1"/>
-            </a:fontRef>
-          </p:style>
-        </p:cxnSp>
-        <p:cxnSp>
-          <p:nvCxnSpPr>
-            <p:cNvPr id="16" name="Straight Arrow Connector 15"/>
-            <p:cNvCxnSpPr>
-              <a:stCxn id="4" idx="0"/>
-              <a:endCxn id="11" idx="2"/>
-            </p:cNvCxnSpPr>
-            <p:nvPr/>
-          </p:nvCxnSpPr>
-          <p:spPr>
-            <a:xfrm flipV="1">
-              <a:off x="9583153" y="4725883"/>
-              <a:ext cx="0" cy="531917"/>
-            </a:xfrm>
-            <a:prstGeom prst="straightConnector1">
-              <a:avLst/>
-            </a:prstGeom>
-            <a:ln w="50800">
-              <a:solidFill>
-                <a:srgbClr val="0000FF"/>
-              </a:solidFill>
-              <a:tailEnd type="triangle"/>
-            </a:ln>
-            <a:effectLst/>
-          </p:spPr>
-          <p:style>
-            <a:lnRef idx="2">
-              <a:schemeClr val="accent1"/>
-            </a:lnRef>
-            <a:fillRef idx="0">
-              <a:schemeClr val="accent1"/>
-            </a:fillRef>
-            <a:effectRef idx="1">
-              <a:schemeClr val="accent1"/>
-            </a:effectRef>
-            <a:fontRef idx="minor">
-              <a:schemeClr val="tx1"/>
-            </a:fontRef>
-          </p:style>
-        </p:cxnSp>
-        <p:sp>
-          <p:nvSpPr>
-            <p:cNvPr id="21" name="Curved Left Arrow 20"/>
-            <p:cNvSpPr/>
-            <p:nvPr/>
-          </p:nvSpPr>
-          <p:spPr>
-            <a:xfrm>
-              <a:off x="11260543" y="4130892"/>
-              <a:ext cx="487771" cy="623454"/>
-            </a:xfrm>
-            <a:prstGeom prst="curvedLeftArrow">
-              <a:avLst>
-                <a:gd name="adj1" fmla="val 14052"/>
-                <a:gd name="adj2" fmla="val 50000"/>
-                <a:gd name="adj3" fmla="val 23783"/>
-              </a:avLst>
-            </a:prstGeom>
-            <a:solidFill>
-              <a:srgbClr val="FF00FF"/>
-            </a:solidFill>
-            <a:ln w="25400">
-              <a:solidFill>
-                <a:srgbClr val="FF00FF"/>
-              </a:solidFill>
-            </a:ln>
-          </p:spPr>
-          <p:style>
-            <a:lnRef idx="2">
-              <a:schemeClr val="accent1">
-                <a:shade val="50000"/>
-              </a:schemeClr>
-            </a:lnRef>
-            <a:fillRef idx="1">
-              <a:schemeClr val="accent1"/>
-            </a:fillRef>
-            <a:effectRef idx="0">
-              <a:schemeClr val="accent1"/>
-            </a:effectRef>
-            <a:fontRef idx="minor">
-              <a:schemeClr val="lt1"/>
-            </a:fontRef>
-          </p:style>
-          <p:txBody>
-            <a:bodyPr rtlCol="0" anchor="ctr"/>
-            <a:lstStyle/>
-            <a:p>
-              <a:pPr algn="ctr"/>
-              <a:endParaRPr lang="en-US">
-                <a:solidFill>
-                  <a:schemeClr val="tx1"/>
-                </a:solidFill>
-              </a:endParaRPr>
-            </a:p>
-          </p:txBody>
-        </p:sp>
-      </p:grpSp>
       <p:grpSp>
         <p:nvGrpSpPr>
           <p:cNvPr id="54" name="Group 53"/>
@@ -10623,7 +7498,7 @@
         </p:nvGrpSpPr>
         <p:grpSpPr>
           <a:xfrm>
-            <a:off x="4974875" y="1261649"/>
+            <a:off x="2569646" y="1756418"/>
             <a:ext cx="7217125" cy="4058447"/>
             <a:chOff x="4974875" y="2253942"/>
             <a:chExt cx="7217125" cy="4058447"/>
@@ -10646,7 +7521,7 @@
             <a:noFill/>
             <a:ln w="25400">
               <a:solidFill>
-                <a:srgbClr val="0000FF"/>
+                <a:srgbClr val="D4AE00"/>
               </a:solidFill>
             </a:ln>
           </p:spPr>
@@ -10996,7 +7871,7 @@
             <a:noFill/>
             <a:ln w="25400">
               <a:solidFill>
-                <a:srgbClr val="FFC000"/>
+                <a:srgbClr val="0000FF"/>
               </a:solidFill>
             </a:ln>
           </p:spPr>
@@ -11048,7 +7923,7 @@
             </a:prstGeom>
             <a:ln w="50800">
               <a:solidFill>
-                <a:srgbClr val="FFC000"/>
+                <a:srgbClr val="0000FF"/>
               </a:solidFill>
               <a:tailEnd type="triangle"/>
             </a:ln>
@@ -11087,7 +7962,7 @@
             </a:prstGeom>
             <a:ln w="50800">
               <a:solidFill>
-                <a:srgbClr val="0000FF"/>
+                <a:srgbClr val="D4AE00"/>
               </a:solidFill>
               <a:tailEnd type="triangle"/>
             </a:ln>
@@ -11416,7 +8291,7 @@
           </p:nvSpPr>
           <p:spPr>
             <a:xfrm>
-              <a:off x="10068827" y="3649576"/>
+              <a:off x="10080550" y="3649576"/>
               <a:ext cx="878772" cy="1354910"/>
             </a:xfrm>
             <a:prstGeom prst="curvedLeftArrow">
@@ -11427,11 +8302,11 @@
               </a:avLst>
             </a:prstGeom>
             <a:solidFill>
-              <a:srgbClr val="FF00FF"/>
+              <a:srgbClr val="FF00BA"/>
             </a:solidFill>
             <a:ln w="25400">
               <a:solidFill>
-                <a:srgbClr val="FF00FF"/>
+                <a:srgbClr val="FF00BA"/>
               </a:solidFill>
             </a:ln>
           </p:spPr>
@@ -11606,25 +8481,20 @@
             <a:p>
               <a:pPr algn="ctr"/>
               <a:r>
-                <a:rPr lang="en-US" sz="3100" b="1" smtClean="0">
+                <a:rPr lang="en-US" sz="3100" b="1" dirty="0" smtClean="0">
                   <a:solidFill>
-                    <a:srgbClr val="FF00FF"/>
+                    <a:srgbClr val="FF00BA"/>
                   </a:solidFill>
                 </a:rPr>
                 <a:t>across</a:t>
               </a:r>
-              <a:endParaRPr lang="en-US" sz="3100" b="1" dirty="0" smtClean="0">
-                <a:solidFill>
-                  <a:srgbClr val="FF00FF"/>
-                </a:solidFill>
-              </a:endParaRPr>
             </a:p>
             <a:p>
               <a:pPr algn="ctr"/>
               <a:r>
                 <a:rPr lang="en-US" sz="3100" b="1" dirty="0" smtClean="0">
                   <a:solidFill>
-                    <a:srgbClr val="FF00FF"/>
+                    <a:srgbClr val="FF00BA"/>
                   </a:solidFill>
                   <a:latin typeface="+mn-lt"/>
                 </a:rPr>
@@ -11636,14 +8506,14 @@
               <a:r>
                 <a:rPr lang="en-US" sz="3100" b="1" dirty="0" smtClean="0">
                   <a:solidFill>
-                    <a:srgbClr val="FF00FF"/>
+                    <a:srgbClr val="FF00BA"/>
                   </a:solidFill>
                 </a:rPr>
                 <a:t>steps</a:t>
               </a:r>
               <a:endParaRPr lang="en-US" sz="3100" b="1" dirty="0">
                 <a:solidFill>
-                  <a:srgbClr val="FF00FF"/>
+                  <a:srgbClr val="FF00BA"/>
                 </a:solidFill>
               </a:endParaRPr>
             </a:p>
@@ -11703,14 +8573,125 @@
   <p:timing>
     <p:tnLst>
       <p:par>
-        <p:cTn id="1" dur="indefinite" restart="never" nodeType="tmRoot"/>
+        <p:cTn id="1" dur="indefinite" restart="never" nodeType="tmRoot">
+          <p:childTnLst>
+            <p:seq concurrent="1" nextAc="seek">
+              <p:cTn id="2" dur="indefinite" nodeType="mainSeq">
+                <p:childTnLst>
+                  <p:par>
+                    <p:cTn id="3" fill="hold">
+                      <p:stCondLst>
+                        <p:cond delay="indefinite"/>
+                      </p:stCondLst>
+                      <p:childTnLst>
+                        <p:par>
+                          <p:cTn id="4" fill="hold">
+                            <p:stCondLst>
+                              <p:cond delay="0"/>
+                            </p:stCondLst>
+                            <p:childTnLst>
+                              <p:par>
+                                <p:cTn id="5" presetID="9" presetClass="exit" presetSubtype="0" fill="hold" nodeType="clickEffect">
+                                  <p:stCondLst>
+                                    <p:cond delay="0"/>
+                                  </p:stCondLst>
+                                  <p:childTnLst>
+                                    <p:animEffect transition="out" filter="dissolve">
+                                      <p:cBhvr>
+                                        <p:cTn id="6" dur="500"/>
+                                        <p:tgtEl>
+                                          <p:spTgt spid="22"/>
+                                        </p:tgtEl>
+                                      </p:cBhvr>
+                                    </p:animEffect>
+                                    <p:set>
+                                      <p:cBhvr>
+                                        <p:cTn id="7" dur="1" fill="hold">
+                                          <p:stCondLst>
+                                            <p:cond delay="499"/>
+                                          </p:stCondLst>
+                                        </p:cTn>
+                                        <p:tgtEl>
+                                          <p:spTgt spid="22"/>
+                                        </p:tgtEl>
+                                        <p:attrNameLst>
+                                          <p:attrName>style.visibility</p:attrName>
+                                        </p:attrNameLst>
+                                      </p:cBhvr>
+                                      <p:to>
+                                        <p:strVal val="hidden"/>
+                                      </p:to>
+                                    </p:set>
+                                  </p:childTnLst>
+                                </p:cTn>
+                              </p:par>
+                              <p:par>
+                                <p:cTn id="8" presetID="9" presetClass="entr" presetSubtype="0" fill="hold" nodeType="withEffect">
+                                  <p:stCondLst>
+                                    <p:cond delay="0"/>
+                                  </p:stCondLst>
+                                  <p:childTnLst>
+                                    <p:set>
+                                      <p:cBhvr>
+                                        <p:cTn id="9" dur="1" fill="hold">
+                                          <p:stCondLst>
+                                            <p:cond delay="0"/>
+                                          </p:stCondLst>
+                                        </p:cTn>
+                                        <p:tgtEl>
+                                          <p:spTgt spid="54"/>
+                                        </p:tgtEl>
+                                        <p:attrNameLst>
+                                          <p:attrName>style.visibility</p:attrName>
+                                        </p:attrNameLst>
+                                      </p:cBhvr>
+                                      <p:to>
+                                        <p:strVal val="visible"/>
+                                      </p:to>
+                                    </p:set>
+                                    <p:animEffect transition="in" filter="dissolve">
+                                      <p:cBhvr>
+                                        <p:cTn id="10" dur="500"/>
+                                        <p:tgtEl>
+                                          <p:spTgt spid="54"/>
+                                        </p:tgtEl>
+                                      </p:cBhvr>
+                                    </p:animEffect>
+                                  </p:childTnLst>
+                                </p:cTn>
+                              </p:par>
+                            </p:childTnLst>
+                          </p:cTn>
+                        </p:par>
+                      </p:childTnLst>
+                    </p:cTn>
+                  </p:par>
+                </p:childTnLst>
+              </p:cTn>
+              <p:prevCondLst>
+                <p:cond evt="onPrev" delay="0">
+                  <p:tgtEl>
+                    <p:sldTgt/>
+                  </p:tgtEl>
+                </p:cond>
+              </p:prevCondLst>
+              <p:nextCondLst>
+                <p:cond evt="onNext" delay="0">
+                  <p:tgtEl>
+                    <p:sldTgt/>
+                  </p:tgtEl>
+                </p:cond>
+              </p:nextCondLst>
+            </p:seq>
+          </p:childTnLst>
+        </p:cTn>
       </p:par>
     </p:tnLst>
   </p:timing>
 </p:sld>
 </file>
 
-<file path=ppt/slides/slide7.xml><?xml version="1.0" encoding="utf-8"?>
+<file path=ppt/slides/slide6.xml><?xml version="1.0" encoding="utf-8"?>
 <p:sld xmlns:a="http://schemas.openxmlformats.org/drawingml/2006/main" xmlns:r="http://schemas.openxmlformats.org/officeDocument/2006/relationships" xmlns:p="http://schemas.openxmlformats.org/presentationml/2006/main">
   <p:cSld>
     <p:spTree>
@@ -11785,7 +8766,7 @@
             <a:noFill/>
             <a:ln w="25400">
               <a:solidFill>
-                <a:srgbClr val="0000FF"/>
+                <a:srgbClr val="D4AE00"/>
               </a:solidFill>
             </a:ln>
           </p:spPr>
@@ -12135,7 +9116,7 @@
             <a:noFill/>
             <a:ln w="25400">
               <a:solidFill>
-                <a:srgbClr val="FFC000"/>
+                <a:srgbClr val="0000FF"/>
               </a:solidFill>
             </a:ln>
           </p:spPr>
@@ -12187,7 +9168,7 @@
             </a:prstGeom>
             <a:ln w="50800">
               <a:solidFill>
-                <a:srgbClr val="FFC000"/>
+                <a:srgbClr val="0000FF"/>
               </a:solidFill>
               <a:tailEnd type="triangle"/>
             </a:ln>
@@ -12226,7 +9207,7 @@
             </a:prstGeom>
             <a:ln w="50800">
               <a:solidFill>
-                <a:srgbClr val="0000FF"/>
+                <a:srgbClr val="D4AE00"/>
               </a:solidFill>
               <a:tailEnd type="triangle"/>
             </a:ln>
@@ -12566,11 +9547,11 @@
               </a:avLst>
             </a:prstGeom>
             <a:solidFill>
-              <a:srgbClr val="FF00FF"/>
+              <a:srgbClr val="FF00BA"/>
             </a:solidFill>
             <a:ln w="25400">
               <a:solidFill>
-                <a:srgbClr val="FF00FF"/>
+                <a:srgbClr val="FF00BA"/>
               </a:solidFill>
             </a:ln>
           </p:spPr>
@@ -12717,7 +9698,7 @@
           <a:noFill/>
           <a:ln w="25400">
             <a:solidFill>
-              <a:srgbClr val="FFC000"/>
+              <a:srgbClr val="0000FF"/>
             </a:solidFill>
           </a:ln>
         </p:spPr>
@@ -12766,7 +9747,7 @@
           </a:prstGeom>
           <a:ln w="50800">
             <a:solidFill>
-              <a:srgbClr val="FFC000"/>
+              <a:srgbClr val="0000FF"/>
             </a:solidFill>
             <a:tailEnd type="triangle"/>
           </a:ln>
@@ -12818,7 +9799,7 @@
             <a:noFill/>
             <a:ln w="25400">
               <a:solidFill>
-                <a:srgbClr val="0000FF"/>
+                <a:srgbClr val="D4AE00"/>
               </a:solidFill>
             </a:ln>
           </p:spPr>
@@ -13182,7 +10163,7 @@
             </a:prstGeom>
             <a:ln w="50800">
               <a:solidFill>
-                <a:srgbClr val="0000FF"/>
+                <a:srgbClr val="D4AE00"/>
               </a:solidFill>
               <a:tailEnd type="triangle"/>
             </a:ln>
@@ -14274,7 +11255,7 @@
           </p:nvSpPr>
           <p:spPr>
             <a:xfrm>
-              <a:off x="6680036" y="2663069"/>
+              <a:off x="6680036" y="2578335"/>
               <a:ext cx="466794" cy="569387"/>
             </a:xfrm>
             <a:prstGeom prst="rect">
@@ -14316,9 +11297,9 @@
         <p:grpSpPr>
           <a:xfrm>
             <a:off x="5953777" y="3141908"/>
-            <a:ext cx="1757287" cy="2907088"/>
+            <a:ext cx="1757287" cy="2913016"/>
             <a:chOff x="5836598" y="2203389"/>
-            <a:chExt cx="2171214" cy="3591850"/>
+            <a:chExt cx="2171214" cy="3599174"/>
           </a:xfrm>
         </p:grpSpPr>
         <p:sp>
@@ -14329,7 +11310,7 @@
           </p:nvSpPr>
           <p:spPr>
             <a:xfrm>
-              <a:off x="6740317" y="5429576"/>
+              <a:off x="6740317" y="5436900"/>
               <a:ext cx="365663" cy="365663"/>
             </a:xfrm>
             <a:prstGeom prst="ellipse">
@@ -14338,7 +11319,7 @@
             <a:noFill/>
             <a:ln w="25400">
               <a:solidFill>
-                <a:srgbClr val="0000FF"/>
+                <a:srgbClr val="D4AE00"/>
               </a:solidFill>
             </a:ln>
           </p:spPr>
@@ -14694,7 +11675,7 @@
           </p:nvCxnSpPr>
           <p:spPr>
             <a:xfrm flipV="1">
-              <a:off x="6923148" y="5085618"/>
+              <a:off x="6923148" y="5092942"/>
               <a:ext cx="0" cy="343958"/>
             </a:xfrm>
             <a:prstGeom prst="straightConnector1">
@@ -14702,7 +11683,7 @@
             </a:prstGeom>
             <a:ln w="50800">
               <a:solidFill>
-                <a:srgbClr val="0000FF"/>
+                <a:srgbClr val="D4AE00"/>
               </a:solidFill>
               <a:tailEnd type="triangle"/>
             </a:ln>
@@ -15787,7 +12768,7 @@
           </p:nvSpPr>
           <p:spPr>
             <a:xfrm>
-              <a:off x="6680036" y="2663069"/>
+              <a:off x="6680036" y="2578335"/>
               <a:ext cx="466794" cy="569387"/>
             </a:xfrm>
             <a:prstGeom prst="rect">
@@ -15839,7 +12820,7 @@
           </a:prstGeom>
           <a:ln w="50800">
             <a:solidFill>
-              <a:srgbClr val="FF00FF"/>
+              <a:srgbClr val="FF00BA"/>
             </a:solidFill>
             <a:tailEnd type="triangle"/>
           </a:ln>
@@ -15891,7 +12872,7 @@
             <a:noFill/>
             <a:ln w="25400">
               <a:solidFill>
-                <a:srgbClr val="0000FF"/>
+                <a:srgbClr val="D4AE00"/>
               </a:solidFill>
             </a:ln>
           </p:spPr>
@@ -16255,7 +13236,7 @@
             </a:prstGeom>
             <a:ln w="50800">
               <a:solidFill>
-                <a:srgbClr val="0000FF"/>
+                <a:srgbClr val="D4AE00"/>
               </a:solidFill>
               <a:tailEnd type="triangle"/>
             </a:ln>
@@ -17340,7 +14321,7 @@
           </p:nvSpPr>
           <p:spPr>
             <a:xfrm>
-              <a:off x="6680036" y="2663069"/>
+              <a:off x="6665913" y="2578335"/>
               <a:ext cx="466794" cy="569387"/>
             </a:xfrm>
             <a:prstGeom prst="rect">
@@ -17389,7 +14370,7 @@
           </a:prstGeom>
           <a:ln w="50800">
             <a:solidFill>
-              <a:srgbClr val="FF00FF"/>
+              <a:srgbClr val="FF00BA"/>
             </a:solidFill>
             <a:tailEnd type="triangle"/>
           </a:ln>
@@ -17435,7 +14416,7 @@
             <a:r>
               <a:rPr lang="mr-IN" sz="3100" b="1" dirty="0" smtClean="0">
                 <a:solidFill>
-                  <a:srgbClr val="FF00FF"/>
+                  <a:srgbClr val="FF00BA"/>
                 </a:solidFill>
                 <a:latin typeface="+mn-lt"/>
               </a:rPr>
@@ -17443,7 +14424,7 @@
             </a:r>
             <a:endParaRPr lang="en-US" sz="3100" b="1" dirty="0">
               <a:solidFill>
-                <a:srgbClr val="FF00FF"/>
+                <a:srgbClr val="FF00BA"/>
               </a:solidFill>
               <a:latin typeface="+mn-lt"/>
             </a:endParaRPr>
@@ -17468,7 +14449,7 @@
           </a:prstGeom>
           <a:ln w="50800">
             <a:solidFill>
-              <a:srgbClr val="FF00FF"/>
+              <a:srgbClr val="FF00BA"/>
             </a:solidFill>
             <a:tailEnd type="triangle"/>
           </a:ln>
@@ -17514,7 +14495,7 @@
             <a:r>
               <a:rPr lang="mr-IN" sz="3100" b="1" dirty="0" smtClean="0">
                 <a:solidFill>
-                  <a:srgbClr val="FF00FF"/>
+                  <a:srgbClr val="FF00BA"/>
                 </a:solidFill>
                 <a:latin typeface="+mn-lt"/>
               </a:rPr>
@@ -17522,13 +14503,128 @@
             </a:r>
             <a:endParaRPr lang="en-US" sz="3100" b="1" dirty="0">
               <a:solidFill>
-                <a:srgbClr val="FF00FF"/>
+                <a:srgbClr val="FF00BA"/>
               </a:solidFill>
               <a:latin typeface="+mn-lt"/>
             </a:endParaRPr>
           </a:p>
         </p:txBody>
       </p:sp>
+      <p:grpSp>
+        <p:nvGrpSpPr>
+          <p:cNvPr id="162" name="Group 161"/>
+          <p:cNvGrpSpPr/>
+          <p:nvPr/>
+        </p:nvGrpSpPr>
+        <p:grpSpPr>
+          <a:xfrm rot="5400000">
+            <a:off x="10499602" y="-508653"/>
+            <a:ext cx="801682" cy="2351429"/>
+            <a:chOff x="1844345" y="818681"/>
+            <a:chExt cx="1214878" cy="2151147"/>
+          </a:xfrm>
+        </p:grpSpPr>
+        <p:sp>
+          <p:nvSpPr>
+            <p:cNvPr id="165" name="Curved Right Arrow 164"/>
+            <p:cNvSpPr/>
+            <p:nvPr/>
+          </p:nvSpPr>
+          <p:spPr>
+            <a:xfrm>
+              <a:off x="2318443" y="818681"/>
+              <a:ext cx="740780" cy="2151147"/>
+            </a:xfrm>
+            <a:prstGeom prst="curvedRightArrow">
+              <a:avLst/>
+            </a:prstGeom>
+            <a:solidFill>
+              <a:schemeClr val="bg1">
+                <a:lumMod val="65000"/>
+              </a:schemeClr>
+            </a:solidFill>
+            <a:ln w="25400">
+              <a:solidFill>
+                <a:schemeClr val="bg1">
+                  <a:lumMod val="65000"/>
+                </a:schemeClr>
+              </a:solidFill>
+            </a:ln>
+          </p:spPr>
+          <p:style>
+            <a:lnRef idx="2">
+              <a:schemeClr val="accent1">
+                <a:shade val="50000"/>
+              </a:schemeClr>
+            </a:lnRef>
+            <a:fillRef idx="1">
+              <a:schemeClr val="accent1"/>
+            </a:fillRef>
+            <a:effectRef idx="0">
+              <a:schemeClr val="accent1"/>
+            </a:effectRef>
+            <a:fontRef idx="minor">
+              <a:schemeClr val="lt1"/>
+            </a:fontRef>
+          </p:style>
+          <p:txBody>
+            <a:bodyPr rtlCol="0" anchor="ctr"/>
+            <a:lstStyle/>
+            <a:p>
+              <a:pPr algn="ctr"/>
+              <a:endParaRPr lang="en-US">
+                <a:solidFill>
+                  <a:schemeClr val="tx1"/>
+                </a:solidFill>
+              </a:endParaRPr>
+            </a:p>
+          </p:txBody>
+        </p:sp>
+        <p:sp>
+          <p:nvSpPr>
+            <p:cNvPr id="166" name="TextBox 165"/>
+            <p:cNvSpPr txBox="1"/>
+            <p:nvPr/>
+          </p:nvSpPr>
+          <p:spPr>
+            <a:xfrm rot="16200000">
+              <a:off x="1204554" y="1629042"/>
+              <a:ext cx="1679691" cy="400110"/>
+            </a:xfrm>
+            <a:prstGeom prst="rect">
+              <a:avLst/>
+            </a:prstGeom>
+            <a:noFill/>
+          </p:spPr>
+          <p:txBody>
+            <a:bodyPr wrap="none" rtlCol="0">
+              <a:spAutoFit/>
+            </a:bodyPr>
+            <a:lstStyle/>
+            <a:p>
+              <a:r>
+                <a:rPr lang="en-US" sz="2000" b="1" dirty="0" smtClean="0">
+                  <a:solidFill>
+                    <a:schemeClr val="bg1">
+                      <a:lumMod val="65000"/>
+                    </a:schemeClr>
+                  </a:solidFill>
+                  <a:latin typeface="+mn-lt"/>
+                </a:rPr>
+                <a:t>training signal</a:t>
+              </a:r>
+              <a:endParaRPr lang="en-US" sz="2000" b="1" dirty="0">
+                <a:solidFill>
+                  <a:schemeClr val="bg1">
+                    <a:lumMod val="65000"/>
+                  </a:schemeClr>
+                </a:solidFill>
+                <a:latin typeface="+mn-lt"/>
+              </a:endParaRPr>
+            </a:p>
+          </p:txBody>
+        </p:sp>
+      </p:grpSp>
     </p:spTree>
     <p:extLst>
       <p:ext uri="{BB962C8B-B14F-4D97-AF65-F5344CB8AC3E}">
@@ -17549,7 +14645,7 @@
 </p:sld>
 </file>
 
-<file path=ppt/slides/slide8.xml><?xml version="1.0" encoding="utf-8"?>
+<file path=ppt/slides/slide7.xml><?xml version="1.0" encoding="utf-8"?>
 <p:sld xmlns:a="http://schemas.openxmlformats.org/drawingml/2006/main" xmlns:r="http://schemas.openxmlformats.org/officeDocument/2006/relationships" xmlns:p="http://schemas.openxmlformats.org/presentationml/2006/main">
   <p:cSld>
     <p:spTree>
@@ -17593,56 +14689,6 @@
           </a:p>
         </p:txBody>
       </p:sp>
-      <p:sp>
-        <p:nvSpPr>
-          <p:cNvPr id="53" name="Oval 52"/>
-          <p:cNvSpPr/>
-          <p:nvPr/>
-        </p:nvSpPr>
-        <p:spPr>
-          <a:xfrm>
-            <a:off x="9036965" y="1145205"/>
-            <a:ext cx="365663" cy="365663"/>
-          </a:xfrm>
-          <a:prstGeom prst="ellipse">
-            <a:avLst/>
-          </a:prstGeom>
-          <a:noFill/>
-          <a:ln w="25400">
-            <a:solidFill>
-              <a:srgbClr val="FFC000"/>
-            </a:solidFill>
-          </a:ln>
-        </p:spPr>
-        <p:style>
-          <a:lnRef idx="2">
-            <a:schemeClr val="accent1">
-              <a:shade val="50000"/>
-            </a:schemeClr>
-          </a:lnRef>
-          <a:fillRef idx="1">
-            <a:schemeClr val="accent1"/>
-          </a:fillRef>
-          <a:effectRef idx="0">
-            <a:schemeClr val="accent1"/>
-          </a:effectRef>
-          <a:fontRef idx="minor">
-            <a:schemeClr val="lt1"/>
-          </a:fontRef>
-        </p:style>
-        <p:txBody>
-          <a:bodyPr rtlCol="0" anchor="ctr"/>
-          <a:lstStyle/>
-          <a:p>
-            <a:pPr algn="ctr"/>
-            <a:endParaRPr lang="en-US">
-              <a:solidFill>
-                <a:schemeClr val="tx1"/>
-              </a:solidFill>
-            </a:endParaRPr>
-          </a:p>
-        </p:txBody>
-      </p:sp>
       <p:cxnSp>
         <p:nvCxnSpPr>
           <p:cNvPr id="55" name="Straight Arrow Connector 54"/>
@@ -17659,7 +14705,7 @@
           </a:prstGeom>
           <a:ln w="50800">
             <a:solidFill>
-              <a:srgbClr val="FFC000"/>
+              <a:srgbClr val="0000FF"/>
             </a:solidFill>
             <a:tailEnd type="triangle"/>
           </a:ln>
@@ -17711,7 +14757,7 @@
             <a:noFill/>
             <a:ln w="25400">
               <a:solidFill>
-                <a:srgbClr val="0000FF"/>
+                <a:srgbClr val="D4AE00"/>
               </a:solidFill>
             </a:ln>
           </p:spPr>
@@ -18075,7 +15121,7 @@
             </a:prstGeom>
             <a:ln w="50800">
               <a:solidFill>
-                <a:srgbClr val="0000FF"/>
+                <a:srgbClr val="D4AE00"/>
               </a:solidFill>
               <a:tailEnd type="triangle"/>
             </a:ln>
@@ -19239,7 +16285,7 @@
             <a:noFill/>
             <a:ln w="25400">
               <a:solidFill>
-                <a:srgbClr val="0000FF"/>
+                <a:srgbClr val="D4AE00"/>
               </a:solidFill>
             </a:ln>
           </p:spPr>
@@ -19603,7 +16649,7 @@
             </a:prstGeom>
             <a:ln w="50800">
               <a:solidFill>
-                <a:srgbClr val="0000FF"/>
+                <a:srgbClr val="D4AE00"/>
               </a:solidFill>
               <a:tailEnd type="triangle"/>
             </a:ln>
@@ -20721,46 +17767,6 @@
           </p:txBody>
         </p:sp>
       </p:grpSp>
-      <p:cxnSp>
-        <p:nvCxnSpPr>
-          <p:cNvPr id="125" name="Elbow Connector 124"/>
-          <p:cNvCxnSpPr>
-            <a:stCxn id="80" idx="3"/>
-            <a:endCxn id="120" idx="2"/>
-          </p:cNvCxnSpPr>
-          <p:nvPr/>
-        </p:nvCxnSpPr>
-        <p:spPr>
-          <a:xfrm>
-            <a:off x="3790654" y="3900857"/>
-            <a:ext cx="817006" cy="1391261"/>
-          </a:xfrm>
-          <a:prstGeom prst="bentConnector3">
-            <a:avLst/>
-          </a:prstGeom>
-          <a:ln w="50800">
-            <a:solidFill>
-              <a:srgbClr val="FF00FF"/>
-            </a:solidFill>
-            <a:tailEnd type="triangle"/>
-          </a:ln>
-          <a:effectLst/>
-        </p:spPr>
-        <p:style>
-          <a:lnRef idx="2">
-            <a:schemeClr val="accent1"/>
-          </a:lnRef>
-          <a:fillRef idx="0">
-            <a:schemeClr val="accent1"/>
-          </a:fillRef>
-          <a:effectRef idx="1">
-            <a:schemeClr val="accent1"/>
-          </a:effectRef>
-          <a:fontRef idx="minor">
-            <a:schemeClr val="tx1"/>
-          </a:fontRef>
-        </p:style>
-      </p:cxnSp>
       <p:grpSp>
         <p:nvGrpSpPr>
           <p:cNvPr id="126" name="Group 125"/>
@@ -20792,7 +17798,7 @@
             <a:noFill/>
             <a:ln w="25400">
               <a:solidFill>
-                <a:srgbClr val="0000FF"/>
+                <a:srgbClr val="D4AE00"/>
               </a:solidFill>
             </a:ln>
           </p:spPr>
@@ -21156,7 +18162,7 @@
             </a:prstGeom>
             <a:ln w="50800">
               <a:solidFill>
-                <a:srgbClr val="0000FF"/>
+                <a:srgbClr val="D4AE00"/>
               </a:solidFill>
               <a:tailEnd type="triangle"/>
             </a:ln>
@@ -22282,7 +19288,7 @@
         </p:nvSpPr>
         <p:spPr>
           <a:xfrm>
-            <a:off x="7109830" y="4323464"/>
+            <a:off x="7109830" y="3492195"/>
             <a:ext cx="466794" cy="569387"/>
           </a:xfrm>
           <a:prstGeom prst="rect">
@@ -22299,7 +19305,10 @@
             <a:r>
               <a:rPr lang="mr-IN" sz="3100" b="1" dirty="0" smtClean="0">
                 <a:solidFill>
-                  <a:srgbClr val="FF00FF"/>
+                  <a:schemeClr val="tx1">
+                    <a:lumMod val="95000"/>
+                    <a:lumOff val="5000"/>
+                  </a:schemeClr>
                 </a:solidFill>
                 <a:latin typeface="+mn-lt"/>
               </a:rPr>
@@ -22307,130 +19316,16 @@
             </a:r>
             <a:endParaRPr lang="en-US" sz="3100" b="1" dirty="0">
               <a:solidFill>
-                <a:srgbClr val="FF00FF"/>
+                <a:schemeClr val="tx1">
+                  <a:lumMod val="95000"/>
+                  <a:lumOff val="5000"/>
+                </a:schemeClr>
               </a:solidFill>
               <a:latin typeface="+mn-lt"/>
             </a:endParaRPr>
           </a:p>
         </p:txBody>
       </p:sp>
-      <p:cxnSp>
-        <p:nvCxnSpPr>
-          <p:cNvPr id="164" name="Elbow Connector 163"/>
-          <p:cNvCxnSpPr>
-            <a:stCxn id="167" idx="2"/>
-            <a:endCxn id="160" idx="1"/>
-          </p:cNvCxnSpPr>
-          <p:nvPr/>
-        </p:nvCxnSpPr>
-        <p:spPr>
-          <a:xfrm rot="16200000" flipH="1">
-            <a:off x="7628544" y="3340853"/>
-            <a:ext cx="1087708" cy="354764"/>
-          </a:xfrm>
-          <a:prstGeom prst="bentConnector2">
-            <a:avLst/>
-          </a:prstGeom>
-          <a:ln w="50800">
-            <a:solidFill>
-              <a:srgbClr val="FF00FF"/>
-            </a:solidFill>
-            <a:tailEnd type="triangle"/>
-          </a:ln>
-          <a:effectLst/>
-        </p:spPr>
-        <p:style>
-          <a:lnRef idx="2">
-            <a:schemeClr val="accent1"/>
-          </a:lnRef>
-          <a:fillRef idx="0">
-            <a:schemeClr val="accent1"/>
-          </a:fillRef>
-          <a:effectRef idx="1">
-            <a:schemeClr val="accent1"/>
-          </a:effectRef>
-          <a:fontRef idx="minor">
-            <a:schemeClr val="tx1"/>
-          </a:fontRef>
-        </p:style>
-      </p:cxnSp>
-      <p:sp>
-        <p:nvSpPr>
-          <p:cNvPr id="167" name="TextBox 166"/>
-          <p:cNvSpPr txBox="1"/>
-          <p:nvPr/>
-        </p:nvSpPr>
-        <p:spPr>
-          <a:xfrm>
-            <a:off x="7761619" y="2404994"/>
-            <a:ext cx="466794" cy="569387"/>
-          </a:xfrm>
-          <a:prstGeom prst="rect">
-            <a:avLst/>
-          </a:prstGeom>
-          <a:noFill/>
-        </p:spPr>
-        <p:txBody>
-          <a:bodyPr wrap="none" rtlCol="0">
-            <a:spAutoFit/>
-          </a:bodyPr>
-          <a:lstStyle/>
-          <a:p>
-            <a:r>
-              <a:rPr lang="mr-IN" sz="3100" b="1" dirty="0" smtClean="0">
-                <a:solidFill>
-                  <a:srgbClr val="FF00FF"/>
-                </a:solidFill>
-                <a:latin typeface="+mn-lt"/>
-              </a:rPr>
-              <a:t>…</a:t>
-            </a:r>
-            <a:endParaRPr lang="en-US" sz="3100" b="1" dirty="0">
-              <a:solidFill>
-                <a:srgbClr val="FF00FF"/>
-              </a:solidFill>
-              <a:latin typeface="+mn-lt"/>
-            </a:endParaRPr>
-          </a:p>
-        </p:txBody>
-      </p:sp>
-      <p:cxnSp>
-        <p:nvCxnSpPr>
-          <p:cNvPr id="162" name="Elbow Connector 161"/>
-          <p:cNvCxnSpPr/>
-          <p:nvPr/>
-        </p:nvCxnSpPr>
-        <p:spPr>
-          <a:xfrm>
-            <a:off x="6320013" y="3306426"/>
-            <a:ext cx="817006" cy="1391261"/>
-          </a:xfrm>
-          <a:prstGeom prst="bentConnector3">
-            <a:avLst/>
-          </a:prstGeom>
-          <a:ln w="50800">
-            <a:solidFill>
-              <a:srgbClr val="FF00FF"/>
-            </a:solidFill>
-            <a:tailEnd type="triangle"/>
-          </a:ln>
-          <a:effectLst/>
-        </p:spPr>
-        <p:style>
-          <a:lnRef idx="2">
-            <a:schemeClr val="accent1"/>
-          </a:lnRef>
-          <a:fillRef idx="0">
-            <a:schemeClr val="accent1"/>
-          </a:fillRef>
-          <a:effectRef idx="1">
-            <a:schemeClr val="accent1"/>
-          </a:effectRef>
-          <a:fontRef idx="minor">
-            <a:schemeClr val="tx1"/>
-          </a:fontRef>
-        </p:style>
-      </p:cxnSp>
       <p:sp>
         <p:nvSpPr>
           <p:cNvPr id="7" name="TextBox 6"/>
@@ -22448,7 +19343,7 @@
           <a:noFill/>
           <a:ln w="28575">
             <a:solidFill>
-              <a:schemeClr val="accent1"/>
+              <a:srgbClr val="7030A0"/>
             </a:solidFill>
             <a:prstDash val="sysDot"/>
           </a:ln>
@@ -22462,7 +19357,7 @@
             <a:r>
               <a:rPr lang="en-US" sz="2000" b="1" i="1" dirty="0" smtClean="0">
                 <a:solidFill>
-                  <a:srgbClr val="0F6FC6"/>
+                  <a:srgbClr val="7030A0"/>
                 </a:solidFill>
                 <a:latin typeface="+mn-lt"/>
               </a:rPr>
@@ -22470,7 +19365,7 @@
             </a:r>
             <a:endParaRPr lang="en-US" sz="2000" b="1" i="1" dirty="0">
               <a:solidFill>
-                <a:srgbClr val="0F6FC6"/>
+                <a:srgbClr val="7030A0"/>
               </a:solidFill>
               <a:latin typeface="+mn-lt"/>
             </a:endParaRPr>
@@ -22495,7 +19390,7 @@
           </a:prstGeom>
           <a:ln w="31750">
             <a:solidFill>
-              <a:schemeClr val="accent1"/>
+              <a:srgbClr val="7030A0"/>
             </a:solidFill>
             <a:prstDash val="sysDot"/>
             <a:tailEnd type="triangle"/>
@@ -22534,7 +19429,7 @@
           <a:noFill/>
           <a:ln w="28575">
             <a:solidFill>
-              <a:schemeClr val="accent1"/>
+              <a:srgbClr val="7030A0"/>
             </a:solidFill>
             <a:prstDash val="sysDot"/>
           </a:ln>
@@ -22548,7 +19443,7 @@
             <a:r>
               <a:rPr lang="en-US" sz="2000" b="1" i="1" dirty="0" smtClean="0">
                 <a:solidFill>
-                  <a:srgbClr val="0F6FC6"/>
+                  <a:srgbClr val="7030A0"/>
                 </a:solidFill>
                 <a:latin typeface="+mn-lt"/>
               </a:rPr>
@@ -22556,7 +19451,7 @@
             </a:r>
             <a:endParaRPr lang="en-US" sz="2000" b="1" i="1" dirty="0">
               <a:solidFill>
-                <a:srgbClr val="0F6FC6"/>
+                <a:srgbClr val="7030A0"/>
               </a:solidFill>
               <a:latin typeface="+mn-lt"/>
             </a:endParaRPr>
@@ -22579,7 +19474,7 @@
           </a:prstGeom>
           <a:ln w="31750">
             <a:solidFill>
-              <a:schemeClr val="accent1"/>
+              <a:srgbClr val="7030A0"/>
             </a:solidFill>
             <a:prstDash val="sysDot"/>
             <a:tailEnd type="triangle"/>
@@ -22618,7 +19513,7 @@
           <a:noFill/>
           <a:ln w="28575">
             <a:solidFill>
-              <a:schemeClr val="accent1"/>
+              <a:srgbClr val="7030A0"/>
             </a:solidFill>
             <a:prstDash val="sysDot"/>
           </a:ln>
@@ -22632,7 +19527,7 @@
             <a:r>
               <a:rPr lang="en-US" sz="2000" b="1" i="1" dirty="0" smtClean="0">
                 <a:solidFill>
-                  <a:srgbClr val="0F6FC6"/>
+                  <a:srgbClr val="7030A0"/>
                 </a:solidFill>
                 <a:latin typeface="+mn-lt"/>
               </a:rPr>
@@ -22640,7 +19535,7 @@
             </a:r>
             <a:endParaRPr lang="en-US" sz="2000" b="1" i="1" dirty="0">
               <a:solidFill>
-                <a:srgbClr val="0F6FC6"/>
+                <a:srgbClr val="7030A0"/>
               </a:solidFill>
               <a:latin typeface="+mn-lt"/>
             </a:endParaRPr>
@@ -22663,7 +19558,7 @@
           </a:prstGeom>
           <a:ln w="31750">
             <a:solidFill>
-              <a:schemeClr val="accent1"/>
+              <a:srgbClr val="7030A0"/>
             </a:solidFill>
             <a:prstDash val="sysDot"/>
             <a:tailEnd type="triangle"/>
@@ -22785,121 +19680,6 @@
           </a:p>
         </p:txBody>
       </p:sp>
-      <p:grpSp>
-        <p:nvGrpSpPr>
-          <p:cNvPr id="22" name="Group 21"/>
-          <p:cNvGrpSpPr/>
-          <p:nvPr/>
-        </p:nvGrpSpPr>
-        <p:grpSpPr>
-          <a:xfrm rot="5400000">
-            <a:off x="9893960" y="-508653"/>
-            <a:ext cx="801682" cy="2351429"/>
-            <a:chOff x="1844345" y="818681"/>
-            <a:chExt cx="1214878" cy="2151147"/>
-          </a:xfrm>
-        </p:grpSpPr>
-        <p:sp>
-          <p:nvSpPr>
-            <p:cNvPr id="170" name="Curved Right Arrow 169"/>
-            <p:cNvSpPr/>
-            <p:nvPr/>
-          </p:nvSpPr>
-          <p:spPr>
-            <a:xfrm>
-              <a:off x="2318443" y="818681"/>
-              <a:ext cx="740780" cy="2151147"/>
-            </a:xfrm>
-            <a:prstGeom prst="curvedRightArrow">
-              <a:avLst/>
-            </a:prstGeom>
-            <a:solidFill>
-              <a:schemeClr val="bg1">
-                <a:lumMod val="65000"/>
-              </a:schemeClr>
-            </a:solidFill>
-            <a:ln w="25400">
-              <a:solidFill>
-                <a:schemeClr val="bg1">
-                  <a:lumMod val="65000"/>
-                </a:schemeClr>
-              </a:solidFill>
-            </a:ln>
-          </p:spPr>
-          <p:style>
-            <a:lnRef idx="2">
-              <a:schemeClr val="accent1">
-                <a:shade val="50000"/>
-              </a:schemeClr>
-            </a:lnRef>
-            <a:fillRef idx="1">
-              <a:schemeClr val="accent1"/>
-            </a:fillRef>
-            <a:effectRef idx="0">
-              <a:schemeClr val="accent1"/>
-            </a:effectRef>
-            <a:fontRef idx="minor">
-              <a:schemeClr val="lt1"/>
-            </a:fontRef>
-          </p:style>
-          <p:txBody>
-            <a:bodyPr rtlCol="0" anchor="ctr"/>
-            <a:lstStyle/>
-            <a:p>
-              <a:pPr algn="ctr"/>
-              <a:endParaRPr lang="en-US">
-                <a:solidFill>
-                  <a:schemeClr val="tx1"/>
-                </a:solidFill>
-              </a:endParaRPr>
-            </a:p>
-          </p:txBody>
-        </p:sp>
-        <p:sp>
-          <p:nvSpPr>
-            <p:cNvPr id="171" name="TextBox 170"/>
-            <p:cNvSpPr txBox="1"/>
-            <p:nvPr/>
-          </p:nvSpPr>
-          <p:spPr>
-            <a:xfrm rot="16200000">
-              <a:off x="1204554" y="1629042"/>
-              <a:ext cx="1679691" cy="400110"/>
-            </a:xfrm>
-            <a:prstGeom prst="rect">
-              <a:avLst/>
-            </a:prstGeom>
-            <a:noFill/>
-          </p:spPr>
-          <p:txBody>
-            <a:bodyPr wrap="none" rtlCol="0">
-              <a:spAutoFit/>
-            </a:bodyPr>
-            <a:lstStyle/>
-            <a:p>
-              <a:r>
-                <a:rPr lang="en-US" sz="2000" b="1" dirty="0" smtClean="0">
-                  <a:solidFill>
-                    <a:schemeClr val="bg1">
-                      <a:lumMod val="65000"/>
-                    </a:schemeClr>
-                  </a:solidFill>
-                  <a:latin typeface="+mn-lt"/>
-                </a:rPr>
-                <a:t>training signal</a:t>
-              </a:r>
-              <a:endParaRPr lang="en-US" sz="2000" b="1" dirty="0">
-                <a:solidFill>
-                  <a:schemeClr val="bg1">
-                    <a:lumMod val="65000"/>
-                  </a:schemeClr>
-                </a:solidFill>
-                <a:latin typeface="+mn-lt"/>
-              </a:endParaRPr>
-            </a:p>
-          </p:txBody>
-        </p:sp>
-      </p:grpSp>
     </p:spTree>
     <p:extLst>
       <p:ext uri="{BB962C8B-B14F-4D97-AF65-F5344CB8AC3E}">
@@ -22920,7 +19700,7 @@
 </p:sld>
 </file>
 
-<file path=ppt/slides/slide9.xml><?xml version="1.0" encoding="utf-8"?>
+<file path=ppt/slides/slide8.xml><?xml version="1.0" encoding="utf-8"?>
 <p:sld xmlns:a="http://schemas.openxmlformats.org/drawingml/2006/main" xmlns:r="http://schemas.openxmlformats.org/officeDocument/2006/relationships" xmlns:p="http://schemas.openxmlformats.org/presentationml/2006/main">
   <p:cSld>
     <p:spTree>
@@ -22960,8 +19740,8 @@
           </a:p>
         </p:txBody>
       </p:sp>
-      <mc:AlternateContent xmlns:mc="http://schemas.openxmlformats.org/markup-compatibility/2006">
-        <mc:Choice xmlns:a14="http://schemas.microsoft.com/office/drawing/2010/main" Requires="a14">
+      <mc:AlternateContent xmlns:mc="http://schemas.openxmlformats.org/markup-compatibility/2006" xmlns:a14="http://schemas.microsoft.com/office/drawing/2010/main">
+        <mc:Choice Requires="a14">
           <p:sp>
             <p:nvSpPr>
               <p:cNvPr id="3" name="Content Placeholder 2"/>
@@ -23790,11 +20570,30 @@
                     </m:r>
                   </m:oMath>
                 </a14:m>
-                <a:endParaRPr lang="en-US" b="1" dirty="0" smtClean="0">
-                  <a:solidFill>
-                    <a:schemeClr val="tx1"/>
-                  </a:solidFill>
-                </a:endParaRPr>
+                <a:r>
+                  <a:rPr lang="en-US" b="1" dirty="0" smtClean="0">
+                    <a:solidFill>
+                      <a:schemeClr val="tx1"/>
+                    </a:solidFill>
+                  </a:rPr>
+                  <a:t> (</a:t>
+                </a:r>
+                <a:r>
+                  <a:rPr lang="en-US" b="1" dirty="0" err="1" smtClean="0">
+                    <a:solidFill>
+                      <a:schemeClr val="tx1"/>
+                    </a:solidFill>
+                  </a:rPr>
+                  <a:t>Koiran</a:t>
+                </a:r>
+                <a:r>
+                  <a:rPr lang="en-US" b="1" dirty="0" smtClean="0">
+                    <a:solidFill>
+                      <a:schemeClr val="tx1"/>
+                    </a:solidFill>
+                  </a:rPr>
+                  <a:t>, 1994)</a:t>
+                </a:r>
               </a:p>
               <a:p>
                 <a:pPr lvl="2"/>
@@ -23832,7 +20631,7 @@
             </p:txBody>
           </p:sp>
         </mc:Choice>
-        <mc:Fallback>
+        <mc:Fallback xmlns="">
           <p:sp>
             <p:nvSpPr>
               <p:cNvPr id="3" name="Content Placeholder 2"/>
@@ -24237,7 +21036,7 @@
           </a:prstGeom>
           <a:ln w="50800">
             <a:solidFill>
-              <a:srgbClr val="7030A0"/>
+              <a:srgbClr val="00B0F0"/>
             </a:solidFill>
             <a:tailEnd type="triangle"/>
           </a:ln>
@@ -24289,7 +21088,7 @@
             <a:noFill/>
             <a:ln w="25400">
               <a:solidFill>
-                <a:srgbClr val="7030A0"/>
+                <a:srgbClr val="00B0F0"/>
               </a:solidFill>
             </a:ln>
           </p:spPr>
@@ -24339,7 +21138,7 @@
             <a:noFill/>
             <a:ln w="25400">
               <a:solidFill>
-                <a:srgbClr val="7030A0"/>
+                <a:srgbClr val="00B0F0"/>
               </a:solidFill>
             </a:ln>
           </p:spPr>
@@ -24389,7 +21188,7 @@
             <a:noFill/>
             <a:ln w="25400">
               <a:solidFill>
-                <a:srgbClr val="7030A0"/>
+                <a:srgbClr val="00B0F0"/>
               </a:solidFill>
             </a:ln>
           </p:spPr>
@@ -24439,7 +21238,7 @@
             <a:noFill/>
             <a:ln w="25400">
               <a:solidFill>
-                <a:srgbClr val="7030A0"/>
+                <a:srgbClr val="00B0F0"/>
               </a:solidFill>
             </a:ln>
           </p:spPr>
@@ -24489,7 +21288,7 @@
             <a:noFill/>
             <a:ln w="25400">
               <a:solidFill>
-                <a:srgbClr val="7030A0"/>
+                <a:srgbClr val="00B0F0"/>
               </a:solidFill>
             </a:ln>
           </p:spPr>
@@ -24539,7 +21338,7 @@
             <a:noFill/>
             <a:ln w="25400">
               <a:solidFill>
-                <a:srgbClr val="7030A0"/>
+                <a:srgbClr val="00B0F0"/>
               </a:solidFill>
             </a:ln>
           </p:spPr>
@@ -24592,11 +21391,11 @@
             </a:avLst>
           </a:prstGeom>
           <a:solidFill>
-            <a:srgbClr val="00B2B2"/>
+            <a:srgbClr val="00B0F0"/>
           </a:solidFill>
           <a:ln w="25400">
             <a:solidFill>
-              <a:srgbClr val="00C6BA"/>
+              <a:srgbClr val="00B0F0"/>
             </a:solidFill>
           </a:ln>
         </p:spPr>
@@ -24646,6 +21445,3373 @@
       </p:par>
     </p:tnLst>
   </p:timing>
+</p:sld>
+</file>
+
+<file path=ppt/slides/slide9.xml><?xml version="1.0" encoding="utf-8"?>
+<p:sld xmlns:a="http://schemas.openxmlformats.org/drawingml/2006/main" xmlns:r="http://schemas.openxmlformats.org/officeDocument/2006/relationships" xmlns:p="http://schemas.openxmlformats.org/presentationml/2006/main">
+  <p:cSld>
+    <p:spTree>
+      <p:nvGrpSpPr>
+        <p:cNvPr id="1" name=""/>
+        <p:cNvGrpSpPr/>
+        <p:nvPr/>
+      </p:nvGrpSpPr>
+      <p:grpSpPr>
+        <a:xfrm>
+          <a:off x="0" y="0"/>
+          <a:ext cx="0" cy="0"/>
+          <a:chOff x="0" y="0"/>
+          <a:chExt cx="0" cy="0"/>
+        </a:xfrm>
+      </p:grpSpPr>
+      <p:sp>
+        <p:nvSpPr>
+          <p:cNvPr id="2" name="Title 1"/>
+          <p:cNvSpPr>
+            <a:spLocks noGrp="1"/>
+          </p:cNvSpPr>
+          <p:nvPr>
+            <p:ph type="title"/>
+          </p:nvPr>
+        </p:nvSpPr>
+        <p:spPr/>
+        <p:txBody>
+          <a:bodyPr/>
+          <a:lstStyle/>
+          <a:p>
+            <a:r>
+              <a:rPr lang="en-US" dirty="0" smtClean="0"/>
+              <a:t>Training Attractor Net</a:t>
+            </a:r>
+            <a:endParaRPr lang="en-US" dirty="0"/>
+          </a:p>
+        </p:txBody>
+      </p:sp>
+      <mc:AlternateContent xmlns:mc="http://schemas.openxmlformats.org/markup-compatibility/2006" xmlns:a14="http://schemas.microsoft.com/office/drawing/2010/main">
+        <mc:Choice Requires="a14">
+          <p:sp>
+            <p:nvSpPr>
+              <p:cNvPr id="3" name="Content Placeholder 2"/>
+              <p:cNvSpPr>
+                <a:spLocks noGrp="1"/>
+              </p:cNvSpPr>
+              <p:nvPr>
+                <p:ph idx="1"/>
+              </p:nvPr>
+            </p:nvSpPr>
+            <p:spPr/>
+            <p:txBody>
+              <a:bodyPr/>
+              <a:lstStyle/>
+              <a:p>
+                <a:r>
+                  <a:rPr lang="en-US" dirty="0" smtClean="0">
+                    <a:solidFill>
+                      <a:schemeClr val="tx1"/>
+                    </a:solidFill>
+                  </a:rPr>
+                  <a:t>Given set of target attractors, </a:t>
+                </a:r>
+                <a14:m>
+                  <m:oMath xmlns:m="http://schemas.openxmlformats.org/officeDocument/2006/math">
+                    <m:d>
+                      <m:dPr>
+                        <m:begChr m:val="{"/>
+                        <m:endChr m:val="}"/>
+                        <m:ctrlPr>
+                          <a:rPr lang="en-US" b="1" i="1" smtClean="0">
+                            <a:solidFill>
+                              <a:schemeClr val="tx1"/>
+                            </a:solidFill>
+                            <a:latin typeface="Cambria Math" charset="0"/>
+                          </a:rPr>
+                        </m:ctrlPr>
+                      </m:dPr>
+                      <m:e>
+                        <m:sSub>
+                          <m:sSubPr>
+                            <m:ctrlPr>
+                              <a:rPr lang="en-US" b="1" i="1" smtClean="0">
+                                <a:solidFill>
+                                  <a:schemeClr val="tx1"/>
+                                </a:solidFill>
+                                <a:latin typeface="Cambria Math" charset="0"/>
+                              </a:rPr>
+                            </m:ctrlPr>
+                          </m:sSubPr>
+                          <m:e>
+                            <m:r>
+                              <a:rPr lang="en-US" b="1" i="1" smtClean="0">
+                                <a:solidFill>
+                                  <a:schemeClr val="tx1"/>
+                                </a:solidFill>
+                                <a:latin typeface="Cambria Math" charset="0"/>
+                              </a:rPr>
+                              <m:t>𝝃</m:t>
+                            </m:r>
+                          </m:e>
+                          <m:sub>
+                            <m:r>
+                              <a:rPr lang="en-US" b="1" i="1" smtClean="0">
+                                <a:solidFill>
+                                  <a:schemeClr val="tx1"/>
+                                </a:solidFill>
+                                <a:latin typeface="Cambria Math" charset="0"/>
+                              </a:rPr>
+                              <m:t>𝟏</m:t>
+                            </m:r>
+                          </m:sub>
+                        </m:sSub>
+                        <m:r>
+                          <a:rPr lang="en-US" b="1" i="1" smtClean="0">
+                            <a:solidFill>
+                              <a:schemeClr val="tx1"/>
+                            </a:solidFill>
+                            <a:latin typeface="Cambria Math" charset="0"/>
+                          </a:rPr>
+                          <m:t>, …, </m:t>
+                        </m:r>
+                        <m:sSub>
+                          <m:sSubPr>
+                            <m:ctrlPr>
+                              <a:rPr lang="en-US" b="1" i="1" smtClean="0">
+                                <a:solidFill>
+                                  <a:schemeClr val="tx1"/>
+                                </a:solidFill>
+                                <a:latin typeface="Cambria Math" charset="0"/>
+                              </a:rPr>
+                            </m:ctrlPr>
+                          </m:sSubPr>
+                          <m:e>
+                            <m:r>
+                              <a:rPr lang="en-US" b="1" i="1" smtClean="0">
+                                <a:solidFill>
+                                  <a:schemeClr val="tx1"/>
+                                </a:solidFill>
+                                <a:latin typeface="Cambria Math" charset="0"/>
+                              </a:rPr>
+                              <m:t>𝝃</m:t>
+                            </m:r>
+                          </m:e>
+                          <m:sub>
+                            <m:r>
+                              <a:rPr lang="en-US" b="1" i="1" smtClean="0">
+                                <a:solidFill>
+                                  <a:schemeClr val="tx1"/>
+                                </a:solidFill>
+                                <a:latin typeface="Cambria Math" charset="0"/>
+                              </a:rPr>
+                              <m:t>𝒏</m:t>
+                            </m:r>
+                          </m:sub>
+                        </m:sSub>
+                      </m:e>
+                    </m:d>
+                  </m:oMath>
+                </a14:m>
+                <a:endParaRPr lang="en-US" b="1" dirty="0" smtClean="0">
+                  <a:solidFill>
+                    <a:schemeClr val="tx1"/>
+                  </a:solidFill>
+                </a:endParaRPr>
+              </a:p>
+              <a:p>
+                <a:r>
+                  <a:rPr lang="en-US" dirty="0" smtClean="0">
+                    <a:solidFill>
+                      <a:schemeClr val="tx1"/>
+                    </a:solidFill>
+                  </a:rPr>
+                  <a:t>Input is corrupted attractor state</a:t>
+                </a:r>
+              </a:p>
+              <a:p>
+                <a:pPr lvl="1"/>
+                <a14:m>
+                  <m:oMath xmlns:m="http://schemas.openxmlformats.org/officeDocument/2006/math">
+                    <m:r>
+                      <a:rPr lang="en-US" b="1" i="1" smtClean="0">
+                        <a:solidFill>
+                          <a:srgbClr val="A50002"/>
+                        </a:solidFill>
+                        <a:latin typeface="Cambria Math" charset="0"/>
+                      </a:rPr>
+                      <m:t>𝒙</m:t>
+                    </m:r>
+                    <m:r>
+                      <a:rPr lang="en-US" b="1" i="1" smtClean="0">
+                        <a:latin typeface="Cambria Math" charset="0"/>
+                      </a:rPr>
+                      <m:t>=</m:t>
+                    </m:r>
+                    <m:sSup>
+                      <m:sSupPr>
+                        <m:ctrlPr>
+                          <a:rPr lang="en-US" i="1">
+                            <a:latin typeface="Cambria Math" charset="0"/>
+                          </a:rPr>
+                        </m:ctrlPr>
+                      </m:sSupPr>
+                      <m:e>
+                        <m:r>
+                          <a:rPr lang="en-US" b="1" i="1" smtClean="0">
+                            <a:latin typeface="Cambria Math" charset="0"/>
+                          </a:rPr>
+                          <m:t>𝝈</m:t>
+                        </m:r>
+                        <m:r>
+                          <a:rPr lang="en-US" b="1" i="1" smtClean="0">
+                            <a:latin typeface="Cambria Math" charset="0"/>
+                          </a:rPr>
+                          <m:t>(</m:t>
+                        </m:r>
+                        <m:r>
+                          <a:rPr lang="en-US" i="1">
+                            <a:latin typeface="Cambria Math" charset="0"/>
+                          </a:rPr>
+                          <m:t>𝝈</m:t>
+                        </m:r>
+                      </m:e>
+                      <m:sup>
+                        <m:r>
+                          <a:rPr lang="en-US" i="1">
+                            <a:latin typeface="Cambria Math" charset="0"/>
+                          </a:rPr>
+                          <m:t>−</m:t>
+                        </m:r>
+                        <m:r>
+                          <a:rPr lang="en-US" i="1">
+                            <a:latin typeface="Cambria Math" charset="0"/>
+                          </a:rPr>
+                          <m:t>𝟏</m:t>
+                        </m:r>
+                      </m:sup>
+                    </m:sSup>
+                    <m:r>
+                      <a:rPr lang="en-US" i="1">
+                        <a:latin typeface="Cambria Math" charset="0"/>
+                      </a:rPr>
+                      <m:t>(</m:t>
+                    </m:r>
+                    <m:r>
+                      <a:rPr lang="en-US" b="1" i="1" smtClean="0">
+                        <a:solidFill>
+                          <a:srgbClr val="0000FF"/>
+                        </a:solidFill>
+                        <a:latin typeface="Cambria Math" charset="0"/>
+                      </a:rPr>
+                      <m:t>𝝃</m:t>
+                    </m:r>
+                    <m:r>
+                      <a:rPr lang="en-US" i="1">
+                        <a:latin typeface="Cambria Math" charset="0"/>
+                      </a:rPr>
+                      <m:t>)</m:t>
+                    </m:r>
+                    <m:r>
+                      <a:rPr lang="en-US" b="1" i="1" smtClean="0">
+                        <a:latin typeface="Cambria Math" charset="0"/>
+                      </a:rPr>
+                      <m:t>+</m:t>
+                    </m:r>
+                    <m:r>
+                      <a:rPr lang="en-US" b="1" i="1" smtClean="0">
+                        <a:latin typeface="Cambria Math" charset="0"/>
+                      </a:rPr>
+                      <m:t>𝜼</m:t>
+                    </m:r>
+                    <m:r>
+                      <a:rPr lang="en-US" b="1" i="0" smtClean="0">
+                        <a:latin typeface="Cambria Math" charset="0"/>
+                      </a:rPr>
+                      <m:t>)</m:t>
+                    </m:r>
+                  </m:oMath>
+                </a14:m>
+                <a:r>
+                  <a:rPr lang="en-US" dirty="0" smtClean="0"/>
+                  <a:t>  where  </a:t>
+                </a:r>
+                <a14:m>
+                  <m:oMath xmlns:m="http://schemas.openxmlformats.org/officeDocument/2006/math">
+                    <m:r>
+                      <a:rPr lang="en-US" b="1" i="1" smtClean="0">
+                        <a:latin typeface="Cambria Math" charset="0"/>
+                      </a:rPr>
+                      <m:t>𝜼</m:t>
+                    </m:r>
+                    <m:r>
+                      <a:rPr lang="en-US" b="1" i="1" smtClean="0">
+                        <a:latin typeface="Cambria Math" charset="0"/>
+                      </a:rPr>
+                      <m:t> ~ </m:t>
+                    </m:r>
+                    <m:r>
+                      <a:rPr lang="en-US" i="1">
+                        <a:latin typeface="Cambria Math" charset="0"/>
+                        <a:ea typeface="Cambria Math" charset="0"/>
+                        <a:cs typeface="Cambria Math" charset="0"/>
+                      </a:rPr>
+                      <m:t>𝓝</m:t>
+                    </m:r>
+                    <m:r>
+                      <a:rPr lang="en-US" i="1">
+                        <a:latin typeface="Cambria Math" charset="0"/>
+                      </a:rPr>
+                      <m:t>(</m:t>
+                    </m:r>
+                    <m:r>
+                      <a:rPr lang="en-US" i="1">
+                        <a:latin typeface="Cambria Math" charset="0"/>
+                      </a:rPr>
+                      <m:t>𝟎</m:t>
+                    </m:r>
+                    <m:r>
+                      <a:rPr lang="en-US" i="1">
+                        <a:latin typeface="Cambria Math" charset="0"/>
+                      </a:rPr>
+                      <m:t>,</m:t>
+                    </m:r>
+                    <m:r>
+                      <a:rPr lang="en-US" b="1" i="1" smtClean="0">
+                        <a:latin typeface="Cambria Math" charset="0"/>
+                      </a:rPr>
+                      <m:t>.</m:t>
+                    </m:r>
+                    <m:r>
+                      <a:rPr lang="en-US" b="1" i="1" smtClean="0">
+                        <a:latin typeface="Cambria Math" charset="0"/>
+                      </a:rPr>
+                      <m:t>𝟐</m:t>
+                    </m:r>
+                    <m:sSup>
+                      <m:sSupPr>
+                        <m:ctrlPr>
+                          <a:rPr lang="en-US" b="1" i="1" smtClean="0">
+                            <a:latin typeface="Cambria Math" charset="0"/>
+                          </a:rPr>
+                        </m:ctrlPr>
+                      </m:sSupPr>
+                      <m:e>
+                        <m:r>
+                          <a:rPr lang="en-US" b="1" i="1" smtClean="0">
+                            <a:latin typeface="Cambria Math" charset="0"/>
+                          </a:rPr>
+                          <m:t>𝟓</m:t>
+                        </m:r>
+                      </m:e>
+                      <m:sup>
+                        <m:r>
+                          <a:rPr lang="en-US" b="1" i="1" smtClean="0">
+                            <a:latin typeface="Cambria Math" charset="0"/>
+                          </a:rPr>
+                          <m:t>𝟐</m:t>
+                        </m:r>
+                      </m:sup>
+                    </m:sSup>
+                    <m:r>
+                      <a:rPr lang="en-US" i="1">
+                        <a:latin typeface="Cambria Math" charset="0"/>
+                      </a:rPr>
+                      <m:t>)</m:t>
+                    </m:r>
+                  </m:oMath>
+                </a14:m>
+                <a:endParaRPr lang="en-US" dirty="0" smtClean="0"/>
+              </a:p>
+              <a:p>
+                <a:r>
+                  <a:rPr lang="en-US" dirty="0" smtClean="0">
+                    <a:solidFill>
+                      <a:schemeClr val="tx1"/>
+                    </a:solidFill>
+                  </a:rPr>
+                  <a:t>Training objective</a:t>
+                </a:r>
+              </a:p>
+              <a:p>
+                <a:pPr lvl="1"/>
+                <a14:m>
+                  <m:oMath xmlns:m="http://schemas.openxmlformats.org/officeDocument/2006/math">
+                    <m:r>
+                      <a:rPr lang="en-US" b="1" i="1" smtClean="0">
+                        <a:latin typeface="Cambria Math" charset="0"/>
+                      </a:rPr>
+                      <m:t>𝑬</m:t>
+                    </m:r>
+                    <m:r>
+                      <a:rPr lang="en-US" b="1" i="1" smtClean="0">
+                        <a:latin typeface="Cambria Math" charset="0"/>
+                      </a:rPr>
+                      <m:t>=</m:t>
+                    </m:r>
+                    <m:sSup>
+                      <m:sSupPr>
+                        <m:ctrlPr>
+                          <a:rPr lang="en-US" i="1">
+                            <a:latin typeface="Cambria Math" charset="0"/>
+                          </a:rPr>
+                        </m:ctrlPr>
+                      </m:sSupPr>
+                      <m:e>
+                        <m:d>
+                          <m:dPr>
+                            <m:begChr m:val="|"/>
+                            <m:endChr m:val="|"/>
+                            <m:ctrlPr>
+                              <a:rPr lang="hr-HR" i="1">
+                                <a:latin typeface="Cambria Math" charset="0"/>
+                              </a:rPr>
+                            </m:ctrlPr>
+                          </m:dPr>
+                          <m:e>
+                            <m:sSub>
+                              <m:sSubPr>
+                                <m:ctrlPr>
+                                  <a:rPr lang="en-US" b="1" i="1" smtClean="0">
+                                    <a:solidFill>
+                                      <a:srgbClr val="7030A0"/>
+                                    </a:solidFill>
+                                    <a:latin typeface="Cambria Math" charset="0"/>
+                                  </a:rPr>
+                                </m:ctrlPr>
+                              </m:sSubPr>
+                              <m:e>
+                                <m:r>
+                                  <a:rPr lang="en-US" b="1" i="1" smtClean="0">
+                                    <a:solidFill>
+                                      <a:srgbClr val="7030A0"/>
+                                    </a:solidFill>
+                                    <a:latin typeface="Cambria Math" charset="0"/>
+                                  </a:rPr>
+                                  <m:t>𝒂</m:t>
+                                </m:r>
+                              </m:e>
+                              <m:sub>
+                                <m:r>
+                                  <a:rPr lang="en-US" b="1" i="1" smtClean="0">
+                                    <a:solidFill>
+                                      <a:srgbClr val="7030A0"/>
+                                    </a:solidFill>
+                                    <a:latin typeface="Cambria Math" charset="0"/>
+                                  </a:rPr>
+                                  <m:t>∞</m:t>
+                                </m:r>
+                              </m:sub>
+                            </m:sSub>
+                            <m:r>
+                              <a:rPr lang="en-US" i="1">
+                                <a:latin typeface="Cambria Math" charset="0"/>
+                              </a:rPr>
+                              <m:t>−</m:t>
+                            </m:r>
+                            <m:r>
+                              <a:rPr lang="en-US" b="1" i="1" smtClean="0">
+                                <a:solidFill>
+                                  <a:srgbClr val="0000FF"/>
+                                </a:solidFill>
+                                <a:latin typeface="Cambria Math" charset="0"/>
+                              </a:rPr>
+                              <m:t>𝝃</m:t>
+                            </m:r>
+                          </m:e>
+                        </m:d>
+                      </m:e>
+                      <m:sup>
+                        <m:r>
+                          <a:rPr lang="en-US" i="1">
+                            <a:latin typeface="Cambria Math" charset="0"/>
+                          </a:rPr>
+                          <m:t>𝟐</m:t>
+                        </m:r>
+                      </m:sup>
+                    </m:sSup>
+                    <m:r>
+                      <a:rPr lang="en-US" b="1" i="1" smtClean="0">
+                        <a:latin typeface="Cambria Math" charset="0"/>
+                      </a:rPr>
+                      <m:t>/</m:t>
+                    </m:r>
+                    <m:sSup>
+                      <m:sSupPr>
+                        <m:ctrlPr>
+                          <a:rPr lang="en-US" i="1">
+                            <a:latin typeface="Cambria Math" charset="0"/>
+                          </a:rPr>
+                        </m:ctrlPr>
+                      </m:sSupPr>
+                      <m:e>
+                        <m:d>
+                          <m:dPr>
+                            <m:begChr m:val="|"/>
+                            <m:endChr m:val="|"/>
+                            <m:ctrlPr>
+                              <a:rPr lang="hr-HR" i="1">
+                                <a:latin typeface="Cambria Math" charset="0"/>
+                              </a:rPr>
+                            </m:ctrlPr>
+                          </m:dPr>
+                          <m:e>
+                            <m:r>
+                              <a:rPr lang="en-US" b="1" i="1" smtClean="0">
+                                <a:solidFill>
+                                  <a:srgbClr val="C00000"/>
+                                </a:solidFill>
+                                <a:latin typeface="Cambria Math" charset="0"/>
+                              </a:rPr>
+                              <m:t>𝒙</m:t>
+                            </m:r>
+                            <m:r>
+                              <a:rPr lang="en-US" i="1">
+                                <a:latin typeface="Cambria Math" charset="0"/>
+                              </a:rPr>
+                              <m:t>−</m:t>
+                            </m:r>
+                            <m:r>
+                              <a:rPr lang="en-US" i="1">
+                                <a:solidFill>
+                                  <a:srgbClr val="0000FF"/>
+                                </a:solidFill>
+                                <a:latin typeface="Cambria Math" charset="0"/>
+                              </a:rPr>
+                              <m:t>𝝃</m:t>
+                            </m:r>
+                          </m:e>
+                        </m:d>
+                      </m:e>
+                      <m:sup>
+                        <m:r>
+                          <a:rPr lang="en-US" i="1">
+                            <a:latin typeface="Cambria Math" charset="0"/>
+                          </a:rPr>
+                          <m:t>𝟐</m:t>
+                        </m:r>
+                      </m:sup>
+                    </m:sSup>
+                  </m:oMath>
+                </a14:m>
+                <a:endParaRPr lang="en-US" dirty="0"/>
+              </a:p>
+              <a:p>
+                <a:pPr lvl="1"/>
+                <a:endParaRPr lang="en-US" dirty="0"/>
+              </a:p>
+            </p:txBody>
+          </p:sp>
+        </mc:Choice>
+        <mc:Fallback xmlns="">
+          <p:sp>
+            <p:nvSpPr>
+              <p:cNvPr id="3" name="Content Placeholder 2"/>
+              <p:cNvSpPr>
+                <a:spLocks noGrp="1" noRot="1" noChangeAspect="1" noMove="1" noResize="1" noEditPoints="1" noAdjustHandles="1" noChangeArrowheads="1" noChangeShapeType="1" noTextEdit="1"/>
+              </p:cNvSpPr>
+              <p:nvPr>
+                <p:ph idx="1"/>
+              </p:nvPr>
+            </p:nvSpPr>
+            <p:spPr>
+              <a:blipFill rotWithShape="0">
+                <a:blip r:embed="rId2"/>
+                <a:stretch>
+                  <a:fillRect l="-164" t="-1026"/>
+                </a:stretch>
+              </a:blipFill>
+            </p:spPr>
+            <p:txBody>
+              <a:bodyPr/>
+              <a:lstStyle/>
+              <a:p>
+                <a:r>
+                  <a:rPr lang="en-US">
+                    <a:noFill/>
+                  </a:rPr>
+                  <a:t> </a:t>
+                </a:r>
+              </a:p>
+            </p:txBody>
+          </p:sp>
+        </mc:Fallback>
+      </mc:AlternateContent>
+      <p:grpSp>
+        <p:nvGrpSpPr>
+          <p:cNvPr id="77" name="Group 76"/>
+          <p:cNvGrpSpPr/>
+          <p:nvPr/>
+        </p:nvGrpSpPr>
+        <p:grpSpPr>
+          <a:xfrm>
+            <a:off x="4983974" y="3303485"/>
+            <a:ext cx="2266500" cy="2645263"/>
+            <a:chOff x="12287600" y="3288759"/>
+            <a:chExt cx="2266500" cy="2645252"/>
+          </a:xfrm>
+        </p:grpSpPr>
+        <p:grpSp>
+          <p:nvGrpSpPr>
+            <p:cNvPr id="4" name="Group 3"/>
+            <p:cNvGrpSpPr/>
+            <p:nvPr/>
+          </p:nvGrpSpPr>
+          <p:grpSpPr>
+            <a:xfrm>
+              <a:off x="12299424" y="5576645"/>
+              <a:ext cx="1755761" cy="357366"/>
+              <a:chOff x="5838484" y="4644073"/>
+              <a:chExt cx="2169328" cy="441544"/>
+            </a:xfrm>
+          </p:grpSpPr>
+          <p:sp>
+            <p:nvSpPr>
+              <p:cNvPr id="5" name="Oval 4"/>
+              <p:cNvSpPr/>
+              <p:nvPr/>
+            </p:nvSpPr>
+            <p:spPr>
+              <a:xfrm>
+                <a:off x="6305845" y="4677248"/>
+                <a:ext cx="365663" cy="365663"/>
+              </a:xfrm>
+              <a:prstGeom prst="ellipse">
+                <a:avLst/>
+              </a:prstGeom>
+              <a:noFill/>
+              <a:ln w="25400">
+                <a:solidFill>
+                  <a:srgbClr val="C00000"/>
+                </a:solidFill>
+              </a:ln>
+            </p:spPr>
+            <p:style>
+              <a:lnRef idx="2">
+                <a:schemeClr val="accent1">
+                  <a:shade val="50000"/>
+                </a:schemeClr>
+              </a:lnRef>
+              <a:fillRef idx="1">
+                <a:schemeClr val="accent1"/>
+              </a:fillRef>
+              <a:effectRef idx="0">
+                <a:schemeClr val="accent1"/>
+              </a:effectRef>
+              <a:fontRef idx="minor">
+                <a:schemeClr val="lt1"/>
+              </a:fontRef>
+            </p:style>
+            <p:txBody>
+              <a:bodyPr rtlCol="0" anchor="ctr"/>
+              <a:lstStyle/>
+              <a:p>
+                <a:pPr algn="ctr"/>
+                <a:endParaRPr lang="en-US">
+                  <a:solidFill>
+                    <a:schemeClr val="tx1"/>
+                  </a:solidFill>
+                </a:endParaRPr>
+              </a:p>
+            </p:txBody>
+          </p:sp>
+          <p:sp>
+            <p:nvSpPr>
+              <p:cNvPr id="6" name="Oval 5"/>
+              <p:cNvSpPr/>
+              <p:nvPr/>
+            </p:nvSpPr>
+            <p:spPr>
+              <a:xfrm>
+                <a:off x="6738431" y="4677248"/>
+                <a:ext cx="365663" cy="365663"/>
+              </a:xfrm>
+              <a:prstGeom prst="ellipse">
+                <a:avLst/>
+              </a:prstGeom>
+              <a:noFill/>
+              <a:ln w="25400">
+                <a:solidFill>
+                  <a:srgbClr val="C00000"/>
+                </a:solidFill>
+              </a:ln>
+            </p:spPr>
+            <p:style>
+              <a:lnRef idx="2">
+                <a:schemeClr val="accent1">
+                  <a:shade val="50000"/>
+                </a:schemeClr>
+              </a:lnRef>
+              <a:fillRef idx="1">
+                <a:schemeClr val="accent1"/>
+              </a:fillRef>
+              <a:effectRef idx="0">
+                <a:schemeClr val="accent1"/>
+              </a:effectRef>
+              <a:fontRef idx="minor">
+                <a:schemeClr val="lt1"/>
+              </a:fontRef>
+            </p:style>
+            <p:txBody>
+              <a:bodyPr rtlCol="0" anchor="ctr"/>
+              <a:lstStyle/>
+              <a:p>
+                <a:pPr algn="ctr"/>
+                <a:endParaRPr lang="en-US">
+                  <a:solidFill>
+                    <a:schemeClr val="tx1"/>
+                  </a:solidFill>
+                </a:endParaRPr>
+              </a:p>
+            </p:txBody>
+          </p:sp>
+          <p:sp>
+            <p:nvSpPr>
+              <p:cNvPr id="7" name="Oval 6"/>
+              <p:cNvSpPr/>
+              <p:nvPr/>
+            </p:nvSpPr>
+            <p:spPr>
+              <a:xfrm>
+                <a:off x="7171017" y="4677260"/>
+                <a:ext cx="365663" cy="365664"/>
+              </a:xfrm>
+              <a:prstGeom prst="ellipse">
+                <a:avLst/>
+              </a:prstGeom>
+              <a:noFill/>
+              <a:ln w="25400">
+                <a:solidFill>
+                  <a:srgbClr val="C00000"/>
+                </a:solidFill>
+              </a:ln>
+            </p:spPr>
+            <p:style>
+              <a:lnRef idx="2">
+                <a:schemeClr val="accent1">
+                  <a:shade val="50000"/>
+                </a:schemeClr>
+              </a:lnRef>
+              <a:fillRef idx="1">
+                <a:schemeClr val="accent1"/>
+              </a:fillRef>
+              <a:effectRef idx="0">
+                <a:schemeClr val="accent1"/>
+              </a:effectRef>
+              <a:fontRef idx="minor">
+                <a:schemeClr val="lt1"/>
+              </a:fontRef>
+            </p:style>
+            <p:txBody>
+              <a:bodyPr rtlCol="0" anchor="ctr"/>
+              <a:lstStyle/>
+              <a:p>
+                <a:pPr algn="ctr"/>
+                <a:endParaRPr lang="en-US">
+                  <a:solidFill>
+                    <a:schemeClr val="tx1"/>
+                  </a:solidFill>
+                </a:endParaRPr>
+              </a:p>
+            </p:txBody>
+          </p:sp>
+          <p:sp>
+            <p:nvSpPr>
+              <p:cNvPr id="8" name="Oval 7"/>
+              <p:cNvSpPr/>
+              <p:nvPr/>
+            </p:nvSpPr>
+            <p:spPr>
+              <a:xfrm>
+                <a:off x="7603603" y="4677248"/>
+                <a:ext cx="365663" cy="365663"/>
+              </a:xfrm>
+              <a:prstGeom prst="ellipse">
+                <a:avLst/>
+              </a:prstGeom>
+              <a:noFill/>
+              <a:ln w="25400">
+                <a:solidFill>
+                  <a:srgbClr val="C00000"/>
+                </a:solidFill>
+              </a:ln>
+            </p:spPr>
+            <p:style>
+              <a:lnRef idx="2">
+                <a:schemeClr val="accent1">
+                  <a:shade val="50000"/>
+                </a:schemeClr>
+              </a:lnRef>
+              <a:fillRef idx="1">
+                <a:schemeClr val="accent1"/>
+              </a:fillRef>
+              <a:effectRef idx="0">
+                <a:schemeClr val="accent1"/>
+              </a:effectRef>
+              <a:fontRef idx="minor">
+                <a:schemeClr val="lt1"/>
+              </a:fontRef>
+            </p:style>
+            <p:txBody>
+              <a:bodyPr rtlCol="0" anchor="ctr"/>
+              <a:lstStyle/>
+              <a:p>
+                <a:pPr algn="ctr"/>
+                <a:endParaRPr lang="en-US">
+                  <a:solidFill>
+                    <a:schemeClr val="tx1"/>
+                  </a:solidFill>
+                </a:endParaRPr>
+              </a:p>
+            </p:txBody>
+          </p:sp>
+          <p:sp>
+            <p:nvSpPr>
+              <p:cNvPr id="9" name="Oval 8"/>
+              <p:cNvSpPr/>
+              <p:nvPr/>
+            </p:nvSpPr>
+            <p:spPr>
+              <a:xfrm>
+                <a:off x="5873259" y="4677248"/>
+                <a:ext cx="365663" cy="365663"/>
+              </a:xfrm>
+              <a:prstGeom prst="ellipse">
+                <a:avLst/>
+              </a:prstGeom>
+              <a:noFill/>
+              <a:ln w="25400">
+                <a:solidFill>
+                  <a:srgbClr val="C00000"/>
+                </a:solidFill>
+              </a:ln>
+            </p:spPr>
+            <p:style>
+              <a:lnRef idx="2">
+                <a:schemeClr val="accent1">
+                  <a:shade val="50000"/>
+                </a:schemeClr>
+              </a:lnRef>
+              <a:fillRef idx="1">
+                <a:schemeClr val="accent1"/>
+              </a:fillRef>
+              <a:effectRef idx="0">
+                <a:schemeClr val="accent1"/>
+              </a:effectRef>
+              <a:fontRef idx="minor">
+                <a:schemeClr val="lt1"/>
+              </a:fontRef>
+            </p:style>
+            <p:txBody>
+              <a:bodyPr rtlCol="0" anchor="ctr"/>
+              <a:lstStyle/>
+              <a:p>
+                <a:pPr algn="ctr"/>
+                <a:endParaRPr lang="en-US">
+                  <a:solidFill>
+                    <a:schemeClr val="tx1"/>
+                  </a:solidFill>
+                </a:endParaRPr>
+              </a:p>
+            </p:txBody>
+          </p:sp>
+          <p:sp>
+            <p:nvSpPr>
+              <p:cNvPr id="10" name="Rectangle 9"/>
+              <p:cNvSpPr/>
+              <p:nvPr/>
+            </p:nvSpPr>
+            <p:spPr>
+              <a:xfrm>
+                <a:off x="5838484" y="4644073"/>
+                <a:ext cx="2169328" cy="441544"/>
+              </a:xfrm>
+              <a:prstGeom prst="rect">
+                <a:avLst/>
+              </a:prstGeom>
+              <a:noFill/>
+              <a:ln w="25400">
+                <a:solidFill>
+                  <a:srgbClr val="C00000"/>
+                </a:solidFill>
+              </a:ln>
+            </p:spPr>
+            <p:style>
+              <a:lnRef idx="2">
+                <a:schemeClr val="accent1">
+                  <a:shade val="50000"/>
+                </a:schemeClr>
+              </a:lnRef>
+              <a:fillRef idx="1">
+                <a:schemeClr val="accent1"/>
+              </a:fillRef>
+              <a:effectRef idx="0">
+                <a:schemeClr val="accent1"/>
+              </a:effectRef>
+              <a:fontRef idx="minor">
+                <a:schemeClr val="lt1"/>
+              </a:fontRef>
+            </p:style>
+            <p:txBody>
+              <a:bodyPr rtlCol="0" anchor="ctr"/>
+              <a:lstStyle/>
+              <a:p>
+                <a:pPr algn="ctr"/>
+                <a:endParaRPr lang="en-US">
+                  <a:solidFill>
+                    <a:schemeClr val="tx1"/>
+                  </a:solidFill>
+                </a:endParaRPr>
+              </a:p>
+            </p:txBody>
+          </p:sp>
+        </p:grpSp>
+        <p:cxnSp>
+          <p:nvCxnSpPr>
+            <p:cNvPr id="11" name="Straight Arrow Connector 10"/>
+            <p:cNvCxnSpPr>
+              <a:stCxn id="10" idx="0"/>
+              <a:endCxn id="15" idx="4"/>
+            </p:cNvCxnSpPr>
+            <p:nvPr/>
+          </p:nvCxnSpPr>
+          <p:spPr>
+            <a:xfrm flipH="1" flipV="1">
+              <a:off x="13163954" y="3919618"/>
+              <a:ext cx="13351" cy="1657037"/>
+            </a:xfrm>
+            <a:prstGeom prst="straightConnector1">
+              <a:avLst/>
+            </a:prstGeom>
+            <a:ln w="50800">
+              <a:solidFill>
+                <a:srgbClr val="C00000"/>
+              </a:solidFill>
+              <a:tailEnd type="triangle"/>
+            </a:ln>
+            <a:effectLst/>
+          </p:spPr>
+          <p:style>
+            <a:lnRef idx="2">
+              <a:schemeClr val="accent1"/>
+            </a:lnRef>
+            <a:fillRef idx="0">
+              <a:schemeClr val="accent1"/>
+            </a:fillRef>
+            <a:effectRef idx="1">
+              <a:schemeClr val="accent1"/>
+            </a:effectRef>
+            <a:fontRef idx="minor">
+              <a:schemeClr val="tx1"/>
+            </a:fontRef>
+          </p:style>
+        </p:cxnSp>
+        <p:cxnSp>
+          <p:nvCxnSpPr>
+            <p:cNvPr id="12" name="Straight Arrow Connector 11"/>
+            <p:cNvCxnSpPr>
+              <a:stCxn id="15" idx="0"/>
+            </p:cNvCxnSpPr>
+            <p:nvPr/>
+          </p:nvCxnSpPr>
+          <p:spPr>
+            <a:xfrm flipV="1">
+              <a:off x="13163954" y="3288759"/>
+              <a:ext cx="0" cy="334907"/>
+            </a:xfrm>
+            <a:prstGeom prst="straightConnector1">
+              <a:avLst/>
+            </a:prstGeom>
+            <a:ln w="50800">
+              <a:solidFill>
+                <a:srgbClr val="7030A0"/>
+              </a:solidFill>
+              <a:tailEnd type="triangle"/>
+            </a:ln>
+            <a:effectLst/>
+          </p:spPr>
+          <p:style>
+            <a:lnRef idx="2">
+              <a:schemeClr val="accent1"/>
+            </a:lnRef>
+            <a:fillRef idx="0">
+              <a:schemeClr val="accent1"/>
+            </a:fillRef>
+            <a:effectRef idx="1">
+              <a:schemeClr val="accent1"/>
+            </a:effectRef>
+            <a:fontRef idx="minor">
+              <a:schemeClr val="tx1"/>
+            </a:fontRef>
+          </p:style>
+        </p:cxnSp>
+        <p:grpSp>
+          <p:nvGrpSpPr>
+            <p:cNvPr id="71" name="Group 70"/>
+            <p:cNvGrpSpPr/>
+            <p:nvPr/>
+          </p:nvGrpSpPr>
+          <p:grpSpPr>
+            <a:xfrm>
+              <a:off x="12287600" y="3594784"/>
+              <a:ext cx="2266500" cy="359399"/>
+              <a:chOff x="4874465" y="4696004"/>
+              <a:chExt cx="2266500" cy="359399"/>
+            </a:xfrm>
+          </p:grpSpPr>
+          <p:grpSp>
+            <p:nvGrpSpPr>
+              <p:cNvPr id="13" name="Group 12"/>
+              <p:cNvGrpSpPr/>
+              <p:nvPr/>
+            </p:nvGrpSpPr>
+            <p:grpSpPr>
+              <a:xfrm>
+                <a:off x="4874465" y="4698036"/>
+                <a:ext cx="1755761" cy="357367"/>
+                <a:chOff x="5838484" y="3917173"/>
+                <a:chExt cx="2169328" cy="441544"/>
+              </a:xfrm>
+            </p:grpSpPr>
+            <p:sp>
+              <p:nvSpPr>
+                <p:cNvPr id="14" name="Oval 13"/>
+                <p:cNvSpPr/>
+                <p:nvPr/>
+              </p:nvSpPr>
+              <p:spPr>
+                <a:xfrm>
+                  <a:off x="6305845" y="3950348"/>
+                  <a:ext cx="365663" cy="365663"/>
+                </a:xfrm>
+                <a:prstGeom prst="ellipse">
+                  <a:avLst/>
+                </a:prstGeom>
+                <a:noFill/>
+                <a:ln w="25400">
+                  <a:solidFill>
+                    <a:srgbClr val="7030A0"/>
+                  </a:solidFill>
+                </a:ln>
+              </p:spPr>
+              <p:style>
+                <a:lnRef idx="2">
+                  <a:schemeClr val="accent1">
+                    <a:shade val="50000"/>
+                  </a:schemeClr>
+                </a:lnRef>
+                <a:fillRef idx="1">
+                  <a:schemeClr val="accent1"/>
+                </a:fillRef>
+                <a:effectRef idx="0">
+                  <a:schemeClr val="accent1"/>
+                </a:effectRef>
+                <a:fontRef idx="minor">
+                  <a:schemeClr val="lt1"/>
+                </a:fontRef>
+              </p:style>
+              <p:txBody>
+                <a:bodyPr rtlCol="0" anchor="ctr"/>
+                <a:lstStyle/>
+                <a:p>
+                  <a:pPr algn="ctr"/>
+                  <a:endParaRPr lang="en-US">
+                    <a:solidFill>
+                      <a:schemeClr val="tx1"/>
+                    </a:solidFill>
+                  </a:endParaRPr>
+                </a:p>
+              </p:txBody>
+            </p:sp>
+            <p:sp>
+              <p:nvSpPr>
+                <p:cNvPr id="15" name="Oval 14"/>
+                <p:cNvSpPr/>
+                <p:nvPr/>
+              </p:nvSpPr>
+              <p:spPr>
+                <a:xfrm>
+                  <a:off x="6738431" y="3950348"/>
+                  <a:ext cx="365663" cy="365663"/>
+                </a:xfrm>
+                <a:prstGeom prst="ellipse">
+                  <a:avLst/>
+                </a:prstGeom>
+                <a:noFill/>
+                <a:ln w="25400">
+                  <a:solidFill>
+                    <a:srgbClr val="7030A0"/>
+                  </a:solidFill>
+                </a:ln>
+              </p:spPr>
+              <p:style>
+                <a:lnRef idx="2">
+                  <a:schemeClr val="accent1">
+                    <a:shade val="50000"/>
+                  </a:schemeClr>
+                </a:lnRef>
+                <a:fillRef idx="1">
+                  <a:schemeClr val="accent1"/>
+                </a:fillRef>
+                <a:effectRef idx="0">
+                  <a:schemeClr val="accent1"/>
+                </a:effectRef>
+                <a:fontRef idx="minor">
+                  <a:schemeClr val="lt1"/>
+                </a:fontRef>
+              </p:style>
+              <p:txBody>
+                <a:bodyPr rtlCol="0" anchor="ctr"/>
+                <a:lstStyle/>
+                <a:p>
+                  <a:pPr algn="ctr"/>
+                  <a:endParaRPr lang="en-US">
+                    <a:solidFill>
+                      <a:schemeClr val="tx1"/>
+                    </a:solidFill>
+                  </a:endParaRPr>
+                </a:p>
+              </p:txBody>
+            </p:sp>
+            <p:sp>
+              <p:nvSpPr>
+                <p:cNvPr id="16" name="Oval 15"/>
+                <p:cNvSpPr/>
+                <p:nvPr/>
+              </p:nvSpPr>
+              <p:spPr>
+                <a:xfrm>
+                  <a:off x="7171017" y="3950348"/>
+                  <a:ext cx="365663" cy="365663"/>
+                </a:xfrm>
+                <a:prstGeom prst="ellipse">
+                  <a:avLst/>
+                </a:prstGeom>
+                <a:noFill/>
+                <a:ln w="25400">
+                  <a:solidFill>
+                    <a:srgbClr val="7030A0"/>
+                  </a:solidFill>
+                </a:ln>
+              </p:spPr>
+              <p:style>
+                <a:lnRef idx="2">
+                  <a:schemeClr val="accent1">
+                    <a:shade val="50000"/>
+                  </a:schemeClr>
+                </a:lnRef>
+                <a:fillRef idx="1">
+                  <a:schemeClr val="accent1"/>
+                </a:fillRef>
+                <a:effectRef idx="0">
+                  <a:schemeClr val="accent1"/>
+                </a:effectRef>
+                <a:fontRef idx="minor">
+                  <a:schemeClr val="lt1"/>
+                </a:fontRef>
+              </p:style>
+              <p:txBody>
+                <a:bodyPr rtlCol="0" anchor="ctr"/>
+                <a:lstStyle/>
+                <a:p>
+                  <a:pPr algn="ctr"/>
+                  <a:endParaRPr lang="en-US">
+                    <a:solidFill>
+                      <a:schemeClr val="tx1"/>
+                    </a:solidFill>
+                  </a:endParaRPr>
+                </a:p>
+              </p:txBody>
+            </p:sp>
+            <p:sp>
+              <p:nvSpPr>
+                <p:cNvPr id="17" name="Oval 16"/>
+                <p:cNvSpPr/>
+                <p:nvPr/>
+              </p:nvSpPr>
+              <p:spPr>
+                <a:xfrm>
+                  <a:off x="7603603" y="3950348"/>
+                  <a:ext cx="365663" cy="365663"/>
+                </a:xfrm>
+                <a:prstGeom prst="ellipse">
+                  <a:avLst/>
+                </a:prstGeom>
+                <a:noFill/>
+                <a:ln w="25400">
+                  <a:solidFill>
+                    <a:srgbClr val="7030A0"/>
+                  </a:solidFill>
+                </a:ln>
+              </p:spPr>
+              <p:style>
+                <a:lnRef idx="2">
+                  <a:schemeClr val="accent1">
+                    <a:shade val="50000"/>
+                  </a:schemeClr>
+                </a:lnRef>
+                <a:fillRef idx="1">
+                  <a:schemeClr val="accent1"/>
+                </a:fillRef>
+                <a:effectRef idx="0">
+                  <a:schemeClr val="accent1"/>
+                </a:effectRef>
+                <a:fontRef idx="minor">
+                  <a:schemeClr val="lt1"/>
+                </a:fontRef>
+              </p:style>
+              <p:txBody>
+                <a:bodyPr rtlCol="0" anchor="ctr"/>
+                <a:lstStyle/>
+                <a:p>
+                  <a:pPr algn="ctr"/>
+                  <a:endParaRPr lang="en-US">
+                    <a:solidFill>
+                      <a:schemeClr val="tx1"/>
+                    </a:solidFill>
+                  </a:endParaRPr>
+                </a:p>
+              </p:txBody>
+            </p:sp>
+            <p:sp>
+              <p:nvSpPr>
+                <p:cNvPr id="18" name="Oval 17"/>
+                <p:cNvSpPr/>
+                <p:nvPr/>
+              </p:nvSpPr>
+              <p:spPr>
+                <a:xfrm>
+                  <a:off x="5873259" y="3950348"/>
+                  <a:ext cx="365663" cy="365663"/>
+                </a:xfrm>
+                <a:prstGeom prst="ellipse">
+                  <a:avLst/>
+                </a:prstGeom>
+                <a:noFill/>
+                <a:ln w="25400">
+                  <a:solidFill>
+                    <a:srgbClr val="7030A0"/>
+                  </a:solidFill>
+                </a:ln>
+              </p:spPr>
+              <p:style>
+                <a:lnRef idx="2">
+                  <a:schemeClr val="accent1">
+                    <a:shade val="50000"/>
+                  </a:schemeClr>
+                </a:lnRef>
+                <a:fillRef idx="1">
+                  <a:schemeClr val="accent1"/>
+                </a:fillRef>
+                <a:effectRef idx="0">
+                  <a:schemeClr val="accent1"/>
+                </a:effectRef>
+                <a:fontRef idx="minor">
+                  <a:schemeClr val="lt1"/>
+                </a:fontRef>
+              </p:style>
+              <p:txBody>
+                <a:bodyPr rtlCol="0" anchor="ctr"/>
+                <a:lstStyle/>
+                <a:p>
+                  <a:pPr algn="ctr"/>
+                  <a:endParaRPr lang="en-US">
+                    <a:solidFill>
+                      <a:schemeClr val="tx1"/>
+                    </a:solidFill>
+                  </a:endParaRPr>
+                </a:p>
+              </p:txBody>
+            </p:sp>
+            <p:sp>
+              <p:nvSpPr>
+                <p:cNvPr id="19" name="Rectangle 18"/>
+                <p:cNvSpPr/>
+                <p:nvPr/>
+              </p:nvSpPr>
+              <p:spPr>
+                <a:xfrm>
+                  <a:off x="5838484" y="3917173"/>
+                  <a:ext cx="2169328" cy="441544"/>
+                </a:xfrm>
+                <a:prstGeom prst="rect">
+                  <a:avLst/>
+                </a:prstGeom>
+                <a:noFill/>
+                <a:ln w="25400">
+                  <a:solidFill>
+                    <a:srgbClr val="7030A0"/>
+                  </a:solidFill>
+                </a:ln>
+              </p:spPr>
+              <p:style>
+                <a:lnRef idx="2">
+                  <a:schemeClr val="accent1">
+                    <a:shade val="50000"/>
+                  </a:schemeClr>
+                </a:lnRef>
+                <a:fillRef idx="1">
+                  <a:schemeClr val="accent1"/>
+                </a:fillRef>
+                <a:effectRef idx="0">
+                  <a:schemeClr val="accent1"/>
+                </a:effectRef>
+                <a:fontRef idx="minor">
+                  <a:schemeClr val="lt1"/>
+                </a:fontRef>
+              </p:style>
+              <p:txBody>
+                <a:bodyPr rtlCol="0" anchor="ctr"/>
+                <a:lstStyle/>
+                <a:p>
+                  <a:pPr algn="ctr"/>
+                  <a:endParaRPr lang="en-US">
+                    <a:solidFill>
+                      <a:schemeClr val="tx1"/>
+                    </a:solidFill>
+                  </a:endParaRPr>
+                </a:p>
+              </p:txBody>
+            </p:sp>
+          </p:grpSp>
+          <p:sp>
+            <p:nvSpPr>
+              <p:cNvPr id="20" name="Curved Left Arrow 19"/>
+              <p:cNvSpPr/>
+              <p:nvPr/>
+            </p:nvSpPr>
+            <p:spPr>
+              <a:xfrm>
+                <a:off x="6653194" y="4696004"/>
+                <a:ext cx="487771" cy="359399"/>
+              </a:xfrm>
+              <a:prstGeom prst="curvedLeftArrow">
+                <a:avLst>
+                  <a:gd name="adj1" fmla="val 14052"/>
+                  <a:gd name="adj2" fmla="val 50000"/>
+                  <a:gd name="adj3" fmla="val 23783"/>
+                </a:avLst>
+              </a:prstGeom>
+              <a:solidFill>
+                <a:srgbClr val="00B2B2"/>
+              </a:solidFill>
+              <a:ln w="25400">
+                <a:solidFill>
+                  <a:srgbClr val="00C6BA"/>
+                </a:solidFill>
+              </a:ln>
+            </p:spPr>
+            <p:style>
+              <a:lnRef idx="2">
+                <a:schemeClr val="accent1">
+                  <a:shade val="50000"/>
+                </a:schemeClr>
+              </a:lnRef>
+              <a:fillRef idx="1">
+                <a:schemeClr val="accent1"/>
+              </a:fillRef>
+              <a:effectRef idx="0">
+                <a:schemeClr val="accent1"/>
+              </a:effectRef>
+              <a:fontRef idx="minor">
+                <a:schemeClr val="lt1"/>
+              </a:fontRef>
+            </p:style>
+            <p:txBody>
+              <a:bodyPr rtlCol="0" anchor="ctr"/>
+              <a:lstStyle/>
+              <a:p>
+                <a:pPr algn="ctr"/>
+                <a:endParaRPr lang="en-US">
+                  <a:solidFill>
+                    <a:schemeClr val="tx1"/>
+                  </a:solidFill>
+                </a:endParaRPr>
+              </a:p>
+            </p:txBody>
+          </p:sp>
+        </p:grpSp>
+      </p:grpSp>
+      <p:grpSp>
+        <p:nvGrpSpPr>
+          <p:cNvPr id="80" name="Group 79"/>
+          <p:cNvGrpSpPr/>
+          <p:nvPr/>
+        </p:nvGrpSpPr>
+        <p:grpSpPr>
+          <a:xfrm>
+            <a:off x="8128028" y="3600082"/>
+            <a:ext cx="4063972" cy="2993258"/>
+            <a:chOff x="8128028" y="3600082"/>
+            <a:chExt cx="4063972" cy="2993258"/>
+          </a:xfrm>
+        </p:grpSpPr>
+        <p:grpSp>
+          <p:nvGrpSpPr>
+            <p:cNvPr id="23" name="Group 22"/>
+            <p:cNvGrpSpPr/>
+            <p:nvPr/>
+          </p:nvGrpSpPr>
+          <p:grpSpPr>
+            <a:xfrm>
+              <a:off x="9480007" y="5575466"/>
+              <a:ext cx="1755761" cy="357367"/>
+              <a:chOff x="5838484" y="4644073"/>
+              <a:chExt cx="2169328" cy="441544"/>
+            </a:xfrm>
+          </p:grpSpPr>
+          <p:sp>
+            <p:nvSpPr>
+              <p:cNvPr id="50" name="Oval 49"/>
+              <p:cNvSpPr/>
+              <p:nvPr/>
+            </p:nvSpPr>
+            <p:spPr>
+              <a:xfrm>
+                <a:off x="6305845" y="4677248"/>
+                <a:ext cx="365663" cy="365663"/>
+              </a:xfrm>
+              <a:prstGeom prst="ellipse">
+                <a:avLst/>
+              </a:prstGeom>
+              <a:noFill/>
+              <a:ln w="25400">
+                <a:solidFill>
+                  <a:srgbClr val="C00000"/>
+                </a:solidFill>
+              </a:ln>
+            </p:spPr>
+            <p:style>
+              <a:lnRef idx="2">
+                <a:schemeClr val="accent1">
+                  <a:shade val="50000"/>
+                </a:schemeClr>
+              </a:lnRef>
+              <a:fillRef idx="1">
+                <a:schemeClr val="accent1"/>
+              </a:fillRef>
+              <a:effectRef idx="0">
+                <a:schemeClr val="accent1"/>
+              </a:effectRef>
+              <a:fontRef idx="minor">
+                <a:schemeClr val="lt1"/>
+              </a:fontRef>
+            </p:style>
+            <p:txBody>
+              <a:bodyPr rtlCol="0" anchor="ctr"/>
+              <a:lstStyle/>
+              <a:p>
+                <a:pPr algn="ctr"/>
+                <a:endParaRPr lang="en-US">
+                  <a:solidFill>
+                    <a:schemeClr val="tx1"/>
+                  </a:solidFill>
+                </a:endParaRPr>
+              </a:p>
+            </p:txBody>
+          </p:sp>
+          <p:sp>
+            <p:nvSpPr>
+              <p:cNvPr id="51" name="Oval 50"/>
+              <p:cNvSpPr/>
+              <p:nvPr/>
+            </p:nvSpPr>
+            <p:spPr>
+              <a:xfrm>
+                <a:off x="6738431" y="4677248"/>
+                <a:ext cx="365663" cy="365663"/>
+              </a:xfrm>
+              <a:prstGeom prst="ellipse">
+                <a:avLst/>
+              </a:prstGeom>
+              <a:noFill/>
+              <a:ln w="25400">
+                <a:solidFill>
+                  <a:srgbClr val="C00000"/>
+                </a:solidFill>
+              </a:ln>
+            </p:spPr>
+            <p:style>
+              <a:lnRef idx="2">
+                <a:schemeClr val="accent1">
+                  <a:shade val="50000"/>
+                </a:schemeClr>
+              </a:lnRef>
+              <a:fillRef idx="1">
+                <a:schemeClr val="accent1"/>
+              </a:fillRef>
+              <a:effectRef idx="0">
+                <a:schemeClr val="accent1"/>
+              </a:effectRef>
+              <a:fontRef idx="minor">
+                <a:schemeClr val="lt1"/>
+              </a:fontRef>
+            </p:style>
+            <p:txBody>
+              <a:bodyPr rtlCol="0" anchor="ctr"/>
+              <a:lstStyle/>
+              <a:p>
+                <a:pPr algn="ctr"/>
+                <a:endParaRPr lang="en-US">
+                  <a:solidFill>
+                    <a:schemeClr val="tx1"/>
+                  </a:solidFill>
+                </a:endParaRPr>
+              </a:p>
+            </p:txBody>
+          </p:sp>
+          <p:sp>
+            <p:nvSpPr>
+              <p:cNvPr id="52" name="Oval 51"/>
+              <p:cNvSpPr/>
+              <p:nvPr/>
+            </p:nvSpPr>
+            <p:spPr>
+              <a:xfrm>
+                <a:off x="7171017" y="4677248"/>
+                <a:ext cx="365663" cy="365663"/>
+              </a:xfrm>
+              <a:prstGeom prst="ellipse">
+                <a:avLst/>
+              </a:prstGeom>
+              <a:noFill/>
+              <a:ln w="25400">
+                <a:solidFill>
+                  <a:srgbClr val="C00000"/>
+                </a:solidFill>
+              </a:ln>
+            </p:spPr>
+            <p:style>
+              <a:lnRef idx="2">
+                <a:schemeClr val="accent1">
+                  <a:shade val="50000"/>
+                </a:schemeClr>
+              </a:lnRef>
+              <a:fillRef idx="1">
+                <a:schemeClr val="accent1"/>
+              </a:fillRef>
+              <a:effectRef idx="0">
+                <a:schemeClr val="accent1"/>
+              </a:effectRef>
+              <a:fontRef idx="minor">
+                <a:schemeClr val="lt1"/>
+              </a:fontRef>
+            </p:style>
+            <p:txBody>
+              <a:bodyPr rtlCol="0" anchor="ctr"/>
+              <a:lstStyle/>
+              <a:p>
+                <a:pPr algn="ctr"/>
+                <a:endParaRPr lang="en-US">
+                  <a:solidFill>
+                    <a:schemeClr val="tx1"/>
+                  </a:solidFill>
+                </a:endParaRPr>
+              </a:p>
+            </p:txBody>
+          </p:sp>
+          <p:sp>
+            <p:nvSpPr>
+              <p:cNvPr id="53" name="Oval 52"/>
+              <p:cNvSpPr/>
+              <p:nvPr/>
+            </p:nvSpPr>
+            <p:spPr>
+              <a:xfrm>
+                <a:off x="7603603" y="4677248"/>
+                <a:ext cx="365663" cy="365663"/>
+              </a:xfrm>
+              <a:prstGeom prst="ellipse">
+                <a:avLst/>
+              </a:prstGeom>
+              <a:noFill/>
+              <a:ln w="25400">
+                <a:solidFill>
+                  <a:srgbClr val="C00000"/>
+                </a:solidFill>
+              </a:ln>
+            </p:spPr>
+            <p:style>
+              <a:lnRef idx="2">
+                <a:schemeClr val="accent1">
+                  <a:shade val="50000"/>
+                </a:schemeClr>
+              </a:lnRef>
+              <a:fillRef idx="1">
+                <a:schemeClr val="accent1"/>
+              </a:fillRef>
+              <a:effectRef idx="0">
+                <a:schemeClr val="accent1"/>
+              </a:effectRef>
+              <a:fontRef idx="minor">
+                <a:schemeClr val="lt1"/>
+              </a:fontRef>
+            </p:style>
+            <p:txBody>
+              <a:bodyPr rtlCol="0" anchor="ctr"/>
+              <a:lstStyle/>
+              <a:p>
+                <a:pPr algn="ctr"/>
+                <a:endParaRPr lang="en-US">
+                  <a:solidFill>
+                    <a:schemeClr val="tx1"/>
+                  </a:solidFill>
+                </a:endParaRPr>
+              </a:p>
+            </p:txBody>
+          </p:sp>
+          <p:sp>
+            <p:nvSpPr>
+              <p:cNvPr id="54" name="Oval 53"/>
+              <p:cNvSpPr/>
+              <p:nvPr/>
+            </p:nvSpPr>
+            <p:spPr>
+              <a:xfrm>
+                <a:off x="5873259" y="4677248"/>
+                <a:ext cx="365663" cy="365663"/>
+              </a:xfrm>
+              <a:prstGeom prst="ellipse">
+                <a:avLst/>
+              </a:prstGeom>
+              <a:noFill/>
+              <a:ln w="25400">
+                <a:solidFill>
+                  <a:srgbClr val="C00000"/>
+                </a:solidFill>
+              </a:ln>
+            </p:spPr>
+            <p:style>
+              <a:lnRef idx="2">
+                <a:schemeClr val="accent1">
+                  <a:shade val="50000"/>
+                </a:schemeClr>
+              </a:lnRef>
+              <a:fillRef idx="1">
+                <a:schemeClr val="accent1"/>
+              </a:fillRef>
+              <a:effectRef idx="0">
+                <a:schemeClr val="accent1"/>
+              </a:effectRef>
+              <a:fontRef idx="minor">
+                <a:schemeClr val="lt1"/>
+              </a:fontRef>
+            </p:style>
+            <p:txBody>
+              <a:bodyPr rtlCol="0" anchor="ctr"/>
+              <a:lstStyle/>
+              <a:p>
+                <a:pPr algn="ctr"/>
+                <a:endParaRPr lang="en-US" dirty="0">
+                  <a:solidFill>
+                    <a:schemeClr val="tx1"/>
+                  </a:solidFill>
+                </a:endParaRPr>
+              </a:p>
+            </p:txBody>
+          </p:sp>
+          <p:sp>
+            <p:nvSpPr>
+              <p:cNvPr id="55" name="Rectangle 54"/>
+              <p:cNvSpPr/>
+              <p:nvPr/>
+            </p:nvSpPr>
+            <p:spPr>
+              <a:xfrm>
+                <a:off x="5838484" y="4644073"/>
+                <a:ext cx="2169328" cy="441544"/>
+              </a:xfrm>
+              <a:prstGeom prst="rect">
+                <a:avLst/>
+              </a:prstGeom>
+              <a:noFill/>
+              <a:ln w="25400">
+                <a:solidFill>
+                  <a:srgbClr val="C00000"/>
+                </a:solidFill>
+              </a:ln>
+            </p:spPr>
+            <p:style>
+              <a:lnRef idx="2">
+                <a:schemeClr val="accent1">
+                  <a:shade val="50000"/>
+                </a:schemeClr>
+              </a:lnRef>
+              <a:fillRef idx="1">
+                <a:schemeClr val="accent1"/>
+              </a:fillRef>
+              <a:effectRef idx="0">
+                <a:schemeClr val="accent1"/>
+              </a:effectRef>
+              <a:fontRef idx="minor">
+                <a:schemeClr val="lt1"/>
+              </a:fontRef>
+            </p:style>
+            <p:txBody>
+              <a:bodyPr rtlCol="0" anchor="ctr"/>
+              <a:lstStyle/>
+              <a:p>
+                <a:pPr algn="ctr"/>
+                <a:endParaRPr lang="en-US">
+                  <a:solidFill>
+                    <a:schemeClr val="tx1"/>
+                  </a:solidFill>
+                </a:endParaRPr>
+              </a:p>
+            </p:txBody>
+          </p:sp>
+        </p:grpSp>
+        <p:cxnSp>
+          <p:nvCxnSpPr>
+            <p:cNvPr id="24" name="Straight Arrow Connector 23"/>
+            <p:cNvCxnSpPr/>
+            <p:nvPr/>
+          </p:nvCxnSpPr>
+          <p:spPr>
+            <a:xfrm flipV="1">
+              <a:off x="10357888" y="5932833"/>
+              <a:ext cx="0" cy="278385"/>
+            </a:xfrm>
+            <a:prstGeom prst="straightConnector1">
+              <a:avLst/>
+            </a:prstGeom>
+            <a:ln w="50800">
+              <a:solidFill>
+                <a:srgbClr val="0000FF"/>
+              </a:solidFill>
+              <a:tailEnd type="triangle"/>
+            </a:ln>
+            <a:effectLst/>
+          </p:spPr>
+          <p:style>
+            <a:lnRef idx="2">
+              <a:schemeClr val="accent1"/>
+            </a:lnRef>
+            <a:fillRef idx="0">
+              <a:schemeClr val="accent1"/>
+            </a:fillRef>
+            <a:effectRef idx="1">
+              <a:schemeClr val="accent1"/>
+            </a:effectRef>
+            <a:fontRef idx="minor">
+              <a:schemeClr val="tx1"/>
+            </a:fontRef>
+          </p:style>
+        </p:cxnSp>
+        <p:grpSp>
+          <p:nvGrpSpPr>
+            <p:cNvPr id="25" name="Group 24"/>
+            <p:cNvGrpSpPr/>
+            <p:nvPr/>
+          </p:nvGrpSpPr>
+          <p:grpSpPr>
+            <a:xfrm>
+              <a:off x="9478481" y="4400770"/>
+              <a:ext cx="1755761" cy="357367"/>
+              <a:chOff x="5838484" y="3917173"/>
+              <a:chExt cx="2169328" cy="441544"/>
+            </a:xfrm>
+          </p:grpSpPr>
+          <p:sp>
+            <p:nvSpPr>
+              <p:cNvPr id="44" name="Oval 43"/>
+              <p:cNvSpPr/>
+              <p:nvPr/>
+            </p:nvSpPr>
+            <p:spPr>
+              <a:xfrm>
+                <a:off x="6305845" y="3950348"/>
+                <a:ext cx="365663" cy="365663"/>
+              </a:xfrm>
+              <a:prstGeom prst="ellipse">
+                <a:avLst/>
+              </a:prstGeom>
+              <a:noFill/>
+              <a:ln w="25400">
+                <a:solidFill>
+                  <a:srgbClr val="7030A0"/>
+                </a:solidFill>
+              </a:ln>
+            </p:spPr>
+            <p:style>
+              <a:lnRef idx="2">
+                <a:schemeClr val="accent1">
+                  <a:shade val="50000"/>
+                </a:schemeClr>
+              </a:lnRef>
+              <a:fillRef idx="1">
+                <a:schemeClr val="accent1"/>
+              </a:fillRef>
+              <a:effectRef idx="0">
+                <a:schemeClr val="accent1"/>
+              </a:effectRef>
+              <a:fontRef idx="minor">
+                <a:schemeClr val="lt1"/>
+              </a:fontRef>
+            </p:style>
+            <p:txBody>
+              <a:bodyPr rtlCol="0" anchor="ctr"/>
+              <a:lstStyle/>
+              <a:p>
+                <a:pPr algn="ctr"/>
+                <a:endParaRPr lang="en-US">
+                  <a:solidFill>
+                    <a:schemeClr val="tx1"/>
+                  </a:solidFill>
+                </a:endParaRPr>
+              </a:p>
+            </p:txBody>
+          </p:sp>
+          <p:sp>
+            <p:nvSpPr>
+              <p:cNvPr id="45" name="Oval 44"/>
+              <p:cNvSpPr/>
+              <p:nvPr/>
+            </p:nvSpPr>
+            <p:spPr>
+              <a:xfrm>
+                <a:off x="6738431" y="3950348"/>
+                <a:ext cx="365663" cy="365663"/>
+              </a:xfrm>
+              <a:prstGeom prst="ellipse">
+                <a:avLst/>
+              </a:prstGeom>
+              <a:noFill/>
+              <a:ln w="25400">
+                <a:solidFill>
+                  <a:srgbClr val="7030A0"/>
+                </a:solidFill>
+              </a:ln>
+            </p:spPr>
+            <p:style>
+              <a:lnRef idx="2">
+                <a:schemeClr val="accent1">
+                  <a:shade val="50000"/>
+                </a:schemeClr>
+              </a:lnRef>
+              <a:fillRef idx="1">
+                <a:schemeClr val="accent1"/>
+              </a:fillRef>
+              <a:effectRef idx="0">
+                <a:schemeClr val="accent1"/>
+              </a:effectRef>
+              <a:fontRef idx="minor">
+                <a:schemeClr val="lt1"/>
+              </a:fontRef>
+            </p:style>
+            <p:txBody>
+              <a:bodyPr rtlCol="0" anchor="ctr"/>
+              <a:lstStyle/>
+              <a:p>
+                <a:pPr algn="ctr"/>
+                <a:endParaRPr lang="en-US">
+                  <a:solidFill>
+                    <a:schemeClr val="tx1"/>
+                  </a:solidFill>
+                </a:endParaRPr>
+              </a:p>
+            </p:txBody>
+          </p:sp>
+          <p:sp>
+            <p:nvSpPr>
+              <p:cNvPr id="46" name="Oval 45"/>
+              <p:cNvSpPr/>
+              <p:nvPr/>
+            </p:nvSpPr>
+            <p:spPr>
+              <a:xfrm>
+                <a:off x="7171017" y="3950348"/>
+                <a:ext cx="365663" cy="365663"/>
+              </a:xfrm>
+              <a:prstGeom prst="ellipse">
+                <a:avLst/>
+              </a:prstGeom>
+              <a:noFill/>
+              <a:ln w="25400">
+                <a:solidFill>
+                  <a:srgbClr val="7030A0"/>
+                </a:solidFill>
+              </a:ln>
+            </p:spPr>
+            <p:style>
+              <a:lnRef idx="2">
+                <a:schemeClr val="accent1">
+                  <a:shade val="50000"/>
+                </a:schemeClr>
+              </a:lnRef>
+              <a:fillRef idx="1">
+                <a:schemeClr val="accent1"/>
+              </a:fillRef>
+              <a:effectRef idx="0">
+                <a:schemeClr val="accent1"/>
+              </a:effectRef>
+              <a:fontRef idx="minor">
+                <a:schemeClr val="lt1"/>
+              </a:fontRef>
+            </p:style>
+            <p:txBody>
+              <a:bodyPr rtlCol="0" anchor="ctr"/>
+              <a:lstStyle/>
+              <a:p>
+                <a:pPr algn="ctr"/>
+                <a:endParaRPr lang="en-US">
+                  <a:solidFill>
+                    <a:schemeClr val="tx1"/>
+                  </a:solidFill>
+                </a:endParaRPr>
+              </a:p>
+            </p:txBody>
+          </p:sp>
+          <p:sp>
+            <p:nvSpPr>
+              <p:cNvPr id="47" name="Oval 46"/>
+              <p:cNvSpPr/>
+              <p:nvPr/>
+            </p:nvSpPr>
+            <p:spPr>
+              <a:xfrm>
+                <a:off x="7603603" y="3950348"/>
+                <a:ext cx="365663" cy="365663"/>
+              </a:xfrm>
+              <a:prstGeom prst="ellipse">
+                <a:avLst/>
+              </a:prstGeom>
+              <a:noFill/>
+              <a:ln w="25400">
+                <a:solidFill>
+                  <a:srgbClr val="7030A0"/>
+                </a:solidFill>
+              </a:ln>
+            </p:spPr>
+            <p:style>
+              <a:lnRef idx="2">
+                <a:schemeClr val="accent1">
+                  <a:shade val="50000"/>
+                </a:schemeClr>
+              </a:lnRef>
+              <a:fillRef idx="1">
+                <a:schemeClr val="accent1"/>
+              </a:fillRef>
+              <a:effectRef idx="0">
+                <a:schemeClr val="accent1"/>
+              </a:effectRef>
+              <a:fontRef idx="minor">
+                <a:schemeClr val="lt1"/>
+              </a:fontRef>
+            </p:style>
+            <p:txBody>
+              <a:bodyPr rtlCol="0" anchor="ctr"/>
+              <a:lstStyle/>
+              <a:p>
+                <a:pPr algn="ctr"/>
+                <a:endParaRPr lang="en-US">
+                  <a:solidFill>
+                    <a:schemeClr val="tx1"/>
+                  </a:solidFill>
+                </a:endParaRPr>
+              </a:p>
+            </p:txBody>
+          </p:sp>
+          <p:sp>
+            <p:nvSpPr>
+              <p:cNvPr id="48" name="Oval 47"/>
+              <p:cNvSpPr/>
+              <p:nvPr/>
+            </p:nvSpPr>
+            <p:spPr>
+              <a:xfrm>
+                <a:off x="5873259" y="3950348"/>
+                <a:ext cx="365663" cy="365663"/>
+              </a:xfrm>
+              <a:prstGeom prst="ellipse">
+                <a:avLst/>
+              </a:prstGeom>
+              <a:noFill/>
+              <a:ln w="25400">
+                <a:solidFill>
+                  <a:srgbClr val="7030A0"/>
+                </a:solidFill>
+              </a:ln>
+            </p:spPr>
+            <p:style>
+              <a:lnRef idx="2">
+                <a:schemeClr val="accent1">
+                  <a:shade val="50000"/>
+                </a:schemeClr>
+              </a:lnRef>
+              <a:fillRef idx="1">
+                <a:schemeClr val="accent1"/>
+              </a:fillRef>
+              <a:effectRef idx="0">
+                <a:schemeClr val="accent1"/>
+              </a:effectRef>
+              <a:fontRef idx="minor">
+                <a:schemeClr val="lt1"/>
+              </a:fontRef>
+            </p:style>
+            <p:txBody>
+              <a:bodyPr rtlCol="0" anchor="ctr"/>
+              <a:lstStyle/>
+              <a:p>
+                <a:pPr algn="ctr"/>
+                <a:endParaRPr lang="en-US">
+                  <a:solidFill>
+                    <a:schemeClr val="tx1"/>
+                  </a:solidFill>
+                </a:endParaRPr>
+              </a:p>
+            </p:txBody>
+          </p:sp>
+          <p:sp>
+            <p:nvSpPr>
+              <p:cNvPr id="49" name="Rectangle 48"/>
+              <p:cNvSpPr/>
+              <p:nvPr/>
+            </p:nvSpPr>
+            <p:spPr>
+              <a:xfrm>
+                <a:off x="5838484" y="3917173"/>
+                <a:ext cx="2169328" cy="441544"/>
+              </a:xfrm>
+              <a:prstGeom prst="rect">
+                <a:avLst/>
+              </a:prstGeom>
+              <a:noFill/>
+              <a:ln w="25400">
+                <a:solidFill>
+                  <a:srgbClr val="7030A0"/>
+                </a:solidFill>
+              </a:ln>
+            </p:spPr>
+            <p:style>
+              <a:lnRef idx="2">
+                <a:schemeClr val="accent1">
+                  <a:shade val="50000"/>
+                </a:schemeClr>
+              </a:lnRef>
+              <a:fillRef idx="1">
+                <a:schemeClr val="accent1"/>
+              </a:fillRef>
+              <a:effectRef idx="0">
+                <a:schemeClr val="accent1"/>
+              </a:effectRef>
+              <a:fontRef idx="minor">
+                <a:schemeClr val="lt1"/>
+              </a:fontRef>
+            </p:style>
+            <p:txBody>
+              <a:bodyPr rtlCol="0" anchor="ctr"/>
+              <a:lstStyle/>
+              <a:p>
+                <a:pPr algn="ctr"/>
+                <a:endParaRPr lang="en-US">
+                  <a:solidFill>
+                    <a:schemeClr val="tx1"/>
+                  </a:solidFill>
+                </a:endParaRPr>
+              </a:p>
+            </p:txBody>
+          </p:sp>
+        </p:grpSp>
+        <p:cxnSp>
+          <p:nvCxnSpPr>
+            <p:cNvPr id="26" name="Straight Arrow Connector 25"/>
+            <p:cNvCxnSpPr/>
+            <p:nvPr/>
+          </p:nvCxnSpPr>
+          <p:spPr>
+            <a:xfrm flipV="1">
+              <a:off x="10357888" y="5344512"/>
+              <a:ext cx="0" cy="230955"/>
+            </a:xfrm>
+            <a:prstGeom prst="straightConnector1">
+              <a:avLst/>
+            </a:prstGeom>
+            <a:ln w="50800">
+              <a:solidFill>
+                <a:srgbClr val="C00000"/>
+              </a:solidFill>
+              <a:tailEnd type="triangle"/>
+            </a:ln>
+            <a:effectLst/>
+          </p:spPr>
+          <p:style>
+            <a:lnRef idx="2">
+              <a:schemeClr val="accent1"/>
+            </a:lnRef>
+            <a:fillRef idx="0">
+              <a:schemeClr val="accent1"/>
+            </a:fillRef>
+            <a:effectRef idx="1">
+              <a:schemeClr val="accent1"/>
+            </a:effectRef>
+            <a:fontRef idx="minor">
+              <a:schemeClr val="tx1"/>
+            </a:fontRef>
+          </p:style>
+        </p:cxnSp>
+        <p:cxnSp>
+          <p:nvCxnSpPr>
+            <p:cNvPr id="27" name="Straight Arrow Connector 26"/>
+            <p:cNvCxnSpPr/>
+            <p:nvPr/>
+          </p:nvCxnSpPr>
+          <p:spPr>
+            <a:xfrm flipH="1" flipV="1">
+              <a:off x="10356361" y="4758136"/>
+              <a:ext cx="1526" cy="229009"/>
+            </a:xfrm>
+            <a:prstGeom prst="straightConnector1">
+              <a:avLst/>
+            </a:prstGeom>
+            <a:ln w="50800">
+              <a:solidFill>
+                <a:srgbClr val="00C6BA"/>
+              </a:solidFill>
+              <a:tailEnd type="triangle"/>
+            </a:ln>
+            <a:effectLst/>
+          </p:spPr>
+          <p:style>
+            <a:lnRef idx="2">
+              <a:schemeClr val="accent1"/>
+            </a:lnRef>
+            <a:fillRef idx="0">
+              <a:schemeClr val="accent1"/>
+            </a:fillRef>
+            <a:effectRef idx="1">
+              <a:schemeClr val="accent1"/>
+            </a:effectRef>
+            <a:fontRef idx="minor">
+              <a:schemeClr val="tx1"/>
+            </a:fontRef>
+          </p:style>
+        </p:cxnSp>
+        <p:grpSp>
+          <p:nvGrpSpPr>
+            <p:cNvPr id="28" name="Group 27"/>
+            <p:cNvGrpSpPr/>
+            <p:nvPr/>
+          </p:nvGrpSpPr>
+          <p:grpSpPr>
+            <a:xfrm>
+              <a:off x="9480007" y="4987145"/>
+              <a:ext cx="1755761" cy="357367"/>
+              <a:chOff x="5838484" y="3917173"/>
+              <a:chExt cx="2169328" cy="441544"/>
+            </a:xfrm>
+          </p:grpSpPr>
+          <p:sp>
+            <p:nvSpPr>
+              <p:cNvPr id="38" name="Oval 37"/>
+              <p:cNvSpPr/>
+              <p:nvPr/>
+            </p:nvSpPr>
+            <p:spPr>
+              <a:xfrm>
+                <a:off x="6305845" y="3950348"/>
+                <a:ext cx="365663" cy="365663"/>
+              </a:xfrm>
+              <a:prstGeom prst="ellipse">
+                <a:avLst/>
+              </a:prstGeom>
+              <a:noFill/>
+              <a:ln w="25400">
+                <a:solidFill>
+                  <a:srgbClr val="7030A0"/>
+                </a:solidFill>
+              </a:ln>
+            </p:spPr>
+            <p:style>
+              <a:lnRef idx="2">
+                <a:schemeClr val="accent1">
+                  <a:shade val="50000"/>
+                </a:schemeClr>
+              </a:lnRef>
+              <a:fillRef idx="1">
+                <a:schemeClr val="accent1"/>
+              </a:fillRef>
+              <a:effectRef idx="0">
+                <a:schemeClr val="accent1"/>
+              </a:effectRef>
+              <a:fontRef idx="minor">
+                <a:schemeClr val="lt1"/>
+              </a:fontRef>
+            </p:style>
+            <p:txBody>
+              <a:bodyPr rtlCol="0" anchor="ctr"/>
+              <a:lstStyle/>
+              <a:p>
+                <a:pPr algn="ctr"/>
+                <a:endParaRPr lang="en-US">
+                  <a:solidFill>
+                    <a:schemeClr val="tx1"/>
+                  </a:solidFill>
+                </a:endParaRPr>
+              </a:p>
+            </p:txBody>
+          </p:sp>
+          <p:sp>
+            <p:nvSpPr>
+              <p:cNvPr id="39" name="Oval 38"/>
+              <p:cNvSpPr/>
+              <p:nvPr/>
+            </p:nvSpPr>
+            <p:spPr>
+              <a:xfrm>
+                <a:off x="6738431" y="3950348"/>
+                <a:ext cx="365663" cy="365663"/>
+              </a:xfrm>
+              <a:prstGeom prst="ellipse">
+                <a:avLst/>
+              </a:prstGeom>
+              <a:noFill/>
+              <a:ln w="25400">
+                <a:solidFill>
+                  <a:srgbClr val="7030A0"/>
+                </a:solidFill>
+              </a:ln>
+            </p:spPr>
+            <p:style>
+              <a:lnRef idx="2">
+                <a:schemeClr val="accent1">
+                  <a:shade val="50000"/>
+                </a:schemeClr>
+              </a:lnRef>
+              <a:fillRef idx="1">
+                <a:schemeClr val="accent1"/>
+              </a:fillRef>
+              <a:effectRef idx="0">
+                <a:schemeClr val="accent1"/>
+              </a:effectRef>
+              <a:fontRef idx="minor">
+                <a:schemeClr val="lt1"/>
+              </a:fontRef>
+            </p:style>
+            <p:txBody>
+              <a:bodyPr rtlCol="0" anchor="ctr"/>
+              <a:lstStyle/>
+              <a:p>
+                <a:pPr algn="ctr"/>
+                <a:endParaRPr lang="en-US">
+                  <a:solidFill>
+                    <a:schemeClr val="tx1"/>
+                  </a:solidFill>
+                </a:endParaRPr>
+              </a:p>
+            </p:txBody>
+          </p:sp>
+          <p:sp>
+            <p:nvSpPr>
+              <p:cNvPr id="40" name="Oval 39"/>
+              <p:cNvSpPr/>
+              <p:nvPr/>
+            </p:nvSpPr>
+            <p:spPr>
+              <a:xfrm>
+                <a:off x="7171017" y="3950348"/>
+                <a:ext cx="365663" cy="365663"/>
+              </a:xfrm>
+              <a:prstGeom prst="ellipse">
+                <a:avLst/>
+              </a:prstGeom>
+              <a:noFill/>
+              <a:ln w="25400">
+                <a:solidFill>
+                  <a:srgbClr val="7030A0"/>
+                </a:solidFill>
+              </a:ln>
+            </p:spPr>
+            <p:style>
+              <a:lnRef idx="2">
+                <a:schemeClr val="accent1">
+                  <a:shade val="50000"/>
+                </a:schemeClr>
+              </a:lnRef>
+              <a:fillRef idx="1">
+                <a:schemeClr val="accent1"/>
+              </a:fillRef>
+              <a:effectRef idx="0">
+                <a:schemeClr val="accent1"/>
+              </a:effectRef>
+              <a:fontRef idx="minor">
+                <a:schemeClr val="lt1"/>
+              </a:fontRef>
+            </p:style>
+            <p:txBody>
+              <a:bodyPr rtlCol="0" anchor="ctr"/>
+              <a:lstStyle/>
+              <a:p>
+                <a:pPr algn="ctr"/>
+                <a:endParaRPr lang="en-US">
+                  <a:solidFill>
+                    <a:schemeClr val="tx1"/>
+                  </a:solidFill>
+                </a:endParaRPr>
+              </a:p>
+            </p:txBody>
+          </p:sp>
+          <p:sp>
+            <p:nvSpPr>
+              <p:cNvPr id="41" name="Oval 40"/>
+              <p:cNvSpPr/>
+              <p:nvPr/>
+            </p:nvSpPr>
+            <p:spPr>
+              <a:xfrm>
+                <a:off x="7603603" y="3950348"/>
+                <a:ext cx="365663" cy="365663"/>
+              </a:xfrm>
+              <a:prstGeom prst="ellipse">
+                <a:avLst/>
+              </a:prstGeom>
+              <a:noFill/>
+              <a:ln w="25400">
+                <a:solidFill>
+                  <a:srgbClr val="7030A0"/>
+                </a:solidFill>
+              </a:ln>
+            </p:spPr>
+            <p:style>
+              <a:lnRef idx="2">
+                <a:schemeClr val="accent1">
+                  <a:shade val="50000"/>
+                </a:schemeClr>
+              </a:lnRef>
+              <a:fillRef idx="1">
+                <a:schemeClr val="accent1"/>
+              </a:fillRef>
+              <a:effectRef idx="0">
+                <a:schemeClr val="accent1"/>
+              </a:effectRef>
+              <a:fontRef idx="minor">
+                <a:schemeClr val="lt1"/>
+              </a:fontRef>
+            </p:style>
+            <p:txBody>
+              <a:bodyPr rtlCol="0" anchor="ctr"/>
+              <a:lstStyle/>
+              <a:p>
+                <a:pPr algn="ctr"/>
+                <a:endParaRPr lang="en-US">
+                  <a:solidFill>
+                    <a:schemeClr val="tx1"/>
+                  </a:solidFill>
+                </a:endParaRPr>
+              </a:p>
+            </p:txBody>
+          </p:sp>
+          <p:sp>
+            <p:nvSpPr>
+              <p:cNvPr id="42" name="Oval 41"/>
+              <p:cNvSpPr/>
+              <p:nvPr/>
+            </p:nvSpPr>
+            <p:spPr>
+              <a:xfrm>
+                <a:off x="5873259" y="3950348"/>
+                <a:ext cx="365663" cy="365663"/>
+              </a:xfrm>
+              <a:prstGeom prst="ellipse">
+                <a:avLst/>
+              </a:prstGeom>
+              <a:noFill/>
+              <a:ln w="25400">
+                <a:solidFill>
+                  <a:srgbClr val="7030A0"/>
+                </a:solidFill>
+              </a:ln>
+            </p:spPr>
+            <p:style>
+              <a:lnRef idx="2">
+                <a:schemeClr val="accent1">
+                  <a:shade val="50000"/>
+                </a:schemeClr>
+              </a:lnRef>
+              <a:fillRef idx="1">
+                <a:schemeClr val="accent1"/>
+              </a:fillRef>
+              <a:effectRef idx="0">
+                <a:schemeClr val="accent1"/>
+              </a:effectRef>
+              <a:fontRef idx="minor">
+                <a:schemeClr val="lt1"/>
+              </a:fontRef>
+            </p:style>
+            <p:txBody>
+              <a:bodyPr rtlCol="0" anchor="ctr"/>
+              <a:lstStyle/>
+              <a:p>
+                <a:pPr algn="ctr"/>
+                <a:endParaRPr lang="en-US">
+                  <a:solidFill>
+                    <a:schemeClr val="tx1"/>
+                  </a:solidFill>
+                </a:endParaRPr>
+              </a:p>
+            </p:txBody>
+          </p:sp>
+          <p:sp>
+            <p:nvSpPr>
+              <p:cNvPr id="43" name="Rectangle 42"/>
+              <p:cNvSpPr/>
+              <p:nvPr/>
+            </p:nvSpPr>
+            <p:spPr>
+              <a:xfrm>
+                <a:off x="5838484" y="3917173"/>
+                <a:ext cx="2169328" cy="441544"/>
+              </a:xfrm>
+              <a:prstGeom prst="rect">
+                <a:avLst/>
+              </a:prstGeom>
+              <a:noFill/>
+              <a:ln w="25400">
+                <a:solidFill>
+                  <a:srgbClr val="7030A0"/>
+                </a:solidFill>
+              </a:ln>
+            </p:spPr>
+            <p:style>
+              <a:lnRef idx="2">
+                <a:schemeClr val="accent1">
+                  <a:shade val="50000"/>
+                </a:schemeClr>
+              </a:lnRef>
+              <a:fillRef idx="1">
+                <a:schemeClr val="accent1"/>
+              </a:fillRef>
+              <a:effectRef idx="0">
+                <a:schemeClr val="accent1"/>
+              </a:effectRef>
+              <a:fontRef idx="minor">
+                <a:schemeClr val="lt1"/>
+              </a:fontRef>
+            </p:style>
+            <p:txBody>
+              <a:bodyPr rtlCol="0" anchor="ctr"/>
+              <a:lstStyle/>
+              <a:p>
+                <a:pPr algn="ctr"/>
+                <a:endParaRPr lang="en-US">
+                  <a:solidFill>
+                    <a:schemeClr val="tx1"/>
+                  </a:solidFill>
+                </a:endParaRPr>
+              </a:p>
+            </p:txBody>
+          </p:sp>
+        </p:grpSp>
+        <p:grpSp>
+          <p:nvGrpSpPr>
+            <p:cNvPr id="29" name="Group 28"/>
+            <p:cNvGrpSpPr/>
+            <p:nvPr/>
+          </p:nvGrpSpPr>
+          <p:grpSpPr>
+            <a:xfrm>
+              <a:off x="9478481" y="3600082"/>
+              <a:ext cx="1755761" cy="357367"/>
+              <a:chOff x="5838484" y="3917173"/>
+              <a:chExt cx="2169328" cy="441544"/>
+            </a:xfrm>
+          </p:grpSpPr>
+          <p:sp>
+            <p:nvSpPr>
+              <p:cNvPr id="32" name="Oval 31"/>
+              <p:cNvSpPr/>
+              <p:nvPr/>
+            </p:nvSpPr>
+            <p:spPr>
+              <a:xfrm>
+                <a:off x="6305845" y="3950348"/>
+                <a:ext cx="365663" cy="365663"/>
+              </a:xfrm>
+              <a:prstGeom prst="ellipse">
+                <a:avLst/>
+              </a:prstGeom>
+              <a:noFill/>
+              <a:ln w="25400">
+                <a:solidFill>
+                  <a:srgbClr val="7030A0"/>
+                </a:solidFill>
+              </a:ln>
+            </p:spPr>
+            <p:style>
+              <a:lnRef idx="2">
+                <a:schemeClr val="accent1">
+                  <a:shade val="50000"/>
+                </a:schemeClr>
+              </a:lnRef>
+              <a:fillRef idx="1">
+                <a:schemeClr val="accent1"/>
+              </a:fillRef>
+              <a:effectRef idx="0">
+                <a:schemeClr val="accent1"/>
+              </a:effectRef>
+              <a:fontRef idx="minor">
+                <a:schemeClr val="lt1"/>
+              </a:fontRef>
+            </p:style>
+            <p:txBody>
+              <a:bodyPr rtlCol="0" anchor="ctr"/>
+              <a:lstStyle/>
+              <a:p>
+                <a:pPr algn="ctr"/>
+                <a:endParaRPr lang="en-US" dirty="0" smtClean="0">
+                  <a:solidFill>
+                    <a:schemeClr val="tx1"/>
+                  </a:solidFill>
+                </a:endParaRPr>
+              </a:p>
+              <a:p>
+                <a:pPr algn="ctr"/>
+                <a:endParaRPr lang="en-US" dirty="0">
+                  <a:solidFill>
+                    <a:schemeClr val="tx1"/>
+                  </a:solidFill>
+                </a:endParaRPr>
+              </a:p>
+            </p:txBody>
+          </p:sp>
+          <p:sp>
+            <p:nvSpPr>
+              <p:cNvPr id="33" name="Oval 32"/>
+              <p:cNvSpPr/>
+              <p:nvPr/>
+            </p:nvSpPr>
+            <p:spPr>
+              <a:xfrm>
+                <a:off x="6738431" y="3950348"/>
+                <a:ext cx="365663" cy="365663"/>
+              </a:xfrm>
+              <a:prstGeom prst="ellipse">
+                <a:avLst/>
+              </a:prstGeom>
+              <a:noFill/>
+              <a:ln w="25400">
+                <a:solidFill>
+                  <a:srgbClr val="7030A0"/>
+                </a:solidFill>
+              </a:ln>
+            </p:spPr>
+            <p:style>
+              <a:lnRef idx="2">
+                <a:schemeClr val="accent1">
+                  <a:shade val="50000"/>
+                </a:schemeClr>
+              </a:lnRef>
+              <a:fillRef idx="1">
+                <a:schemeClr val="accent1"/>
+              </a:fillRef>
+              <a:effectRef idx="0">
+                <a:schemeClr val="accent1"/>
+              </a:effectRef>
+              <a:fontRef idx="minor">
+                <a:schemeClr val="lt1"/>
+              </a:fontRef>
+            </p:style>
+            <p:txBody>
+              <a:bodyPr rtlCol="0" anchor="ctr"/>
+              <a:lstStyle/>
+              <a:p>
+                <a:pPr algn="ctr"/>
+                <a:endParaRPr lang="en-US">
+                  <a:solidFill>
+                    <a:schemeClr val="tx1"/>
+                  </a:solidFill>
+                </a:endParaRPr>
+              </a:p>
+            </p:txBody>
+          </p:sp>
+          <p:sp>
+            <p:nvSpPr>
+              <p:cNvPr id="34" name="Oval 33"/>
+              <p:cNvSpPr/>
+              <p:nvPr/>
+            </p:nvSpPr>
+            <p:spPr>
+              <a:xfrm>
+                <a:off x="7171017" y="3950348"/>
+                <a:ext cx="365663" cy="365663"/>
+              </a:xfrm>
+              <a:prstGeom prst="ellipse">
+                <a:avLst/>
+              </a:prstGeom>
+              <a:noFill/>
+              <a:ln w="25400">
+                <a:solidFill>
+                  <a:srgbClr val="7030A0"/>
+                </a:solidFill>
+              </a:ln>
+            </p:spPr>
+            <p:style>
+              <a:lnRef idx="2">
+                <a:schemeClr val="accent1">
+                  <a:shade val="50000"/>
+                </a:schemeClr>
+              </a:lnRef>
+              <a:fillRef idx="1">
+                <a:schemeClr val="accent1"/>
+              </a:fillRef>
+              <a:effectRef idx="0">
+                <a:schemeClr val="accent1"/>
+              </a:effectRef>
+              <a:fontRef idx="minor">
+                <a:schemeClr val="lt1"/>
+              </a:fontRef>
+            </p:style>
+            <p:txBody>
+              <a:bodyPr rtlCol="0" anchor="ctr"/>
+              <a:lstStyle/>
+              <a:p>
+                <a:pPr algn="ctr"/>
+                <a:endParaRPr lang="en-US">
+                  <a:solidFill>
+                    <a:schemeClr val="tx1"/>
+                  </a:solidFill>
+                </a:endParaRPr>
+              </a:p>
+            </p:txBody>
+          </p:sp>
+          <p:sp>
+            <p:nvSpPr>
+              <p:cNvPr id="35" name="Oval 34"/>
+              <p:cNvSpPr/>
+              <p:nvPr/>
+            </p:nvSpPr>
+            <p:spPr>
+              <a:xfrm>
+                <a:off x="7603603" y="3950348"/>
+                <a:ext cx="365663" cy="365663"/>
+              </a:xfrm>
+              <a:prstGeom prst="ellipse">
+                <a:avLst/>
+              </a:prstGeom>
+              <a:noFill/>
+              <a:ln w="25400">
+                <a:solidFill>
+                  <a:srgbClr val="7030A0"/>
+                </a:solidFill>
+              </a:ln>
+            </p:spPr>
+            <p:style>
+              <a:lnRef idx="2">
+                <a:schemeClr val="accent1">
+                  <a:shade val="50000"/>
+                </a:schemeClr>
+              </a:lnRef>
+              <a:fillRef idx="1">
+                <a:schemeClr val="accent1"/>
+              </a:fillRef>
+              <a:effectRef idx="0">
+                <a:schemeClr val="accent1"/>
+              </a:effectRef>
+              <a:fontRef idx="minor">
+                <a:schemeClr val="lt1"/>
+              </a:fontRef>
+            </p:style>
+            <p:txBody>
+              <a:bodyPr rtlCol="0" anchor="ctr"/>
+              <a:lstStyle/>
+              <a:p>
+                <a:pPr algn="ctr"/>
+                <a:endParaRPr lang="en-US">
+                  <a:solidFill>
+                    <a:schemeClr val="tx1"/>
+                  </a:solidFill>
+                </a:endParaRPr>
+              </a:p>
+            </p:txBody>
+          </p:sp>
+          <p:sp>
+            <p:nvSpPr>
+              <p:cNvPr id="36" name="Oval 35"/>
+              <p:cNvSpPr/>
+              <p:nvPr/>
+            </p:nvSpPr>
+            <p:spPr>
+              <a:xfrm>
+                <a:off x="5873259" y="3950348"/>
+                <a:ext cx="365663" cy="365663"/>
+              </a:xfrm>
+              <a:prstGeom prst="ellipse">
+                <a:avLst/>
+              </a:prstGeom>
+              <a:noFill/>
+              <a:ln w="25400">
+                <a:solidFill>
+                  <a:srgbClr val="7030A0"/>
+                </a:solidFill>
+              </a:ln>
+            </p:spPr>
+            <p:style>
+              <a:lnRef idx="2">
+                <a:schemeClr val="accent1">
+                  <a:shade val="50000"/>
+                </a:schemeClr>
+              </a:lnRef>
+              <a:fillRef idx="1">
+                <a:schemeClr val="accent1"/>
+              </a:fillRef>
+              <a:effectRef idx="0">
+                <a:schemeClr val="accent1"/>
+              </a:effectRef>
+              <a:fontRef idx="minor">
+                <a:schemeClr val="lt1"/>
+              </a:fontRef>
+            </p:style>
+            <p:txBody>
+              <a:bodyPr rtlCol="0" anchor="ctr"/>
+              <a:lstStyle/>
+              <a:p>
+                <a:pPr algn="ctr"/>
+                <a:endParaRPr lang="en-US">
+                  <a:solidFill>
+                    <a:schemeClr val="tx1"/>
+                  </a:solidFill>
+                </a:endParaRPr>
+              </a:p>
+            </p:txBody>
+          </p:sp>
+          <p:sp>
+            <p:nvSpPr>
+              <p:cNvPr id="37" name="Rectangle 36"/>
+              <p:cNvSpPr/>
+              <p:nvPr/>
+            </p:nvSpPr>
+            <p:spPr>
+              <a:xfrm>
+                <a:off x="5838484" y="3917173"/>
+                <a:ext cx="2169328" cy="441544"/>
+              </a:xfrm>
+              <a:prstGeom prst="rect">
+                <a:avLst/>
+              </a:prstGeom>
+              <a:noFill/>
+              <a:ln w="25400">
+                <a:solidFill>
+                  <a:srgbClr val="7030A0"/>
+                </a:solidFill>
+              </a:ln>
+            </p:spPr>
+            <p:style>
+              <a:lnRef idx="2">
+                <a:schemeClr val="accent1">
+                  <a:shade val="50000"/>
+                </a:schemeClr>
+              </a:lnRef>
+              <a:fillRef idx="1">
+                <a:schemeClr val="accent1"/>
+              </a:fillRef>
+              <a:effectRef idx="0">
+                <a:schemeClr val="accent1"/>
+              </a:effectRef>
+              <a:fontRef idx="minor">
+                <a:schemeClr val="lt1"/>
+              </a:fontRef>
+            </p:style>
+            <p:txBody>
+              <a:bodyPr rtlCol="0" anchor="ctr"/>
+              <a:lstStyle/>
+              <a:p>
+                <a:pPr algn="ctr"/>
+                <a:endParaRPr lang="en-US">
+                  <a:solidFill>
+                    <a:schemeClr val="tx1"/>
+                  </a:solidFill>
+                </a:endParaRPr>
+              </a:p>
+            </p:txBody>
+          </p:sp>
+        </p:grpSp>
+        <p:cxnSp>
+          <p:nvCxnSpPr>
+            <p:cNvPr id="30" name="Straight Arrow Connector 29"/>
+            <p:cNvCxnSpPr/>
+            <p:nvPr/>
+          </p:nvCxnSpPr>
+          <p:spPr>
+            <a:xfrm flipV="1">
+              <a:off x="10356361" y="3957449"/>
+              <a:ext cx="0" cy="230954"/>
+            </a:xfrm>
+            <a:prstGeom prst="straightConnector1">
+              <a:avLst/>
+            </a:prstGeom>
+            <a:ln w="50800">
+              <a:solidFill>
+                <a:srgbClr val="00C6BA"/>
+              </a:solidFill>
+              <a:tailEnd type="triangle"/>
+            </a:ln>
+            <a:effectLst/>
+          </p:spPr>
+          <p:style>
+            <a:lnRef idx="2">
+              <a:schemeClr val="accent1"/>
+            </a:lnRef>
+            <a:fillRef idx="0">
+              <a:schemeClr val="accent1"/>
+            </a:fillRef>
+            <a:effectRef idx="1">
+              <a:schemeClr val="accent1"/>
+            </a:effectRef>
+            <a:fontRef idx="minor">
+              <a:schemeClr val="tx1"/>
+            </a:fontRef>
+          </p:style>
+        </p:cxnSp>
+        <p:sp>
+          <p:nvSpPr>
+            <p:cNvPr id="31" name="TextBox 30"/>
+            <p:cNvSpPr txBox="1"/>
+            <p:nvPr/>
+          </p:nvSpPr>
+          <p:spPr>
+            <a:xfrm>
+              <a:off x="10125683" y="3915423"/>
+              <a:ext cx="466794" cy="569387"/>
+            </a:xfrm>
+            <a:prstGeom prst="rect">
+              <a:avLst/>
+            </a:prstGeom>
+            <a:noFill/>
+            <a:ln>
+              <a:noFill/>
+            </a:ln>
+          </p:spPr>
+          <p:txBody>
+            <a:bodyPr wrap="none" rtlCol="0">
+              <a:spAutoFit/>
+            </a:bodyPr>
+            <a:lstStyle/>
+            <a:p>
+              <a:r>
+                <a:rPr lang="mr-IN" sz="3100" b="1" dirty="0" smtClean="0">
+                  <a:solidFill>
+                    <a:srgbClr val="7030A0"/>
+                  </a:solidFill>
+                  <a:latin typeface="+mn-lt"/>
+                </a:rPr>
+                <a:t>…</a:t>
+              </a:r>
+              <a:endParaRPr lang="en-US" sz="3100" b="1" dirty="0">
+                <a:solidFill>
+                  <a:srgbClr val="7030A0"/>
+                </a:solidFill>
+                <a:latin typeface="+mn-lt"/>
+              </a:endParaRPr>
+            </a:p>
+          </p:txBody>
+        </p:sp>
+        <p:sp>
+          <p:nvSpPr>
+            <p:cNvPr id="57" name="TextBox 56"/>
+            <p:cNvSpPr txBox="1"/>
+            <p:nvPr/>
+          </p:nvSpPr>
+          <p:spPr>
+            <a:xfrm>
+              <a:off x="11447886" y="6089513"/>
+              <a:ext cx="744114" cy="344710"/>
+            </a:xfrm>
+            <a:prstGeom prst="rect">
+              <a:avLst/>
+            </a:prstGeom>
+            <a:noFill/>
+            <a:ln w="28575">
+              <a:solidFill>
+                <a:schemeClr val="accent1"/>
+              </a:solidFill>
+              <a:prstDash val="sysDot"/>
+            </a:ln>
+          </p:spPr>
+          <p:txBody>
+            <a:bodyPr wrap="none" tIns="18288" rIns="91440" bIns="18288" rtlCol="0">
+              <a:spAutoFit/>
+            </a:bodyPr>
+            <a:lstStyle/>
+            <a:p>
+              <a:r>
+                <a:rPr lang="en-US" sz="2000" b="1" i="1" dirty="0" smtClean="0">
+                  <a:solidFill>
+                    <a:srgbClr val="0F6FC6"/>
+                  </a:solidFill>
+                  <a:latin typeface="+mn-lt"/>
+                </a:rPr>
+                <a:t>noise</a:t>
+              </a:r>
+              <a:endParaRPr lang="en-US" sz="2000" b="1" i="1" dirty="0">
+                <a:solidFill>
+                  <a:srgbClr val="0F6FC6"/>
+                </a:solidFill>
+                <a:latin typeface="+mn-lt"/>
+              </a:endParaRPr>
+            </a:p>
+          </p:txBody>
+        </p:sp>
+        <p:cxnSp>
+          <p:nvCxnSpPr>
+            <p:cNvPr id="58" name="Straight Arrow Connector 57"/>
+            <p:cNvCxnSpPr/>
+            <p:nvPr/>
+          </p:nvCxnSpPr>
+          <p:spPr>
+            <a:xfrm flipH="1" flipV="1">
+              <a:off x="11234242" y="5863207"/>
+              <a:ext cx="213644" cy="398661"/>
+            </a:xfrm>
+            <a:prstGeom prst="straightConnector1">
+              <a:avLst/>
+            </a:prstGeom>
+            <a:ln w="31750">
+              <a:solidFill>
+                <a:schemeClr val="accent1"/>
+              </a:solidFill>
+              <a:prstDash val="sysDot"/>
+              <a:tailEnd type="triangle"/>
+            </a:ln>
+            <a:effectLst/>
+          </p:spPr>
+          <p:style>
+            <a:lnRef idx="2">
+              <a:schemeClr val="accent1"/>
+            </a:lnRef>
+            <a:fillRef idx="0">
+              <a:schemeClr val="accent1"/>
+            </a:fillRef>
+            <a:effectRef idx="1">
+              <a:schemeClr val="accent1"/>
+            </a:effectRef>
+            <a:fontRef idx="minor">
+              <a:schemeClr val="tx1"/>
+            </a:fontRef>
+          </p:style>
+        </p:cxnSp>
+        <p:sp>
+          <p:nvSpPr>
+            <p:cNvPr id="59" name="Curved Right Arrow 58"/>
+            <p:cNvSpPr/>
+            <p:nvPr/>
+          </p:nvSpPr>
+          <p:spPr>
+            <a:xfrm rot="10800000" flipH="1">
+              <a:off x="8602126" y="3615700"/>
+              <a:ext cx="740780" cy="2891469"/>
+            </a:xfrm>
+            <a:prstGeom prst="curvedRightArrow">
+              <a:avLst/>
+            </a:prstGeom>
+            <a:solidFill>
+              <a:schemeClr val="bg1">
+                <a:lumMod val="65000"/>
+              </a:schemeClr>
+            </a:solidFill>
+            <a:ln w="25400">
+              <a:solidFill>
+                <a:schemeClr val="bg1">
+                  <a:lumMod val="65000"/>
+                </a:schemeClr>
+              </a:solidFill>
+            </a:ln>
+          </p:spPr>
+          <p:style>
+            <a:lnRef idx="2">
+              <a:schemeClr val="accent1">
+                <a:shade val="50000"/>
+              </a:schemeClr>
+            </a:lnRef>
+            <a:fillRef idx="1">
+              <a:schemeClr val="accent1"/>
+            </a:fillRef>
+            <a:effectRef idx="0">
+              <a:schemeClr val="accent1"/>
+            </a:effectRef>
+            <a:fontRef idx="minor">
+              <a:schemeClr val="lt1"/>
+            </a:fontRef>
+          </p:style>
+          <p:txBody>
+            <a:bodyPr rtlCol="0" anchor="ctr"/>
+            <a:lstStyle/>
+            <a:p>
+              <a:pPr algn="ctr"/>
+              <a:endParaRPr lang="en-US">
+                <a:solidFill>
+                  <a:schemeClr val="tx1"/>
+                </a:solidFill>
+              </a:endParaRPr>
+            </a:p>
+          </p:txBody>
+        </p:sp>
+        <p:sp>
+          <p:nvSpPr>
+            <p:cNvPr id="60" name="TextBox 59"/>
+            <p:cNvSpPr txBox="1"/>
+            <p:nvPr/>
+          </p:nvSpPr>
+          <p:spPr>
+            <a:xfrm rot="16200000">
+              <a:off x="7488237" y="4426062"/>
+              <a:ext cx="1679691" cy="400110"/>
+            </a:xfrm>
+            <a:prstGeom prst="rect">
+              <a:avLst/>
+            </a:prstGeom>
+            <a:noFill/>
+          </p:spPr>
+          <p:txBody>
+            <a:bodyPr wrap="none" rtlCol="0">
+              <a:spAutoFit/>
+            </a:bodyPr>
+            <a:lstStyle/>
+            <a:p>
+              <a:r>
+                <a:rPr lang="en-US" sz="2000" b="1" dirty="0" smtClean="0">
+                  <a:solidFill>
+                    <a:schemeClr val="bg1">
+                      <a:lumMod val="65000"/>
+                    </a:schemeClr>
+                  </a:solidFill>
+                  <a:latin typeface="+mn-lt"/>
+                </a:rPr>
+                <a:t>training signal</a:t>
+              </a:r>
+              <a:endParaRPr lang="en-US" sz="2000" b="1" dirty="0">
+                <a:solidFill>
+                  <a:schemeClr val="bg1">
+                    <a:lumMod val="65000"/>
+                  </a:schemeClr>
+                </a:solidFill>
+                <a:latin typeface="+mn-lt"/>
+              </a:endParaRPr>
+            </a:p>
+          </p:txBody>
+        </p:sp>
+        <p:grpSp>
+          <p:nvGrpSpPr>
+            <p:cNvPr id="69" name="Group 68"/>
+            <p:cNvGrpSpPr/>
+            <p:nvPr/>
+          </p:nvGrpSpPr>
+          <p:grpSpPr>
+            <a:xfrm>
+              <a:off x="9476954" y="6235973"/>
+              <a:ext cx="1755761" cy="357367"/>
+              <a:chOff x="9632407" y="5727866"/>
+              <a:chExt cx="1755761" cy="357367"/>
+            </a:xfrm>
+          </p:grpSpPr>
+          <p:sp>
+            <p:nvSpPr>
+              <p:cNvPr id="63" name="Oval 62"/>
+              <p:cNvSpPr/>
+              <p:nvPr/>
+            </p:nvSpPr>
+            <p:spPr>
+              <a:xfrm>
+                <a:off x="10010669" y="5754716"/>
+                <a:ext cx="295952" cy="295952"/>
+              </a:xfrm>
+              <a:prstGeom prst="ellipse">
+                <a:avLst/>
+              </a:prstGeom>
+              <a:noFill/>
+              <a:ln w="25400">
+                <a:solidFill>
+                  <a:srgbClr val="0000FF"/>
+                </a:solidFill>
+              </a:ln>
+            </p:spPr>
+            <p:style>
+              <a:lnRef idx="2">
+                <a:schemeClr val="accent1">
+                  <a:shade val="50000"/>
+                </a:schemeClr>
+              </a:lnRef>
+              <a:fillRef idx="1">
+                <a:schemeClr val="accent1"/>
+              </a:fillRef>
+              <a:effectRef idx="0">
+                <a:schemeClr val="accent1"/>
+              </a:effectRef>
+              <a:fontRef idx="minor">
+                <a:schemeClr val="lt1"/>
+              </a:fontRef>
+            </p:style>
+            <p:txBody>
+              <a:bodyPr rtlCol="0" anchor="ctr"/>
+              <a:lstStyle/>
+              <a:p>
+                <a:pPr algn="ctr"/>
+                <a:endParaRPr lang="en-US">
+                  <a:solidFill>
+                    <a:schemeClr val="tx1"/>
+                  </a:solidFill>
+                </a:endParaRPr>
+              </a:p>
+            </p:txBody>
+          </p:sp>
+          <p:sp>
+            <p:nvSpPr>
+              <p:cNvPr id="64" name="Oval 63"/>
+              <p:cNvSpPr/>
+              <p:nvPr/>
+            </p:nvSpPr>
+            <p:spPr>
+              <a:xfrm>
+                <a:off x="10360785" y="5754716"/>
+                <a:ext cx="295952" cy="295952"/>
+              </a:xfrm>
+              <a:prstGeom prst="ellipse">
+                <a:avLst/>
+              </a:prstGeom>
+              <a:noFill/>
+              <a:ln w="25400">
+                <a:solidFill>
+                  <a:srgbClr val="0000FF"/>
+                </a:solidFill>
+              </a:ln>
+            </p:spPr>
+            <p:style>
+              <a:lnRef idx="2">
+                <a:schemeClr val="accent1">
+                  <a:shade val="50000"/>
+                </a:schemeClr>
+              </a:lnRef>
+              <a:fillRef idx="1">
+                <a:schemeClr val="accent1"/>
+              </a:fillRef>
+              <a:effectRef idx="0">
+                <a:schemeClr val="accent1"/>
+              </a:effectRef>
+              <a:fontRef idx="minor">
+                <a:schemeClr val="lt1"/>
+              </a:fontRef>
+            </p:style>
+            <p:txBody>
+              <a:bodyPr rtlCol="0" anchor="ctr"/>
+              <a:lstStyle/>
+              <a:p>
+                <a:pPr algn="ctr"/>
+                <a:endParaRPr lang="en-US">
+                  <a:solidFill>
+                    <a:schemeClr val="tx1"/>
+                  </a:solidFill>
+                </a:endParaRPr>
+              </a:p>
+            </p:txBody>
+          </p:sp>
+          <p:sp>
+            <p:nvSpPr>
+              <p:cNvPr id="65" name="Oval 64"/>
+              <p:cNvSpPr/>
+              <p:nvPr/>
+            </p:nvSpPr>
+            <p:spPr>
+              <a:xfrm>
+                <a:off x="10710902" y="5754716"/>
+                <a:ext cx="295952" cy="295952"/>
+              </a:xfrm>
+              <a:prstGeom prst="ellipse">
+                <a:avLst/>
+              </a:prstGeom>
+              <a:noFill/>
+              <a:ln w="25400">
+                <a:solidFill>
+                  <a:srgbClr val="0000FF"/>
+                </a:solidFill>
+              </a:ln>
+            </p:spPr>
+            <p:style>
+              <a:lnRef idx="2">
+                <a:schemeClr val="accent1">
+                  <a:shade val="50000"/>
+                </a:schemeClr>
+              </a:lnRef>
+              <a:fillRef idx="1">
+                <a:schemeClr val="accent1"/>
+              </a:fillRef>
+              <a:effectRef idx="0">
+                <a:schemeClr val="accent1"/>
+              </a:effectRef>
+              <a:fontRef idx="minor">
+                <a:schemeClr val="lt1"/>
+              </a:fontRef>
+            </p:style>
+            <p:txBody>
+              <a:bodyPr rtlCol="0" anchor="ctr"/>
+              <a:lstStyle/>
+              <a:p>
+                <a:pPr algn="ctr"/>
+                <a:endParaRPr lang="en-US">
+                  <a:solidFill>
+                    <a:schemeClr val="tx1"/>
+                  </a:solidFill>
+                </a:endParaRPr>
+              </a:p>
+            </p:txBody>
+          </p:sp>
+          <p:sp>
+            <p:nvSpPr>
+              <p:cNvPr id="66" name="Oval 65"/>
+              <p:cNvSpPr/>
+              <p:nvPr/>
+            </p:nvSpPr>
+            <p:spPr>
+              <a:xfrm>
+                <a:off x="11061019" y="5754716"/>
+                <a:ext cx="295952" cy="295952"/>
+              </a:xfrm>
+              <a:prstGeom prst="ellipse">
+                <a:avLst/>
+              </a:prstGeom>
+              <a:noFill/>
+              <a:ln w="25400">
+                <a:solidFill>
+                  <a:srgbClr val="0000FF"/>
+                </a:solidFill>
+              </a:ln>
+            </p:spPr>
+            <p:style>
+              <a:lnRef idx="2">
+                <a:schemeClr val="accent1">
+                  <a:shade val="50000"/>
+                </a:schemeClr>
+              </a:lnRef>
+              <a:fillRef idx="1">
+                <a:schemeClr val="accent1"/>
+              </a:fillRef>
+              <a:effectRef idx="0">
+                <a:schemeClr val="accent1"/>
+              </a:effectRef>
+              <a:fontRef idx="minor">
+                <a:schemeClr val="lt1"/>
+              </a:fontRef>
+            </p:style>
+            <p:txBody>
+              <a:bodyPr rtlCol="0" anchor="ctr"/>
+              <a:lstStyle/>
+              <a:p>
+                <a:pPr algn="ctr"/>
+                <a:endParaRPr lang="en-US">
+                  <a:solidFill>
+                    <a:schemeClr val="tx1"/>
+                  </a:solidFill>
+                </a:endParaRPr>
+              </a:p>
+            </p:txBody>
+          </p:sp>
+          <p:sp>
+            <p:nvSpPr>
+              <p:cNvPr id="67" name="Oval 66"/>
+              <p:cNvSpPr/>
+              <p:nvPr/>
+            </p:nvSpPr>
+            <p:spPr>
+              <a:xfrm>
+                <a:off x="9660552" y="5754716"/>
+                <a:ext cx="295952" cy="295952"/>
+              </a:xfrm>
+              <a:prstGeom prst="ellipse">
+                <a:avLst/>
+              </a:prstGeom>
+              <a:noFill/>
+              <a:ln w="25400">
+                <a:solidFill>
+                  <a:srgbClr val="0000FF"/>
+                </a:solidFill>
+              </a:ln>
+            </p:spPr>
+            <p:style>
+              <a:lnRef idx="2">
+                <a:schemeClr val="accent1">
+                  <a:shade val="50000"/>
+                </a:schemeClr>
+              </a:lnRef>
+              <a:fillRef idx="1">
+                <a:schemeClr val="accent1"/>
+              </a:fillRef>
+              <a:effectRef idx="0">
+                <a:schemeClr val="accent1"/>
+              </a:effectRef>
+              <a:fontRef idx="minor">
+                <a:schemeClr val="lt1"/>
+              </a:fontRef>
+            </p:style>
+            <p:txBody>
+              <a:bodyPr rtlCol="0" anchor="ctr"/>
+              <a:lstStyle/>
+              <a:p>
+                <a:pPr algn="ctr"/>
+                <a:endParaRPr lang="en-US" dirty="0">
+                  <a:solidFill>
+                    <a:schemeClr val="tx1"/>
+                  </a:solidFill>
+                </a:endParaRPr>
+              </a:p>
+            </p:txBody>
+          </p:sp>
+          <p:sp>
+            <p:nvSpPr>
+              <p:cNvPr id="68" name="Rectangle 67"/>
+              <p:cNvSpPr/>
+              <p:nvPr/>
+            </p:nvSpPr>
+            <p:spPr>
+              <a:xfrm>
+                <a:off x="9632407" y="5727866"/>
+                <a:ext cx="1755761" cy="357367"/>
+              </a:xfrm>
+              <a:prstGeom prst="rect">
+                <a:avLst/>
+              </a:prstGeom>
+              <a:noFill/>
+              <a:ln w="25400">
+                <a:solidFill>
+                  <a:srgbClr val="0000FF"/>
+                </a:solidFill>
+              </a:ln>
+            </p:spPr>
+            <p:style>
+              <a:lnRef idx="2">
+                <a:schemeClr val="accent1">
+                  <a:shade val="50000"/>
+                </a:schemeClr>
+              </a:lnRef>
+              <a:fillRef idx="1">
+                <a:schemeClr val="accent1"/>
+              </a:fillRef>
+              <a:effectRef idx="0">
+                <a:schemeClr val="accent1"/>
+              </a:effectRef>
+              <a:fontRef idx="minor">
+                <a:schemeClr val="lt1"/>
+              </a:fontRef>
+            </p:style>
+            <p:txBody>
+              <a:bodyPr rtlCol="0" anchor="ctr"/>
+              <a:lstStyle/>
+              <a:p>
+                <a:pPr algn="ctr"/>
+                <a:endParaRPr lang="en-US">
+                  <a:solidFill>
+                    <a:schemeClr val="tx1"/>
+                  </a:solidFill>
+                </a:endParaRPr>
+              </a:p>
+            </p:txBody>
+          </p:sp>
+        </p:grpSp>
+      </p:grpSp>
+    </p:spTree>
+    <p:extLst>
+      <p:ext uri="{BB962C8B-B14F-4D97-AF65-F5344CB8AC3E}">
+        <p14:creationId xmlns:p14="http://schemas.microsoft.com/office/powerpoint/2010/main" val="529437809"/>
+      </p:ext>
+    </p:extLst>
+  </p:cSld>
+  <p:clrMapOvr>
+    <a:masterClrMapping/>
+  </p:clrMapOvr>
 </p:sld>
 </file>
 

--- a/talks/StateDenoisedRNNs.pptx
+++ b/talks/StateDenoisedRNNs.pptx
@@ -5,21 +5,24 @@
     <p:sldMasterId id="2147483660" r:id="rId1"/>
   </p:sldMasterIdLst>
   <p:notesMasterIdLst>
-    <p:notesMasterId r:id="rId14"/>
+    <p:notesMasterId r:id="rId17"/>
   </p:notesMasterIdLst>
   <p:sldIdLst>
-    <p:sldId id="436" r:id="rId2"/>
-    <p:sldId id="469" r:id="rId3"/>
-    <p:sldId id="470" r:id="rId4"/>
-    <p:sldId id="471" r:id="rId5"/>
-    <p:sldId id="444" r:id="rId6"/>
-    <p:sldId id="445" r:id="rId7"/>
-    <p:sldId id="446" r:id="rId8"/>
-    <p:sldId id="465" r:id="rId9"/>
-    <p:sldId id="466" r:id="rId10"/>
-    <p:sldId id="464" r:id="rId11"/>
-    <p:sldId id="467" r:id="rId12"/>
-    <p:sldId id="468" r:id="rId13"/>
+    <p:sldId id="473" r:id="rId2"/>
+    <p:sldId id="436" r:id="rId3"/>
+    <p:sldId id="469" r:id="rId4"/>
+    <p:sldId id="470" r:id="rId5"/>
+    <p:sldId id="471" r:id="rId6"/>
+    <p:sldId id="444" r:id="rId7"/>
+    <p:sldId id="445" r:id="rId8"/>
+    <p:sldId id="446" r:id="rId9"/>
+    <p:sldId id="465" r:id="rId10"/>
+    <p:sldId id="466" r:id="rId11"/>
+    <p:sldId id="464" r:id="rId12"/>
+    <p:sldId id="467" r:id="rId13"/>
+    <p:sldId id="468" r:id="rId14"/>
+    <p:sldId id="472" r:id="rId15"/>
+    <p:sldId id="474" r:id="rId16"/>
   </p:sldIdLst>
   <p:sldSz cx="12192000" cy="6858000"/>
   <p:notesSz cx="6858000" cy="9144000"/>
@@ -219,7 +222,7 @@
           <a:p>
             <a:fld id="{BF044F71-2A91-C84A-869D-4F4E1A19AFF8}" type="datetimeFigureOut">
               <a:rPr lang="en-US" smtClean="0"/>
-              <a:t>12/2/17</a:t>
+              <a:t>12/3/17</a:t>
             </a:fld>
             <a:endParaRPr lang="en-US"/>
           </a:p>
@@ -552,7 +555,7 @@
           <a:p>
             <a:fld id="{DA4B0918-989A-B147-B126-A98AEDAA35F6}" type="slidenum">
               <a:rPr lang="en-US" smtClean="0"/>
-              <a:t>7</a:t>
+              <a:t>8</a:t>
             </a:fld>
             <a:endParaRPr lang="en-US"/>
           </a:p>
@@ -572,6 +575,186 @@
 </file>
 
 <file path=ppt/notesSlides/notesSlide2.xml><?xml version="1.0" encoding="utf-8"?>
+<p:notes xmlns:a="http://schemas.openxmlformats.org/drawingml/2006/main" xmlns:r="http://schemas.openxmlformats.org/officeDocument/2006/relationships" xmlns:p="http://schemas.openxmlformats.org/presentationml/2006/main">
+  <p:cSld>
+    <p:spTree>
+      <p:nvGrpSpPr>
+        <p:cNvPr id="1" name=""/>
+        <p:cNvGrpSpPr/>
+        <p:nvPr/>
+      </p:nvGrpSpPr>
+      <p:grpSpPr>
+        <a:xfrm>
+          <a:off x="0" y="0"/>
+          <a:ext cx="0" cy="0"/>
+          <a:chOff x="0" y="0"/>
+          <a:chExt cx="0" cy="0"/>
+        </a:xfrm>
+      </p:grpSpPr>
+      <p:sp>
+        <p:nvSpPr>
+          <p:cNvPr id="2" name="Slide Image Placeholder 1"/>
+          <p:cNvSpPr>
+            <a:spLocks noGrp="1" noRot="1" noChangeAspect="1"/>
+          </p:cNvSpPr>
+          <p:nvPr>
+            <p:ph type="sldImg"/>
+          </p:nvPr>
+        </p:nvSpPr>
+        <p:spPr/>
+      </p:sp>
+      <p:sp>
+        <p:nvSpPr>
+          <p:cNvPr id="3" name="Notes Placeholder 2"/>
+          <p:cNvSpPr>
+            <a:spLocks noGrp="1"/>
+          </p:cNvSpPr>
+          <p:nvPr>
+            <p:ph type="body" idx="1"/>
+          </p:nvPr>
+        </p:nvSpPr>
+        <p:spPr/>
+        <p:txBody>
+          <a:bodyPr/>
+          <a:lstStyle/>
+          <a:p>
+            <a:r>
+              <a:rPr lang="en-US" dirty="0" smtClean="0"/>
+              <a:t>5 steps in attractor net</a:t>
+            </a:r>
+            <a:endParaRPr lang="en-US" dirty="0"/>
+          </a:p>
+        </p:txBody>
+      </p:sp>
+      <p:sp>
+        <p:nvSpPr>
+          <p:cNvPr id="4" name="Slide Number Placeholder 3"/>
+          <p:cNvSpPr>
+            <a:spLocks noGrp="1"/>
+          </p:cNvSpPr>
+          <p:nvPr>
+            <p:ph type="sldNum" sz="quarter" idx="10"/>
+          </p:nvPr>
+        </p:nvSpPr>
+        <p:spPr/>
+        <p:txBody>
+          <a:bodyPr/>
+          <a:lstStyle/>
+          <a:p>
+            <a:fld id="{DA4B0918-989A-B147-B126-A98AEDAA35F6}" type="slidenum">
+              <a:rPr lang="en-US" smtClean="0"/>
+              <a:t>12</a:t>
+            </a:fld>
+            <a:endParaRPr lang="en-US"/>
+          </a:p>
+        </p:txBody>
+      </p:sp>
+    </p:spTree>
+    <p:extLst>
+      <p:ext uri="{BB962C8B-B14F-4D97-AF65-F5344CB8AC3E}">
+        <p14:creationId xmlns:p14="http://schemas.microsoft.com/office/powerpoint/2010/main" val="1803602681"/>
+      </p:ext>
+    </p:extLst>
+  </p:cSld>
+  <p:clrMapOvr>
+    <a:masterClrMapping/>
+  </p:clrMapOvr>
+</p:notes>
+</file>
+
+<file path=ppt/notesSlides/notesSlide3.xml><?xml version="1.0" encoding="utf-8"?>
+<p:notes xmlns:a="http://schemas.openxmlformats.org/drawingml/2006/main" xmlns:r="http://schemas.openxmlformats.org/officeDocument/2006/relationships" xmlns:p="http://schemas.openxmlformats.org/presentationml/2006/main">
+  <p:cSld>
+    <p:spTree>
+      <p:nvGrpSpPr>
+        <p:cNvPr id="1" name=""/>
+        <p:cNvGrpSpPr/>
+        <p:nvPr/>
+      </p:nvGrpSpPr>
+      <p:grpSpPr>
+        <a:xfrm>
+          <a:off x="0" y="0"/>
+          <a:ext cx="0" cy="0"/>
+          <a:chOff x="0" y="0"/>
+          <a:chExt cx="0" cy="0"/>
+        </a:xfrm>
+      </p:grpSpPr>
+      <p:sp>
+        <p:nvSpPr>
+          <p:cNvPr id="2" name="Slide Image Placeholder 1"/>
+          <p:cNvSpPr>
+            <a:spLocks noGrp="1" noRot="1" noChangeAspect="1"/>
+          </p:cNvSpPr>
+          <p:nvPr>
+            <p:ph type="sldImg"/>
+          </p:nvPr>
+        </p:nvSpPr>
+        <p:spPr/>
+      </p:sp>
+      <p:sp>
+        <p:nvSpPr>
+          <p:cNvPr id="3" name="Notes Placeholder 2"/>
+          <p:cNvSpPr>
+            <a:spLocks noGrp="1"/>
+          </p:cNvSpPr>
+          <p:nvPr>
+            <p:ph type="body" idx="1"/>
+          </p:nvPr>
+        </p:nvSpPr>
+        <p:spPr/>
+        <p:txBody>
+          <a:bodyPr/>
+          <a:lstStyle/>
+          <a:p>
+            <a:r>
+              <a:rPr lang="en-US" dirty="0" smtClean="0"/>
+              <a:t>stop</a:t>
+            </a:r>
+            <a:r>
+              <a:rPr lang="en-US" baseline="0" dirty="0" smtClean="0"/>
+              <a:t> training when 100% on training set</a:t>
+            </a:r>
+            <a:endParaRPr lang="en-US" dirty="0"/>
+          </a:p>
+        </p:txBody>
+      </p:sp>
+      <p:sp>
+        <p:nvSpPr>
+          <p:cNvPr id="4" name="Slide Number Placeholder 3"/>
+          <p:cNvSpPr>
+            <a:spLocks noGrp="1"/>
+          </p:cNvSpPr>
+          <p:nvPr>
+            <p:ph type="sldNum" sz="quarter" idx="10"/>
+          </p:nvPr>
+        </p:nvSpPr>
+        <p:spPr/>
+        <p:txBody>
+          <a:bodyPr/>
+          <a:lstStyle/>
+          <a:p>
+            <a:fld id="{DA4B0918-989A-B147-B126-A98AEDAA35F6}" type="slidenum">
+              <a:rPr lang="en-US" smtClean="0"/>
+              <a:t>13</a:t>
+            </a:fld>
+            <a:endParaRPr lang="en-US"/>
+          </a:p>
+        </p:txBody>
+      </p:sp>
+    </p:spTree>
+    <p:extLst>
+      <p:ext uri="{BB962C8B-B14F-4D97-AF65-F5344CB8AC3E}">
+        <p14:creationId xmlns:p14="http://schemas.microsoft.com/office/powerpoint/2010/main" val="643580287"/>
+      </p:ext>
+    </p:extLst>
+  </p:cSld>
+  <p:clrMapOvr>
+    <a:masterClrMapping/>
+  </p:clrMapOvr>
+</p:notes>
+</file>
+
+<file path=ppt/notesSlides/notesSlide4.xml><?xml version="1.0" encoding="utf-8"?>
 <p:notes xmlns:a="http://schemas.openxmlformats.org/drawingml/2006/main" xmlns:r="http://schemas.openxmlformats.org/officeDocument/2006/relationships" xmlns:p="http://schemas.openxmlformats.org/presentationml/2006/main">
   <p:cSld>
     <p:spTree>
@@ -636,7 +819,7 @@
           <a:p>
             <a:fld id="{DA4B0918-989A-B147-B126-A98AEDAA35F6}" type="slidenum">
               <a:rPr lang="en-US" smtClean="0"/>
-              <a:t>11</a:t>
+              <a:t>14</a:t>
             </a:fld>
             <a:endParaRPr lang="en-US"/>
           </a:p>
@@ -645,91 +828,7 @@
     </p:spTree>
     <p:extLst>
       <p:ext uri="{BB962C8B-B14F-4D97-AF65-F5344CB8AC3E}">
-        <p14:creationId xmlns:p14="http://schemas.microsoft.com/office/powerpoint/2010/main" val="1803602681"/>
-      </p:ext>
-    </p:extLst>
-  </p:cSld>
-  <p:clrMapOvr>
-    <a:masterClrMapping/>
-  </p:clrMapOvr>
-</p:notes>
-</file>
-
-<file path=ppt/notesSlides/notesSlide3.xml><?xml version="1.0" encoding="utf-8"?>
-<p:notes xmlns:a="http://schemas.openxmlformats.org/drawingml/2006/main" xmlns:r="http://schemas.openxmlformats.org/officeDocument/2006/relationships" xmlns:p="http://schemas.openxmlformats.org/presentationml/2006/main">
-  <p:cSld>
-    <p:spTree>
-      <p:nvGrpSpPr>
-        <p:cNvPr id="1" name=""/>
-        <p:cNvGrpSpPr/>
-        <p:nvPr/>
-      </p:nvGrpSpPr>
-      <p:grpSpPr>
-        <a:xfrm>
-          <a:off x="0" y="0"/>
-          <a:ext cx="0" cy="0"/>
-          <a:chOff x="0" y="0"/>
-          <a:chExt cx="0" cy="0"/>
-        </a:xfrm>
-      </p:grpSpPr>
-      <p:sp>
-        <p:nvSpPr>
-          <p:cNvPr id="2" name="Slide Image Placeholder 1"/>
-          <p:cNvSpPr>
-            <a:spLocks noGrp="1" noRot="1" noChangeAspect="1"/>
-          </p:cNvSpPr>
-          <p:nvPr>
-            <p:ph type="sldImg"/>
-          </p:nvPr>
-        </p:nvSpPr>
-        <p:spPr/>
-      </p:sp>
-      <p:sp>
-        <p:nvSpPr>
-          <p:cNvPr id="3" name="Notes Placeholder 2"/>
-          <p:cNvSpPr>
-            <a:spLocks noGrp="1"/>
-          </p:cNvSpPr>
-          <p:nvPr>
-            <p:ph type="body" idx="1"/>
-          </p:nvPr>
-        </p:nvSpPr>
-        <p:spPr/>
-        <p:txBody>
-          <a:bodyPr/>
-          <a:lstStyle/>
-          <a:p>
-            <a:endParaRPr lang="en-US" dirty="0"/>
-          </a:p>
-        </p:txBody>
-      </p:sp>
-      <p:sp>
-        <p:nvSpPr>
-          <p:cNvPr id="4" name="Slide Number Placeholder 3"/>
-          <p:cNvSpPr>
-            <a:spLocks noGrp="1"/>
-          </p:cNvSpPr>
-          <p:nvPr>
-            <p:ph type="sldNum" sz="quarter" idx="10"/>
-          </p:nvPr>
-        </p:nvSpPr>
-        <p:spPr/>
-        <p:txBody>
-          <a:bodyPr/>
-          <a:lstStyle/>
-          <a:p>
-            <a:fld id="{DA4B0918-989A-B147-B126-A98AEDAA35F6}" type="slidenum">
-              <a:rPr lang="en-US" smtClean="0"/>
-              <a:t>12</a:t>
-            </a:fld>
-            <a:endParaRPr lang="en-US"/>
-          </a:p>
-        </p:txBody>
-      </p:sp>
-    </p:spTree>
-    <p:extLst>
-      <p:ext uri="{BB962C8B-B14F-4D97-AF65-F5344CB8AC3E}">
-        <p14:creationId xmlns:p14="http://schemas.microsoft.com/office/powerpoint/2010/main" val="643580287"/>
+        <p14:creationId xmlns:p14="http://schemas.microsoft.com/office/powerpoint/2010/main" val="1517465697"/>
       </p:ext>
     </p:extLst>
   </p:cSld>
@@ -938,7 +1037,7 @@
                 </a:solidFill>
               </a:rPr>
               <a:pPr/>
-              <a:t>12/2/17</a:t>
+              <a:t>12/3/17</a:t>
             </a:fld>
             <a:endParaRPr lang="en-US">
               <a:solidFill>
@@ -1147,7 +1246,7 @@
                 </a:solidFill>
               </a:rPr>
               <a:pPr/>
-              <a:t>12/2/17</a:t>
+              <a:t>12/3/17</a:t>
             </a:fld>
             <a:endParaRPr lang="en-US">
               <a:solidFill>
@@ -1363,7 +1462,7 @@
                 </a:solidFill>
               </a:rPr>
               <a:pPr/>
-              <a:t>12/2/17</a:t>
+              <a:t>12/3/17</a:t>
             </a:fld>
             <a:endParaRPr lang="en-US">
               <a:solidFill>
@@ -2060,7 +2159,7 @@
                 </a:solidFill>
               </a:rPr>
               <a:pPr/>
-              <a:t>12/2/17</a:t>
+              <a:t>12/3/17</a:t>
             </a:fld>
             <a:endParaRPr lang="en-US">
               <a:solidFill>
@@ -2345,7 +2444,7 @@
                 </a:solidFill>
               </a:rPr>
               <a:pPr/>
-              <a:t>12/2/17</a:t>
+              <a:t>12/3/17</a:t>
             </a:fld>
             <a:endParaRPr lang="en-US">
               <a:solidFill>
@@ -2672,7 +2771,7 @@
                 </a:solidFill>
               </a:rPr>
               <a:pPr/>
-              <a:t>12/2/17</a:t>
+              <a:t>12/3/17</a:t>
             </a:fld>
             <a:endParaRPr lang="en-US">
               <a:solidFill>
@@ -3133,7 +3232,7 @@
                 </a:solidFill>
               </a:rPr>
               <a:pPr/>
-              <a:t>12/2/17</a:t>
+              <a:t>12/3/17</a:t>
             </a:fld>
             <a:endParaRPr lang="en-US">
               <a:solidFill>
@@ -3287,7 +3386,7 @@
                 </a:solidFill>
               </a:rPr>
               <a:pPr/>
-              <a:t>12/2/17</a:t>
+              <a:t>12/3/17</a:t>
             </a:fld>
             <a:endParaRPr lang="en-US">
               <a:solidFill>
@@ -3414,7 +3513,7 @@
                 </a:solidFill>
               </a:rPr>
               <a:pPr/>
-              <a:t>12/2/17</a:t>
+              <a:t>12/3/17</a:t>
             </a:fld>
             <a:endParaRPr lang="en-US">
               <a:solidFill>
@@ -3723,7 +3822,7 @@
                 </a:solidFill>
               </a:rPr>
               <a:pPr/>
-              <a:t>12/2/17</a:t>
+              <a:t>12/3/17</a:t>
             </a:fld>
             <a:endParaRPr lang="en-US">
               <a:solidFill>
@@ -4012,7 +4111,7 @@
                 </a:solidFill>
               </a:rPr>
               <a:pPr/>
-              <a:t>12/2/17</a:t>
+              <a:t>12/3/17</a:t>
             </a:fld>
             <a:endParaRPr lang="en-US">
               <a:solidFill>
@@ -4266,7 +4365,7 @@
                   <a:spcPct val="41000"/>
                 </a:lnSpc>
               </a:pPr>
-              <a:t>12/2/17</a:t>
+              <a:t>12/3/17</a:t>
             </a:fld>
             <a:endParaRPr lang="en-US">
               <a:solidFill>
@@ -4711,6 +4810,155 @@
       </p:grpSpPr>
       <p:sp>
         <p:nvSpPr>
+          <p:cNvPr id="4" name="Title 3"/>
+          <p:cNvSpPr>
+            <a:spLocks noGrp="1"/>
+          </p:cNvSpPr>
+          <p:nvPr>
+            <p:ph type="ctrTitle"/>
+          </p:nvPr>
+        </p:nvSpPr>
+        <p:spPr/>
+        <p:txBody>
+          <a:bodyPr/>
+          <a:lstStyle/>
+          <a:p>
+            <a:r>
+              <a:rPr lang="en-US" dirty="0" smtClean="0"/>
+              <a:t>Access </a:t>
+            </a:r>
+            <a:r>
+              <a:rPr lang="en-US" smtClean="0"/>
+              <a:t>Consciousness and</a:t>
+            </a:r>
+            <a:br>
+              <a:rPr lang="en-US" smtClean="0"/>
+            </a:br>
+            <a:r>
+              <a:rPr lang="en-US" smtClean="0"/>
+              <a:t>the </a:t>
+            </a:r>
+            <a:r>
+              <a:rPr lang="en-US" dirty="0" smtClean="0"/>
+              <a:t>Construction of </a:t>
+            </a:r>
+            <a:r>
+              <a:rPr lang="en-US" smtClean="0"/>
+              <a:t>Actionable Representations</a:t>
+            </a:r>
+            <a:endParaRPr lang="en-US"/>
+          </a:p>
+        </p:txBody>
+      </p:sp>
+      <p:sp>
+        <p:nvSpPr>
+          <p:cNvPr id="5" name="Subtitle 4"/>
+          <p:cNvSpPr>
+            <a:spLocks noGrp="1"/>
+          </p:cNvSpPr>
+          <p:nvPr>
+            <p:ph type="subTitle" idx="1"/>
+          </p:nvPr>
+        </p:nvSpPr>
+        <p:spPr/>
+        <p:txBody>
+          <a:bodyPr/>
+          <a:lstStyle/>
+          <a:p>
+            <a:r>
+              <a:rPr lang="en-US" dirty="0" smtClean="0">
+                <a:solidFill>
+                  <a:schemeClr val="tx1"/>
+                </a:solidFill>
+              </a:rPr>
+              <a:t>Michael C. </a:t>
+            </a:r>
+            <a:r>
+              <a:rPr lang="en-US" dirty="0" err="1" smtClean="0">
+                <a:solidFill>
+                  <a:schemeClr val="tx1"/>
+                </a:solidFill>
+              </a:rPr>
+              <a:t>Mozer</a:t>
+            </a:r>
+            <a:r>
+              <a:rPr lang="en-US" dirty="0">
+                <a:solidFill>
+                  <a:schemeClr val="tx1"/>
+                </a:solidFill>
+              </a:rPr>
+              <a:t> </a:t>
+            </a:r>
+            <a:r>
+              <a:rPr lang="en-US" dirty="0" smtClean="0">
+                <a:solidFill>
+                  <a:schemeClr val="tx1"/>
+                </a:solidFill>
+              </a:rPr>
+              <a:t>and Denis </a:t>
+            </a:r>
+            <a:r>
+              <a:rPr lang="en-US" dirty="0" err="1" smtClean="0">
+                <a:solidFill>
+                  <a:schemeClr val="tx1"/>
+                </a:solidFill>
+              </a:rPr>
+              <a:t>Kazakov</a:t>
+            </a:r>
+            <a:r>
+              <a:rPr lang="en-US" dirty="0" smtClean="0"/>
+              <a:t/>
+            </a:r>
+            <a:br>
+              <a:rPr lang="en-US" dirty="0" smtClean="0"/>
+            </a:br>
+            <a:r>
+              <a:rPr lang="en-US" dirty="0" smtClean="0"/>
+              <a:t>Department of Computer Science</a:t>
+            </a:r>
+            <a:br>
+              <a:rPr lang="en-US" dirty="0" smtClean="0"/>
+            </a:br>
+            <a:r>
+              <a:rPr lang="en-US" dirty="0" smtClean="0"/>
+              <a:t>University of Colorado at  Boulder</a:t>
+            </a:r>
+            <a:endParaRPr lang="en-US" dirty="0"/>
+          </a:p>
+        </p:txBody>
+      </p:sp>
+    </p:spTree>
+    <p:extLst>
+      <p:ext uri="{BB962C8B-B14F-4D97-AF65-F5344CB8AC3E}">
+        <p14:creationId xmlns:p14="http://schemas.microsoft.com/office/powerpoint/2010/main" val="1387967188"/>
+      </p:ext>
+    </p:extLst>
+  </p:cSld>
+  <p:clrMapOvr>
+    <a:masterClrMapping/>
+  </p:clrMapOvr>
+</p:sld>
+</file>
+
+<file path=ppt/slides/slide10.xml><?xml version="1.0" encoding="utf-8"?>
+<p:sld xmlns:a="http://schemas.openxmlformats.org/drawingml/2006/main" xmlns:r="http://schemas.openxmlformats.org/officeDocument/2006/relationships" xmlns:p="http://schemas.openxmlformats.org/presentationml/2006/main">
+  <p:cSld>
+    <p:spTree>
+      <p:nvGrpSpPr>
+        <p:cNvPr id="1" name=""/>
+        <p:cNvGrpSpPr/>
+        <p:nvPr/>
+      </p:nvGrpSpPr>
+      <p:grpSpPr>
+        <a:xfrm>
+          <a:off x="0" y="0"/>
+          <a:ext cx="0" cy="0"/>
+          <a:chOff x="0" y="0"/>
+          <a:chExt cx="0" cy="0"/>
+        </a:xfrm>
+      </p:grpSpPr>
+      <p:sp>
+        <p:nvSpPr>
           <p:cNvPr id="2" name="Title 1"/>
           <p:cNvSpPr>
             <a:spLocks noGrp="1"/>
@@ -4726,97 +4974,3340 @@
           <a:p>
             <a:r>
               <a:rPr lang="en-US" dirty="0" smtClean="0"/>
-              <a:t>State-</a:t>
-            </a:r>
-            <a:r>
-              <a:rPr lang="en-US" dirty="0" err="1" smtClean="0"/>
-              <a:t>Denoised</a:t>
-            </a:r>
-            <a:r>
-              <a:rPr lang="en-US" smtClean="0"/>
-              <a:t> RNNs</a:t>
+              <a:t>Training Attractor Net</a:t>
             </a:r>
             <a:endParaRPr lang="en-US" dirty="0"/>
           </a:p>
         </p:txBody>
       </p:sp>
-      <p:sp>
-        <p:nvSpPr>
-          <p:cNvPr id="3" name="Content Placeholder 2"/>
-          <p:cNvSpPr>
-            <a:spLocks noGrp="1"/>
-          </p:cNvSpPr>
-          <p:nvPr>
-            <p:ph idx="1"/>
-          </p:nvPr>
-        </p:nvSpPr>
-        <p:spPr/>
-        <p:txBody>
-          <a:bodyPr/>
-          <a:lstStyle/>
-          <a:p>
-            <a:r>
-              <a:rPr lang="en-US" dirty="0" smtClean="0"/>
-              <a:t>Analog to </a:t>
-            </a:r>
-            <a:r>
-              <a:rPr lang="en-US" dirty="0" err="1" smtClean="0"/>
-              <a:t>denoising</a:t>
-            </a:r>
-            <a:r>
-              <a:rPr lang="en-US" dirty="0" smtClean="0"/>
-              <a:t> </a:t>
-            </a:r>
-            <a:r>
-              <a:rPr lang="en-US" dirty="0" err="1" smtClean="0"/>
-              <a:t>autoencoders</a:t>
-            </a:r>
-            <a:endParaRPr lang="en-US" dirty="0" smtClean="0"/>
-          </a:p>
-          <a:p>
-            <a:pPr lvl="1"/>
-            <a:r>
-              <a:rPr lang="en-US" dirty="0" smtClean="0"/>
-              <a:t>noise robustness</a:t>
-            </a:r>
-          </a:p>
-          <a:p>
-            <a:r>
-              <a:rPr lang="en-US" dirty="0" smtClean="0"/>
-              <a:t>Why is noise in RNNs so devastating?</a:t>
-            </a:r>
-          </a:p>
-          <a:p>
-            <a:pPr lvl="1"/>
-            <a:r>
-              <a:rPr lang="en-US" dirty="0" smtClean="0"/>
-              <a:t>it amplifies over time</a:t>
-            </a:r>
-            <a:endParaRPr lang="en-US" dirty="0"/>
-          </a:p>
-        </p:txBody>
-      </p:sp>
+      <mc:AlternateContent xmlns:mc="http://schemas.openxmlformats.org/markup-compatibility/2006" xmlns:a14="http://schemas.microsoft.com/office/drawing/2010/main">
+        <mc:Choice Requires="a14">
+          <p:sp>
+            <p:nvSpPr>
+              <p:cNvPr id="3" name="Content Placeholder 2"/>
+              <p:cNvSpPr>
+                <a:spLocks noGrp="1"/>
+              </p:cNvSpPr>
+              <p:nvPr>
+                <p:ph idx="1"/>
+              </p:nvPr>
+            </p:nvSpPr>
+            <p:spPr/>
+            <p:txBody>
+              <a:bodyPr/>
+              <a:lstStyle/>
+              <a:p>
+                <a:r>
+                  <a:rPr lang="en-US" dirty="0" smtClean="0">
+                    <a:solidFill>
+                      <a:schemeClr val="tx1"/>
+                    </a:solidFill>
+                  </a:rPr>
+                  <a:t>Given set of target attractors, </a:t>
+                </a:r>
+                <a14:m>
+                  <m:oMath xmlns:m="http://schemas.openxmlformats.org/officeDocument/2006/math">
+                    <m:d>
+                      <m:dPr>
+                        <m:begChr m:val="{"/>
+                        <m:endChr m:val="}"/>
+                        <m:ctrlPr>
+                          <a:rPr lang="en-US" b="1" i="1" smtClean="0">
+                            <a:solidFill>
+                              <a:schemeClr val="tx1"/>
+                            </a:solidFill>
+                            <a:latin typeface="Cambria Math" charset="0"/>
+                          </a:rPr>
+                        </m:ctrlPr>
+                      </m:dPr>
+                      <m:e>
+                        <m:sSub>
+                          <m:sSubPr>
+                            <m:ctrlPr>
+                              <a:rPr lang="en-US" b="1" i="1" smtClean="0">
+                                <a:solidFill>
+                                  <a:schemeClr val="tx1"/>
+                                </a:solidFill>
+                                <a:latin typeface="Cambria Math" charset="0"/>
+                              </a:rPr>
+                            </m:ctrlPr>
+                          </m:sSubPr>
+                          <m:e>
+                            <m:r>
+                              <a:rPr lang="en-US" b="1" i="1" smtClean="0">
+                                <a:solidFill>
+                                  <a:schemeClr val="tx1"/>
+                                </a:solidFill>
+                                <a:latin typeface="Cambria Math" charset="0"/>
+                              </a:rPr>
+                              <m:t>𝝃</m:t>
+                            </m:r>
+                          </m:e>
+                          <m:sub>
+                            <m:r>
+                              <a:rPr lang="en-US" b="1" i="1" smtClean="0">
+                                <a:solidFill>
+                                  <a:schemeClr val="tx1"/>
+                                </a:solidFill>
+                                <a:latin typeface="Cambria Math" charset="0"/>
+                              </a:rPr>
+                              <m:t>𝟏</m:t>
+                            </m:r>
+                          </m:sub>
+                        </m:sSub>
+                        <m:r>
+                          <a:rPr lang="en-US" b="1" i="1" smtClean="0">
+                            <a:solidFill>
+                              <a:schemeClr val="tx1"/>
+                            </a:solidFill>
+                            <a:latin typeface="Cambria Math" charset="0"/>
+                          </a:rPr>
+                          <m:t>, …, </m:t>
+                        </m:r>
+                        <m:sSub>
+                          <m:sSubPr>
+                            <m:ctrlPr>
+                              <a:rPr lang="en-US" b="1" i="1" smtClean="0">
+                                <a:solidFill>
+                                  <a:schemeClr val="tx1"/>
+                                </a:solidFill>
+                                <a:latin typeface="Cambria Math" charset="0"/>
+                              </a:rPr>
+                            </m:ctrlPr>
+                          </m:sSubPr>
+                          <m:e>
+                            <m:r>
+                              <a:rPr lang="en-US" b="1" i="1" smtClean="0">
+                                <a:solidFill>
+                                  <a:schemeClr val="tx1"/>
+                                </a:solidFill>
+                                <a:latin typeface="Cambria Math" charset="0"/>
+                              </a:rPr>
+                              <m:t>𝝃</m:t>
+                            </m:r>
+                          </m:e>
+                          <m:sub>
+                            <m:r>
+                              <a:rPr lang="en-US" b="1" i="1" smtClean="0">
+                                <a:solidFill>
+                                  <a:schemeClr val="tx1"/>
+                                </a:solidFill>
+                                <a:latin typeface="Cambria Math" charset="0"/>
+                              </a:rPr>
+                              <m:t>𝒏</m:t>
+                            </m:r>
+                          </m:sub>
+                        </m:sSub>
+                      </m:e>
+                    </m:d>
+                  </m:oMath>
+                </a14:m>
+                <a:endParaRPr lang="en-US" b="1" dirty="0" smtClean="0">
+                  <a:solidFill>
+                    <a:schemeClr val="tx1"/>
+                  </a:solidFill>
+                </a:endParaRPr>
+              </a:p>
+              <a:p>
+                <a:r>
+                  <a:rPr lang="en-US" dirty="0" smtClean="0">
+                    <a:solidFill>
+                      <a:schemeClr val="tx1"/>
+                    </a:solidFill>
+                  </a:rPr>
+                  <a:t>Input is corrupted attractor state</a:t>
+                </a:r>
+              </a:p>
+              <a:p>
+                <a:pPr lvl="1"/>
+                <a14:m>
+                  <m:oMath xmlns:m="http://schemas.openxmlformats.org/officeDocument/2006/math">
+                    <m:r>
+                      <a:rPr lang="en-US" b="1" i="1" smtClean="0">
+                        <a:solidFill>
+                          <a:srgbClr val="A50002"/>
+                        </a:solidFill>
+                        <a:latin typeface="Cambria Math" charset="0"/>
+                      </a:rPr>
+                      <m:t>𝒙</m:t>
+                    </m:r>
+                    <m:r>
+                      <a:rPr lang="en-US" b="1" i="1" smtClean="0">
+                        <a:latin typeface="Cambria Math" charset="0"/>
+                      </a:rPr>
+                      <m:t>=</m:t>
+                    </m:r>
+                    <m:sSup>
+                      <m:sSupPr>
+                        <m:ctrlPr>
+                          <a:rPr lang="en-US" i="1">
+                            <a:latin typeface="Cambria Math" charset="0"/>
+                          </a:rPr>
+                        </m:ctrlPr>
+                      </m:sSupPr>
+                      <m:e>
+                        <m:r>
+                          <a:rPr lang="en-US" b="1" i="1" smtClean="0">
+                            <a:latin typeface="Cambria Math" charset="0"/>
+                          </a:rPr>
+                          <m:t>𝝈</m:t>
+                        </m:r>
+                        <m:r>
+                          <a:rPr lang="en-US" b="1" i="1" smtClean="0">
+                            <a:latin typeface="Cambria Math" charset="0"/>
+                          </a:rPr>
+                          <m:t>(</m:t>
+                        </m:r>
+                        <m:r>
+                          <a:rPr lang="en-US" i="1">
+                            <a:latin typeface="Cambria Math" charset="0"/>
+                          </a:rPr>
+                          <m:t>𝝈</m:t>
+                        </m:r>
+                      </m:e>
+                      <m:sup>
+                        <m:r>
+                          <a:rPr lang="en-US" i="1">
+                            <a:latin typeface="Cambria Math" charset="0"/>
+                          </a:rPr>
+                          <m:t>−</m:t>
+                        </m:r>
+                        <m:r>
+                          <a:rPr lang="en-US" i="1">
+                            <a:latin typeface="Cambria Math" charset="0"/>
+                          </a:rPr>
+                          <m:t>𝟏</m:t>
+                        </m:r>
+                      </m:sup>
+                    </m:sSup>
+                    <m:r>
+                      <a:rPr lang="en-US" i="1">
+                        <a:latin typeface="Cambria Math" charset="0"/>
+                      </a:rPr>
+                      <m:t>(</m:t>
+                    </m:r>
+                    <m:r>
+                      <a:rPr lang="en-US" b="1" i="1" smtClean="0">
+                        <a:solidFill>
+                          <a:srgbClr val="0000FF"/>
+                        </a:solidFill>
+                        <a:latin typeface="Cambria Math" charset="0"/>
+                      </a:rPr>
+                      <m:t>𝝃</m:t>
+                    </m:r>
+                    <m:r>
+                      <a:rPr lang="en-US" i="1">
+                        <a:latin typeface="Cambria Math" charset="0"/>
+                      </a:rPr>
+                      <m:t>)</m:t>
+                    </m:r>
+                    <m:r>
+                      <a:rPr lang="en-US" b="1" i="1" smtClean="0">
+                        <a:latin typeface="Cambria Math" charset="0"/>
+                      </a:rPr>
+                      <m:t>+</m:t>
+                    </m:r>
+                    <m:r>
+                      <a:rPr lang="en-US" b="1" i="1" smtClean="0">
+                        <a:latin typeface="Cambria Math" charset="0"/>
+                      </a:rPr>
+                      <m:t>𝜼</m:t>
+                    </m:r>
+                    <m:r>
+                      <a:rPr lang="en-US" b="1" i="0" smtClean="0">
+                        <a:latin typeface="Cambria Math" charset="0"/>
+                      </a:rPr>
+                      <m:t>)</m:t>
+                    </m:r>
+                  </m:oMath>
+                </a14:m>
+                <a:r>
+                  <a:rPr lang="en-US" dirty="0" smtClean="0"/>
+                  <a:t>  where  </a:t>
+                </a:r>
+                <a14:m>
+                  <m:oMath xmlns:m="http://schemas.openxmlformats.org/officeDocument/2006/math">
+                    <m:r>
+                      <a:rPr lang="en-US" b="1" i="1" smtClean="0">
+                        <a:latin typeface="Cambria Math" charset="0"/>
+                      </a:rPr>
+                      <m:t>𝜼</m:t>
+                    </m:r>
+                    <m:r>
+                      <a:rPr lang="en-US" b="1" i="1" smtClean="0">
+                        <a:latin typeface="Cambria Math" charset="0"/>
+                      </a:rPr>
+                      <m:t> ~ </m:t>
+                    </m:r>
+                    <m:r>
+                      <a:rPr lang="en-US" i="1">
+                        <a:latin typeface="Cambria Math" charset="0"/>
+                        <a:ea typeface="Cambria Math" charset="0"/>
+                        <a:cs typeface="Cambria Math" charset="0"/>
+                      </a:rPr>
+                      <m:t>𝓝</m:t>
+                    </m:r>
+                    <m:r>
+                      <a:rPr lang="en-US" i="1">
+                        <a:latin typeface="Cambria Math" charset="0"/>
+                      </a:rPr>
+                      <m:t>(</m:t>
+                    </m:r>
+                    <m:r>
+                      <a:rPr lang="en-US" i="1">
+                        <a:latin typeface="Cambria Math" charset="0"/>
+                      </a:rPr>
+                      <m:t>𝟎</m:t>
+                    </m:r>
+                    <m:r>
+                      <a:rPr lang="en-US" i="1">
+                        <a:latin typeface="Cambria Math" charset="0"/>
+                      </a:rPr>
+                      <m:t>,</m:t>
+                    </m:r>
+                    <m:r>
+                      <a:rPr lang="en-US" b="1" i="1" smtClean="0">
+                        <a:latin typeface="Cambria Math" charset="0"/>
+                      </a:rPr>
+                      <m:t>.</m:t>
+                    </m:r>
+                    <m:r>
+                      <a:rPr lang="en-US" b="1" i="1" smtClean="0">
+                        <a:latin typeface="Cambria Math" charset="0"/>
+                      </a:rPr>
+                      <m:t>𝟐</m:t>
+                    </m:r>
+                    <m:sSup>
+                      <m:sSupPr>
+                        <m:ctrlPr>
+                          <a:rPr lang="en-US" b="1" i="1" smtClean="0">
+                            <a:latin typeface="Cambria Math" charset="0"/>
+                          </a:rPr>
+                        </m:ctrlPr>
+                      </m:sSupPr>
+                      <m:e>
+                        <m:r>
+                          <a:rPr lang="en-US" b="1" i="1" smtClean="0">
+                            <a:latin typeface="Cambria Math" charset="0"/>
+                          </a:rPr>
+                          <m:t>𝟓</m:t>
+                        </m:r>
+                      </m:e>
+                      <m:sup>
+                        <m:r>
+                          <a:rPr lang="en-US" b="1" i="1" smtClean="0">
+                            <a:latin typeface="Cambria Math" charset="0"/>
+                          </a:rPr>
+                          <m:t>𝟐</m:t>
+                        </m:r>
+                      </m:sup>
+                    </m:sSup>
+                    <m:r>
+                      <a:rPr lang="en-US" i="1">
+                        <a:latin typeface="Cambria Math" charset="0"/>
+                      </a:rPr>
+                      <m:t>)</m:t>
+                    </m:r>
+                  </m:oMath>
+                </a14:m>
+                <a:endParaRPr lang="en-US" dirty="0" smtClean="0"/>
+              </a:p>
+              <a:p>
+                <a:r>
+                  <a:rPr lang="en-US" dirty="0" smtClean="0">
+                    <a:solidFill>
+                      <a:schemeClr val="tx1"/>
+                    </a:solidFill>
+                  </a:rPr>
+                  <a:t>Training objective</a:t>
+                </a:r>
+              </a:p>
+              <a:p>
+                <a:pPr lvl="1"/>
+                <a14:m>
+                  <m:oMath xmlns:m="http://schemas.openxmlformats.org/officeDocument/2006/math">
+                    <m:r>
+                      <a:rPr lang="en-US" b="1" i="1" smtClean="0">
+                        <a:latin typeface="Cambria Math" charset="0"/>
+                      </a:rPr>
+                      <m:t>𝑬</m:t>
+                    </m:r>
+                    <m:r>
+                      <a:rPr lang="en-US" b="1" i="1" smtClean="0">
+                        <a:latin typeface="Cambria Math" charset="0"/>
+                      </a:rPr>
+                      <m:t>=</m:t>
+                    </m:r>
+                    <m:sSup>
+                      <m:sSupPr>
+                        <m:ctrlPr>
+                          <a:rPr lang="en-US" i="1">
+                            <a:latin typeface="Cambria Math" charset="0"/>
+                          </a:rPr>
+                        </m:ctrlPr>
+                      </m:sSupPr>
+                      <m:e>
+                        <m:d>
+                          <m:dPr>
+                            <m:begChr m:val="|"/>
+                            <m:endChr m:val="|"/>
+                            <m:ctrlPr>
+                              <a:rPr lang="hr-HR" i="1">
+                                <a:latin typeface="Cambria Math" charset="0"/>
+                              </a:rPr>
+                            </m:ctrlPr>
+                          </m:dPr>
+                          <m:e>
+                            <m:sSub>
+                              <m:sSubPr>
+                                <m:ctrlPr>
+                                  <a:rPr lang="en-US" b="1" i="1" smtClean="0">
+                                    <a:solidFill>
+                                      <a:srgbClr val="7030A0"/>
+                                    </a:solidFill>
+                                    <a:latin typeface="Cambria Math" charset="0"/>
+                                  </a:rPr>
+                                </m:ctrlPr>
+                              </m:sSubPr>
+                              <m:e>
+                                <m:r>
+                                  <a:rPr lang="en-US" b="1" i="1" smtClean="0">
+                                    <a:solidFill>
+                                      <a:srgbClr val="7030A0"/>
+                                    </a:solidFill>
+                                    <a:latin typeface="Cambria Math" charset="0"/>
+                                  </a:rPr>
+                                  <m:t>𝒂</m:t>
+                                </m:r>
+                              </m:e>
+                              <m:sub>
+                                <m:r>
+                                  <a:rPr lang="en-US" b="1" i="1" smtClean="0">
+                                    <a:solidFill>
+                                      <a:srgbClr val="7030A0"/>
+                                    </a:solidFill>
+                                    <a:latin typeface="Cambria Math" charset="0"/>
+                                  </a:rPr>
+                                  <m:t>∞</m:t>
+                                </m:r>
+                              </m:sub>
+                            </m:sSub>
+                            <m:r>
+                              <a:rPr lang="en-US" i="1">
+                                <a:latin typeface="Cambria Math" charset="0"/>
+                              </a:rPr>
+                              <m:t>−</m:t>
+                            </m:r>
+                            <m:r>
+                              <a:rPr lang="en-US" b="1" i="1" smtClean="0">
+                                <a:solidFill>
+                                  <a:srgbClr val="0000FF"/>
+                                </a:solidFill>
+                                <a:latin typeface="Cambria Math" charset="0"/>
+                              </a:rPr>
+                              <m:t>𝝃</m:t>
+                            </m:r>
+                          </m:e>
+                        </m:d>
+                      </m:e>
+                      <m:sup>
+                        <m:r>
+                          <a:rPr lang="en-US" i="1">
+                            <a:latin typeface="Cambria Math" charset="0"/>
+                          </a:rPr>
+                          <m:t>𝟐</m:t>
+                        </m:r>
+                      </m:sup>
+                    </m:sSup>
+                    <m:r>
+                      <a:rPr lang="en-US" b="1" i="1" smtClean="0">
+                        <a:latin typeface="Cambria Math" charset="0"/>
+                      </a:rPr>
+                      <m:t>/</m:t>
+                    </m:r>
+                    <m:sSup>
+                      <m:sSupPr>
+                        <m:ctrlPr>
+                          <a:rPr lang="en-US" i="1">
+                            <a:latin typeface="Cambria Math" charset="0"/>
+                          </a:rPr>
+                        </m:ctrlPr>
+                      </m:sSupPr>
+                      <m:e>
+                        <m:d>
+                          <m:dPr>
+                            <m:begChr m:val="|"/>
+                            <m:endChr m:val="|"/>
+                            <m:ctrlPr>
+                              <a:rPr lang="hr-HR" i="1">
+                                <a:latin typeface="Cambria Math" charset="0"/>
+                              </a:rPr>
+                            </m:ctrlPr>
+                          </m:dPr>
+                          <m:e>
+                            <m:r>
+                              <a:rPr lang="en-US" b="1" i="1" smtClean="0">
+                                <a:solidFill>
+                                  <a:srgbClr val="C00000"/>
+                                </a:solidFill>
+                                <a:latin typeface="Cambria Math" charset="0"/>
+                              </a:rPr>
+                              <m:t>𝒙</m:t>
+                            </m:r>
+                            <m:r>
+                              <a:rPr lang="en-US" i="1">
+                                <a:latin typeface="Cambria Math" charset="0"/>
+                              </a:rPr>
+                              <m:t>−</m:t>
+                            </m:r>
+                            <m:r>
+                              <a:rPr lang="en-US" i="1">
+                                <a:solidFill>
+                                  <a:srgbClr val="0000FF"/>
+                                </a:solidFill>
+                                <a:latin typeface="Cambria Math" charset="0"/>
+                              </a:rPr>
+                              <m:t>𝝃</m:t>
+                            </m:r>
+                          </m:e>
+                        </m:d>
+                      </m:e>
+                      <m:sup>
+                        <m:r>
+                          <a:rPr lang="en-US" i="1">
+                            <a:latin typeface="Cambria Math" charset="0"/>
+                          </a:rPr>
+                          <m:t>𝟐</m:t>
+                        </m:r>
+                      </m:sup>
+                    </m:sSup>
+                  </m:oMath>
+                </a14:m>
+                <a:endParaRPr lang="en-US" dirty="0"/>
+              </a:p>
+              <a:p>
+                <a:pPr lvl="1"/>
+                <a:endParaRPr lang="en-US" dirty="0"/>
+              </a:p>
+            </p:txBody>
+          </p:sp>
+        </mc:Choice>
+        <mc:Fallback xmlns="">
+          <p:sp>
+            <p:nvSpPr>
+              <p:cNvPr id="3" name="Content Placeholder 2"/>
+              <p:cNvSpPr>
+                <a:spLocks noGrp="1" noRot="1" noChangeAspect="1" noMove="1" noResize="1" noEditPoints="1" noAdjustHandles="1" noChangeArrowheads="1" noChangeShapeType="1" noTextEdit="1"/>
+              </p:cNvSpPr>
+              <p:nvPr>
+                <p:ph idx="1"/>
+              </p:nvPr>
+            </p:nvSpPr>
+            <p:spPr>
+              <a:blipFill rotWithShape="0">
+                <a:blip r:embed="rId2"/>
+                <a:stretch>
+                  <a:fillRect l="-164" t="-1026"/>
+                </a:stretch>
+              </a:blipFill>
+            </p:spPr>
+            <p:txBody>
+              <a:bodyPr/>
+              <a:lstStyle/>
+              <a:p>
+                <a:r>
+                  <a:rPr lang="en-US">
+                    <a:noFill/>
+                  </a:rPr>
+                  <a:t> </a:t>
+                </a:r>
+              </a:p>
+            </p:txBody>
+          </p:sp>
+        </mc:Fallback>
+      </mc:AlternateContent>
+      <p:grpSp>
+        <p:nvGrpSpPr>
+          <p:cNvPr id="77" name="Group 76"/>
+          <p:cNvGrpSpPr/>
+          <p:nvPr/>
+        </p:nvGrpSpPr>
+        <p:grpSpPr>
+          <a:xfrm>
+            <a:off x="4983974" y="3303485"/>
+            <a:ext cx="2266500" cy="2645263"/>
+            <a:chOff x="12287600" y="3288759"/>
+            <a:chExt cx="2266500" cy="2645252"/>
+          </a:xfrm>
+        </p:grpSpPr>
+        <p:grpSp>
+          <p:nvGrpSpPr>
+            <p:cNvPr id="4" name="Group 3"/>
+            <p:cNvGrpSpPr/>
+            <p:nvPr/>
+          </p:nvGrpSpPr>
+          <p:grpSpPr>
+            <a:xfrm>
+              <a:off x="12299424" y="5576645"/>
+              <a:ext cx="1755761" cy="357366"/>
+              <a:chOff x="5838484" y="4644073"/>
+              <a:chExt cx="2169328" cy="441544"/>
+            </a:xfrm>
+          </p:grpSpPr>
+          <p:sp>
+            <p:nvSpPr>
+              <p:cNvPr id="5" name="Oval 4"/>
+              <p:cNvSpPr/>
+              <p:nvPr/>
+            </p:nvSpPr>
+            <p:spPr>
+              <a:xfrm>
+                <a:off x="6305845" y="4677248"/>
+                <a:ext cx="365663" cy="365663"/>
+              </a:xfrm>
+              <a:prstGeom prst="ellipse">
+                <a:avLst/>
+              </a:prstGeom>
+              <a:noFill/>
+              <a:ln w="25400">
+                <a:solidFill>
+                  <a:srgbClr val="C00000"/>
+                </a:solidFill>
+              </a:ln>
+            </p:spPr>
+            <p:style>
+              <a:lnRef idx="2">
+                <a:schemeClr val="accent1">
+                  <a:shade val="50000"/>
+                </a:schemeClr>
+              </a:lnRef>
+              <a:fillRef idx="1">
+                <a:schemeClr val="accent1"/>
+              </a:fillRef>
+              <a:effectRef idx="0">
+                <a:schemeClr val="accent1"/>
+              </a:effectRef>
+              <a:fontRef idx="minor">
+                <a:schemeClr val="lt1"/>
+              </a:fontRef>
+            </p:style>
+            <p:txBody>
+              <a:bodyPr rtlCol="0" anchor="ctr"/>
+              <a:lstStyle/>
+              <a:p>
+                <a:pPr algn="ctr"/>
+                <a:endParaRPr lang="en-US">
+                  <a:solidFill>
+                    <a:schemeClr val="tx1"/>
+                  </a:solidFill>
+                </a:endParaRPr>
+              </a:p>
+            </p:txBody>
+          </p:sp>
+          <p:sp>
+            <p:nvSpPr>
+              <p:cNvPr id="6" name="Oval 5"/>
+              <p:cNvSpPr/>
+              <p:nvPr/>
+            </p:nvSpPr>
+            <p:spPr>
+              <a:xfrm>
+                <a:off x="6738431" y="4677248"/>
+                <a:ext cx="365663" cy="365663"/>
+              </a:xfrm>
+              <a:prstGeom prst="ellipse">
+                <a:avLst/>
+              </a:prstGeom>
+              <a:noFill/>
+              <a:ln w="25400">
+                <a:solidFill>
+                  <a:srgbClr val="C00000"/>
+                </a:solidFill>
+              </a:ln>
+            </p:spPr>
+            <p:style>
+              <a:lnRef idx="2">
+                <a:schemeClr val="accent1">
+                  <a:shade val="50000"/>
+                </a:schemeClr>
+              </a:lnRef>
+              <a:fillRef idx="1">
+                <a:schemeClr val="accent1"/>
+              </a:fillRef>
+              <a:effectRef idx="0">
+                <a:schemeClr val="accent1"/>
+              </a:effectRef>
+              <a:fontRef idx="minor">
+                <a:schemeClr val="lt1"/>
+              </a:fontRef>
+            </p:style>
+            <p:txBody>
+              <a:bodyPr rtlCol="0" anchor="ctr"/>
+              <a:lstStyle/>
+              <a:p>
+                <a:pPr algn="ctr"/>
+                <a:endParaRPr lang="en-US">
+                  <a:solidFill>
+                    <a:schemeClr val="tx1"/>
+                  </a:solidFill>
+                </a:endParaRPr>
+              </a:p>
+            </p:txBody>
+          </p:sp>
+          <p:sp>
+            <p:nvSpPr>
+              <p:cNvPr id="7" name="Oval 6"/>
+              <p:cNvSpPr/>
+              <p:nvPr/>
+            </p:nvSpPr>
+            <p:spPr>
+              <a:xfrm>
+                <a:off x="7171017" y="4677260"/>
+                <a:ext cx="365663" cy="365664"/>
+              </a:xfrm>
+              <a:prstGeom prst="ellipse">
+                <a:avLst/>
+              </a:prstGeom>
+              <a:noFill/>
+              <a:ln w="25400">
+                <a:solidFill>
+                  <a:srgbClr val="C00000"/>
+                </a:solidFill>
+              </a:ln>
+            </p:spPr>
+            <p:style>
+              <a:lnRef idx="2">
+                <a:schemeClr val="accent1">
+                  <a:shade val="50000"/>
+                </a:schemeClr>
+              </a:lnRef>
+              <a:fillRef idx="1">
+                <a:schemeClr val="accent1"/>
+              </a:fillRef>
+              <a:effectRef idx="0">
+                <a:schemeClr val="accent1"/>
+              </a:effectRef>
+              <a:fontRef idx="minor">
+                <a:schemeClr val="lt1"/>
+              </a:fontRef>
+            </p:style>
+            <p:txBody>
+              <a:bodyPr rtlCol="0" anchor="ctr"/>
+              <a:lstStyle/>
+              <a:p>
+                <a:pPr algn="ctr"/>
+                <a:endParaRPr lang="en-US">
+                  <a:solidFill>
+                    <a:schemeClr val="tx1"/>
+                  </a:solidFill>
+                </a:endParaRPr>
+              </a:p>
+            </p:txBody>
+          </p:sp>
+          <p:sp>
+            <p:nvSpPr>
+              <p:cNvPr id="8" name="Oval 7"/>
+              <p:cNvSpPr/>
+              <p:nvPr/>
+            </p:nvSpPr>
+            <p:spPr>
+              <a:xfrm>
+                <a:off x="7603603" y="4677248"/>
+                <a:ext cx="365663" cy="365663"/>
+              </a:xfrm>
+              <a:prstGeom prst="ellipse">
+                <a:avLst/>
+              </a:prstGeom>
+              <a:noFill/>
+              <a:ln w="25400">
+                <a:solidFill>
+                  <a:srgbClr val="C00000"/>
+                </a:solidFill>
+              </a:ln>
+            </p:spPr>
+            <p:style>
+              <a:lnRef idx="2">
+                <a:schemeClr val="accent1">
+                  <a:shade val="50000"/>
+                </a:schemeClr>
+              </a:lnRef>
+              <a:fillRef idx="1">
+                <a:schemeClr val="accent1"/>
+              </a:fillRef>
+              <a:effectRef idx="0">
+                <a:schemeClr val="accent1"/>
+              </a:effectRef>
+              <a:fontRef idx="minor">
+                <a:schemeClr val="lt1"/>
+              </a:fontRef>
+            </p:style>
+            <p:txBody>
+              <a:bodyPr rtlCol="0" anchor="ctr"/>
+              <a:lstStyle/>
+              <a:p>
+                <a:pPr algn="ctr"/>
+                <a:endParaRPr lang="en-US">
+                  <a:solidFill>
+                    <a:schemeClr val="tx1"/>
+                  </a:solidFill>
+                </a:endParaRPr>
+              </a:p>
+            </p:txBody>
+          </p:sp>
+          <p:sp>
+            <p:nvSpPr>
+              <p:cNvPr id="9" name="Oval 8"/>
+              <p:cNvSpPr/>
+              <p:nvPr/>
+            </p:nvSpPr>
+            <p:spPr>
+              <a:xfrm>
+                <a:off x="5873259" y="4677248"/>
+                <a:ext cx="365663" cy="365663"/>
+              </a:xfrm>
+              <a:prstGeom prst="ellipse">
+                <a:avLst/>
+              </a:prstGeom>
+              <a:noFill/>
+              <a:ln w="25400">
+                <a:solidFill>
+                  <a:srgbClr val="C00000"/>
+                </a:solidFill>
+              </a:ln>
+            </p:spPr>
+            <p:style>
+              <a:lnRef idx="2">
+                <a:schemeClr val="accent1">
+                  <a:shade val="50000"/>
+                </a:schemeClr>
+              </a:lnRef>
+              <a:fillRef idx="1">
+                <a:schemeClr val="accent1"/>
+              </a:fillRef>
+              <a:effectRef idx="0">
+                <a:schemeClr val="accent1"/>
+              </a:effectRef>
+              <a:fontRef idx="minor">
+                <a:schemeClr val="lt1"/>
+              </a:fontRef>
+            </p:style>
+            <p:txBody>
+              <a:bodyPr rtlCol="0" anchor="ctr"/>
+              <a:lstStyle/>
+              <a:p>
+                <a:pPr algn="ctr"/>
+                <a:endParaRPr lang="en-US">
+                  <a:solidFill>
+                    <a:schemeClr val="tx1"/>
+                  </a:solidFill>
+                </a:endParaRPr>
+              </a:p>
+            </p:txBody>
+          </p:sp>
+          <p:sp>
+            <p:nvSpPr>
+              <p:cNvPr id="10" name="Rectangle 9"/>
+              <p:cNvSpPr/>
+              <p:nvPr/>
+            </p:nvSpPr>
+            <p:spPr>
+              <a:xfrm>
+                <a:off x="5838484" y="4644073"/>
+                <a:ext cx="2169328" cy="441544"/>
+              </a:xfrm>
+              <a:prstGeom prst="rect">
+                <a:avLst/>
+              </a:prstGeom>
+              <a:noFill/>
+              <a:ln w="25400">
+                <a:solidFill>
+                  <a:srgbClr val="C00000"/>
+                </a:solidFill>
+              </a:ln>
+            </p:spPr>
+            <p:style>
+              <a:lnRef idx="2">
+                <a:schemeClr val="accent1">
+                  <a:shade val="50000"/>
+                </a:schemeClr>
+              </a:lnRef>
+              <a:fillRef idx="1">
+                <a:schemeClr val="accent1"/>
+              </a:fillRef>
+              <a:effectRef idx="0">
+                <a:schemeClr val="accent1"/>
+              </a:effectRef>
+              <a:fontRef idx="minor">
+                <a:schemeClr val="lt1"/>
+              </a:fontRef>
+            </p:style>
+            <p:txBody>
+              <a:bodyPr rtlCol="0" anchor="ctr"/>
+              <a:lstStyle/>
+              <a:p>
+                <a:pPr algn="ctr"/>
+                <a:endParaRPr lang="en-US">
+                  <a:solidFill>
+                    <a:schemeClr val="tx1"/>
+                  </a:solidFill>
+                </a:endParaRPr>
+              </a:p>
+            </p:txBody>
+          </p:sp>
+        </p:grpSp>
+        <p:cxnSp>
+          <p:nvCxnSpPr>
+            <p:cNvPr id="11" name="Straight Arrow Connector 10"/>
+            <p:cNvCxnSpPr>
+              <a:stCxn id="10" idx="0"/>
+              <a:endCxn id="15" idx="4"/>
+            </p:cNvCxnSpPr>
+            <p:nvPr/>
+          </p:nvCxnSpPr>
+          <p:spPr>
+            <a:xfrm flipH="1" flipV="1">
+              <a:off x="13163954" y="3919618"/>
+              <a:ext cx="13351" cy="1657037"/>
+            </a:xfrm>
+            <a:prstGeom prst="straightConnector1">
+              <a:avLst/>
+            </a:prstGeom>
+            <a:ln w="50800">
+              <a:solidFill>
+                <a:srgbClr val="C00000"/>
+              </a:solidFill>
+              <a:tailEnd type="triangle"/>
+            </a:ln>
+            <a:effectLst/>
+          </p:spPr>
+          <p:style>
+            <a:lnRef idx="2">
+              <a:schemeClr val="accent1"/>
+            </a:lnRef>
+            <a:fillRef idx="0">
+              <a:schemeClr val="accent1"/>
+            </a:fillRef>
+            <a:effectRef idx="1">
+              <a:schemeClr val="accent1"/>
+            </a:effectRef>
+            <a:fontRef idx="minor">
+              <a:schemeClr val="tx1"/>
+            </a:fontRef>
+          </p:style>
+        </p:cxnSp>
+        <p:cxnSp>
+          <p:nvCxnSpPr>
+            <p:cNvPr id="12" name="Straight Arrow Connector 11"/>
+            <p:cNvCxnSpPr>
+              <a:stCxn id="15" idx="0"/>
+            </p:cNvCxnSpPr>
+            <p:nvPr/>
+          </p:nvCxnSpPr>
+          <p:spPr>
+            <a:xfrm flipV="1">
+              <a:off x="13163954" y="3288759"/>
+              <a:ext cx="0" cy="334907"/>
+            </a:xfrm>
+            <a:prstGeom prst="straightConnector1">
+              <a:avLst/>
+            </a:prstGeom>
+            <a:ln w="50800">
+              <a:solidFill>
+                <a:srgbClr val="7030A0"/>
+              </a:solidFill>
+              <a:tailEnd type="triangle"/>
+            </a:ln>
+            <a:effectLst/>
+          </p:spPr>
+          <p:style>
+            <a:lnRef idx="2">
+              <a:schemeClr val="accent1"/>
+            </a:lnRef>
+            <a:fillRef idx="0">
+              <a:schemeClr val="accent1"/>
+            </a:fillRef>
+            <a:effectRef idx="1">
+              <a:schemeClr val="accent1"/>
+            </a:effectRef>
+            <a:fontRef idx="minor">
+              <a:schemeClr val="tx1"/>
+            </a:fontRef>
+          </p:style>
+        </p:cxnSp>
+        <p:grpSp>
+          <p:nvGrpSpPr>
+            <p:cNvPr id="71" name="Group 70"/>
+            <p:cNvGrpSpPr/>
+            <p:nvPr/>
+          </p:nvGrpSpPr>
+          <p:grpSpPr>
+            <a:xfrm>
+              <a:off x="12287600" y="3594784"/>
+              <a:ext cx="2266500" cy="359399"/>
+              <a:chOff x="4874465" y="4696004"/>
+              <a:chExt cx="2266500" cy="359399"/>
+            </a:xfrm>
+          </p:grpSpPr>
+          <p:grpSp>
+            <p:nvGrpSpPr>
+              <p:cNvPr id="13" name="Group 12"/>
+              <p:cNvGrpSpPr/>
+              <p:nvPr/>
+            </p:nvGrpSpPr>
+            <p:grpSpPr>
+              <a:xfrm>
+                <a:off x="4874465" y="4698036"/>
+                <a:ext cx="1755761" cy="357367"/>
+                <a:chOff x="5838484" y="3917173"/>
+                <a:chExt cx="2169328" cy="441544"/>
+              </a:xfrm>
+            </p:grpSpPr>
+            <p:sp>
+              <p:nvSpPr>
+                <p:cNvPr id="14" name="Oval 13"/>
+                <p:cNvSpPr/>
+                <p:nvPr/>
+              </p:nvSpPr>
+              <p:spPr>
+                <a:xfrm>
+                  <a:off x="6305845" y="3950348"/>
+                  <a:ext cx="365663" cy="365663"/>
+                </a:xfrm>
+                <a:prstGeom prst="ellipse">
+                  <a:avLst/>
+                </a:prstGeom>
+                <a:noFill/>
+                <a:ln w="25400">
+                  <a:solidFill>
+                    <a:srgbClr val="7030A0"/>
+                  </a:solidFill>
+                </a:ln>
+              </p:spPr>
+              <p:style>
+                <a:lnRef idx="2">
+                  <a:schemeClr val="accent1">
+                    <a:shade val="50000"/>
+                  </a:schemeClr>
+                </a:lnRef>
+                <a:fillRef idx="1">
+                  <a:schemeClr val="accent1"/>
+                </a:fillRef>
+                <a:effectRef idx="0">
+                  <a:schemeClr val="accent1"/>
+                </a:effectRef>
+                <a:fontRef idx="minor">
+                  <a:schemeClr val="lt1"/>
+                </a:fontRef>
+              </p:style>
+              <p:txBody>
+                <a:bodyPr rtlCol="0" anchor="ctr"/>
+                <a:lstStyle/>
+                <a:p>
+                  <a:pPr algn="ctr"/>
+                  <a:endParaRPr lang="en-US">
+                    <a:solidFill>
+                      <a:schemeClr val="tx1"/>
+                    </a:solidFill>
+                  </a:endParaRPr>
+                </a:p>
+              </p:txBody>
+            </p:sp>
+            <p:sp>
+              <p:nvSpPr>
+                <p:cNvPr id="15" name="Oval 14"/>
+                <p:cNvSpPr/>
+                <p:nvPr/>
+              </p:nvSpPr>
+              <p:spPr>
+                <a:xfrm>
+                  <a:off x="6738431" y="3950348"/>
+                  <a:ext cx="365663" cy="365663"/>
+                </a:xfrm>
+                <a:prstGeom prst="ellipse">
+                  <a:avLst/>
+                </a:prstGeom>
+                <a:noFill/>
+                <a:ln w="25400">
+                  <a:solidFill>
+                    <a:srgbClr val="7030A0"/>
+                  </a:solidFill>
+                </a:ln>
+              </p:spPr>
+              <p:style>
+                <a:lnRef idx="2">
+                  <a:schemeClr val="accent1">
+                    <a:shade val="50000"/>
+                  </a:schemeClr>
+                </a:lnRef>
+                <a:fillRef idx="1">
+                  <a:schemeClr val="accent1"/>
+                </a:fillRef>
+                <a:effectRef idx="0">
+                  <a:schemeClr val="accent1"/>
+                </a:effectRef>
+                <a:fontRef idx="minor">
+                  <a:schemeClr val="lt1"/>
+                </a:fontRef>
+              </p:style>
+              <p:txBody>
+                <a:bodyPr rtlCol="0" anchor="ctr"/>
+                <a:lstStyle/>
+                <a:p>
+                  <a:pPr algn="ctr"/>
+                  <a:endParaRPr lang="en-US">
+                    <a:solidFill>
+                      <a:schemeClr val="tx1"/>
+                    </a:solidFill>
+                  </a:endParaRPr>
+                </a:p>
+              </p:txBody>
+            </p:sp>
+            <p:sp>
+              <p:nvSpPr>
+                <p:cNvPr id="16" name="Oval 15"/>
+                <p:cNvSpPr/>
+                <p:nvPr/>
+              </p:nvSpPr>
+              <p:spPr>
+                <a:xfrm>
+                  <a:off x="7171017" y="3950348"/>
+                  <a:ext cx="365663" cy="365663"/>
+                </a:xfrm>
+                <a:prstGeom prst="ellipse">
+                  <a:avLst/>
+                </a:prstGeom>
+                <a:noFill/>
+                <a:ln w="25400">
+                  <a:solidFill>
+                    <a:srgbClr val="7030A0"/>
+                  </a:solidFill>
+                </a:ln>
+              </p:spPr>
+              <p:style>
+                <a:lnRef idx="2">
+                  <a:schemeClr val="accent1">
+                    <a:shade val="50000"/>
+                  </a:schemeClr>
+                </a:lnRef>
+                <a:fillRef idx="1">
+                  <a:schemeClr val="accent1"/>
+                </a:fillRef>
+                <a:effectRef idx="0">
+                  <a:schemeClr val="accent1"/>
+                </a:effectRef>
+                <a:fontRef idx="minor">
+                  <a:schemeClr val="lt1"/>
+                </a:fontRef>
+              </p:style>
+              <p:txBody>
+                <a:bodyPr rtlCol="0" anchor="ctr"/>
+                <a:lstStyle/>
+                <a:p>
+                  <a:pPr algn="ctr"/>
+                  <a:endParaRPr lang="en-US">
+                    <a:solidFill>
+                      <a:schemeClr val="tx1"/>
+                    </a:solidFill>
+                  </a:endParaRPr>
+                </a:p>
+              </p:txBody>
+            </p:sp>
+            <p:sp>
+              <p:nvSpPr>
+                <p:cNvPr id="17" name="Oval 16"/>
+                <p:cNvSpPr/>
+                <p:nvPr/>
+              </p:nvSpPr>
+              <p:spPr>
+                <a:xfrm>
+                  <a:off x="7603603" y="3950348"/>
+                  <a:ext cx="365663" cy="365663"/>
+                </a:xfrm>
+                <a:prstGeom prst="ellipse">
+                  <a:avLst/>
+                </a:prstGeom>
+                <a:noFill/>
+                <a:ln w="25400">
+                  <a:solidFill>
+                    <a:srgbClr val="7030A0"/>
+                  </a:solidFill>
+                </a:ln>
+              </p:spPr>
+              <p:style>
+                <a:lnRef idx="2">
+                  <a:schemeClr val="accent1">
+                    <a:shade val="50000"/>
+                  </a:schemeClr>
+                </a:lnRef>
+                <a:fillRef idx="1">
+                  <a:schemeClr val="accent1"/>
+                </a:fillRef>
+                <a:effectRef idx="0">
+                  <a:schemeClr val="accent1"/>
+                </a:effectRef>
+                <a:fontRef idx="minor">
+                  <a:schemeClr val="lt1"/>
+                </a:fontRef>
+              </p:style>
+              <p:txBody>
+                <a:bodyPr rtlCol="0" anchor="ctr"/>
+                <a:lstStyle/>
+                <a:p>
+                  <a:pPr algn="ctr"/>
+                  <a:endParaRPr lang="en-US">
+                    <a:solidFill>
+                      <a:schemeClr val="tx1"/>
+                    </a:solidFill>
+                  </a:endParaRPr>
+                </a:p>
+              </p:txBody>
+            </p:sp>
+            <p:sp>
+              <p:nvSpPr>
+                <p:cNvPr id="18" name="Oval 17"/>
+                <p:cNvSpPr/>
+                <p:nvPr/>
+              </p:nvSpPr>
+              <p:spPr>
+                <a:xfrm>
+                  <a:off x="5873259" y="3950348"/>
+                  <a:ext cx="365663" cy="365663"/>
+                </a:xfrm>
+                <a:prstGeom prst="ellipse">
+                  <a:avLst/>
+                </a:prstGeom>
+                <a:noFill/>
+                <a:ln w="25400">
+                  <a:solidFill>
+                    <a:srgbClr val="7030A0"/>
+                  </a:solidFill>
+                </a:ln>
+              </p:spPr>
+              <p:style>
+                <a:lnRef idx="2">
+                  <a:schemeClr val="accent1">
+                    <a:shade val="50000"/>
+                  </a:schemeClr>
+                </a:lnRef>
+                <a:fillRef idx="1">
+                  <a:schemeClr val="accent1"/>
+                </a:fillRef>
+                <a:effectRef idx="0">
+                  <a:schemeClr val="accent1"/>
+                </a:effectRef>
+                <a:fontRef idx="minor">
+                  <a:schemeClr val="lt1"/>
+                </a:fontRef>
+              </p:style>
+              <p:txBody>
+                <a:bodyPr rtlCol="0" anchor="ctr"/>
+                <a:lstStyle/>
+                <a:p>
+                  <a:pPr algn="ctr"/>
+                  <a:endParaRPr lang="en-US">
+                    <a:solidFill>
+                      <a:schemeClr val="tx1"/>
+                    </a:solidFill>
+                  </a:endParaRPr>
+                </a:p>
+              </p:txBody>
+            </p:sp>
+            <p:sp>
+              <p:nvSpPr>
+                <p:cNvPr id="19" name="Rectangle 18"/>
+                <p:cNvSpPr/>
+                <p:nvPr/>
+              </p:nvSpPr>
+              <p:spPr>
+                <a:xfrm>
+                  <a:off x="5838484" y="3917173"/>
+                  <a:ext cx="2169328" cy="441544"/>
+                </a:xfrm>
+                <a:prstGeom prst="rect">
+                  <a:avLst/>
+                </a:prstGeom>
+                <a:noFill/>
+                <a:ln w="25400">
+                  <a:solidFill>
+                    <a:srgbClr val="7030A0"/>
+                  </a:solidFill>
+                </a:ln>
+              </p:spPr>
+              <p:style>
+                <a:lnRef idx="2">
+                  <a:schemeClr val="accent1">
+                    <a:shade val="50000"/>
+                  </a:schemeClr>
+                </a:lnRef>
+                <a:fillRef idx="1">
+                  <a:schemeClr val="accent1"/>
+                </a:fillRef>
+                <a:effectRef idx="0">
+                  <a:schemeClr val="accent1"/>
+                </a:effectRef>
+                <a:fontRef idx="minor">
+                  <a:schemeClr val="lt1"/>
+                </a:fontRef>
+              </p:style>
+              <p:txBody>
+                <a:bodyPr rtlCol="0" anchor="ctr"/>
+                <a:lstStyle/>
+                <a:p>
+                  <a:pPr algn="ctr"/>
+                  <a:endParaRPr lang="en-US">
+                    <a:solidFill>
+                      <a:schemeClr val="tx1"/>
+                    </a:solidFill>
+                  </a:endParaRPr>
+                </a:p>
+              </p:txBody>
+            </p:sp>
+          </p:grpSp>
+          <p:sp>
+            <p:nvSpPr>
+              <p:cNvPr id="20" name="Curved Left Arrow 19"/>
+              <p:cNvSpPr/>
+              <p:nvPr/>
+            </p:nvSpPr>
+            <p:spPr>
+              <a:xfrm>
+                <a:off x="6653194" y="4696004"/>
+                <a:ext cx="487771" cy="359399"/>
+              </a:xfrm>
+              <a:prstGeom prst="curvedLeftArrow">
+                <a:avLst>
+                  <a:gd name="adj1" fmla="val 14052"/>
+                  <a:gd name="adj2" fmla="val 50000"/>
+                  <a:gd name="adj3" fmla="val 23783"/>
+                </a:avLst>
+              </a:prstGeom>
+              <a:solidFill>
+                <a:srgbClr val="00B2B2"/>
+              </a:solidFill>
+              <a:ln w="25400">
+                <a:solidFill>
+                  <a:srgbClr val="00C6BA"/>
+                </a:solidFill>
+              </a:ln>
+            </p:spPr>
+            <p:style>
+              <a:lnRef idx="2">
+                <a:schemeClr val="accent1">
+                  <a:shade val="50000"/>
+                </a:schemeClr>
+              </a:lnRef>
+              <a:fillRef idx="1">
+                <a:schemeClr val="accent1"/>
+              </a:fillRef>
+              <a:effectRef idx="0">
+                <a:schemeClr val="accent1"/>
+              </a:effectRef>
+              <a:fontRef idx="minor">
+                <a:schemeClr val="lt1"/>
+              </a:fontRef>
+            </p:style>
+            <p:txBody>
+              <a:bodyPr rtlCol="0" anchor="ctr"/>
+              <a:lstStyle/>
+              <a:p>
+                <a:pPr algn="ctr"/>
+                <a:endParaRPr lang="en-US">
+                  <a:solidFill>
+                    <a:schemeClr val="tx1"/>
+                  </a:solidFill>
+                </a:endParaRPr>
+              </a:p>
+            </p:txBody>
+          </p:sp>
+        </p:grpSp>
+      </p:grpSp>
+      <p:grpSp>
+        <p:nvGrpSpPr>
+          <p:cNvPr id="80" name="Group 79"/>
+          <p:cNvGrpSpPr/>
+          <p:nvPr/>
+        </p:nvGrpSpPr>
+        <p:grpSpPr>
+          <a:xfrm>
+            <a:off x="8128028" y="3600082"/>
+            <a:ext cx="4063972" cy="2993258"/>
+            <a:chOff x="8128028" y="3600082"/>
+            <a:chExt cx="4063972" cy="2993258"/>
+          </a:xfrm>
+        </p:grpSpPr>
+        <p:grpSp>
+          <p:nvGrpSpPr>
+            <p:cNvPr id="23" name="Group 22"/>
+            <p:cNvGrpSpPr/>
+            <p:nvPr/>
+          </p:nvGrpSpPr>
+          <p:grpSpPr>
+            <a:xfrm>
+              <a:off x="9480007" y="5575466"/>
+              <a:ext cx="1755761" cy="357367"/>
+              <a:chOff x="5838484" y="4644073"/>
+              <a:chExt cx="2169328" cy="441544"/>
+            </a:xfrm>
+          </p:grpSpPr>
+          <p:sp>
+            <p:nvSpPr>
+              <p:cNvPr id="50" name="Oval 49"/>
+              <p:cNvSpPr/>
+              <p:nvPr/>
+            </p:nvSpPr>
+            <p:spPr>
+              <a:xfrm>
+                <a:off x="6305845" y="4677248"/>
+                <a:ext cx="365663" cy="365663"/>
+              </a:xfrm>
+              <a:prstGeom prst="ellipse">
+                <a:avLst/>
+              </a:prstGeom>
+              <a:noFill/>
+              <a:ln w="25400">
+                <a:solidFill>
+                  <a:srgbClr val="C00000"/>
+                </a:solidFill>
+              </a:ln>
+            </p:spPr>
+            <p:style>
+              <a:lnRef idx="2">
+                <a:schemeClr val="accent1">
+                  <a:shade val="50000"/>
+                </a:schemeClr>
+              </a:lnRef>
+              <a:fillRef idx="1">
+                <a:schemeClr val="accent1"/>
+              </a:fillRef>
+              <a:effectRef idx="0">
+                <a:schemeClr val="accent1"/>
+              </a:effectRef>
+              <a:fontRef idx="minor">
+                <a:schemeClr val="lt1"/>
+              </a:fontRef>
+            </p:style>
+            <p:txBody>
+              <a:bodyPr rtlCol="0" anchor="ctr"/>
+              <a:lstStyle/>
+              <a:p>
+                <a:pPr algn="ctr"/>
+                <a:endParaRPr lang="en-US">
+                  <a:solidFill>
+                    <a:schemeClr val="tx1"/>
+                  </a:solidFill>
+                </a:endParaRPr>
+              </a:p>
+            </p:txBody>
+          </p:sp>
+          <p:sp>
+            <p:nvSpPr>
+              <p:cNvPr id="51" name="Oval 50"/>
+              <p:cNvSpPr/>
+              <p:nvPr/>
+            </p:nvSpPr>
+            <p:spPr>
+              <a:xfrm>
+                <a:off x="6738431" y="4677248"/>
+                <a:ext cx="365663" cy="365663"/>
+              </a:xfrm>
+              <a:prstGeom prst="ellipse">
+                <a:avLst/>
+              </a:prstGeom>
+              <a:noFill/>
+              <a:ln w="25400">
+                <a:solidFill>
+                  <a:srgbClr val="C00000"/>
+                </a:solidFill>
+              </a:ln>
+            </p:spPr>
+            <p:style>
+              <a:lnRef idx="2">
+                <a:schemeClr val="accent1">
+                  <a:shade val="50000"/>
+                </a:schemeClr>
+              </a:lnRef>
+              <a:fillRef idx="1">
+                <a:schemeClr val="accent1"/>
+              </a:fillRef>
+              <a:effectRef idx="0">
+                <a:schemeClr val="accent1"/>
+              </a:effectRef>
+              <a:fontRef idx="minor">
+                <a:schemeClr val="lt1"/>
+              </a:fontRef>
+            </p:style>
+            <p:txBody>
+              <a:bodyPr rtlCol="0" anchor="ctr"/>
+              <a:lstStyle/>
+              <a:p>
+                <a:pPr algn="ctr"/>
+                <a:endParaRPr lang="en-US">
+                  <a:solidFill>
+                    <a:schemeClr val="tx1"/>
+                  </a:solidFill>
+                </a:endParaRPr>
+              </a:p>
+            </p:txBody>
+          </p:sp>
+          <p:sp>
+            <p:nvSpPr>
+              <p:cNvPr id="52" name="Oval 51"/>
+              <p:cNvSpPr/>
+              <p:nvPr/>
+            </p:nvSpPr>
+            <p:spPr>
+              <a:xfrm>
+                <a:off x="7171017" y="4677248"/>
+                <a:ext cx="365663" cy="365663"/>
+              </a:xfrm>
+              <a:prstGeom prst="ellipse">
+                <a:avLst/>
+              </a:prstGeom>
+              <a:noFill/>
+              <a:ln w="25400">
+                <a:solidFill>
+                  <a:srgbClr val="C00000"/>
+                </a:solidFill>
+              </a:ln>
+            </p:spPr>
+            <p:style>
+              <a:lnRef idx="2">
+                <a:schemeClr val="accent1">
+                  <a:shade val="50000"/>
+                </a:schemeClr>
+              </a:lnRef>
+              <a:fillRef idx="1">
+                <a:schemeClr val="accent1"/>
+              </a:fillRef>
+              <a:effectRef idx="0">
+                <a:schemeClr val="accent1"/>
+              </a:effectRef>
+              <a:fontRef idx="minor">
+                <a:schemeClr val="lt1"/>
+              </a:fontRef>
+            </p:style>
+            <p:txBody>
+              <a:bodyPr rtlCol="0" anchor="ctr"/>
+              <a:lstStyle/>
+              <a:p>
+                <a:pPr algn="ctr"/>
+                <a:endParaRPr lang="en-US">
+                  <a:solidFill>
+                    <a:schemeClr val="tx1"/>
+                  </a:solidFill>
+                </a:endParaRPr>
+              </a:p>
+            </p:txBody>
+          </p:sp>
+          <p:sp>
+            <p:nvSpPr>
+              <p:cNvPr id="53" name="Oval 52"/>
+              <p:cNvSpPr/>
+              <p:nvPr/>
+            </p:nvSpPr>
+            <p:spPr>
+              <a:xfrm>
+                <a:off x="7603603" y="4677248"/>
+                <a:ext cx="365663" cy="365663"/>
+              </a:xfrm>
+              <a:prstGeom prst="ellipse">
+                <a:avLst/>
+              </a:prstGeom>
+              <a:noFill/>
+              <a:ln w="25400">
+                <a:solidFill>
+                  <a:srgbClr val="C00000"/>
+                </a:solidFill>
+              </a:ln>
+            </p:spPr>
+            <p:style>
+              <a:lnRef idx="2">
+                <a:schemeClr val="accent1">
+                  <a:shade val="50000"/>
+                </a:schemeClr>
+              </a:lnRef>
+              <a:fillRef idx="1">
+                <a:schemeClr val="accent1"/>
+              </a:fillRef>
+              <a:effectRef idx="0">
+                <a:schemeClr val="accent1"/>
+              </a:effectRef>
+              <a:fontRef idx="minor">
+                <a:schemeClr val="lt1"/>
+              </a:fontRef>
+            </p:style>
+            <p:txBody>
+              <a:bodyPr rtlCol="0" anchor="ctr"/>
+              <a:lstStyle/>
+              <a:p>
+                <a:pPr algn="ctr"/>
+                <a:endParaRPr lang="en-US">
+                  <a:solidFill>
+                    <a:schemeClr val="tx1"/>
+                  </a:solidFill>
+                </a:endParaRPr>
+              </a:p>
+            </p:txBody>
+          </p:sp>
+          <p:sp>
+            <p:nvSpPr>
+              <p:cNvPr id="54" name="Oval 53"/>
+              <p:cNvSpPr/>
+              <p:nvPr/>
+            </p:nvSpPr>
+            <p:spPr>
+              <a:xfrm>
+                <a:off x="5873259" y="4677248"/>
+                <a:ext cx="365663" cy="365663"/>
+              </a:xfrm>
+              <a:prstGeom prst="ellipse">
+                <a:avLst/>
+              </a:prstGeom>
+              <a:noFill/>
+              <a:ln w="25400">
+                <a:solidFill>
+                  <a:srgbClr val="C00000"/>
+                </a:solidFill>
+              </a:ln>
+            </p:spPr>
+            <p:style>
+              <a:lnRef idx="2">
+                <a:schemeClr val="accent1">
+                  <a:shade val="50000"/>
+                </a:schemeClr>
+              </a:lnRef>
+              <a:fillRef idx="1">
+                <a:schemeClr val="accent1"/>
+              </a:fillRef>
+              <a:effectRef idx="0">
+                <a:schemeClr val="accent1"/>
+              </a:effectRef>
+              <a:fontRef idx="minor">
+                <a:schemeClr val="lt1"/>
+              </a:fontRef>
+            </p:style>
+            <p:txBody>
+              <a:bodyPr rtlCol="0" anchor="ctr"/>
+              <a:lstStyle/>
+              <a:p>
+                <a:pPr algn="ctr"/>
+                <a:endParaRPr lang="en-US" dirty="0">
+                  <a:solidFill>
+                    <a:schemeClr val="tx1"/>
+                  </a:solidFill>
+                </a:endParaRPr>
+              </a:p>
+            </p:txBody>
+          </p:sp>
+          <p:sp>
+            <p:nvSpPr>
+              <p:cNvPr id="55" name="Rectangle 54"/>
+              <p:cNvSpPr/>
+              <p:nvPr/>
+            </p:nvSpPr>
+            <p:spPr>
+              <a:xfrm>
+                <a:off x="5838484" y="4644073"/>
+                <a:ext cx="2169328" cy="441544"/>
+              </a:xfrm>
+              <a:prstGeom prst="rect">
+                <a:avLst/>
+              </a:prstGeom>
+              <a:noFill/>
+              <a:ln w="25400">
+                <a:solidFill>
+                  <a:srgbClr val="C00000"/>
+                </a:solidFill>
+              </a:ln>
+            </p:spPr>
+            <p:style>
+              <a:lnRef idx="2">
+                <a:schemeClr val="accent1">
+                  <a:shade val="50000"/>
+                </a:schemeClr>
+              </a:lnRef>
+              <a:fillRef idx="1">
+                <a:schemeClr val="accent1"/>
+              </a:fillRef>
+              <a:effectRef idx="0">
+                <a:schemeClr val="accent1"/>
+              </a:effectRef>
+              <a:fontRef idx="minor">
+                <a:schemeClr val="lt1"/>
+              </a:fontRef>
+            </p:style>
+            <p:txBody>
+              <a:bodyPr rtlCol="0" anchor="ctr"/>
+              <a:lstStyle/>
+              <a:p>
+                <a:pPr algn="ctr"/>
+                <a:endParaRPr lang="en-US">
+                  <a:solidFill>
+                    <a:schemeClr val="tx1"/>
+                  </a:solidFill>
+                </a:endParaRPr>
+              </a:p>
+            </p:txBody>
+          </p:sp>
+        </p:grpSp>
+        <p:cxnSp>
+          <p:nvCxnSpPr>
+            <p:cNvPr id="24" name="Straight Arrow Connector 23"/>
+            <p:cNvCxnSpPr/>
+            <p:nvPr/>
+          </p:nvCxnSpPr>
+          <p:spPr>
+            <a:xfrm flipV="1">
+              <a:off x="10357888" y="5932833"/>
+              <a:ext cx="0" cy="278385"/>
+            </a:xfrm>
+            <a:prstGeom prst="straightConnector1">
+              <a:avLst/>
+            </a:prstGeom>
+            <a:ln w="50800">
+              <a:solidFill>
+                <a:srgbClr val="0000FF"/>
+              </a:solidFill>
+              <a:tailEnd type="triangle"/>
+            </a:ln>
+            <a:effectLst/>
+          </p:spPr>
+          <p:style>
+            <a:lnRef idx="2">
+              <a:schemeClr val="accent1"/>
+            </a:lnRef>
+            <a:fillRef idx="0">
+              <a:schemeClr val="accent1"/>
+            </a:fillRef>
+            <a:effectRef idx="1">
+              <a:schemeClr val="accent1"/>
+            </a:effectRef>
+            <a:fontRef idx="minor">
+              <a:schemeClr val="tx1"/>
+            </a:fontRef>
+          </p:style>
+        </p:cxnSp>
+        <p:grpSp>
+          <p:nvGrpSpPr>
+            <p:cNvPr id="25" name="Group 24"/>
+            <p:cNvGrpSpPr/>
+            <p:nvPr/>
+          </p:nvGrpSpPr>
+          <p:grpSpPr>
+            <a:xfrm>
+              <a:off x="9478481" y="4400770"/>
+              <a:ext cx="1755761" cy="357367"/>
+              <a:chOff x="5838484" y="3917173"/>
+              <a:chExt cx="2169328" cy="441544"/>
+            </a:xfrm>
+          </p:grpSpPr>
+          <p:sp>
+            <p:nvSpPr>
+              <p:cNvPr id="44" name="Oval 43"/>
+              <p:cNvSpPr/>
+              <p:nvPr/>
+            </p:nvSpPr>
+            <p:spPr>
+              <a:xfrm>
+                <a:off x="6305845" y="3950348"/>
+                <a:ext cx="365663" cy="365663"/>
+              </a:xfrm>
+              <a:prstGeom prst="ellipse">
+                <a:avLst/>
+              </a:prstGeom>
+              <a:noFill/>
+              <a:ln w="25400">
+                <a:solidFill>
+                  <a:srgbClr val="7030A0"/>
+                </a:solidFill>
+              </a:ln>
+            </p:spPr>
+            <p:style>
+              <a:lnRef idx="2">
+                <a:schemeClr val="accent1">
+                  <a:shade val="50000"/>
+                </a:schemeClr>
+              </a:lnRef>
+              <a:fillRef idx="1">
+                <a:schemeClr val="accent1"/>
+              </a:fillRef>
+              <a:effectRef idx="0">
+                <a:schemeClr val="accent1"/>
+              </a:effectRef>
+              <a:fontRef idx="minor">
+                <a:schemeClr val="lt1"/>
+              </a:fontRef>
+            </p:style>
+            <p:txBody>
+              <a:bodyPr rtlCol="0" anchor="ctr"/>
+              <a:lstStyle/>
+              <a:p>
+                <a:pPr algn="ctr"/>
+                <a:endParaRPr lang="en-US">
+                  <a:solidFill>
+                    <a:schemeClr val="tx1"/>
+                  </a:solidFill>
+                </a:endParaRPr>
+              </a:p>
+            </p:txBody>
+          </p:sp>
+          <p:sp>
+            <p:nvSpPr>
+              <p:cNvPr id="45" name="Oval 44"/>
+              <p:cNvSpPr/>
+              <p:nvPr/>
+            </p:nvSpPr>
+            <p:spPr>
+              <a:xfrm>
+                <a:off x="6738431" y="3950348"/>
+                <a:ext cx="365663" cy="365663"/>
+              </a:xfrm>
+              <a:prstGeom prst="ellipse">
+                <a:avLst/>
+              </a:prstGeom>
+              <a:noFill/>
+              <a:ln w="25400">
+                <a:solidFill>
+                  <a:srgbClr val="7030A0"/>
+                </a:solidFill>
+              </a:ln>
+            </p:spPr>
+            <p:style>
+              <a:lnRef idx="2">
+                <a:schemeClr val="accent1">
+                  <a:shade val="50000"/>
+                </a:schemeClr>
+              </a:lnRef>
+              <a:fillRef idx="1">
+                <a:schemeClr val="accent1"/>
+              </a:fillRef>
+              <a:effectRef idx="0">
+                <a:schemeClr val="accent1"/>
+              </a:effectRef>
+              <a:fontRef idx="minor">
+                <a:schemeClr val="lt1"/>
+              </a:fontRef>
+            </p:style>
+            <p:txBody>
+              <a:bodyPr rtlCol="0" anchor="ctr"/>
+              <a:lstStyle/>
+              <a:p>
+                <a:pPr algn="ctr"/>
+                <a:endParaRPr lang="en-US">
+                  <a:solidFill>
+                    <a:schemeClr val="tx1"/>
+                  </a:solidFill>
+                </a:endParaRPr>
+              </a:p>
+            </p:txBody>
+          </p:sp>
+          <p:sp>
+            <p:nvSpPr>
+              <p:cNvPr id="46" name="Oval 45"/>
+              <p:cNvSpPr/>
+              <p:nvPr/>
+            </p:nvSpPr>
+            <p:spPr>
+              <a:xfrm>
+                <a:off x="7171017" y="3950348"/>
+                <a:ext cx="365663" cy="365663"/>
+              </a:xfrm>
+              <a:prstGeom prst="ellipse">
+                <a:avLst/>
+              </a:prstGeom>
+              <a:noFill/>
+              <a:ln w="25400">
+                <a:solidFill>
+                  <a:srgbClr val="7030A0"/>
+                </a:solidFill>
+              </a:ln>
+            </p:spPr>
+            <p:style>
+              <a:lnRef idx="2">
+                <a:schemeClr val="accent1">
+                  <a:shade val="50000"/>
+                </a:schemeClr>
+              </a:lnRef>
+              <a:fillRef idx="1">
+                <a:schemeClr val="accent1"/>
+              </a:fillRef>
+              <a:effectRef idx="0">
+                <a:schemeClr val="accent1"/>
+              </a:effectRef>
+              <a:fontRef idx="minor">
+                <a:schemeClr val="lt1"/>
+              </a:fontRef>
+            </p:style>
+            <p:txBody>
+              <a:bodyPr rtlCol="0" anchor="ctr"/>
+              <a:lstStyle/>
+              <a:p>
+                <a:pPr algn="ctr"/>
+                <a:endParaRPr lang="en-US">
+                  <a:solidFill>
+                    <a:schemeClr val="tx1"/>
+                  </a:solidFill>
+                </a:endParaRPr>
+              </a:p>
+            </p:txBody>
+          </p:sp>
+          <p:sp>
+            <p:nvSpPr>
+              <p:cNvPr id="47" name="Oval 46"/>
+              <p:cNvSpPr/>
+              <p:nvPr/>
+            </p:nvSpPr>
+            <p:spPr>
+              <a:xfrm>
+                <a:off x="7603603" y="3950348"/>
+                <a:ext cx="365663" cy="365663"/>
+              </a:xfrm>
+              <a:prstGeom prst="ellipse">
+                <a:avLst/>
+              </a:prstGeom>
+              <a:noFill/>
+              <a:ln w="25400">
+                <a:solidFill>
+                  <a:srgbClr val="7030A0"/>
+                </a:solidFill>
+              </a:ln>
+            </p:spPr>
+            <p:style>
+              <a:lnRef idx="2">
+                <a:schemeClr val="accent1">
+                  <a:shade val="50000"/>
+                </a:schemeClr>
+              </a:lnRef>
+              <a:fillRef idx="1">
+                <a:schemeClr val="accent1"/>
+              </a:fillRef>
+              <a:effectRef idx="0">
+                <a:schemeClr val="accent1"/>
+              </a:effectRef>
+              <a:fontRef idx="minor">
+                <a:schemeClr val="lt1"/>
+              </a:fontRef>
+            </p:style>
+            <p:txBody>
+              <a:bodyPr rtlCol="0" anchor="ctr"/>
+              <a:lstStyle/>
+              <a:p>
+                <a:pPr algn="ctr"/>
+                <a:endParaRPr lang="en-US">
+                  <a:solidFill>
+                    <a:schemeClr val="tx1"/>
+                  </a:solidFill>
+                </a:endParaRPr>
+              </a:p>
+            </p:txBody>
+          </p:sp>
+          <p:sp>
+            <p:nvSpPr>
+              <p:cNvPr id="48" name="Oval 47"/>
+              <p:cNvSpPr/>
+              <p:nvPr/>
+            </p:nvSpPr>
+            <p:spPr>
+              <a:xfrm>
+                <a:off x="5873259" y="3950348"/>
+                <a:ext cx="365663" cy="365663"/>
+              </a:xfrm>
+              <a:prstGeom prst="ellipse">
+                <a:avLst/>
+              </a:prstGeom>
+              <a:noFill/>
+              <a:ln w="25400">
+                <a:solidFill>
+                  <a:srgbClr val="7030A0"/>
+                </a:solidFill>
+              </a:ln>
+            </p:spPr>
+            <p:style>
+              <a:lnRef idx="2">
+                <a:schemeClr val="accent1">
+                  <a:shade val="50000"/>
+                </a:schemeClr>
+              </a:lnRef>
+              <a:fillRef idx="1">
+                <a:schemeClr val="accent1"/>
+              </a:fillRef>
+              <a:effectRef idx="0">
+                <a:schemeClr val="accent1"/>
+              </a:effectRef>
+              <a:fontRef idx="minor">
+                <a:schemeClr val="lt1"/>
+              </a:fontRef>
+            </p:style>
+            <p:txBody>
+              <a:bodyPr rtlCol="0" anchor="ctr"/>
+              <a:lstStyle/>
+              <a:p>
+                <a:pPr algn="ctr"/>
+                <a:endParaRPr lang="en-US">
+                  <a:solidFill>
+                    <a:schemeClr val="tx1"/>
+                  </a:solidFill>
+                </a:endParaRPr>
+              </a:p>
+            </p:txBody>
+          </p:sp>
+          <p:sp>
+            <p:nvSpPr>
+              <p:cNvPr id="49" name="Rectangle 48"/>
+              <p:cNvSpPr/>
+              <p:nvPr/>
+            </p:nvSpPr>
+            <p:spPr>
+              <a:xfrm>
+                <a:off x="5838484" y="3917173"/>
+                <a:ext cx="2169328" cy="441544"/>
+              </a:xfrm>
+              <a:prstGeom prst="rect">
+                <a:avLst/>
+              </a:prstGeom>
+              <a:noFill/>
+              <a:ln w="25400">
+                <a:solidFill>
+                  <a:srgbClr val="7030A0"/>
+                </a:solidFill>
+              </a:ln>
+            </p:spPr>
+            <p:style>
+              <a:lnRef idx="2">
+                <a:schemeClr val="accent1">
+                  <a:shade val="50000"/>
+                </a:schemeClr>
+              </a:lnRef>
+              <a:fillRef idx="1">
+                <a:schemeClr val="accent1"/>
+              </a:fillRef>
+              <a:effectRef idx="0">
+                <a:schemeClr val="accent1"/>
+              </a:effectRef>
+              <a:fontRef idx="minor">
+                <a:schemeClr val="lt1"/>
+              </a:fontRef>
+            </p:style>
+            <p:txBody>
+              <a:bodyPr rtlCol="0" anchor="ctr"/>
+              <a:lstStyle/>
+              <a:p>
+                <a:pPr algn="ctr"/>
+                <a:endParaRPr lang="en-US">
+                  <a:solidFill>
+                    <a:schemeClr val="tx1"/>
+                  </a:solidFill>
+                </a:endParaRPr>
+              </a:p>
+            </p:txBody>
+          </p:sp>
+        </p:grpSp>
+        <p:cxnSp>
+          <p:nvCxnSpPr>
+            <p:cNvPr id="26" name="Straight Arrow Connector 25"/>
+            <p:cNvCxnSpPr/>
+            <p:nvPr/>
+          </p:nvCxnSpPr>
+          <p:spPr>
+            <a:xfrm flipV="1">
+              <a:off x="10357888" y="5344512"/>
+              <a:ext cx="0" cy="230955"/>
+            </a:xfrm>
+            <a:prstGeom prst="straightConnector1">
+              <a:avLst/>
+            </a:prstGeom>
+            <a:ln w="50800">
+              <a:solidFill>
+                <a:srgbClr val="C00000"/>
+              </a:solidFill>
+              <a:tailEnd type="triangle"/>
+            </a:ln>
+            <a:effectLst/>
+          </p:spPr>
+          <p:style>
+            <a:lnRef idx="2">
+              <a:schemeClr val="accent1"/>
+            </a:lnRef>
+            <a:fillRef idx="0">
+              <a:schemeClr val="accent1"/>
+            </a:fillRef>
+            <a:effectRef idx="1">
+              <a:schemeClr val="accent1"/>
+            </a:effectRef>
+            <a:fontRef idx="minor">
+              <a:schemeClr val="tx1"/>
+            </a:fontRef>
+          </p:style>
+        </p:cxnSp>
+        <p:cxnSp>
+          <p:nvCxnSpPr>
+            <p:cNvPr id="27" name="Straight Arrow Connector 26"/>
+            <p:cNvCxnSpPr/>
+            <p:nvPr/>
+          </p:nvCxnSpPr>
+          <p:spPr>
+            <a:xfrm flipH="1" flipV="1">
+              <a:off x="10356361" y="4758136"/>
+              <a:ext cx="1526" cy="229009"/>
+            </a:xfrm>
+            <a:prstGeom prst="straightConnector1">
+              <a:avLst/>
+            </a:prstGeom>
+            <a:ln w="50800">
+              <a:solidFill>
+                <a:srgbClr val="00C6BA"/>
+              </a:solidFill>
+              <a:tailEnd type="triangle"/>
+            </a:ln>
+            <a:effectLst/>
+          </p:spPr>
+          <p:style>
+            <a:lnRef idx="2">
+              <a:schemeClr val="accent1"/>
+            </a:lnRef>
+            <a:fillRef idx="0">
+              <a:schemeClr val="accent1"/>
+            </a:fillRef>
+            <a:effectRef idx="1">
+              <a:schemeClr val="accent1"/>
+            </a:effectRef>
+            <a:fontRef idx="minor">
+              <a:schemeClr val="tx1"/>
+            </a:fontRef>
+          </p:style>
+        </p:cxnSp>
+        <p:grpSp>
+          <p:nvGrpSpPr>
+            <p:cNvPr id="28" name="Group 27"/>
+            <p:cNvGrpSpPr/>
+            <p:nvPr/>
+          </p:nvGrpSpPr>
+          <p:grpSpPr>
+            <a:xfrm>
+              <a:off x="9480007" y="4987145"/>
+              <a:ext cx="1755761" cy="357367"/>
+              <a:chOff x="5838484" y="3917173"/>
+              <a:chExt cx="2169328" cy="441544"/>
+            </a:xfrm>
+          </p:grpSpPr>
+          <p:sp>
+            <p:nvSpPr>
+              <p:cNvPr id="38" name="Oval 37"/>
+              <p:cNvSpPr/>
+              <p:nvPr/>
+            </p:nvSpPr>
+            <p:spPr>
+              <a:xfrm>
+                <a:off x="6305845" y="3950348"/>
+                <a:ext cx="365663" cy="365663"/>
+              </a:xfrm>
+              <a:prstGeom prst="ellipse">
+                <a:avLst/>
+              </a:prstGeom>
+              <a:noFill/>
+              <a:ln w="25400">
+                <a:solidFill>
+                  <a:srgbClr val="7030A0"/>
+                </a:solidFill>
+              </a:ln>
+            </p:spPr>
+            <p:style>
+              <a:lnRef idx="2">
+                <a:schemeClr val="accent1">
+                  <a:shade val="50000"/>
+                </a:schemeClr>
+              </a:lnRef>
+              <a:fillRef idx="1">
+                <a:schemeClr val="accent1"/>
+              </a:fillRef>
+              <a:effectRef idx="0">
+                <a:schemeClr val="accent1"/>
+              </a:effectRef>
+              <a:fontRef idx="minor">
+                <a:schemeClr val="lt1"/>
+              </a:fontRef>
+            </p:style>
+            <p:txBody>
+              <a:bodyPr rtlCol="0" anchor="ctr"/>
+              <a:lstStyle/>
+              <a:p>
+                <a:pPr algn="ctr"/>
+                <a:endParaRPr lang="en-US">
+                  <a:solidFill>
+                    <a:schemeClr val="tx1"/>
+                  </a:solidFill>
+                </a:endParaRPr>
+              </a:p>
+            </p:txBody>
+          </p:sp>
+          <p:sp>
+            <p:nvSpPr>
+              <p:cNvPr id="39" name="Oval 38"/>
+              <p:cNvSpPr/>
+              <p:nvPr/>
+            </p:nvSpPr>
+            <p:spPr>
+              <a:xfrm>
+                <a:off x="6738431" y="3950348"/>
+                <a:ext cx="365663" cy="365663"/>
+              </a:xfrm>
+              <a:prstGeom prst="ellipse">
+                <a:avLst/>
+              </a:prstGeom>
+              <a:noFill/>
+              <a:ln w="25400">
+                <a:solidFill>
+                  <a:srgbClr val="7030A0"/>
+                </a:solidFill>
+              </a:ln>
+            </p:spPr>
+            <p:style>
+              <a:lnRef idx="2">
+                <a:schemeClr val="accent1">
+                  <a:shade val="50000"/>
+                </a:schemeClr>
+              </a:lnRef>
+              <a:fillRef idx="1">
+                <a:schemeClr val="accent1"/>
+              </a:fillRef>
+              <a:effectRef idx="0">
+                <a:schemeClr val="accent1"/>
+              </a:effectRef>
+              <a:fontRef idx="minor">
+                <a:schemeClr val="lt1"/>
+              </a:fontRef>
+            </p:style>
+            <p:txBody>
+              <a:bodyPr rtlCol="0" anchor="ctr"/>
+              <a:lstStyle/>
+              <a:p>
+                <a:pPr algn="ctr"/>
+                <a:endParaRPr lang="en-US">
+                  <a:solidFill>
+                    <a:schemeClr val="tx1"/>
+                  </a:solidFill>
+                </a:endParaRPr>
+              </a:p>
+            </p:txBody>
+          </p:sp>
+          <p:sp>
+            <p:nvSpPr>
+              <p:cNvPr id="40" name="Oval 39"/>
+              <p:cNvSpPr/>
+              <p:nvPr/>
+            </p:nvSpPr>
+            <p:spPr>
+              <a:xfrm>
+                <a:off x="7171017" y="3950348"/>
+                <a:ext cx="365663" cy="365663"/>
+              </a:xfrm>
+              <a:prstGeom prst="ellipse">
+                <a:avLst/>
+              </a:prstGeom>
+              <a:noFill/>
+              <a:ln w="25400">
+                <a:solidFill>
+                  <a:srgbClr val="7030A0"/>
+                </a:solidFill>
+              </a:ln>
+            </p:spPr>
+            <p:style>
+              <a:lnRef idx="2">
+                <a:schemeClr val="accent1">
+                  <a:shade val="50000"/>
+                </a:schemeClr>
+              </a:lnRef>
+              <a:fillRef idx="1">
+                <a:schemeClr val="accent1"/>
+              </a:fillRef>
+              <a:effectRef idx="0">
+                <a:schemeClr val="accent1"/>
+              </a:effectRef>
+              <a:fontRef idx="minor">
+                <a:schemeClr val="lt1"/>
+              </a:fontRef>
+            </p:style>
+            <p:txBody>
+              <a:bodyPr rtlCol="0" anchor="ctr"/>
+              <a:lstStyle/>
+              <a:p>
+                <a:pPr algn="ctr"/>
+                <a:endParaRPr lang="en-US">
+                  <a:solidFill>
+                    <a:schemeClr val="tx1"/>
+                  </a:solidFill>
+                </a:endParaRPr>
+              </a:p>
+            </p:txBody>
+          </p:sp>
+          <p:sp>
+            <p:nvSpPr>
+              <p:cNvPr id="41" name="Oval 40"/>
+              <p:cNvSpPr/>
+              <p:nvPr/>
+            </p:nvSpPr>
+            <p:spPr>
+              <a:xfrm>
+                <a:off x="7603603" y="3950348"/>
+                <a:ext cx="365663" cy="365663"/>
+              </a:xfrm>
+              <a:prstGeom prst="ellipse">
+                <a:avLst/>
+              </a:prstGeom>
+              <a:noFill/>
+              <a:ln w="25400">
+                <a:solidFill>
+                  <a:srgbClr val="7030A0"/>
+                </a:solidFill>
+              </a:ln>
+            </p:spPr>
+            <p:style>
+              <a:lnRef idx="2">
+                <a:schemeClr val="accent1">
+                  <a:shade val="50000"/>
+                </a:schemeClr>
+              </a:lnRef>
+              <a:fillRef idx="1">
+                <a:schemeClr val="accent1"/>
+              </a:fillRef>
+              <a:effectRef idx="0">
+                <a:schemeClr val="accent1"/>
+              </a:effectRef>
+              <a:fontRef idx="minor">
+                <a:schemeClr val="lt1"/>
+              </a:fontRef>
+            </p:style>
+            <p:txBody>
+              <a:bodyPr rtlCol="0" anchor="ctr"/>
+              <a:lstStyle/>
+              <a:p>
+                <a:pPr algn="ctr"/>
+                <a:endParaRPr lang="en-US">
+                  <a:solidFill>
+                    <a:schemeClr val="tx1"/>
+                  </a:solidFill>
+                </a:endParaRPr>
+              </a:p>
+            </p:txBody>
+          </p:sp>
+          <p:sp>
+            <p:nvSpPr>
+              <p:cNvPr id="42" name="Oval 41"/>
+              <p:cNvSpPr/>
+              <p:nvPr/>
+            </p:nvSpPr>
+            <p:spPr>
+              <a:xfrm>
+                <a:off x="5873259" y="3950348"/>
+                <a:ext cx="365663" cy="365663"/>
+              </a:xfrm>
+              <a:prstGeom prst="ellipse">
+                <a:avLst/>
+              </a:prstGeom>
+              <a:noFill/>
+              <a:ln w="25400">
+                <a:solidFill>
+                  <a:srgbClr val="7030A0"/>
+                </a:solidFill>
+              </a:ln>
+            </p:spPr>
+            <p:style>
+              <a:lnRef idx="2">
+                <a:schemeClr val="accent1">
+                  <a:shade val="50000"/>
+                </a:schemeClr>
+              </a:lnRef>
+              <a:fillRef idx="1">
+                <a:schemeClr val="accent1"/>
+              </a:fillRef>
+              <a:effectRef idx="0">
+                <a:schemeClr val="accent1"/>
+              </a:effectRef>
+              <a:fontRef idx="minor">
+                <a:schemeClr val="lt1"/>
+              </a:fontRef>
+            </p:style>
+            <p:txBody>
+              <a:bodyPr rtlCol="0" anchor="ctr"/>
+              <a:lstStyle/>
+              <a:p>
+                <a:pPr algn="ctr"/>
+                <a:endParaRPr lang="en-US">
+                  <a:solidFill>
+                    <a:schemeClr val="tx1"/>
+                  </a:solidFill>
+                </a:endParaRPr>
+              </a:p>
+            </p:txBody>
+          </p:sp>
+          <p:sp>
+            <p:nvSpPr>
+              <p:cNvPr id="43" name="Rectangle 42"/>
+              <p:cNvSpPr/>
+              <p:nvPr/>
+            </p:nvSpPr>
+            <p:spPr>
+              <a:xfrm>
+                <a:off x="5838484" y="3917173"/>
+                <a:ext cx="2169328" cy="441544"/>
+              </a:xfrm>
+              <a:prstGeom prst="rect">
+                <a:avLst/>
+              </a:prstGeom>
+              <a:noFill/>
+              <a:ln w="25400">
+                <a:solidFill>
+                  <a:srgbClr val="7030A0"/>
+                </a:solidFill>
+              </a:ln>
+            </p:spPr>
+            <p:style>
+              <a:lnRef idx="2">
+                <a:schemeClr val="accent1">
+                  <a:shade val="50000"/>
+                </a:schemeClr>
+              </a:lnRef>
+              <a:fillRef idx="1">
+                <a:schemeClr val="accent1"/>
+              </a:fillRef>
+              <a:effectRef idx="0">
+                <a:schemeClr val="accent1"/>
+              </a:effectRef>
+              <a:fontRef idx="minor">
+                <a:schemeClr val="lt1"/>
+              </a:fontRef>
+            </p:style>
+            <p:txBody>
+              <a:bodyPr rtlCol="0" anchor="ctr"/>
+              <a:lstStyle/>
+              <a:p>
+                <a:pPr algn="ctr"/>
+                <a:endParaRPr lang="en-US">
+                  <a:solidFill>
+                    <a:schemeClr val="tx1"/>
+                  </a:solidFill>
+                </a:endParaRPr>
+              </a:p>
+            </p:txBody>
+          </p:sp>
+        </p:grpSp>
+        <p:grpSp>
+          <p:nvGrpSpPr>
+            <p:cNvPr id="29" name="Group 28"/>
+            <p:cNvGrpSpPr/>
+            <p:nvPr/>
+          </p:nvGrpSpPr>
+          <p:grpSpPr>
+            <a:xfrm>
+              <a:off x="9478481" y="3600082"/>
+              <a:ext cx="1755761" cy="357367"/>
+              <a:chOff x="5838484" y="3917173"/>
+              <a:chExt cx="2169328" cy="441544"/>
+            </a:xfrm>
+          </p:grpSpPr>
+          <p:sp>
+            <p:nvSpPr>
+              <p:cNvPr id="32" name="Oval 31"/>
+              <p:cNvSpPr/>
+              <p:nvPr/>
+            </p:nvSpPr>
+            <p:spPr>
+              <a:xfrm>
+                <a:off x="6305845" y="3950348"/>
+                <a:ext cx="365663" cy="365663"/>
+              </a:xfrm>
+              <a:prstGeom prst="ellipse">
+                <a:avLst/>
+              </a:prstGeom>
+              <a:noFill/>
+              <a:ln w="25400">
+                <a:solidFill>
+                  <a:srgbClr val="7030A0"/>
+                </a:solidFill>
+              </a:ln>
+            </p:spPr>
+            <p:style>
+              <a:lnRef idx="2">
+                <a:schemeClr val="accent1">
+                  <a:shade val="50000"/>
+                </a:schemeClr>
+              </a:lnRef>
+              <a:fillRef idx="1">
+                <a:schemeClr val="accent1"/>
+              </a:fillRef>
+              <a:effectRef idx="0">
+                <a:schemeClr val="accent1"/>
+              </a:effectRef>
+              <a:fontRef idx="minor">
+                <a:schemeClr val="lt1"/>
+              </a:fontRef>
+            </p:style>
+            <p:txBody>
+              <a:bodyPr rtlCol="0" anchor="ctr"/>
+              <a:lstStyle/>
+              <a:p>
+                <a:pPr algn="ctr"/>
+                <a:endParaRPr lang="en-US" dirty="0" smtClean="0">
+                  <a:solidFill>
+                    <a:schemeClr val="tx1"/>
+                  </a:solidFill>
+                </a:endParaRPr>
+              </a:p>
+              <a:p>
+                <a:pPr algn="ctr"/>
+                <a:endParaRPr lang="en-US" dirty="0">
+                  <a:solidFill>
+                    <a:schemeClr val="tx1"/>
+                  </a:solidFill>
+                </a:endParaRPr>
+              </a:p>
+            </p:txBody>
+          </p:sp>
+          <p:sp>
+            <p:nvSpPr>
+              <p:cNvPr id="33" name="Oval 32"/>
+              <p:cNvSpPr/>
+              <p:nvPr/>
+            </p:nvSpPr>
+            <p:spPr>
+              <a:xfrm>
+                <a:off x="6738431" y="3950348"/>
+                <a:ext cx="365663" cy="365663"/>
+              </a:xfrm>
+              <a:prstGeom prst="ellipse">
+                <a:avLst/>
+              </a:prstGeom>
+              <a:noFill/>
+              <a:ln w="25400">
+                <a:solidFill>
+                  <a:srgbClr val="7030A0"/>
+                </a:solidFill>
+              </a:ln>
+            </p:spPr>
+            <p:style>
+              <a:lnRef idx="2">
+                <a:schemeClr val="accent1">
+                  <a:shade val="50000"/>
+                </a:schemeClr>
+              </a:lnRef>
+              <a:fillRef idx="1">
+                <a:schemeClr val="accent1"/>
+              </a:fillRef>
+              <a:effectRef idx="0">
+                <a:schemeClr val="accent1"/>
+              </a:effectRef>
+              <a:fontRef idx="minor">
+                <a:schemeClr val="lt1"/>
+              </a:fontRef>
+            </p:style>
+            <p:txBody>
+              <a:bodyPr rtlCol="0" anchor="ctr"/>
+              <a:lstStyle/>
+              <a:p>
+                <a:pPr algn="ctr"/>
+                <a:endParaRPr lang="en-US">
+                  <a:solidFill>
+                    <a:schemeClr val="tx1"/>
+                  </a:solidFill>
+                </a:endParaRPr>
+              </a:p>
+            </p:txBody>
+          </p:sp>
+          <p:sp>
+            <p:nvSpPr>
+              <p:cNvPr id="34" name="Oval 33"/>
+              <p:cNvSpPr/>
+              <p:nvPr/>
+            </p:nvSpPr>
+            <p:spPr>
+              <a:xfrm>
+                <a:off x="7171017" y="3950348"/>
+                <a:ext cx="365663" cy="365663"/>
+              </a:xfrm>
+              <a:prstGeom prst="ellipse">
+                <a:avLst/>
+              </a:prstGeom>
+              <a:noFill/>
+              <a:ln w="25400">
+                <a:solidFill>
+                  <a:srgbClr val="7030A0"/>
+                </a:solidFill>
+              </a:ln>
+            </p:spPr>
+            <p:style>
+              <a:lnRef idx="2">
+                <a:schemeClr val="accent1">
+                  <a:shade val="50000"/>
+                </a:schemeClr>
+              </a:lnRef>
+              <a:fillRef idx="1">
+                <a:schemeClr val="accent1"/>
+              </a:fillRef>
+              <a:effectRef idx="0">
+                <a:schemeClr val="accent1"/>
+              </a:effectRef>
+              <a:fontRef idx="minor">
+                <a:schemeClr val="lt1"/>
+              </a:fontRef>
+            </p:style>
+            <p:txBody>
+              <a:bodyPr rtlCol="0" anchor="ctr"/>
+              <a:lstStyle/>
+              <a:p>
+                <a:pPr algn="ctr"/>
+                <a:endParaRPr lang="en-US">
+                  <a:solidFill>
+                    <a:schemeClr val="tx1"/>
+                  </a:solidFill>
+                </a:endParaRPr>
+              </a:p>
+            </p:txBody>
+          </p:sp>
+          <p:sp>
+            <p:nvSpPr>
+              <p:cNvPr id="35" name="Oval 34"/>
+              <p:cNvSpPr/>
+              <p:nvPr/>
+            </p:nvSpPr>
+            <p:spPr>
+              <a:xfrm>
+                <a:off x="7603603" y="3950348"/>
+                <a:ext cx="365663" cy="365663"/>
+              </a:xfrm>
+              <a:prstGeom prst="ellipse">
+                <a:avLst/>
+              </a:prstGeom>
+              <a:noFill/>
+              <a:ln w="25400">
+                <a:solidFill>
+                  <a:srgbClr val="7030A0"/>
+                </a:solidFill>
+              </a:ln>
+            </p:spPr>
+            <p:style>
+              <a:lnRef idx="2">
+                <a:schemeClr val="accent1">
+                  <a:shade val="50000"/>
+                </a:schemeClr>
+              </a:lnRef>
+              <a:fillRef idx="1">
+                <a:schemeClr val="accent1"/>
+              </a:fillRef>
+              <a:effectRef idx="0">
+                <a:schemeClr val="accent1"/>
+              </a:effectRef>
+              <a:fontRef idx="minor">
+                <a:schemeClr val="lt1"/>
+              </a:fontRef>
+            </p:style>
+            <p:txBody>
+              <a:bodyPr rtlCol="0" anchor="ctr"/>
+              <a:lstStyle/>
+              <a:p>
+                <a:pPr algn="ctr"/>
+                <a:endParaRPr lang="en-US">
+                  <a:solidFill>
+                    <a:schemeClr val="tx1"/>
+                  </a:solidFill>
+                </a:endParaRPr>
+              </a:p>
+            </p:txBody>
+          </p:sp>
+          <p:sp>
+            <p:nvSpPr>
+              <p:cNvPr id="36" name="Oval 35"/>
+              <p:cNvSpPr/>
+              <p:nvPr/>
+            </p:nvSpPr>
+            <p:spPr>
+              <a:xfrm>
+                <a:off x="5873259" y="3950348"/>
+                <a:ext cx="365663" cy="365663"/>
+              </a:xfrm>
+              <a:prstGeom prst="ellipse">
+                <a:avLst/>
+              </a:prstGeom>
+              <a:noFill/>
+              <a:ln w="25400">
+                <a:solidFill>
+                  <a:srgbClr val="7030A0"/>
+                </a:solidFill>
+              </a:ln>
+            </p:spPr>
+            <p:style>
+              <a:lnRef idx="2">
+                <a:schemeClr val="accent1">
+                  <a:shade val="50000"/>
+                </a:schemeClr>
+              </a:lnRef>
+              <a:fillRef idx="1">
+                <a:schemeClr val="accent1"/>
+              </a:fillRef>
+              <a:effectRef idx="0">
+                <a:schemeClr val="accent1"/>
+              </a:effectRef>
+              <a:fontRef idx="minor">
+                <a:schemeClr val="lt1"/>
+              </a:fontRef>
+            </p:style>
+            <p:txBody>
+              <a:bodyPr rtlCol="0" anchor="ctr"/>
+              <a:lstStyle/>
+              <a:p>
+                <a:pPr algn="ctr"/>
+                <a:endParaRPr lang="en-US">
+                  <a:solidFill>
+                    <a:schemeClr val="tx1"/>
+                  </a:solidFill>
+                </a:endParaRPr>
+              </a:p>
+            </p:txBody>
+          </p:sp>
+          <p:sp>
+            <p:nvSpPr>
+              <p:cNvPr id="37" name="Rectangle 36"/>
+              <p:cNvSpPr/>
+              <p:nvPr/>
+            </p:nvSpPr>
+            <p:spPr>
+              <a:xfrm>
+                <a:off x="5838484" y="3917173"/>
+                <a:ext cx="2169328" cy="441544"/>
+              </a:xfrm>
+              <a:prstGeom prst="rect">
+                <a:avLst/>
+              </a:prstGeom>
+              <a:noFill/>
+              <a:ln w="25400">
+                <a:solidFill>
+                  <a:srgbClr val="7030A0"/>
+                </a:solidFill>
+              </a:ln>
+            </p:spPr>
+            <p:style>
+              <a:lnRef idx="2">
+                <a:schemeClr val="accent1">
+                  <a:shade val="50000"/>
+                </a:schemeClr>
+              </a:lnRef>
+              <a:fillRef idx="1">
+                <a:schemeClr val="accent1"/>
+              </a:fillRef>
+              <a:effectRef idx="0">
+                <a:schemeClr val="accent1"/>
+              </a:effectRef>
+              <a:fontRef idx="minor">
+                <a:schemeClr val="lt1"/>
+              </a:fontRef>
+            </p:style>
+            <p:txBody>
+              <a:bodyPr rtlCol="0" anchor="ctr"/>
+              <a:lstStyle/>
+              <a:p>
+                <a:pPr algn="ctr"/>
+                <a:endParaRPr lang="en-US">
+                  <a:solidFill>
+                    <a:schemeClr val="tx1"/>
+                  </a:solidFill>
+                </a:endParaRPr>
+              </a:p>
+            </p:txBody>
+          </p:sp>
+        </p:grpSp>
+        <p:cxnSp>
+          <p:nvCxnSpPr>
+            <p:cNvPr id="30" name="Straight Arrow Connector 29"/>
+            <p:cNvCxnSpPr/>
+            <p:nvPr/>
+          </p:nvCxnSpPr>
+          <p:spPr>
+            <a:xfrm flipV="1">
+              <a:off x="10356361" y="3957449"/>
+              <a:ext cx="0" cy="230954"/>
+            </a:xfrm>
+            <a:prstGeom prst="straightConnector1">
+              <a:avLst/>
+            </a:prstGeom>
+            <a:ln w="50800">
+              <a:solidFill>
+                <a:srgbClr val="00C6BA"/>
+              </a:solidFill>
+              <a:tailEnd type="triangle"/>
+            </a:ln>
+            <a:effectLst/>
+          </p:spPr>
+          <p:style>
+            <a:lnRef idx="2">
+              <a:schemeClr val="accent1"/>
+            </a:lnRef>
+            <a:fillRef idx="0">
+              <a:schemeClr val="accent1"/>
+            </a:fillRef>
+            <a:effectRef idx="1">
+              <a:schemeClr val="accent1"/>
+            </a:effectRef>
+            <a:fontRef idx="minor">
+              <a:schemeClr val="tx1"/>
+            </a:fontRef>
+          </p:style>
+        </p:cxnSp>
+        <p:sp>
+          <p:nvSpPr>
+            <p:cNvPr id="31" name="TextBox 30"/>
+            <p:cNvSpPr txBox="1"/>
+            <p:nvPr/>
+          </p:nvSpPr>
+          <p:spPr>
+            <a:xfrm>
+              <a:off x="10125683" y="3915423"/>
+              <a:ext cx="466794" cy="569387"/>
+            </a:xfrm>
+            <a:prstGeom prst="rect">
+              <a:avLst/>
+            </a:prstGeom>
+            <a:noFill/>
+            <a:ln>
+              <a:noFill/>
+            </a:ln>
+          </p:spPr>
+          <p:txBody>
+            <a:bodyPr wrap="none" rtlCol="0">
+              <a:spAutoFit/>
+            </a:bodyPr>
+            <a:lstStyle/>
+            <a:p>
+              <a:r>
+                <a:rPr lang="mr-IN" sz="3100" b="1" dirty="0" smtClean="0">
+                  <a:solidFill>
+                    <a:srgbClr val="7030A0"/>
+                  </a:solidFill>
+                  <a:latin typeface="+mn-lt"/>
+                </a:rPr>
+                <a:t>…</a:t>
+              </a:r>
+              <a:endParaRPr lang="en-US" sz="3100" b="1" dirty="0">
+                <a:solidFill>
+                  <a:srgbClr val="7030A0"/>
+                </a:solidFill>
+                <a:latin typeface="+mn-lt"/>
+              </a:endParaRPr>
+            </a:p>
+          </p:txBody>
+        </p:sp>
+        <p:sp>
+          <p:nvSpPr>
+            <p:cNvPr id="57" name="TextBox 56"/>
+            <p:cNvSpPr txBox="1"/>
+            <p:nvPr/>
+          </p:nvSpPr>
+          <p:spPr>
+            <a:xfrm>
+              <a:off x="11447886" y="6089513"/>
+              <a:ext cx="744114" cy="344710"/>
+            </a:xfrm>
+            <a:prstGeom prst="rect">
+              <a:avLst/>
+            </a:prstGeom>
+            <a:noFill/>
+            <a:ln w="28575">
+              <a:solidFill>
+                <a:schemeClr val="accent1"/>
+              </a:solidFill>
+              <a:prstDash val="sysDot"/>
+            </a:ln>
+          </p:spPr>
+          <p:txBody>
+            <a:bodyPr wrap="none" tIns="18288" rIns="91440" bIns="18288" rtlCol="0">
+              <a:spAutoFit/>
+            </a:bodyPr>
+            <a:lstStyle/>
+            <a:p>
+              <a:r>
+                <a:rPr lang="en-US" sz="2000" b="1" i="1" dirty="0" smtClean="0">
+                  <a:solidFill>
+                    <a:srgbClr val="0F6FC6"/>
+                  </a:solidFill>
+                  <a:latin typeface="+mn-lt"/>
+                </a:rPr>
+                <a:t>noise</a:t>
+              </a:r>
+              <a:endParaRPr lang="en-US" sz="2000" b="1" i="1" dirty="0">
+                <a:solidFill>
+                  <a:srgbClr val="0F6FC6"/>
+                </a:solidFill>
+                <a:latin typeface="+mn-lt"/>
+              </a:endParaRPr>
+            </a:p>
+          </p:txBody>
+        </p:sp>
+        <p:cxnSp>
+          <p:nvCxnSpPr>
+            <p:cNvPr id="58" name="Straight Arrow Connector 57"/>
+            <p:cNvCxnSpPr/>
+            <p:nvPr/>
+          </p:nvCxnSpPr>
+          <p:spPr>
+            <a:xfrm flipH="1" flipV="1">
+              <a:off x="11234242" y="5863207"/>
+              <a:ext cx="213644" cy="398661"/>
+            </a:xfrm>
+            <a:prstGeom prst="straightConnector1">
+              <a:avLst/>
+            </a:prstGeom>
+            <a:ln w="31750">
+              <a:solidFill>
+                <a:schemeClr val="accent1"/>
+              </a:solidFill>
+              <a:prstDash val="sysDot"/>
+              <a:tailEnd type="triangle"/>
+            </a:ln>
+            <a:effectLst/>
+          </p:spPr>
+          <p:style>
+            <a:lnRef idx="2">
+              <a:schemeClr val="accent1"/>
+            </a:lnRef>
+            <a:fillRef idx="0">
+              <a:schemeClr val="accent1"/>
+            </a:fillRef>
+            <a:effectRef idx="1">
+              <a:schemeClr val="accent1"/>
+            </a:effectRef>
+            <a:fontRef idx="minor">
+              <a:schemeClr val="tx1"/>
+            </a:fontRef>
+          </p:style>
+        </p:cxnSp>
+        <p:sp>
+          <p:nvSpPr>
+            <p:cNvPr id="59" name="Curved Right Arrow 58"/>
+            <p:cNvSpPr/>
+            <p:nvPr/>
+          </p:nvSpPr>
+          <p:spPr>
+            <a:xfrm rot="10800000" flipH="1">
+              <a:off x="8602126" y="3615700"/>
+              <a:ext cx="740780" cy="2891469"/>
+            </a:xfrm>
+            <a:prstGeom prst="curvedRightArrow">
+              <a:avLst/>
+            </a:prstGeom>
+            <a:solidFill>
+              <a:schemeClr val="bg1">
+                <a:lumMod val="65000"/>
+              </a:schemeClr>
+            </a:solidFill>
+            <a:ln w="25400">
+              <a:solidFill>
+                <a:schemeClr val="bg1">
+                  <a:lumMod val="65000"/>
+                </a:schemeClr>
+              </a:solidFill>
+            </a:ln>
+          </p:spPr>
+          <p:style>
+            <a:lnRef idx="2">
+              <a:schemeClr val="accent1">
+                <a:shade val="50000"/>
+              </a:schemeClr>
+            </a:lnRef>
+            <a:fillRef idx="1">
+              <a:schemeClr val="accent1"/>
+            </a:fillRef>
+            <a:effectRef idx="0">
+              <a:schemeClr val="accent1"/>
+            </a:effectRef>
+            <a:fontRef idx="minor">
+              <a:schemeClr val="lt1"/>
+            </a:fontRef>
+          </p:style>
+          <p:txBody>
+            <a:bodyPr rtlCol="0" anchor="ctr"/>
+            <a:lstStyle/>
+            <a:p>
+              <a:pPr algn="ctr"/>
+              <a:endParaRPr lang="en-US">
+                <a:solidFill>
+                  <a:schemeClr val="tx1"/>
+                </a:solidFill>
+              </a:endParaRPr>
+            </a:p>
+          </p:txBody>
+        </p:sp>
+        <p:sp>
+          <p:nvSpPr>
+            <p:cNvPr id="60" name="TextBox 59"/>
+            <p:cNvSpPr txBox="1"/>
+            <p:nvPr/>
+          </p:nvSpPr>
+          <p:spPr>
+            <a:xfrm rot="16200000">
+              <a:off x="7488237" y="4426062"/>
+              <a:ext cx="1679691" cy="400110"/>
+            </a:xfrm>
+            <a:prstGeom prst="rect">
+              <a:avLst/>
+            </a:prstGeom>
+            <a:noFill/>
+          </p:spPr>
+          <p:txBody>
+            <a:bodyPr wrap="none" rtlCol="0">
+              <a:spAutoFit/>
+            </a:bodyPr>
+            <a:lstStyle/>
+            <a:p>
+              <a:r>
+                <a:rPr lang="en-US" sz="2000" b="1" dirty="0" smtClean="0">
+                  <a:solidFill>
+                    <a:schemeClr val="bg1">
+                      <a:lumMod val="65000"/>
+                    </a:schemeClr>
+                  </a:solidFill>
+                  <a:latin typeface="+mn-lt"/>
+                </a:rPr>
+                <a:t>training signal</a:t>
+              </a:r>
+              <a:endParaRPr lang="en-US" sz="2000" b="1" dirty="0">
+                <a:solidFill>
+                  <a:schemeClr val="bg1">
+                    <a:lumMod val="65000"/>
+                  </a:schemeClr>
+                </a:solidFill>
+                <a:latin typeface="+mn-lt"/>
+              </a:endParaRPr>
+            </a:p>
+          </p:txBody>
+        </p:sp>
+        <p:grpSp>
+          <p:nvGrpSpPr>
+            <p:cNvPr id="69" name="Group 68"/>
+            <p:cNvGrpSpPr/>
+            <p:nvPr/>
+          </p:nvGrpSpPr>
+          <p:grpSpPr>
+            <a:xfrm>
+              <a:off x="9476954" y="6235973"/>
+              <a:ext cx="1755761" cy="357367"/>
+              <a:chOff x="9632407" y="5727866"/>
+              <a:chExt cx="1755761" cy="357367"/>
+            </a:xfrm>
+          </p:grpSpPr>
+          <p:sp>
+            <p:nvSpPr>
+              <p:cNvPr id="63" name="Oval 62"/>
+              <p:cNvSpPr/>
+              <p:nvPr/>
+            </p:nvSpPr>
+            <p:spPr>
+              <a:xfrm>
+                <a:off x="10010669" y="5754716"/>
+                <a:ext cx="295952" cy="295952"/>
+              </a:xfrm>
+              <a:prstGeom prst="ellipse">
+                <a:avLst/>
+              </a:prstGeom>
+              <a:noFill/>
+              <a:ln w="25400">
+                <a:solidFill>
+                  <a:srgbClr val="0000FF"/>
+                </a:solidFill>
+              </a:ln>
+            </p:spPr>
+            <p:style>
+              <a:lnRef idx="2">
+                <a:schemeClr val="accent1">
+                  <a:shade val="50000"/>
+                </a:schemeClr>
+              </a:lnRef>
+              <a:fillRef idx="1">
+                <a:schemeClr val="accent1"/>
+              </a:fillRef>
+              <a:effectRef idx="0">
+                <a:schemeClr val="accent1"/>
+              </a:effectRef>
+              <a:fontRef idx="minor">
+                <a:schemeClr val="lt1"/>
+              </a:fontRef>
+            </p:style>
+            <p:txBody>
+              <a:bodyPr rtlCol="0" anchor="ctr"/>
+              <a:lstStyle/>
+              <a:p>
+                <a:pPr algn="ctr"/>
+                <a:endParaRPr lang="en-US">
+                  <a:solidFill>
+                    <a:schemeClr val="tx1"/>
+                  </a:solidFill>
+                </a:endParaRPr>
+              </a:p>
+            </p:txBody>
+          </p:sp>
+          <p:sp>
+            <p:nvSpPr>
+              <p:cNvPr id="64" name="Oval 63"/>
+              <p:cNvSpPr/>
+              <p:nvPr/>
+            </p:nvSpPr>
+            <p:spPr>
+              <a:xfrm>
+                <a:off x="10360785" y="5754716"/>
+                <a:ext cx="295952" cy="295952"/>
+              </a:xfrm>
+              <a:prstGeom prst="ellipse">
+                <a:avLst/>
+              </a:prstGeom>
+              <a:noFill/>
+              <a:ln w="25400">
+                <a:solidFill>
+                  <a:srgbClr val="0000FF"/>
+                </a:solidFill>
+              </a:ln>
+            </p:spPr>
+            <p:style>
+              <a:lnRef idx="2">
+                <a:schemeClr val="accent1">
+                  <a:shade val="50000"/>
+                </a:schemeClr>
+              </a:lnRef>
+              <a:fillRef idx="1">
+                <a:schemeClr val="accent1"/>
+              </a:fillRef>
+              <a:effectRef idx="0">
+                <a:schemeClr val="accent1"/>
+              </a:effectRef>
+              <a:fontRef idx="minor">
+                <a:schemeClr val="lt1"/>
+              </a:fontRef>
+            </p:style>
+            <p:txBody>
+              <a:bodyPr rtlCol="0" anchor="ctr"/>
+              <a:lstStyle/>
+              <a:p>
+                <a:pPr algn="ctr"/>
+                <a:endParaRPr lang="en-US">
+                  <a:solidFill>
+                    <a:schemeClr val="tx1"/>
+                  </a:solidFill>
+                </a:endParaRPr>
+              </a:p>
+            </p:txBody>
+          </p:sp>
+          <p:sp>
+            <p:nvSpPr>
+              <p:cNvPr id="65" name="Oval 64"/>
+              <p:cNvSpPr/>
+              <p:nvPr/>
+            </p:nvSpPr>
+            <p:spPr>
+              <a:xfrm>
+                <a:off x="10710902" y="5754716"/>
+                <a:ext cx="295952" cy="295952"/>
+              </a:xfrm>
+              <a:prstGeom prst="ellipse">
+                <a:avLst/>
+              </a:prstGeom>
+              <a:noFill/>
+              <a:ln w="25400">
+                <a:solidFill>
+                  <a:srgbClr val="0000FF"/>
+                </a:solidFill>
+              </a:ln>
+            </p:spPr>
+            <p:style>
+              <a:lnRef idx="2">
+                <a:schemeClr val="accent1">
+                  <a:shade val="50000"/>
+                </a:schemeClr>
+              </a:lnRef>
+              <a:fillRef idx="1">
+                <a:schemeClr val="accent1"/>
+              </a:fillRef>
+              <a:effectRef idx="0">
+                <a:schemeClr val="accent1"/>
+              </a:effectRef>
+              <a:fontRef idx="minor">
+                <a:schemeClr val="lt1"/>
+              </a:fontRef>
+            </p:style>
+            <p:txBody>
+              <a:bodyPr rtlCol="0" anchor="ctr"/>
+              <a:lstStyle/>
+              <a:p>
+                <a:pPr algn="ctr"/>
+                <a:endParaRPr lang="en-US">
+                  <a:solidFill>
+                    <a:schemeClr val="tx1"/>
+                  </a:solidFill>
+                </a:endParaRPr>
+              </a:p>
+            </p:txBody>
+          </p:sp>
+          <p:sp>
+            <p:nvSpPr>
+              <p:cNvPr id="66" name="Oval 65"/>
+              <p:cNvSpPr/>
+              <p:nvPr/>
+            </p:nvSpPr>
+            <p:spPr>
+              <a:xfrm>
+                <a:off x="11061019" y="5754716"/>
+                <a:ext cx="295952" cy="295952"/>
+              </a:xfrm>
+              <a:prstGeom prst="ellipse">
+                <a:avLst/>
+              </a:prstGeom>
+              <a:noFill/>
+              <a:ln w="25400">
+                <a:solidFill>
+                  <a:srgbClr val="0000FF"/>
+                </a:solidFill>
+              </a:ln>
+            </p:spPr>
+            <p:style>
+              <a:lnRef idx="2">
+                <a:schemeClr val="accent1">
+                  <a:shade val="50000"/>
+                </a:schemeClr>
+              </a:lnRef>
+              <a:fillRef idx="1">
+                <a:schemeClr val="accent1"/>
+              </a:fillRef>
+              <a:effectRef idx="0">
+                <a:schemeClr val="accent1"/>
+              </a:effectRef>
+              <a:fontRef idx="minor">
+                <a:schemeClr val="lt1"/>
+              </a:fontRef>
+            </p:style>
+            <p:txBody>
+              <a:bodyPr rtlCol="0" anchor="ctr"/>
+              <a:lstStyle/>
+              <a:p>
+                <a:pPr algn="ctr"/>
+                <a:endParaRPr lang="en-US">
+                  <a:solidFill>
+                    <a:schemeClr val="tx1"/>
+                  </a:solidFill>
+                </a:endParaRPr>
+              </a:p>
+            </p:txBody>
+          </p:sp>
+          <p:sp>
+            <p:nvSpPr>
+              <p:cNvPr id="67" name="Oval 66"/>
+              <p:cNvSpPr/>
+              <p:nvPr/>
+            </p:nvSpPr>
+            <p:spPr>
+              <a:xfrm>
+                <a:off x="9660552" y="5754716"/>
+                <a:ext cx="295952" cy="295952"/>
+              </a:xfrm>
+              <a:prstGeom prst="ellipse">
+                <a:avLst/>
+              </a:prstGeom>
+              <a:noFill/>
+              <a:ln w="25400">
+                <a:solidFill>
+                  <a:srgbClr val="0000FF"/>
+                </a:solidFill>
+              </a:ln>
+            </p:spPr>
+            <p:style>
+              <a:lnRef idx="2">
+                <a:schemeClr val="accent1">
+                  <a:shade val="50000"/>
+                </a:schemeClr>
+              </a:lnRef>
+              <a:fillRef idx="1">
+                <a:schemeClr val="accent1"/>
+              </a:fillRef>
+              <a:effectRef idx="0">
+                <a:schemeClr val="accent1"/>
+              </a:effectRef>
+              <a:fontRef idx="minor">
+                <a:schemeClr val="lt1"/>
+              </a:fontRef>
+            </p:style>
+            <p:txBody>
+              <a:bodyPr rtlCol="0" anchor="ctr"/>
+              <a:lstStyle/>
+              <a:p>
+                <a:pPr algn="ctr"/>
+                <a:endParaRPr lang="en-US" dirty="0">
+                  <a:solidFill>
+                    <a:schemeClr val="tx1"/>
+                  </a:solidFill>
+                </a:endParaRPr>
+              </a:p>
+            </p:txBody>
+          </p:sp>
+          <p:sp>
+            <p:nvSpPr>
+              <p:cNvPr id="68" name="Rectangle 67"/>
+              <p:cNvSpPr/>
+              <p:nvPr/>
+            </p:nvSpPr>
+            <p:spPr>
+              <a:xfrm>
+                <a:off x="9632407" y="5727866"/>
+                <a:ext cx="1755761" cy="357367"/>
+              </a:xfrm>
+              <a:prstGeom prst="rect">
+                <a:avLst/>
+              </a:prstGeom>
+              <a:noFill/>
+              <a:ln w="25400">
+                <a:solidFill>
+                  <a:srgbClr val="0000FF"/>
+                </a:solidFill>
+              </a:ln>
+            </p:spPr>
+            <p:style>
+              <a:lnRef idx="2">
+                <a:schemeClr val="accent1">
+                  <a:shade val="50000"/>
+                </a:schemeClr>
+              </a:lnRef>
+              <a:fillRef idx="1">
+                <a:schemeClr val="accent1"/>
+              </a:fillRef>
+              <a:effectRef idx="0">
+                <a:schemeClr val="accent1"/>
+              </a:effectRef>
+              <a:fontRef idx="minor">
+                <a:schemeClr val="lt1"/>
+              </a:fontRef>
+            </p:style>
+            <p:txBody>
+              <a:bodyPr rtlCol="0" anchor="ctr"/>
+              <a:lstStyle/>
+              <a:p>
+                <a:pPr algn="ctr"/>
+                <a:endParaRPr lang="en-US">
+                  <a:solidFill>
+                    <a:schemeClr val="tx1"/>
+                  </a:solidFill>
+                </a:endParaRPr>
+              </a:p>
+            </p:txBody>
+          </p:sp>
+        </p:grpSp>
+      </p:grpSp>
     </p:spTree>
     <p:extLst>
       <p:ext uri="{BB962C8B-B14F-4D97-AF65-F5344CB8AC3E}">
-        <p14:creationId xmlns:p14="http://schemas.microsoft.com/office/powerpoint/2010/main" val="834465896"/>
+        <p14:creationId xmlns:p14="http://schemas.microsoft.com/office/powerpoint/2010/main" val="529437809"/>
       </p:ext>
     </p:extLst>
   </p:cSld>
   <p:clrMapOvr>
     <a:masterClrMapping/>
   </p:clrMapOvr>
-  <p:timing>
-    <p:tnLst>
-      <p:par>
-        <p:cTn id="1" dur="indefinite" restart="never" nodeType="tmRoot"/>
-      </p:par>
-    </p:tnLst>
-  </p:timing>
 </p:sld>
 </file>
 
-<file path=ppt/slides/slide10.xml><?xml version="1.0" encoding="utf-8"?>
+<file path=ppt/slides/slide11.xml><?xml version="1.0" encoding="utf-8"?>
 <p:sld xmlns:a="http://schemas.openxmlformats.org/drawingml/2006/main" xmlns:r="http://schemas.openxmlformats.org/officeDocument/2006/relationships" xmlns:p="http://schemas.openxmlformats.org/presentationml/2006/main">
   <p:cSld>
     <p:spTree>
@@ -5646,7 +9137,7 @@
 </p:sld>
 </file>
 
-<file path=ppt/slides/slide11.xml><?xml version="1.0" encoding="utf-8"?>
+<file path=ppt/slides/slide12.xml><?xml version="1.0" encoding="utf-8"?>
 <p:sld xmlns:a="http://schemas.openxmlformats.org/drawingml/2006/main" xmlns:r="http://schemas.openxmlformats.org/officeDocument/2006/relationships" xmlns:p="http://schemas.openxmlformats.org/presentationml/2006/main">
   <p:cSld>
     <p:spTree>
@@ -5680,7 +9171,7 @@
           <a:p>
             <a:r>
               <a:rPr lang="en-US" dirty="0" smtClean="0"/>
-              <a:t>Results</a:t>
+              <a:t>Parity Function</a:t>
             </a:r>
             <a:endParaRPr lang="en-US" dirty="0"/>
           </a:p>
@@ -5997,7 +9488,7 @@
 </p:sld>
 </file>
 
-<file path=ppt/slides/slide12.xml><?xml version="1.0" encoding="utf-8"?>
+<file path=ppt/slides/slide13.xml><?xml version="1.0" encoding="utf-8"?>
 <p:sld xmlns:a="http://schemas.openxmlformats.org/drawingml/2006/main" xmlns:r="http://schemas.openxmlformats.org/officeDocument/2006/relationships" xmlns:p="http://schemas.openxmlformats.org/presentationml/2006/main">
   <p:cSld>
     <p:spTree>
@@ -6031,7 +9522,7 @@
           <a:p>
             <a:r>
               <a:rPr lang="en-US" dirty="0" smtClean="0"/>
-              <a:t>Results</a:t>
+              <a:t>Majority Function</a:t>
             </a:r>
             <a:endParaRPr lang="en-US" dirty="0"/>
           </a:p>
@@ -6093,7 +9584,7 @@
           <p:nvPr>
             <p:extLst>
               <p:ext uri="{D42A27DB-BD31-4B8C-83A1-F6EECF244321}">
-                <p14:modId xmlns:p14="http://schemas.microsoft.com/office/powerpoint/2010/main" val="1047165344"/>
+                <p14:modId xmlns:p14="http://schemas.microsoft.com/office/powerpoint/2010/main" val="390563937"/>
               </p:ext>
             </p:extLst>
           </p:nvPr>
@@ -6195,8 +9686,12 @@
                     <a:lstStyle/>
                     <a:p>
                       <a:r>
+                        <a:rPr lang="en-US" dirty="0" err="1" smtClean="0"/>
+                        <a:t>testset</a:t>
+                      </a:r>
+                      <a:r>
                         <a:rPr lang="en-US" dirty="0" smtClean="0"/>
-                        <a:t>training set accuracy</a:t>
+                        <a:t> accuracy</a:t>
                       </a:r>
                       <a:endParaRPr lang="en-US" dirty="0"/>
                     </a:p>
@@ -6317,7 +9812,589 @@
 </p:sld>
 </file>
 
+<file path=ppt/slides/slide14.xml><?xml version="1.0" encoding="utf-8"?>
+<p:sld xmlns:a="http://schemas.openxmlformats.org/drawingml/2006/main" xmlns:r="http://schemas.openxmlformats.org/officeDocument/2006/relationships" xmlns:p="http://schemas.openxmlformats.org/presentationml/2006/main">
+  <p:cSld>
+    <p:spTree>
+      <p:nvGrpSpPr>
+        <p:cNvPr id="1" name=""/>
+        <p:cNvGrpSpPr/>
+        <p:nvPr/>
+      </p:nvGrpSpPr>
+      <p:grpSpPr>
+        <a:xfrm>
+          <a:off x="0" y="0"/>
+          <a:ext cx="0" cy="0"/>
+          <a:chOff x="0" y="0"/>
+          <a:chExt cx="0" cy="0"/>
+        </a:xfrm>
+      </p:grpSpPr>
+      <p:sp>
+        <p:nvSpPr>
+          <p:cNvPr id="2" name="Title 1"/>
+          <p:cNvSpPr>
+            <a:spLocks noGrp="1"/>
+          </p:cNvSpPr>
+          <p:nvPr>
+            <p:ph type="title"/>
+          </p:nvPr>
+        </p:nvSpPr>
+        <p:spPr/>
+        <p:txBody>
+          <a:bodyPr/>
+          <a:lstStyle/>
+          <a:p>
+            <a:r>
+              <a:rPr lang="en-US" dirty="0" err="1" smtClean="0"/>
+              <a:t>Reber</a:t>
+            </a:r>
+            <a:r>
+              <a:rPr lang="en-US" dirty="0" smtClean="0"/>
+              <a:t> Grammar</a:t>
+            </a:r>
+            <a:endParaRPr lang="en-US" dirty="0"/>
+          </a:p>
+        </p:txBody>
+      </p:sp>
+      <p:sp>
+        <p:nvSpPr>
+          <p:cNvPr id="3" name="Content Placeholder 2"/>
+          <p:cNvSpPr>
+            <a:spLocks noGrp="1"/>
+          </p:cNvSpPr>
+          <p:nvPr>
+            <p:ph idx="1"/>
+          </p:nvPr>
+        </p:nvSpPr>
+        <p:spPr/>
+        <p:txBody>
+          <a:bodyPr/>
+          <a:lstStyle/>
+          <a:p>
+            <a:r>
+              <a:rPr lang="en-US" dirty="0" smtClean="0"/>
+              <a:t>Learning </a:t>
+            </a:r>
+            <a:r>
+              <a:rPr lang="en-US" dirty="0" err="1" smtClean="0"/>
+              <a:t>Reber</a:t>
+            </a:r>
+            <a:r>
+              <a:rPr lang="en-US" dirty="0" smtClean="0"/>
+              <a:t> grammar</a:t>
+            </a:r>
+          </a:p>
+          <a:p>
+            <a:pPr lvl="1"/>
+            <a:r>
+              <a:rPr lang="en-US" dirty="0" smtClean="0"/>
+              <a:t>200 training, 200 testing</a:t>
+            </a:r>
+          </a:p>
+          <a:p>
+            <a:pPr lvl="1"/>
+            <a:r>
+              <a:rPr lang="en-US" dirty="0" smtClean="0"/>
+              <a:t>sequences up to 15 elements long, with B and E markers</a:t>
+            </a:r>
+          </a:p>
+        </p:txBody>
+      </p:sp>
+      <p:graphicFrame>
+        <p:nvGraphicFramePr>
+          <p:cNvPr id="4" name="Table 3"/>
+          <p:cNvGraphicFramePr>
+            <a:graphicFrameLocks noGrp="1"/>
+          </p:cNvGraphicFramePr>
+          <p:nvPr>
+            <p:extLst>
+              <p:ext uri="{D42A27DB-BD31-4B8C-83A1-F6EECF244321}">
+                <p14:modId xmlns:p14="http://schemas.microsoft.com/office/powerpoint/2010/main" val="1720196130"/>
+              </p:ext>
+            </p:extLst>
+          </p:nvPr>
+        </p:nvGraphicFramePr>
+        <p:xfrm>
+          <a:off x="3403600" y="3903416"/>
+          <a:ext cx="6502400" cy="2603754"/>
+        </p:xfrm>
+        <a:graphic>
+          <a:graphicData uri="http://schemas.openxmlformats.org/drawingml/2006/table">
+            <a:tbl>
+              <a:tblPr firstRow="1" bandRow="1">
+                <a:tableStyleId>{5C22544A-7EE6-4342-B048-85BDC9FD1C3A}</a:tableStyleId>
+              </a:tblPr>
+              <a:tblGrid>
+                <a:gridCol w="1625600"/>
+                <a:gridCol w="1625600"/>
+                <a:gridCol w="1625600"/>
+                <a:gridCol w="1625600"/>
+              </a:tblGrid>
+              <a:tr h="370840">
+                <a:tc>
+                  <a:txBody>
+                    <a:bodyPr/>
+                    <a:lstStyle/>
+                    <a:p>
+                      <a:endParaRPr lang="en-US" dirty="0"/>
+                    </a:p>
+                  </a:txBody>
+                  <a:tcPr/>
+                </a:tc>
+                <a:tc>
+                  <a:txBody>
+                    <a:bodyPr/>
+                    <a:lstStyle/>
+                    <a:p>
+                      <a:r>
+                        <a:rPr lang="en-US" dirty="0" smtClean="0"/>
+                        <a:t>generic (</a:t>
+                      </a:r>
+                      <a:r>
+                        <a:rPr lang="en-US" dirty="0" err="1" smtClean="0"/>
+                        <a:t>tanh</a:t>
+                      </a:r>
+                      <a:r>
+                        <a:rPr lang="en-US" dirty="0" smtClean="0"/>
+                        <a:t>) RNN</a:t>
+                      </a:r>
+                      <a:endParaRPr lang="en-US" dirty="0"/>
+                    </a:p>
+                  </a:txBody>
+                  <a:tcPr/>
+                </a:tc>
+                <a:tc>
+                  <a:txBody>
+                    <a:bodyPr/>
+                    <a:lstStyle/>
+                    <a:p>
+                      <a:r>
+                        <a:rPr lang="en-US" dirty="0" smtClean="0"/>
+                        <a:t>state-</a:t>
+                      </a:r>
+                      <a:r>
+                        <a:rPr lang="en-US" dirty="0" err="1" smtClean="0"/>
+                        <a:t>denoised</a:t>
+                      </a:r>
+                      <a:r>
+                        <a:rPr lang="en-US" baseline="0" dirty="0" smtClean="0"/>
+                        <a:t> RNN</a:t>
+                      </a:r>
+                      <a:endParaRPr lang="en-US" dirty="0"/>
+                    </a:p>
+                  </a:txBody>
+                  <a:tcPr/>
+                </a:tc>
+                <a:tc>
+                  <a:txBody>
+                    <a:bodyPr/>
+                    <a:lstStyle/>
+                    <a:p>
+                      <a:r>
+                        <a:rPr lang="en-US" dirty="0" err="1" smtClean="0"/>
+                        <a:t>RNN+attractor</a:t>
+                      </a:r>
+                      <a:r>
+                        <a:rPr lang="en-US" dirty="0" smtClean="0"/>
+                        <a:t> trained via prediction task</a:t>
+                      </a:r>
+                      <a:endParaRPr lang="en-US" dirty="0"/>
+                    </a:p>
+                  </a:txBody>
+                  <a:tcPr/>
+                </a:tc>
+              </a:tr>
+              <a:tr h="358284">
+                <a:tc>
+                  <a:txBody>
+                    <a:bodyPr/>
+                    <a:lstStyle/>
+                    <a:p>
+                      <a:r>
+                        <a:rPr lang="en-US" dirty="0" smtClean="0"/>
+                        <a:t>test set accuracy</a:t>
+                      </a:r>
+                      <a:endParaRPr lang="en-US" dirty="0"/>
+                    </a:p>
+                  </a:txBody>
+                  <a:tcPr/>
+                </a:tc>
+                <a:tc>
+                  <a:txBody>
+                    <a:bodyPr/>
+                    <a:lstStyle/>
+                    <a:p>
+                      <a:r>
+                        <a:rPr lang="en-US" dirty="0" smtClean="0"/>
+                        <a:t>83.9%</a:t>
+                      </a:r>
+                      <a:endParaRPr lang="en-US" dirty="0"/>
+                    </a:p>
+                  </a:txBody>
+                  <a:tcPr/>
+                </a:tc>
+                <a:tc>
+                  <a:txBody>
+                    <a:bodyPr/>
+                    <a:lstStyle/>
+                    <a:p>
+                      <a:r>
+                        <a:rPr lang="en-US" dirty="0" smtClean="0"/>
+                        <a:t>87.7%</a:t>
+                      </a:r>
+                    </a:p>
+                    <a:p>
+                      <a:endParaRPr lang="en-US" dirty="0" smtClean="0"/>
+                    </a:p>
+                    <a:p>
+                      <a:pPr marL="0" marR="0" indent="0" algn="l" defTabSz="889409" rtl="0" eaLnBrk="1" fontAlgn="auto" latinLnBrk="0" hangingPunct="1">
+                        <a:lnSpc>
+                          <a:spcPct val="100000"/>
+                        </a:lnSpc>
+                        <a:spcBef>
+                          <a:spcPts val="0"/>
+                        </a:spcBef>
+                        <a:spcAft>
+                          <a:spcPts val="0"/>
+                        </a:spcAft>
+                        <a:buClrTx/>
+                        <a:buSzTx/>
+                        <a:buFontTx/>
+                        <a:buNone/>
+                        <a:tabLst/>
+                        <a:defRPr/>
+                      </a:pPr>
+                      <a:r>
+                        <a:rPr lang="en-US" dirty="0" smtClean="0"/>
+                        <a:t>2 sided paired t-test</a:t>
+                      </a:r>
+                      <a:r>
+                        <a:rPr lang="en-US" baseline="0" dirty="0" smtClean="0"/>
+                        <a:t> </a:t>
+                      </a:r>
+                      <a:r>
+                        <a:rPr lang="en-US" dirty="0" smtClean="0"/>
+                        <a:t>t(99)=4.77, p&lt;.00001</a:t>
+                      </a:r>
+                    </a:p>
+                  </a:txBody>
+                  <a:tcPr/>
+                </a:tc>
+                <a:tc>
+                  <a:txBody>
+                    <a:bodyPr/>
+                    <a:lstStyle/>
+                    <a:p>
+                      <a:r>
+                        <a:rPr lang="en-US" dirty="0" smtClean="0">
+                          <a:solidFill>
+                            <a:srgbClr val="FF0000"/>
+                          </a:solidFill>
+                        </a:rPr>
+                        <a:t>82.4%</a:t>
+                      </a:r>
+                    </a:p>
+                    <a:p>
+                      <a:endParaRPr lang="en-US" dirty="0" smtClean="0">
+                        <a:solidFill>
+                          <a:srgbClr val="FF0000"/>
+                        </a:solidFill>
+                      </a:endParaRPr>
+                    </a:p>
+                    <a:p>
+                      <a:r>
+                        <a:rPr lang="en-US" dirty="0" smtClean="0">
+                          <a:solidFill>
+                            <a:srgbClr val="FF0000"/>
+                          </a:solidFill>
+                        </a:rPr>
+                        <a:t>2 sided paired t-test</a:t>
+                      </a:r>
+                    </a:p>
+                    <a:p>
+                      <a:r>
+                        <a:rPr lang="en-US" dirty="0" smtClean="0">
+                          <a:solidFill>
+                            <a:srgbClr val="FF0000"/>
+                          </a:solidFill>
+                        </a:rPr>
+                        <a:t>t(99)=3.35</a:t>
+                      </a:r>
+                    </a:p>
+                    <a:p>
+                      <a:r>
+                        <a:rPr lang="en-US" dirty="0" smtClean="0">
+                          <a:solidFill>
+                            <a:srgbClr val="FF0000"/>
+                          </a:solidFill>
+                        </a:rPr>
+                        <a:t>p=.0011</a:t>
+                      </a:r>
+                      <a:endParaRPr lang="en-US" dirty="0">
+                        <a:solidFill>
+                          <a:srgbClr val="FF0000"/>
+                        </a:solidFill>
+                      </a:endParaRPr>
+                    </a:p>
+                  </a:txBody>
+                  <a:tcPr/>
+                </a:tc>
+              </a:tr>
+            </a:tbl>
+          </a:graphicData>
+        </a:graphic>
+      </p:graphicFrame>
+      <p:pic>
+        <p:nvPicPr>
+          <p:cNvPr id="6" name="Picture 5"/>
+          <p:cNvPicPr>
+            <a:picLocks noChangeAspect="1"/>
+          </p:cNvPicPr>
+          <p:nvPr/>
+        </p:nvPicPr>
+        <p:blipFill>
+          <a:blip r:embed="rId3">
+            <a:extLst>
+              <a:ext uri="{28A0092B-C50C-407E-A947-70E740481C1C}">
+                <a14:useLocalDpi xmlns:a14="http://schemas.microsoft.com/office/drawing/2010/main" val="0"/>
+              </a:ext>
+            </a:extLst>
+          </a:blip>
+          <a:stretch>
+            <a:fillRect/>
+          </a:stretch>
+        </p:blipFill>
+        <p:spPr>
+          <a:xfrm>
+            <a:off x="7687268" y="152400"/>
+            <a:ext cx="4142293" cy="2687888"/>
+          </a:xfrm>
+          <a:prstGeom prst="rect">
+            <a:avLst/>
+          </a:prstGeom>
+        </p:spPr>
+      </p:pic>
+    </p:spTree>
+    <p:extLst>
+      <p:ext uri="{BB962C8B-B14F-4D97-AF65-F5344CB8AC3E}">
+        <p14:creationId xmlns:p14="http://schemas.microsoft.com/office/powerpoint/2010/main" val="1486731106"/>
+      </p:ext>
+    </p:extLst>
+  </p:cSld>
+  <p:clrMapOvr>
+    <a:masterClrMapping/>
+  </p:clrMapOvr>
+</p:sld>
+</file>
+
+<file path=ppt/slides/slide15.xml><?xml version="1.0" encoding="utf-8"?>
+<p:sld xmlns:a="http://schemas.openxmlformats.org/drawingml/2006/main" xmlns:r="http://schemas.openxmlformats.org/officeDocument/2006/relationships" xmlns:p="http://schemas.openxmlformats.org/presentationml/2006/main">
+  <p:cSld>
+    <p:spTree>
+      <p:nvGrpSpPr>
+        <p:cNvPr id="1" name=""/>
+        <p:cNvGrpSpPr/>
+        <p:nvPr/>
+      </p:nvGrpSpPr>
+      <p:grpSpPr>
+        <a:xfrm>
+          <a:off x="0" y="0"/>
+          <a:ext cx="0" cy="0"/>
+          <a:chOff x="0" y="0"/>
+          <a:chExt cx="0" cy="0"/>
+        </a:xfrm>
+      </p:grpSpPr>
+      <p:sp>
+        <p:nvSpPr>
+          <p:cNvPr id="2" name="Title 1"/>
+          <p:cNvSpPr>
+            <a:spLocks noGrp="1"/>
+          </p:cNvSpPr>
+          <p:nvPr>
+            <p:ph type="title"/>
+          </p:nvPr>
+        </p:nvSpPr>
+        <p:spPr/>
+        <p:txBody>
+          <a:bodyPr/>
+          <a:lstStyle/>
+          <a:p>
+            <a:endParaRPr lang="en-US" dirty="0"/>
+          </a:p>
+        </p:txBody>
+      </p:sp>
+      <p:sp>
+        <p:nvSpPr>
+          <p:cNvPr id="3" name="Content Placeholder 2"/>
+          <p:cNvSpPr>
+            <a:spLocks noGrp="1"/>
+          </p:cNvSpPr>
+          <p:nvPr>
+            <p:ph idx="1"/>
+          </p:nvPr>
+        </p:nvSpPr>
+        <p:spPr/>
+        <p:txBody>
+          <a:bodyPr/>
+          <a:lstStyle/>
+          <a:p>
+            <a:r>
+              <a:rPr lang="en-US" dirty="0" smtClean="0"/>
+              <a:t>Like max pooling with convolutional net</a:t>
+            </a:r>
+          </a:p>
+          <a:p>
+            <a:pPr lvl="1"/>
+            <a:r>
+              <a:rPr lang="en-US" dirty="0" smtClean="0"/>
+              <a:t>suppressing some information to let </a:t>
+            </a:r>
+            <a:r>
+              <a:rPr lang="en-US" smtClean="0"/>
+              <a:t>other information through</a:t>
+            </a:r>
+            <a:endParaRPr lang="en-US"/>
+          </a:p>
+        </p:txBody>
+      </p:sp>
+    </p:spTree>
+    <p:extLst>
+      <p:ext uri="{BB962C8B-B14F-4D97-AF65-F5344CB8AC3E}">
+        <p14:creationId xmlns:p14="http://schemas.microsoft.com/office/powerpoint/2010/main" val="2074340762"/>
+      </p:ext>
+    </p:extLst>
+  </p:cSld>
+  <p:clrMapOvr>
+    <a:masterClrMapping/>
+  </p:clrMapOvr>
+</p:sld>
+</file>
+
 <file path=ppt/slides/slide2.xml><?xml version="1.0" encoding="utf-8"?>
+<p:sld xmlns:a="http://schemas.openxmlformats.org/drawingml/2006/main" xmlns:r="http://schemas.openxmlformats.org/officeDocument/2006/relationships" xmlns:p="http://schemas.openxmlformats.org/presentationml/2006/main">
+  <p:cSld>
+    <p:spTree>
+      <p:nvGrpSpPr>
+        <p:cNvPr id="1" name=""/>
+        <p:cNvGrpSpPr/>
+        <p:nvPr/>
+      </p:nvGrpSpPr>
+      <p:grpSpPr>
+        <a:xfrm>
+          <a:off x="0" y="0"/>
+          <a:ext cx="0" cy="0"/>
+          <a:chOff x="0" y="0"/>
+          <a:chExt cx="0" cy="0"/>
+        </a:xfrm>
+      </p:grpSpPr>
+      <p:sp>
+        <p:nvSpPr>
+          <p:cNvPr id="2" name="Title 1"/>
+          <p:cNvSpPr>
+            <a:spLocks noGrp="1"/>
+          </p:cNvSpPr>
+          <p:nvPr>
+            <p:ph type="title"/>
+          </p:nvPr>
+        </p:nvSpPr>
+        <p:spPr/>
+        <p:txBody>
+          <a:bodyPr/>
+          <a:lstStyle/>
+          <a:p>
+            <a:r>
+              <a:rPr lang="en-US" dirty="0" smtClean="0"/>
+              <a:t>State-</a:t>
+            </a:r>
+            <a:r>
+              <a:rPr lang="en-US" dirty="0" err="1" smtClean="0"/>
+              <a:t>Denoised</a:t>
+            </a:r>
+            <a:r>
+              <a:rPr lang="en-US" smtClean="0"/>
+              <a:t> RNNs</a:t>
+            </a:r>
+            <a:endParaRPr lang="en-US" dirty="0"/>
+          </a:p>
+        </p:txBody>
+      </p:sp>
+      <p:sp>
+        <p:nvSpPr>
+          <p:cNvPr id="3" name="Content Placeholder 2"/>
+          <p:cNvSpPr>
+            <a:spLocks noGrp="1"/>
+          </p:cNvSpPr>
+          <p:nvPr>
+            <p:ph idx="1"/>
+          </p:nvPr>
+        </p:nvSpPr>
+        <p:spPr/>
+        <p:txBody>
+          <a:bodyPr/>
+          <a:lstStyle/>
+          <a:p>
+            <a:r>
+              <a:rPr lang="en-US" dirty="0" smtClean="0"/>
+              <a:t>Analog to </a:t>
+            </a:r>
+            <a:r>
+              <a:rPr lang="en-US" dirty="0" err="1" smtClean="0"/>
+              <a:t>denoising</a:t>
+            </a:r>
+            <a:r>
+              <a:rPr lang="en-US" dirty="0" smtClean="0"/>
+              <a:t> </a:t>
+            </a:r>
+            <a:r>
+              <a:rPr lang="en-US" dirty="0" err="1" smtClean="0"/>
+              <a:t>autoencoders</a:t>
+            </a:r>
+            <a:endParaRPr lang="en-US" dirty="0" smtClean="0"/>
+          </a:p>
+          <a:p>
+            <a:pPr lvl="1"/>
+            <a:r>
+              <a:rPr lang="en-US" dirty="0" smtClean="0"/>
+              <a:t>noise robustness</a:t>
+            </a:r>
+          </a:p>
+          <a:p>
+            <a:r>
+              <a:rPr lang="en-US" dirty="0" smtClean="0"/>
+              <a:t>Why is noise in RNNs so devastating?</a:t>
+            </a:r>
+          </a:p>
+          <a:p>
+            <a:pPr lvl="1"/>
+            <a:r>
+              <a:rPr lang="en-US" dirty="0" smtClean="0"/>
+              <a:t>it amplifies over time</a:t>
+            </a:r>
+            <a:endParaRPr lang="en-US" dirty="0"/>
+          </a:p>
+        </p:txBody>
+      </p:sp>
+    </p:spTree>
+    <p:extLst>
+      <p:ext uri="{BB962C8B-B14F-4D97-AF65-F5344CB8AC3E}">
+        <p14:creationId xmlns:p14="http://schemas.microsoft.com/office/powerpoint/2010/main" val="834465896"/>
+      </p:ext>
+    </p:extLst>
+  </p:cSld>
+  <p:clrMapOvr>
+    <a:masterClrMapping/>
+  </p:clrMapOvr>
+  <p:timing>
+    <p:tnLst>
+      <p:par>
+        <p:cTn id="1" dur="indefinite" restart="never" nodeType="tmRoot"/>
+      </p:par>
+    </p:tnLst>
+  </p:timing>
+</p:sld>
+</file>
+
+<file path=ppt/slides/slide3.xml><?xml version="1.0" encoding="utf-8"?>
 <p:sld xmlns:a="http://schemas.openxmlformats.org/drawingml/2006/main" xmlns:r="http://schemas.openxmlformats.org/officeDocument/2006/relationships" xmlns:p="http://schemas.openxmlformats.org/presentationml/2006/main">
   <p:cSld>
     <p:spTree>
@@ -6602,7 +10679,7 @@
 </p:sld>
 </file>
 
-<file path=ppt/slides/slide3.xml><?xml version="1.0" encoding="utf-8"?>
+<file path=ppt/slides/slide4.xml><?xml version="1.0" encoding="utf-8"?>
 <p:sld xmlns:a="http://schemas.openxmlformats.org/drawingml/2006/main" xmlns:r="http://schemas.openxmlformats.org/officeDocument/2006/relationships" xmlns:p="http://schemas.openxmlformats.org/presentationml/2006/main">
   <p:cSld>
     <p:spTree>
@@ -6748,7 +10825,7 @@
 </p:sld>
 </file>
 
-<file path=ppt/slides/slide4.xml><?xml version="1.0" encoding="utf-8"?>
+<file path=ppt/slides/slide5.xml><?xml version="1.0" encoding="utf-8"?>
 <p:sld xmlns:a="http://schemas.openxmlformats.org/drawingml/2006/main" xmlns:r="http://schemas.openxmlformats.org/officeDocument/2006/relationships" xmlns:p="http://schemas.openxmlformats.org/presentationml/2006/main">
   <p:cSld>
     <p:spTree>
@@ -6865,7 +10942,7 @@
 </p:sld>
 </file>
 
-<file path=ppt/slides/slide5.xml><?xml version="1.0" encoding="utf-8"?>
+<file path=ppt/slides/slide6.xml><?xml version="1.0" encoding="utf-8"?>
 <p:sld xmlns:a="http://schemas.openxmlformats.org/drawingml/2006/main" xmlns:r="http://schemas.openxmlformats.org/officeDocument/2006/relationships" xmlns:p="http://schemas.openxmlformats.org/presentationml/2006/main">
   <p:cSld>
     <p:spTree>
@@ -8691,7 +12768,7 @@
 </p:sld>
 </file>
 
-<file path=ppt/slides/slide6.xml><?xml version="1.0" encoding="utf-8"?>
+<file path=ppt/slides/slide7.xml><?xml version="1.0" encoding="utf-8"?>
 <p:sld xmlns:a="http://schemas.openxmlformats.org/drawingml/2006/main" xmlns:r="http://schemas.openxmlformats.org/officeDocument/2006/relationships" xmlns:p="http://schemas.openxmlformats.org/presentationml/2006/main">
   <p:cSld>
     <p:spTree>
@@ -14645,7 +18722,7 @@
 </p:sld>
 </file>
 
-<file path=ppt/slides/slide7.xml><?xml version="1.0" encoding="utf-8"?>
+<file path=ppt/slides/slide8.xml><?xml version="1.0" encoding="utf-8"?>
 <p:sld xmlns:a="http://schemas.openxmlformats.org/drawingml/2006/main" xmlns:r="http://schemas.openxmlformats.org/officeDocument/2006/relationships" xmlns:p="http://schemas.openxmlformats.org/presentationml/2006/main">
   <p:cSld>
     <p:spTree>
@@ -19700,7 +23777,7 @@
 </p:sld>
 </file>
 
-<file path=ppt/slides/slide8.xml><?xml version="1.0" encoding="utf-8"?>
+<file path=ppt/slides/slide9.xml><?xml version="1.0" encoding="utf-8"?>
 <p:sld xmlns:a="http://schemas.openxmlformats.org/drawingml/2006/main" xmlns:r="http://schemas.openxmlformats.org/officeDocument/2006/relationships" xmlns:p="http://schemas.openxmlformats.org/presentationml/2006/main">
   <p:cSld>
     <p:spTree>
@@ -21448,3373 +25525,6 @@
 </p:sld>
 </file>
 
-<file path=ppt/slides/slide9.xml><?xml version="1.0" encoding="utf-8"?>
-<p:sld xmlns:a="http://schemas.openxmlformats.org/drawingml/2006/main" xmlns:r="http://schemas.openxmlformats.org/officeDocument/2006/relationships" xmlns:p="http://schemas.openxmlformats.org/presentationml/2006/main">
-  <p:cSld>
-    <p:spTree>
-      <p:nvGrpSpPr>
-        <p:cNvPr id="1" name=""/>
-        <p:cNvGrpSpPr/>
-        <p:nvPr/>
-      </p:nvGrpSpPr>
-      <p:grpSpPr>
-        <a:xfrm>
-          <a:off x="0" y="0"/>
-          <a:ext cx="0" cy="0"/>
-          <a:chOff x="0" y="0"/>
-          <a:chExt cx="0" cy="0"/>
-        </a:xfrm>
-      </p:grpSpPr>
-      <p:sp>
-        <p:nvSpPr>
-          <p:cNvPr id="2" name="Title 1"/>
-          <p:cNvSpPr>
-            <a:spLocks noGrp="1"/>
-          </p:cNvSpPr>
-          <p:nvPr>
-            <p:ph type="title"/>
-          </p:nvPr>
-        </p:nvSpPr>
-        <p:spPr/>
-        <p:txBody>
-          <a:bodyPr/>
-          <a:lstStyle/>
-          <a:p>
-            <a:r>
-              <a:rPr lang="en-US" dirty="0" smtClean="0"/>
-              <a:t>Training Attractor Net</a:t>
-            </a:r>
-            <a:endParaRPr lang="en-US" dirty="0"/>
-          </a:p>
-        </p:txBody>
-      </p:sp>
-      <mc:AlternateContent xmlns:mc="http://schemas.openxmlformats.org/markup-compatibility/2006" xmlns:a14="http://schemas.microsoft.com/office/drawing/2010/main">
-        <mc:Choice Requires="a14">
-          <p:sp>
-            <p:nvSpPr>
-              <p:cNvPr id="3" name="Content Placeholder 2"/>
-              <p:cNvSpPr>
-                <a:spLocks noGrp="1"/>
-              </p:cNvSpPr>
-              <p:nvPr>
-                <p:ph idx="1"/>
-              </p:nvPr>
-            </p:nvSpPr>
-            <p:spPr/>
-            <p:txBody>
-              <a:bodyPr/>
-              <a:lstStyle/>
-              <a:p>
-                <a:r>
-                  <a:rPr lang="en-US" dirty="0" smtClean="0">
-                    <a:solidFill>
-                      <a:schemeClr val="tx1"/>
-                    </a:solidFill>
-                  </a:rPr>
-                  <a:t>Given set of target attractors, </a:t>
-                </a:r>
-                <a14:m>
-                  <m:oMath xmlns:m="http://schemas.openxmlformats.org/officeDocument/2006/math">
-                    <m:d>
-                      <m:dPr>
-                        <m:begChr m:val="{"/>
-                        <m:endChr m:val="}"/>
-                        <m:ctrlPr>
-                          <a:rPr lang="en-US" b="1" i="1" smtClean="0">
-                            <a:solidFill>
-                              <a:schemeClr val="tx1"/>
-                            </a:solidFill>
-                            <a:latin typeface="Cambria Math" charset="0"/>
-                          </a:rPr>
-                        </m:ctrlPr>
-                      </m:dPr>
-                      <m:e>
-                        <m:sSub>
-                          <m:sSubPr>
-                            <m:ctrlPr>
-                              <a:rPr lang="en-US" b="1" i="1" smtClean="0">
-                                <a:solidFill>
-                                  <a:schemeClr val="tx1"/>
-                                </a:solidFill>
-                                <a:latin typeface="Cambria Math" charset="0"/>
-                              </a:rPr>
-                            </m:ctrlPr>
-                          </m:sSubPr>
-                          <m:e>
-                            <m:r>
-                              <a:rPr lang="en-US" b="1" i="1" smtClean="0">
-                                <a:solidFill>
-                                  <a:schemeClr val="tx1"/>
-                                </a:solidFill>
-                                <a:latin typeface="Cambria Math" charset="0"/>
-                              </a:rPr>
-                              <m:t>𝝃</m:t>
-                            </m:r>
-                          </m:e>
-                          <m:sub>
-                            <m:r>
-                              <a:rPr lang="en-US" b="1" i="1" smtClean="0">
-                                <a:solidFill>
-                                  <a:schemeClr val="tx1"/>
-                                </a:solidFill>
-                                <a:latin typeface="Cambria Math" charset="0"/>
-                              </a:rPr>
-                              <m:t>𝟏</m:t>
-                            </m:r>
-                          </m:sub>
-                        </m:sSub>
-                        <m:r>
-                          <a:rPr lang="en-US" b="1" i="1" smtClean="0">
-                            <a:solidFill>
-                              <a:schemeClr val="tx1"/>
-                            </a:solidFill>
-                            <a:latin typeface="Cambria Math" charset="0"/>
-                          </a:rPr>
-                          <m:t>, …, </m:t>
-                        </m:r>
-                        <m:sSub>
-                          <m:sSubPr>
-                            <m:ctrlPr>
-                              <a:rPr lang="en-US" b="1" i="1" smtClean="0">
-                                <a:solidFill>
-                                  <a:schemeClr val="tx1"/>
-                                </a:solidFill>
-                                <a:latin typeface="Cambria Math" charset="0"/>
-                              </a:rPr>
-                            </m:ctrlPr>
-                          </m:sSubPr>
-                          <m:e>
-                            <m:r>
-                              <a:rPr lang="en-US" b="1" i="1" smtClean="0">
-                                <a:solidFill>
-                                  <a:schemeClr val="tx1"/>
-                                </a:solidFill>
-                                <a:latin typeface="Cambria Math" charset="0"/>
-                              </a:rPr>
-                              <m:t>𝝃</m:t>
-                            </m:r>
-                          </m:e>
-                          <m:sub>
-                            <m:r>
-                              <a:rPr lang="en-US" b="1" i="1" smtClean="0">
-                                <a:solidFill>
-                                  <a:schemeClr val="tx1"/>
-                                </a:solidFill>
-                                <a:latin typeface="Cambria Math" charset="0"/>
-                              </a:rPr>
-                              <m:t>𝒏</m:t>
-                            </m:r>
-                          </m:sub>
-                        </m:sSub>
-                      </m:e>
-                    </m:d>
-                  </m:oMath>
-                </a14:m>
-                <a:endParaRPr lang="en-US" b="1" dirty="0" smtClean="0">
-                  <a:solidFill>
-                    <a:schemeClr val="tx1"/>
-                  </a:solidFill>
-                </a:endParaRPr>
-              </a:p>
-              <a:p>
-                <a:r>
-                  <a:rPr lang="en-US" dirty="0" smtClean="0">
-                    <a:solidFill>
-                      <a:schemeClr val="tx1"/>
-                    </a:solidFill>
-                  </a:rPr>
-                  <a:t>Input is corrupted attractor state</a:t>
-                </a:r>
-              </a:p>
-              <a:p>
-                <a:pPr lvl="1"/>
-                <a14:m>
-                  <m:oMath xmlns:m="http://schemas.openxmlformats.org/officeDocument/2006/math">
-                    <m:r>
-                      <a:rPr lang="en-US" b="1" i="1" smtClean="0">
-                        <a:solidFill>
-                          <a:srgbClr val="A50002"/>
-                        </a:solidFill>
-                        <a:latin typeface="Cambria Math" charset="0"/>
-                      </a:rPr>
-                      <m:t>𝒙</m:t>
-                    </m:r>
-                    <m:r>
-                      <a:rPr lang="en-US" b="1" i="1" smtClean="0">
-                        <a:latin typeface="Cambria Math" charset="0"/>
-                      </a:rPr>
-                      <m:t>=</m:t>
-                    </m:r>
-                    <m:sSup>
-                      <m:sSupPr>
-                        <m:ctrlPr>
-                          <a:rPr lang="en-US" i="1">
-                            <a:latin typeface="Cambria Math" charset="0"/>
-                          </a:rPr>
-                        </m:ctrlPr>
-                      </m:sSupPr>
-                      <m:e>
-                        <m:r>
-                          <a:rPr lang="en-US" b="1" i="1" smtClean="0">
-                            <a:latin typeface="Cambria Math" charset="0"/>
-                          </a:rPr>
-                          <m:t>𝝈</m:t>
-                        </m:r>
-                        <m:r>
-                          <a:rPr lang="en-US" b="1" i="1" smtClean="0">
-                            <a:latin typeface="Cambria Math" charset="0"/>
-                          </a:rPr>
-                          <m:t>(</m:t>
-                        </m:r>
-                        <m:r>
-                          <a:rPr lang="en-US" i="1">
-                            <a:latin typeface="Cambria Math" charset="0"/>
-                          </a:rPr>
-                          <m:t>𝝈</m:t>
-                        </m:r>
-                      </m:e>
-                      <m:sup>
-                        <m:r>
-                          <a:rPr lang="en-US" i="1">
-                            <a:latin typeface="Cambria Math" charset="0"/>
-                          </a:rPr>
-                          <m:t>−</m:t>
-                        </m:r>
-                        <m:r>
-                          <a:rPr lang="en-US" i="1">
-                            <a:latin typeface="Cambria Math" charset="0"/>
-                          </a:rPr>
-                          <m:t>𝟏</m:t>
-                        </m:r>
-                      </m:sup>
-                    </m:sSup>
-                    <m:r>
-                      <a:rPr lang="en-US" i="1">
-                        <a:latin typeface="Cambria Math" charset="0"/>
-                      </a:rPr>
-                      <m:t>(</m:t>
-                    </m:r>
-                    <m:r>
-                      <a:rPr lang="en-US" b="1" i="1" smtClean="0">
-                        <a:solidFill>
-                          <a:srgbClr val="0000FF"/>
-                        </a:solidFill>
-                        <a:latin typeface="Cambria Math" charset="0"/>
-                      </a:rPr>
-                      <m:t>𝝃</m:t>
-                    </m:r>
-                    <m:r>
-                      <a:rPr lang="en-US" i="1">
-                        <a:latin typeface="Cambria Math" charset="0"/>
-                      </a:rPr>
-                      <m:t>)</m:t>
-                    </m:r>
-                    <m:r>
-                      <a:rPr lang="en-US" b="1" i="1" smtClean="0">
-                        <a:latin typeface="Cambria Math" charset="0"/>
-                      </a:rPr>
-                      <m:t>+</m:t>
-                    </m:r>
-                    <m:r>
-                      <a:rPr lang="en-US" b="1" i="1" smtClean="0">
-                        <a:latin typeface="Cambria Math" charset="0"/>
-                      </a:rPr>
-                      <m:t>𝜼</m:t>
-                    </m:r>
-                    <m:r>
-                      <a:rPr lang="en-US" b="1" i="0" smtClean="0">
-                        <a:latin typeface="Cambria Math" charset="0"/>
-                      </a:rPr>
-                      <m:t>)</m:t>
-                    </m:r>
-                  </m:oMath>
-                </a14:m>
-                <a:r>
-                  <a:rPr lang="en-US" dirty="0" smtClean="0"/>
-                  <a:t>  where  </a:t>
-                </a:r>
-                <a14:m>
-                  <m:oMath xmlns:m="http://schemas.openxmlformats.org/officeDocument/2006/math">
-                    <m:r>
-                      <a:rPr lang="en-US" b="1" i="1" smtClean="0">
-                        <a:latin typeface="Cambria Math" charset="0"/>
-                      </a:rPr>
-                      <m:t>𝜼</m:t>
-                    </m:r>
-                    <m:r>
-                      <a:rPr lang="en-US" b="1" i="1" smtClean="0">
-                        <a:latin typeface="Cambria Math" charset="0"/>
-                      </a:rPr>
-                      <m:t> ~ </m:t>
-                    </m:r>
-                    <m:r>
-                      <a:rPr lang="en-US" i="1">
-                        <a:latin typeface="Cambria Math" charset="0"/>
-                        <a:ea typeface="Cambria Math" charset="0"/>
-                        <a:cs typeface="Cambria Math" charset="0"/>
-                      </a:rPr>
-                      <m:t>𝓝</m:t>
-                    </m:r>
-                    <m:r>
-                      <a:rPr lang="en-US" i="1">
-                        <a:latin typeface="Cambria Math" charset="0"/>
-                      </a:rPr>
-                      <m:t>(</m:t>
-                    </m:r>
-                    <m:r>
-                      <a:rPr lang="en-US" i="1">
-                        <a:latin typeface="Cambria Math" charset="0"/>
-                      </a:rPr>
-                      <m:t>𝟎</m:t>
-                    </m:r>
-                    <m:r>
-                      <a:rPr lang="en-US" i="1">
-                        <a:latin typeface="Cambria Math" charset="0"/>
-                      </a:rPr>
-                      <m:t>,</m:t>
-                    </m:r>
-                    <m:r>
-                      <a:rPr lang="en-US" b="1" i="1" smtClean="0">
-                        <a:latin typeface="Cambria Math" charset="0"/>
-                      </a:rPr>
-                      <m:t>.</m:t>
-                    </m:r>
-                    <m:r>
-                      <a:rPr lang="en-US" b="1" i="1" smtClean="0">
-                        <a:latin typeface="Cambria Math" charset="0"/>
-                      </a:rPr>
-                      <m:t>𝟐</m:t>
-                    </m:r>
-                    <m:sSup>
-                      <m:sSupPr>
-                        <m:ctrlPr>
-                          <a:rPr lang="en-US" b="1" i="1" smtClean="0">
-                            <a:latin typeface="Cambria Math" charset="0"/>
-                          </a:rPr>
-                        </m:ctrlPr>
-                      </m:sSupPr>
-                      <m:e>
-                        <m:r>
-                          <a:rPr lang="en-US" b="1" i="1" smtClean="0">
-                            <a:latin typeface="Cambria Math" charset="0"/>
-                          </a:rPr>
-                          <m:t>𝟓</m:t>
-                        </m:r>
-                      </m:e>
-                      <m:sup>
-                        <m:r>
-                          <a:rPr lang="en-US" b="1" i="1" smtClean="0">
-                            <a:latin typeface="Cambria Math" charset="0"/>
-                          </a:rPr>
-                          <m:t>𝟐</m:t>
-                        </m:r>
-                      </m:sup>
-                    </m:sSup>
-                    <m:r>
-                      <a:rPr lang="en-US" i="1">
-                        <a:latin typeface="Cambria Math" charset="0"/>
-                      </a:rPr>
-                      <m:t>)</m:t>
-                    </m:r>
-                  </m:oMath>
-                </a14:m>
-                <a:endParaRPr lang="en-US" dirty="0" smtClean="0"/>
-              </a:p>
-              <a:p>
-                <a:r>
-                  <a:rPr lang="en-US" dirty="0" smtClean="0">
-                    <a:solidFill>
-                      <a:schemeClr val="tx1"/>
-                    </a:solidFill>
-                  </a:rPr>
-                  <a:t>Training objective</a:t>
-                </a:r>
-              </a:p>
-              <a:p>
-                <a:pPr lvl="1"/>
-                <a14:m>
-                  <m:oMath xmlns:m="http://schemas.openxmlformats.org/officeDocument/2006/math">
-                    <m:r>
-                      <a:rPr lang="en-US" b="1" i="1" smtClean="0">
-                        <a:latin typeface="Cambria Math" charset="0"/>
-                      </a:rPr>
-                      <m:t>𝑬</m:t>
-                    </m:r>
-                    <m:r>
-                      <a:rPr lang="en-US" b="1" i="1" smtClean="0">
-                        <a:latin typeface="Cambria Math" charset="0"/>
-                      </a:rPr>
-                      <m:t>=</m:t>
-                    </m:r>
-                    <m:sSup>
-                      <m:sSupPr>
-                        <m:ctrlPr>
-                          <a:rPr lang="en-US" i="1">
-                            <a:latin typeface="Cambria Math" charset="0"/>
-                          </a:rPr>
-                        </m:ctrlPr>
-                      </m:sSupPr>
-                      <m:e>
-                        <m:d>
-                          <m:dPr>
-                            <m:begChr m:val="|"/>
-                            <m:endChr m:val="|"/>
-                            <m:ctrlPr>
-                              <a:rPr lang="hr-HR" i="1">
-                                <a:latin typeface="Cambria Math" charset="0"/>
-                              </a:rPr>
-                            </m:ctrlPr>
-                          </m:dPr>
-                          <m:e>
-                            <m:sSub>
-                              <m:sSubPr>
-                                <m:ctrlPr>
-                                  <a:rPr lang="en-US" b="1" i="1" smtClean="0">
-                                    <a:solidFill>
-                                      <a:srgbClr val="7030A0"/>
-                                    </a:solidFill>
-                                    <a:latin typeface="Cambria Math" charset="0"/>
-                                  </a:rPr>
-                                </m:ctrlPr>
-                              </m:sSubPr>
-                              <m:e>
-                                <m:r>
-                                  <a:rPr lang="en-US" b="1" i="1" smtClean="0">
-                                    <a:solidFill>
-                                      <a:srgbClr val="7030A0"/>
-                                    </a:solidFill>
-                                    <a:latin typeface="Cambria Math" charset="0"/>
-                                  </a:rPr>
-                                  <m:t>𝒂</m:t>
-                                </m:r>
-                              </m:e>
-                              <m:sub>
-                                <m:r>
-                                  <a:rPr lang="en-US" b="1" i="1" smtClean="0">
-                                    <a:solidFill>
-                                      <a:srgbClr val="7030A0"/>
-                                    </a:solidFill>
-                                    <a:latin typeface="Cambria Math" charset="0"/>
-                                  </a:rPr>
-                                  <m:t>∞</m:t>
-                                </m:r>
-                              </m:sub>
-                            </m:sSub>
-                            <m:r>
-                              <a:rPr lang="en-US" i="1">
-                                <a:latin typeface="Cambria Math" charset="0"/>
-                              </a:rPr>
-                              <m:t>−</m:t>
-                            </m:r>
-                            <m:r>
-                              <a:rPr lang="en-US" b="1" i="1" smtClean="0">
-                                <a:solidFill>
-                                  <a:srgbClr val="0000FF"/>
-                                </a:solidFill>
-                                <a:latin typeface="Cambria Math" charset="0"/>
-                              </a:rPr>
-                              <m:t>𝝃</m:t>
-                            </m:r>
-                          </m:e>
-                        </m:d>
-                      </m:e>
-                      <m:sup>
-                        <m:r>
-                          <a:rPr lang="en-US" i="1">
-                            <a:latin typeface="Cambria Math" charset="0"/>
-                          </a:rPr>
-                          <m:t>𝟐</m:t>
-                        </m:r>
-                      </m:sup>
-                    </m:sSup>
-                    <m:r>
-                      <a:rPr lang="en-US" b="1" i="1" smtClean="0">
-                        <a:latin typeface="Cambria Math" charset="0"/>
-                      </a:rPr>
-                      <m:t>/</m:t>
-                    </m:r>
-                    <m:sSup>
-                      <m:sSupPr>
-                        <m:ctrlPr>
-                          <a:rPr lang="en-US" i="1">
-                            <a:latin typeface="Cambria Math" charset="0"/>
-                          </a:rPr>
-                        </m:ctrlPr>
-                      </m:sSupPr>
-                      <m:e>
-                        <m:d>
-                          <m:dPr>
-                            <m:begChr m:val="|"/>
-                            <m:endChr m:val="|"/>
-                            <m:ctrlPr>
-                              <a:rPr lang="hr-HR" i="1">
-                                <a:latin typeface="Cambria Math" charset="0"/>
-                              </a:rPr>
-                            </m:ctrlPr>
-                          </m:dPr>
-                          <m:e>
-                            <m:r>
-                              <a:rPr lang="en-US" b="1" i="1" smtClean="0">
-                                <a:solidFill>
-                                  <a:srgbClr val="C00000"/>
-                                </a:solidFill>
-                                <a:latin typeface="Cambria Math" charset="0"/>
-                              </a:rPr>
-                              <m:t>𝒙</m:t>
-                            </m:r>
-                            <m:r>
-                              <a:rPr lang="en-US" i="1">
-                                <a:latin typeface="Cambria Math" charset="0"/>
-                              </a:rPr>
-                              <m:t>−</m:t>
-                            </m:r>
-                            <m:r>
-                              <a:rPr lang="en-US" i="1">
-                                <a:solidFill>
-                                  <a:srgbClr val="0000FF"/>
-                                </a:solidFill>
-                                <a:latin typeface="Cambria Math" charset="0"/>
-                              </a:rPr>
-                              <m:t>𝝃</m:t>
-                            </m:r>
-                          </m:e>
-                        </m:d>
-                      </m:e>
-                      <m:sup>
-                        <m:r>
-                          <a:rPr lang="en-US" i="1">
-                            <a:latin typeface="Cambria Math" charset="0"/>
-                          </a:rPr>
-                          <m:t>𝟐</m:t>
-                        </m:r>
-                      </m:sup>
-                    </m:sSup>
-                  </m:oMath>
-                </a14:m>
-                <a:endParaRPr lang="en-US" dirty="0"/>
-              </a:p>
-              <a:p>
-                <a:pPr lvl="1"/>
-                <a:endParaRPr lang="en-US" dirty="0"/>
-              </a:p>
-            </p:txBody>
-          </p:sp>
-        </mc:Choice>
-        <mc:Fallback xmlns="">
-          <p:sp>
-            <p:nvSpPr>
-              <p:cNvPr id="3" name="Content Placeholder 2"/>
-              <p:cNvSpPr>
-                <a:spLocks noGrp="1" noRot="1" noChangeAspect="1" noMove="1" noResize="1" noEditPoints="1" noAdjustHandles="1" noChangeArrowheads="1" noChangeShapeType="1" noTextEdit="1"/>
-              </p:cNvSpPr>
-              <p:nvPr>
-                <p:ph idx="1"/>
-              </p:nvPr>
-            </p:nvSpPr>
-            <p:spPr>
-              <a:blipFill rotWithShape="0">
-                <a:blip r:embed="rId2"/>
-                <a:stretch>
-                  <a:fillRect l="-164" t="-1026"/>
-                </a:stretch>
-              </a:blipFill>
-            </p:spPr>
-            <p:txBody>
-              <a:bodyPr/>
-              <a:lstStyle/>
-              <a:p>
-                <a:r>
-                  <a:rPr lang="en-US">
-                    <a:noFill/>
-                  </a:rPr>
-                  <a:t> </a:t>
-                </a:r>
-              </a:p>
-            </p:txBody>
-          </p:sp>
-        </mc:Fallback>
-      </mc:AlternateContent>
-      <p:grpSp>
-        <p:nvGrpSpPr>
-          <p:cNvPr id="77" name="Group 76"/>
-          <p:cNvGrpSpPr/>
-          <p:nvPr/>
-        </p:nvGrpSpPr>
-        <p:grpSpPr>
-          <a:xfrm>
-            <a:off x="4983974" y="3303485"/>
-            <a:ext cx="2266500" cy="2645263"/>
-            <a:chOff x="12287600" y="3288759"/>
-            <a:chExt cx="2266500" cy="2645252"/>
-          </a:xfrm>
-        </p:grpSpPr>
-        <p:grpSp>
-          <p:nvGrpSpPr>
-            <p:cNvPr id="4" name="Group 3"/>
-            <p:cNvGrpSpPr/>
-            <p:nvPr/>
-          </p:nvGrpSpPr>
-          <p:grpSpPr>
-            <a:xfrm>
-              <a:off x="12299424" y="5576645"/>
-              <a:ext cx="1755761" cy="357366"/>
-              <a:chOff x="5838484" y="4644073"/>
-              <a:chExt cx="2169328" cy="441544"/>
-            </a:xfrm>
-          </p:grpSpPr>
-          <p:sp>
-            <p:nvSpPr>
-              <p:cNvPr id="5" name="Oval 4"/>
-              <p:cNvSpPr/>
-              <p:nvPr/>
-            </p:nvSpPr>
-            <p:spPr>
-              <a:xfrm>
-                <a:off x="6305845" y="4677248"/>
-                <a:ext cx="365663" cy="365663"/>
-              </a:xfrm>
-              <a:prstGeom prst="ellipse">
-                <a:avLst/>
-              </a:prstGeom>
-              <a:noFill/>
-              <a:ln w="25400">
-                <a:solidFill>
-                  <a:srgbClr val="C00000"/>
-                </a:solidFill>
-              </a:ln>
-            </p:spPr>
-            <p:style>
-              <a:lnRef idx="2">
-                <a:schemeClr val="accent1">
-                  <a:shade val="50000"/>
-                </a:schemeClr>
-              </a:lnRef>
-              <a:fillRef idx="1">
-                <a:schemeClr val="accent1"/>
-              </a:fillRef>
-              <a:effectRef idx="0">
-                <a:schemeClr val="accent1"/>
-              </a:effectRef>
-              <a:fontRef idx="minor">
-                <a:schemeClr val="lt1"/>
-              </a:fontRef>
-            </p:style>
-            <p:txBody>
-              <a:bodyPr rtlCol="0" anchor="ctr"/>
-              <a:lstStyle/>
-              <a:p>
-                <a:pPr algn="ctr"/>
-                <a:endParaRPr lang="en-US">
-                  <a:solidFill>
-                    <a:schemeClr val="tx1"/>
-                  </a:solidFill>
-                </a:endParaRPr>
-              </a:p>
-            </p:txBody>
-          </p:sp>
-          <p:sp>
-            <p:nvSpPr>
-              <p:cNvPr id="6" name="Oval 5"/>
-              <p:cNvSpPr/>
-              <p:nvPr/>
-            </p:nvSpPr>
-            <p:spPr>
-              <a:xfrm>
-                <a:off x="6738431" y="4677248"/>
-                <a:ext cx="365663" cy="365663"/>
-              </a:xfrm>
-              <a:prstGeom prst="ellipse">
-                <a:avLst/>
-              </a:prstGeom>
-              <a:noFill/>
-              <a:ln w="25400">
-                <a:solidFill>
-                  <a:srgbClr val="C00000"/>
-                </a:solidFill>
-              </a:ln>
-            </p:spPr>
-            <p:style>
-              <a:lnRef idx="2">
-                <a:schemeClr val="accent1">
-                  <a:shade val="50000"/>
-                </a:schemeClr>
-              </a:lnRef>
-              <a:fillRef idx="1">
-                <a:schemeClr val="accent1"/>
-              </a:fillRef>
-              <a:effectRef idx="0">
-                <a:schemeClr val="accent1"/>
-              </a:effectRef>
-              <a:fontRef idx="minor">
-                <a:schemeClr val="lt1"/>
-              </a:fontRef>
-            </p:style>
-            <p:txBody>
-              <a:bodyPr rtlCol="0" anchor="ctr"/>
-              <a:lstStyle/>
-              <a:p>
-                <a:pPr algn="ctr"/>
-                <a:endParaRPr lang="en-US">
-                  <a:solidFill>
-                    <a:schemeClr val="tx1"/>
-                  </a:solidFill>
-                </a:endParaRPr>
-              </a:p>
-            </p:txBody>
-          </p:sp>
-          <p:sp>
-            <p:nvSpPr>
-              <p:cNvPr id="7" name="Oval 6"/>
-              <p:cNvSpPr/>
-              <p:nvPr/>
-            </p:nvSpPr>
-            <p:spPr>
-              <a:xfrm>
-                <a:off x="7171017" y="4677260"/>
-                <a:ext cx="365663" cy="365664"/>
-              </a:xfrm>
-              <a:prstGeom prst="ellipse">
-                <a:avLst/>
-              </a:prstGeom>
-              <a:noFill/>
-              <a:ln w="25400">
-                <a:solidFill>
-                  <a:srgbClr val="C00000"/>
-                </a:solidFill>
-              </a:ln>
-            </p:spPr>
-            <p:style>
-              <a:lnRef idx="2">
-                <a:schemeClr val="accent1">
-                  <a:shade val="50000"/>
-                </a:schemeClr>
-              </a:lnRef>
-              <a:fillRef idx="1">
-                <a:schemeClr val="accent1"/>
-              </a:fillRef>
-              <a:effectRef idx="0">
-                <a:schemeClr val="accent1"/>
-              </a:effectRef>
-              <a:fontRef idx="minor">
-                <a:schemeClr val="lt1"/>
-              </a:fontRef>
-            </p:style>
-            <p:txBody>
-              <a:bodyPr rtlCol="0" anchor="ctr"/>
-              <a:lstStyle/>
-              <a:p>
-                <a:pPr algn="ctr"/>
-                <a:endParaRPr lang="en-US">
-                  <a:solidFill>
-                    <a:schemeClr val="tx1"/>
-                  </a:solidFill>
-                </a:endParaRPr>
-              </a:p>
-            </p:txBody>
-          </p:sp>
-          <p:sp>
-            <p:nvSpPr>
-              <p:cNvPr id="8" name="Oval 7"/>
-              <p:cNvSpPr/>
-              <p:nvPr/>
-            </p:nvSpPr>
-            <p:spPr>
-              <a:xfrm>
-                <a:off x="7603603" y="4677248"/>
-                <a:ext cx="365663" cy="365663"/>
-              </a:xfrm>
-              <a:prstGeom prst="ellipse">
-                <a:avLst/>
-              </a:prstGeom>
-              <a:noFill/>
-              <a:ln w="25400">
-                <a:solidFill>
-                  <a:srgbClr val="C00000"/>
-                </a:solidFill>
-              </a:ln>
-            </p:spPr>
-            <p:style>
-              <a:lnRef idx="2">
-                <a:schemeClr val="accent1">
-                  <a:shade val="50000"/>
-                </a:schemeClr>
-              </a:lnRef>
-              <a:fillRef idx="1">
-                <a:schemeClr val="accent1"/>
-              </a:fillRef>
-              <a:effectRef idx="0">
-                <a:schemeClr val="accent1"/>
-              </a:effectRef>
-              <a:fontRef idx="minor">
-                <a:schemeClr val="lt1"/>
-              </a:fontRef>
-            </p:style>
-            <p:txBody>
-              <a:bodyPr rtlCol="0" anchor="ctr"/>
-              <a:lstStyle/>
-              <a:p>
-                <a:pPr algn="ctr"/>
-                <a:endParaRPr lang="en-US">
-                  <a:solidFill>
-                    <a:schemeClr val="tx1"/>
-                  </a:solidFill>
-                </a:endParaRPr>
-              </a:p>
-            </p:txBody>
-          </p:sp>
-          <p:sp>
-            <p:nvSpPr>
-              <p:cNvPr id="9" name="Oval 8"/>
-              <p:cNvSpPr/>
-              <p:nvPr/>
-            </p:nvSpPr>
-            <p:spPr>
-              <a:xfrm>
-                <a:off x="5873259" y="4677248"/>
-                <a:ext cx="365663" cy="365663"/>
-              </a:xfrm>
-              <a:prstGeom prst="ellipse">
-                <a:avLst/>
-              </a:prstGeom>
-              <a:noFill/>
-              <a:ln w="25400">
-                <a:solidFill>
-                  <a:srgbClr val="C00000"/>
-                </a:solidFill>
-              </a:ln>
-            </p:spPr>
-            <p:style>
-              <a:lnRef idx="2">
-                <a:schemeClr val="accent1">
-                  <a:shade val="50000"/>
-                </a:schemeClr>
-              </a:lnRef>
-              <a:fillRef idx="1">
-                <a:schemeClr val="accent1"/>
-              </a:fillRef>
-              <a:effectRef idx="0">
-                <a:schemeClr val="accent1"/>
-              </a:effectRef>
-              <a:fontRef idx="minor">
-                <a:schemeClr val="lt1"/>
-              </a:fontRef>
-            </p:style>
-            <p:txBody>
-              <a:bodyPr rtlCol="0" anchor="ctr"/>
-              <a:lstStyle/>
-              <a:p>
-                <a:pPr algn="ctr"/>
-                <a:endParaRPr lang="en-US">
-                  <a:solidFill>
-                    <a:schemeClr val="tx1"/>
-                  </a:solidFill>
-                </a:endParaRPr>
-              </a:p>
-            </p:txBody>
-          </p:sp>
-          <p:sp>
-            <p:nvSpPr>
-              <p:cNvPr id="10" name="Rectangle 9"/>
-              <p:cNvSpPr/>
-              <p:nvPr/>
-            </p:nvSpPr>
-            <p:spPr>
-              <a:xfrm>
-                <a:off x="5838484" y="4644073"/>
-                <a:ext cx="2169328" cy="441544"/>
-              </a:xfrm>
-              <a:prstGeom prst="rect">
-                <a:avLst/>
-              </a:prstGeom>
-              <a:noFill/>
-              <a:ln w="25400">
-                <a:solidFill>
-                  <a:srgbClr val="C00000"/>
-                </a:solidFill>
-              </a:ln>
-            </p:spPr>
-            <p:style>
-              <a:lnRef idx="2">
-                <a:schemeClr val="accent1">
-                  <a:shade val="50000"/>
-                </a:schemeClr>
-              </a:lnRef>
-              <a:fillRef idx="1">
-                <a:schemeClr val="accent1"/>
-              </a:fillRef>
-              <a:effectRef idx="0">
-                <a:schemeClr val="accent1"/>
-              </a:effectRef>
-              <a:fontRef idx="minor">
-                <a:schemeClr val="lt1"/>
-              </a:fontRef>
-            </p:style>
-            <p:txBody>
-              <a:bodyPr rtlCol="0" anchor="ctr"/>
-              <a:lstStyle/>
-              <a:p>
-                <a:pPr algn="ctr"/>
-                <a:endParaRPr lang="en-US">
-                  <a:solidFill>
-                    <a:schemeClr val="tx1"/>
-                  </a:solidFill>
-                </a:endParaRPr>
-              </a:p>
-            </p:txBody>
-          </p:sp>
-        </p:grpSp>
-        <p:cxnSp>
-          <p:nvCxnSpPr>
-            <p:cNvPr id="11" name="Straight Arrow Connector 10"/>
-            <p:cNvCxnSpPr>
-              <a:stCxn id="10" idx="0"/>
-              <a:endCxn id="15" idx="4"/>
-            </p:cNvCxnSpPr>
-            <p:nvPr/>
-          </p:nvCxnSpPr>
-          <p:spPr>
-            <a:xfrm flipH="1" flipV="1">
-              <a:off x="13163954" y="3919618"/>
-              <a:ext cx="13351" cy="1657037"/>
-            </a:xfrm>
-            <a:prstGeom prst="straightConnector1">
-              <a:avLst/>
-            </a:prstGeom>
-            <a:ln w="50800">
-              <a:solidFill>
-                <a:srgbClr val="C00000"/>
-              </a:solidFill>
-              <a:tailEnd type="triangle"/>
-            </a:ln>
-            <a:effectLst/>
-          </p:spPr>
-          <p:style>
-            <a:lnRef idx="2">
-              <a:schemeClr val="accent1"/>
-            </a:lnRef>
-            <a:fillRef idx="0">
-              <a:schemeClr val="accent1"/>
-            </a:fillRef>
-            <a:effectRef idx="1">
-              <a:schemeClr val="accent1"/>
-            </a:effectRef>
-            <a:fontRef idx="minor">
-              <a:schemeClr val="tx1"/>
-            </a:fontRef>
-          </p:style>
-        </p:cxnSp>
-        <p:cxnSp>
-          <p:nvCxnSpPr>
-            <p:cNvPr id="12" name="Straight Arrow Connector 11"/>
-            <p:cNvCxnSpPr>
-              <a:stCxn id="15" idx="0"/>
-            </p:cNvCxnSpPr>
-            <p:nvPr/>
-          </p:nvCxnSpPr>
-          <p:spPr>
-            <a:xfrm flipV="1">
-              <a:off x="13163954" y="3288759"/>
-              <a:ext cx="0" cy="334907"/>
-            </a:xfrm>
-            <a:prstGeom prst="straightConnector1">
-              <a:avLst/>
-            </a:prstGeom>
-            <a:ln w="50800">
-              <a:solidFill>
-                <a:srgbClr val="7030A0"/>
-              </a:solidFill>
-              <a:tailEnd type="triangle"/>
-            </a:ln>
-            <a:effectLst/>
-          </p:spPr>
-          <p:style>
-            <a:lnRef idx="2">
-              <a:schemeClr val="accent1"/>
-            </a:lnRef>
-            <a:fillRef idx="0">
-              <a:schemeClr val="accent1"/>
-            </a:fillRef>
-            <a:effectRef idx="1">
-              <a:schemeClr val="accent1"/>
-            </a:effectRef>
-            <a:fontRef idx="minor">
-              <a:schemeClr val="tx1"/>
-            </a:fontRef>
-          </p:style>
-        </p:cxnSp>
-        <p:grpSp>
-          <p:nvGrpSpPr>
-            <p:cNvPr id="71" name="Group 70"/>
-            <p:cNvGrpSpPr/>
-            <p:nvPr/>
-          </p:nvGrpSpPr>
-          <p:grpSpPr>
-            <a:xfrm>
-              <a:off x="12287600" y="3594784"/>
-              <a:ext cx="2266500" cy="359399"/>
-              <a:chOff x="4874465" y="4696004"/>
-              <a:chExt cx="2266500" cy="359399"/>
-            </a:xfrm>
-          </p:grpSpPr>
-          <p:grpSp>
-            <p:nvGrpSpPr>
-              <p:cNvPr id="13" name="Group 12"/>
-              <p:cNvGrpSpPr/>
-              <p:nvPr/>
-            </p:nvGrpSpPr>
-            <p:grpSpPr>
-              <a:xfrm>
-                <a:off x="4874465" y="4698036"/>
-                <a:ext cx="1755761" cy="357367"/>
-                <a:chOff x="5838484" y="3917173"/>
-                <a:chExt cx="2169328" cy="441544"/>
-              </a:xfrm>
-            </p:grpSpPr>
-            <p:sp>
-              <p:nvSpPr>
-                <p:cNvPr id="14" name="Oval 13"/>
-                <p:cNvSpPr/>
-                <p:nvPr/>
-              </p:nvSpPr>
-              <p:spPr>
-                <a:xfrm>
-                  <a:off x="6305845" y="3950348"/>
-                  <a:ext cx="365663" cy="365663"/>
-                </a:xfrm>
-                <a:prstGeom prst="ellipse">
-                  <a:avLst/>
-                </a:prstGeom>
-                <a:noFill/>
-                <a:ln w="25400">
-                  <a:solidFill>
-                    <a:srgbClr val="7030A0"/>
-                  </a:solidFill>
-                </a:ln>
-              </p:spPr>
-              <p:style>
-                <a:lnRef idx="2">
-                  <a:schemeClr val="accent1">
-                    <a:shade val="50000"/>
-                  </a:schemeClr>
-                </a:lnRef>
-                <a:fillRef idx="1">
-                  <a:schemeClr val="accent1"/>
-                </a:fillRef>
-                <a:effectRef idx="0">
-                  <a:schemeClr val="accent1"/>
-                </a:effectRef>
-                <a:fontRef idx="minor">
-                  <a:schemeClr val="lt1"/>
-                </a:fontRef>
-              </p:style>
-              <p:txBody>
-                <a:bodyPr rtlCol="0" anchor="ctr"/>
-                <a:lstStyle/>
-                <a:p>
-                  <a:pPr algn="ctr"/>
-                  <a:endParaRPr lang="en-US">
-                    <a:solidFill>
-                      <a:schemeClr val="tx1"/>
-                    </a:solidFill>
-                  </a:endParaRPr>
-                </a:p>
-              </p:txBody>
-            </p:sp>
-            <p:sp>
-              <p:nvSpPr>
-                <p:cNvPr id="15" name="Oval 14"/>
-                <p:cNvSpPr/>
-                <p:nvPr/>
-              </p:nvSpPr>
-              <p:spPr>
-                <a:xfrm>
-                  <a:off x="6738431" y="3950348"/>
-                  <a:ext cx="365663" cy="365663"/>
-                </a:xfrm>
-                <a:prstGeom prst="ellipse">
-                  <a:avLst/>
-                </a:prstGeom>
-                <a:noFill/>
-                <a:ln w="25400">
-                  <a:solidFill>
-                    <a:srgbClr val="7030A0"/>
-                  </a:solidFill>
-                </a:ln>
-              </p:spPr>
-              <p:style>
-                <a:lnRef idx="2">
-                  <a:schemeClr val="accent1">
-                    <a:shade val="50000"/>
-                  </a:schemeClr>
-                </a:lnRef>
-                <a:fillRef idx="1">
-                  <a:schemeClr val="accent1"/>
-                </a:fillRef>
-                <a:effectRef idx="0">
-                  <a:schemeClr val="accent1"/>
-                </a:effectRef>
-                <a:fontRef idx="minor">
-                  <a:schemeClr val="lt1"/>
-                </a:fontRef>
-              </p:style>
-              <p:txBody>
-                <a:bodyPr rtlCol="0" anchor="ctr"/>
-                <a:lstStyle/>
-                <a:p>
-                  <a:pPr algn="ctr"/>
-                  <a:endParaRPr lang="en-US">
-                    <a:solidFill>
-                      <a:schemeClr val="tx1"/>
-                    </a:solidFill>
-                  </a:endParaRPr>
-                </a:p>
-              </p:txBody>
-            </p:sp>
-            <p:sp>
-              <p:nvSpPr>
-                <p:cNvPr id="16" name="Oval 15"/>
-                <p:cNvSpPr/>
-                <p:nvPr/>
-              </p:nvSpPr>
-              <p:spPr>
-                <a:xfrm>
-                  <a:off x="7171017" y="3950348"/>
-                  <a:ext cx="365663" cy="365663"/>
-                </a:xfrm>
-                <a:prstGeom prst="ellipse">
-                  <a:avLst/>
-                </a:prstGeom>
-                <a:noFill/>
-                <a:ln w="25400">
-                  <a:solidFill>
-                    <a:srgbClr val="7030A0"/>
-                  </a:solidFill>
-                </a:ln>
-              </p:spPr>
-              <p:style>
-                <a:lnRef idx="2">
-                  <a:schemeClr val="accent1">
-                    <a:shade val="50000"/>
-                  </a:schemeClr>
-                </a:lnRef>
-                <a:fillRef idx="1">
-                  <a:schemeClr val="accent1"/>
-                </a:fillRef>
-                <a:effectRef idx="0">
-                  <a:schemeClr val="accent1"/>
-                </a:effectRef>
-                <a:fontRef idx="minor">
-                  <a:schemeClr val="lt1"/>
-                </a:fontRef>
-              </p:style>
-              <p:txBody>
-                <a:bodyPr rtlCol="0" anchor="ctr"/>
-                <a:lstStyle/>
-                <a:p>
-                  <a:pPr algn="ctr"/>
-                  <a:endParaRPr lang="en-US">
-                    <a:solidFill>
-                      <a:schemeClr val="tx1"/>
-                    </a:solidFill>
-                  </a:endParaRPr>
-                </a:p>
-              </p:txBody>
-            </p:sp>
-            <p:sp>
-              <p:nvSpPr>
-                <p:cNvPr id="17" name="Oval 16"/>
-                <p:cNvSpPr/>
-                <p:nvPr/>
-              </p:nvSpPr>
-              <p:spPr>
-                <a:xfrm>
-                  <a:off x="7603603" y="3950348"/>
-                  <a:ext cx="365663" cy="365663"/>
-                </a:xfrm>
-                <a:prstGeom prst="ellipse">
-                  <a:avLst/>
-                </a:prstGeom>
-                <a:noFill/>
-                <a:ln w="25400">
-                  <a:solidFill>
-                    <a:srgbClr val="7030A0"/>
-                  </a:solidFill>
-                </a:ln>
-              </p:spPr>
-              <p:style>
-                <a:lnRef idx="2">
-                  <a:schemeClr val="accent1">
-                    <a:shade val="50000"/>
-                  </a:schemeClr>
-                </a:lnRef>
-                <a:fillRef idx="1">
-                  <a:schemeClr val="accent1"/>
-                </a:fillRef>
-                <a:effectRef idx="0">
-                  <a:schemeClr val="accent1"/>
-                </a:effectRef>
-                <a:fontRef idx="minor">
-                  <a:schemeClr val="lt1"/>
-                </a:fontRef>
-              </p:style>
-              <p:txBody>
-                <a:bodyPr rtlCol="0" anchor="ctr"/>
-                <a:lstStyle/>
-                <a:p>
-                  <a:pPr algn="ctr"/>
-                  <a:endParaRPr lang="en-US">
-                    <a:solidFill>
-                      <a:schemeClr val="tx1"/>
-                    </a:solidFill>
-                  </a:endParaRPr>
-                </a:p>
-              </p:txBody>
-            </p:sp>
-            <p:sp>
-              <p:nvSpPr>
-                <p:cNvPr id="18" name="Oval 17"/>
-                <p:cNvSpPr/>
-                <p:nvPr/>
-              </p:nvSpPr>
-              <p:spPr>
-                <a:xfrm>
-                  <a:off x="5873259" y="3950348"/>
-                  <a:ext cx="365663" cy="365663"/>
-                </a:xfrm>
-                <a:prstGeom prst="ellipse">
-                  <a:avLst/>
-                </a:prstGeom>
-                <a:noFill/>
-                <a:ln w="25400">
-                  <a:solidFill>
-                    <a:srgbClr val="7030A0"/>
-                  </a:solidFill>
-                </a:ln>
-              </p:spPr>
-              <p:style>
-                <a:lnRef idx="2">
-                  <a:schemeClr val="accent1">
-                    <a:shade val="50000"/>
-                  </a:schemeClr>
-                </a:lnRef>
-                <a:fillRef idx="1">
-                  <a:schemeClr val="accent1"/>
-                </a:fillRef>
-                <a:effectRef idx="0">
-                  <a:schemeClr val="accent1"/>
-                </a:effectRef>
-                <a:fontRef idx="minor">
-                  <a:schemeClr val="lt1"/>
-                </a:fontRef>
-              </p:style>
-              <p:txBody>
-                <a:bodyPr rtlCol="0" anchor="ctr"/>
-                <a:lstStyle/>
-                <a:p>
-                  <a:pPr algn="ctr"/>
-                  <a:endParaRPr lang="en-US">
-                    <a:solidFill>
-                      <a:schemeClr val="tx1"/>
-                    </a:solidFill>
-                  </a:endParaRPr>
-                </a:p>
-              </p:txBody>
-            </p:sp>
-            <p:sp>
-              <p:nvSpPr>
-                <p:cNvPr id="19" name="Rectangle 18"/>
-                <p:cNvSpPr/>
-                <p:nvPr/>
-              </p:nvSpPr>
-              <p:spPr>
-                <a:xfrm>
-                  <a:off x="5838484" y="3917173"/>
-                  <a:ext cx="2169328" cy="441544"/>
-                </a:xfrm>
-                <a:prstGeom prst="rect">
-                  <a:avLst/>
-                </a:prstGeom>
-                <a:noFill/>
-                <a:ln w="25400">
-                  <a:solidFill>
-                    <a:srgbClr val="7030A0"/>
-                  </a:solidFill>
-                </a:ln>
-              </p:spPr>
-              <p:style>
-                <a:lnRef idx="2">
-                  <a:schemeClr val="accent1">
-                    <a:shade val="50000"/>
-                  </a:schemeClr>
-                </a:lnRef>
-                <a:fillRef idx="1">
-                  <a:schemeClr val="accent1"/>
-                </a:fillRef>
-                <a:effectRef idx="0">
-                  <a:schemeClr val="accent1"/>
-                </a:effectRef>
-                <a:fontRef idx="minor">
-                  <a:schemeClr val="lt1"/>
-                </a:fontRef>
-              </p:style>
-              <p:txBody>
-                <a:bodyPr rtlCol="0" anchor="ctr"/>
-                <a:lstStyle/>
-                <a:p>
-                  <a:pPr algn="ctr"/>
-                  <a:endParaRPr lang="en-US">
-                    <a:solidFill>
-                      <a:schemeClr val="tx1"/>
-                    </a:solidFill>
-                  </a:endParaRPr>
-                </a:p>
-              </p:txBody>
-            </p:sp>
-          </p:grpSp>
-          <p:sp>
-            <p:nvSpPr>
-              <p:cNvPr id="20" name="Curved Left Arrow 19"/>
-              <p:cNvSpPr/>
-              <p:nvPr/>
-            </p:nvSpPr>
-            <p:spPr>
-              <a:xfrm>
-                <a:off x="6653194" y="4696004"/>
-                <a:ext cx="487771" cy="359399"/>
-              </a:xfrm>
-              <a:prstGeom prst="curvedLeftArrow">
-                <a:avLst>
-                  <a:gd name="adj1" fmla="val 14052"/>
-                  <a:gd name="adj2" fmla="val 50000"/>
-                  <a:gd name="adj3" fmla="val 23783"/>
-                </a:avLst>
-              </a:prstGeom>
-              <a:solidFill>
-                <a:srgbClr val="00B2B2"/>
-              </a:solidFill>
-              <a:ln w="25400">
-                <a:solidFill>
-                  <a:srgbClr val="00C6BA"/>
-                </a:solidFill>
-              </a:ln>
-            </p:spPr>
-            <p:style>
-              <a:lnRef idx="2">
-                <a:schemeClr val="accent1">
-                  <a:shade val="50000"/>
-                </a:schemeClr>
-              </a:lnRef>
-              <a:fillRef idx="1">
-                <a:schemeClr val="accent1"/>
-              </a:fillRef>
-              <a:effectRef idx="0">
-                <a:schemeClr val="accent1"/>
-              </a:effectRef>
-              <a:fontRef idx="minor">
-                <a:schemeClr val="lt1"/>
-              </a:fontRef>
-            </p:style>
-            <p:txBody>
-              <a:bodyPr rtlCol="0" anchor="ctr"/>
-              <a:lstStyle/>
-              <a:p>
-                <a:pPr algn="ctr"/>
-                <a:endParaRPr lang="en-US">
-                  <a:solidFill>
-                    <a:schemeClr val="tx1"/>
-                  </a:solidFill>
-                </a:endParaRPr>
-              </a:p>
-            </p:txBody>
-          </p:sp>
-        </p:grpSp>
-      </p:grpSp>
-      <p:grpSp>
-        <p:nvGrpSpPr>
-          <p:cNvPr id="80" name="Group 79"/>
-          <p:cNvGrpSpPr/>
-          <p:nvPr/>
-        </p:nvGrpSpPr>
-        <p:grpSpPr>
-          <a:xfrm>
-            <a:off x="8128028" y="3600082"/>
-            <a:ext cx="4063972" cy="2993258"/>
-            <a:chOff x="8128028" y="3600082"/>
-            <a:chExt cx="4063972" cy="2993258"/>
-          </a:xfrm>
-        </p:grpSpPr>
-        <p:grpSp>
-          <p:nvGrpSpPr>
-            <p:cNvPr id="23" name="Group 22"/>
-            <p:cNvGrpSpPr/>
-            <p:nvPr/>
-          </p:nvGrpSpPr>
-          <p:grpSpPr>
-            <a:xfrm>
-              <a:off x="9480007" y="5575466"/>
-              <a:ext cx="1755761" cy="357367"/>
-              <a:chOff x="5838484" y="4644073"/>
-              <a:chExt cx="2169328" cy="441544"/>
-            </a:xfrm>
-          </p:grpSpPr>
-          <p:sp>
-            <p:nvSpPr>
-              <p:cNvPr id="50" name="Oval 49"/>
-              <p:cNvSpPr/>
-              <p:nvPr/>
-            </p:nvSpPr>
-            <p:spPr>
-              <a:xfrm>
-                <a:off x="6305845" y="4677248"/>
-                <a:ext cx="365663" cy="365663"/>
-              </a:xfrm>
-              <a:prstGeom prst="ellipse">
-                <a:avLst/>
-              </a:prstGeom>
-              <a:noFill/>
-              <a:ln w="25400">
-                <a:solidFill>
-                  <a:srgbClr val="C00000"/>
-                </a:solidFill>
-              </a:ln>
-            </p:spPr>
-            <p:style>
-              <a:lnRef idx="2">
-                <a:schemeClr val="accent1">
-                  <a:shade val="50000"/>
-                </a:schemeClr>
-              </a:lnRef>
-              <a:fillRef idx="1">
-                <a:schemeClr val="accent1"/>
-              </a:fillRef>
-              <a:effectRef idx="0">
-                <a:schemeClr val="accent1"/>
-              </a:effectRef>
-              <a:fontRef idx="minor">
-                <a:schemeClr val="lt1"/>
-              </a:fontRef>
-            </p:style>
-            <p:txBody>
-              <a:bodyPr rtlCol="0" anchor="ctr"/>
-              <a:lstStyle/>
-              <a:p>
-                <a:pPr algn="ctr"/>
-                <a:endParaRPr lang="en-US">
-                  <a:solidFill>
-                    <a:schemeClr val="tx1"/>
-                  </a:solidFill>
-                </a:endParaRPr>
-              </a:p>
-            </p:txBody>
-          </p:sp>
-          <p:sp>
-            <p:nvSpPr>
-              <p:cNvPr id="51" name="Oval 50"/>
-              <p:cNvSpPr/>
-              <p:nvPr/>
-            </p:nvSpPr>
-            <p:spPr>
-              <a:xfrm>
-                <a:off x="6738431" y="4677248"/>
-                <a:ext cx="365663" cy="365663"/>
-              </a:xfrm>
-              <a:prstGeom prst="ellipse">
-                <a:avLst/>
-              </a:prstGeom>
-              <a:noFill/>
-              <a:ln w="25400">
-                <a:solidFill>
-                  <a:srgbClr val="C00000"/>
-                </a:solidFill>
-              </a:ln>
-            </p:spPr>
-            <p:style>
-              <a:lnRef idx="2">
-                <a:schemeClr val="accent1">
-                  <a:shade val="50000"/>
-                </a:schemeClr>
-              </a:lnRef>
-              <a:fillRef idx="1">
-                <a:schemeClr val="accent1"/>
-              </a:fillRef>
-              <a:effectRef idx="0">
-                <a:schemeClr val="accent1"/>
-              </a:effectRef>
-              <a:fontRef idx="minor">
-                <a:schemeClr val="lt1"/>
-              </a:fontRef>
-            </p:style>
-            <p:txBody>
-              <a:bodyPr rtlCol="0" anchor="ctr"/>
-              <a:lstStyle/>
-              <a:p>
-                <a:pPr algn="ctr"/>
-                <a:endParaRPr lang="en-US">
-                  <a:solidFill>
-                    <a:schemeClr val="tx1"/>
-                  </a:solidFill>
-                </a:endParaRPr>
-              </a:p>
-            </p:txBody>
-          </p:sp>
-          <p:sp>
-            <p:nvSpPr>
-              <p:cNvPr id="52" name="Oval 51"/>
-              <p:cNvSpPr/>
-              <p:nvPr/>
-            </p:nvSpPr>
-            <p:spPr>
-              <a:xfrm>
-                <a:off x="7171017" y="4677248"/>
-                <a:ext cx="365663" cy="365663"/>
-              </a:xfrm>
-              <a:prstGeom prst="ellipse">
-                <a:avLst/>
-              </a:prstGeom>
-              <a:noFill/>
-              <a:ln w="25400">
-                <a:solidFill>
-                  <a:srgbClr val="C00000"/>
-                </a:solidFill>
-              </a:ln>
-            </p:spPr>
-            <p:style>
-              <a:lnRef idx="2">
-                <a:schemeClr val="accent1">
-                  <a:shade val="50000"/>
-                </a:schemeClr>
-              </a:lnRef>
-              <a:fillRef idx="1">
-                <a:schemeClr val="accent1"/>
-              </a:fillRef>
-              <a:effectRef idx="0">
-                <a:schemeClr val="accent1"/>
-              </a:effectRef>
-              <a:fontRef idx="minor">
-                <a:schemeClr val="lt1"/>
-              </a:fontRef>
-            </p:style>
-            <p:txBody>
-              <a:bodyPr rtlCol="0" anchor="ctr"/>
-              <a:lstStyle/>
-              <a:p>
-                <a:pPr algn="ctr"/>
-                <a:endParaRPr lang="en-US">
-                  <a:solidFill>
-                    <a:schemeClr val="tx1"/>
-                  </a:solidFill>
-                </a:endParaRPr>
-              </a:p>
-            </p:txBody>
-          </p:sp>
-          <p:sp>
-            <p:nvSpPr>
-              <p:cNvPr id="53" name="Oval 52"/>
-              <p:cNvSpPr/>
-              <p:nvPr/>
-            </p:nvSpPr>
-            <p:spPr>
-              <a:xfrm>
-                <a:off x="7603603" y="4677248"/>
-                <a:ext cx="365663" cy="365663"/>
-              </a:xfrm>
-              <a:prstGeom prst="ellipse">
-                <a:avLst/>
-              </a:prstGeom>
-              <a:noFill/>
-              <a:ln w="25400">
-                <a:solidFill>
-                  <a:srgbClr val="C00000"/>
-                </a:solidFill>
-              </a:ln>
-            </p:spPr>
-            <p:style>
-              <a:lnRef idx="2">
-                <a:schemeClr val="accent1">
-                  <a:shade val="50000"/>
-                </a:schemeClr>
-              </a:lnRef>
-              <a:fillRef idx="1">
-                <a:schemeClr val="accent1"/>
-              </a:fillRef>
-              <a:effectRef idx="0">
-                <a:schemeClr val="accent1"/>
-              </a:effectRef>
-              <a:fontRef idx="minor">
-                <a:schemeClr val="lt1"/>
-              </a:fontRef>
-            </p:style>
-            <p:txBody>
-              <a:bodyPr rtlCol="0" anchor="ctr"/>
-              <a:lstStyle/>
-              <a:p>
-                <a:pPr algn="ctr"/>
-                <a:endParaRPr lang="en-US">
-                  <a:solidFill>
-                    <a:schemeClr val="tx1"/>
-                  </a:solidFill>
-                </a:endParaRPr>
-              </a:p>
-            </p:txBody>
-          </p:sp>
-          <p:sp>
-            <p:nvSpPr>
-              <p:cNvPr id="54" name="Oval 53"/>
-              <p:cNvSpPr/>
-              <p:nvPr/>
-            </p:nvSpPr>
-            <p:spPr>
-              <a:xfrm>
-                <a:off x="5873259" y="4677248"/>
-                <a:ext cx="365663" cy="365663"/>
-              </a:xfrm>
-              <a:prstGeom prst="ellipse">
-                <a:avLst/>
-              </a:prstGeom>
-              <a:noFill/>
-              <a:ln w="25400">
-                <a:solidFill>
-                  <a:srgbClr val="C00000"/>
-                </a:solidFill>
-              </a:ln>
-            </p:spPr>
-            <p:style>
-              <a:lnRef idx="2">
-                <a:schemeClr val="accent1">
-                  <a:shade val="50000"/>
-                </a:schemeClr>
-              </a:lnRef>
-              <a:fillRef idx="1">
-                <a:schemeClr val="accent1"/>
-              </a:fillRef>
-              <a:effectRef idx="0">
-                <a:schemeClr val="accent1"/>
-              </a:effectRef>
-              <a:fontRef idx="minor">
-                <a:schemeClr val="lt1"/>
-              </a:fontRef>
-            </p:style>
-            <p:txBody>
-              <a:bodyPr rtlCol="0" anchor="ctr"/>
-              <a:lstStyle/>
-              <a:p>
-                <a:pPr algn="ctr"/>
-                <a:endParaRPr lang="en-US" dirty="0">
-                  <a:solidFill>
-                    <a:schemeClr val="tx1"/>
-                  </a:solidFill>
-                </a:endParaRPr>
-              </a:p>
-            </p:txBody>
-          </p:sp>
-          <p:sp>
-            <p:nvSpPr>
-              <p:cNvPr id="55" name="Rectangle 54"/>
-              <p:cNvSpPr/>
-              <p:nvPr/>
-            </p:nvSpPr>
-            <p:spPr>
-              <a:xfrm>
-                <a:off x="5838484" y="4644073"/>
-                <a:ext cx="2169328" cy="441544"/>
-              </a:xfrm>
-              <a:prstGeom prst="rect">
-                <a:avLst/>
-              </a:prstGeom>
-              <a:noFill/>
-              <a:ln w="25400">
-                <a:solidFill>
-                  <a:srgbClr val="C00000"/>
-                </a:solidFill>
-              </a:ln>
-            </p:spPr>
-            <p:style>
-              <a:lnRef idx="2">
-                <a:schemeClr val="accent1">
-                  <a:shade val="50000"/>
-                </a:schemeClr>
-              </a:lnRef>
-              <a:fillRef idx="1">
-                <a:schemeClr val="accent1"/>
-              </a:fillRef>
-              <a:effectRef idx="0">
-                <a:schemeClr val="accent1"/>
-              </a:effectRef>
-              <a:fontRef idx="minor">
-                <a:schemeClr val="lt1"/>
-              </a:fontRef>
-            </p:style>
-            <p:txBody>
-              <a:bodyPr rtlCol="0" anchor="ctr"/>
-              <a:lstStyle/>
-              <a:p>
-                <a:pPr algn="ctr"/>
-                <a:endParaRPr lang="en-US">
-                  <a:solidFill>
-                    <a:schemeClr val="tx1"/>
-                  </a:solidFill>
-                </a:endParaRPr>
-              </a:p>
-            </p:txBody>
-          </p:sp>
-        </p:grpSp>
-        <p:cxnSp>
-          <p:nvCxnSpPr>
-            <p:cNvPr id="24" name="Straight Arrow Connector 23"/>
-            <p:cNvCxnSpPr/>
-            <p:nvPr/>
-          </p:nvCxnSpPr>
-          <p:spPr>
-            <a:xfrm flipV="1">
-              <a:off x="10357888" y="5932833"/>
-              <a:ext cx="0" cy="278385"/>
-            </a:xfrm>
-            <a:prstGeom prst="straightConnector1">
-              <a:avLst/>
-            </a:prstGeom>
-            <a:ln w="50800">
-              <a:solidFill>
-                <a:srgbClr val="0000FF"/>
-              </a:solidFill>
-              <a:tailEnd type="triangle"/>
-            </a:ln>
-            <a:effectLst/>
-          </p:spPr>
-          <p:style>
-            <a:lnRef idx="2">
-              <a:schemeClr val="accent1"/>
-            </a:lnRef>
-            <a:fillRef idx="0">
-              <a:schemeClr val="accent1"/>
-            </a:fillRef>
-            <a:effectRef idx="1">
-              <a:schemeClr val="accent1"/>
-            </a:effectRef>
-            <a:fontRef idx="minor">
-              <a:schemeClr val="tx1"/>
-            </a:fontRef>
-          </p:style>
-        </p:cxnSp>
-        <p:grpSp>
-          <p:nvGrpSpPr>
-            <p:cNvPr id="25" name="Group 24"/>
-            <p:cNvGrpSpPr/>
-            <p:nvPr/>
-          </p:nvGrpSpPr>
-          <p:grpSpPr>
-            <a:xfrm>
-              <a:off x="9478481" y="4400770"/>
-              <a:ext cx="1755761" cy="357367"/>
-              <a:chOff x="5838484" y="3917173"/>
-              <a:chExt cx="2169328" cy="441544"/>
-            </a:xfrm>
-          </p:grpSpPr>
-          <p:sp>
-            <p:nvSpPr>
-              <p:cNvPr id="44" name="Oval 43"/>
-              <p:cNvSpPr/>
-              <p:nvPr/>
-            </p:nvSpPr>
-            <p:spPr>
-              <a:xfrm>
-                <a:off x="6305845" y="3950348"/>
-                <a:ext cx="365663" cy="365663"/>
-              </a:xfrm>
-              <a:prstGeom prst="ellipse">
-                <a:avLst/>
-              </a:prstGeom>
-              <a:noFill/>
-              <a:ln w="25400">
-                <a:solidFill>
-                  <a:srgbClr val="7030A0"/>
-                </a:solidFill>
-              </a:ln>
-            </p:spPr>
-            <p:style>
-              <a:lnRef idx="2">
-                <a:schemeClr val="accent1">
-                  <a:shade val="50000"/>
-                </a:schemeClr>
-              </a:lnRef>
-              <a:fillRef idx="1">
-                <a:schemeClr val="accent1"/>
-              </a:fillRef>
-              <a:effectRef idx="0">
-                <a:schemeClr val="accent1"/>
-              </a:effectRef>
-              <a:fontRef idx="minor">
-                <a:schemeClr val="lt1"/>
-              </a:fontRef>
-            </p:style>
-            <p:txBody>
-              <a:bodyPr rtlCol="0" anchor="ctr"/>
-              <a:lstStyle/>
-              <a:p>
-                <a:pPr algn="ctr"/>
-                <a:endParaRPr lang="en-US">
-                  <a:solidFill>
-                    <a:schemeClr val="tx1"/>
-                  </a:solidFill>
-                </a:endParaRPr>
-              </a:p>
-            </p:txBody>
-          </p:sp>
-          <p:sp>
-            <p:nvSpPr>
-              <p:cNvPr id="45" name="Oval 44"/>
-              <p:cNvSpPr/>
-              <p:nvPr/>
-            </p:nvSpPr>
-            <p:spPr>
-              <a:xfrm>
-                <a:off x="6738431" y="3950348"/>
-                <a:ext cx="365663" cy="365663"/>
-              </a:xfrm>
-              <a:prstGeom prst="ellipse">
-                <a:avLst/>
-              </a:prstGeom>
-              <a:noFill/>
-              <a:ln w="25400">
-                <a:solidFill>
-                  <a:srgbClr val="7030A0"/>
-                </a:solidFill>
-              </a:ln>
-            </p:spPr>
-            <p:style>
-              <a:lnRef idx="2">
-                <a:schemeClr val="accent1">
-                  <a:shade val="50000"/>
-                </a:schemeClr>
-              </a:lnRef>
-              <a:fillRef idx="1">
-                <a:schemeClr val="accent1"/>
-              </a:fillRef>
-              <a:effectRef idx="0">
-                <a:schemeClr val="accent1"/>
-              </a:effectRef>
-              <a:fontRef idx="minor">
-                <a:schemeClr val="lt1"/>
-              </a:fontRef>
-            </p:style>
-            <p:txBody>
-              <a:bodyPr rtlCol="0" anchor="ctr"/>
-              <a:lstStyle/>
-              <a:p>
-                <a:pPr algn="ctr"/>
-                <a:endParaRPr lang="en-US">
-                  <a:solidFill>
-                    <a:schemeClr val="tx1"/>
-                  </a:solidFill>
-                </a:endParaRPr>
-              </a:p>
-            </p:txBody>
-          </p:sp>
-          <p:sp>
-            <p:nvSpPr>
-              <p:cNvPr id="46" name="Oval 45"/>
-              <p:cNvSpPr/>
-              <p:nvPr/>
-            </p:nvSpPr>
-            <p:spPr>
-              <a:xfrm>
-                <a:off x="7171017" y="3950348"/>
-                <a:ext cx="365663" cy="365663"/>
-              </a:xfrm>
-              <a:prstGeom prst="ellipse">
-                <a:avLst/>
-              </a:prstGeom>
-              <a:noFill/>
-              <a:ln w="25400">
-                <a:solidFill>
-                  <a:srgbClr val="7030A0"/>
-                </a:solidFill>
-              </a:ln>
-            </p:spPr>
-            <p:style>
-              <a:lnRef idx="2">
-                <a:schemeClr val="accent1">
-                  <a:shade val="50000"/>
-                </a:schemeClr>
-              </a:lnRef>
-              <a:fillRef idx="1">
-                <a:schemeClr val="accent1"/>
-              </a:fillRef>
-              <a:effectRef idx="0">
-                <a:schemeClr val="accent1"/>
-              </a:effectRef>
-              <a:fontRef idx="minor">
-                <a:schemeClr val="lt1"/>
-              </a:fontRef>
-            </p:style>
-            <p:txBody>
-              <a:bodyPr rtlCol="0" anchor="ctr"/>
-              <a:lstStyle/>
-              <a:p>
-                <a:pPr algn="ctr"/>
-                <a:endParaRPr lang="en-US">
-                  <a:solidFill>
-                    <a:schemeClr val="tx1"/>
-                  </a:solidFill>
-                </a:endParaRPr>
-              </a:p>
-            </p:txBody>
-          </p:sp>
-          <p:sp>
-            <p:nvSpPr>
-              <p:cNvPr id="47" name="Oval 46"/>
-              <p:cNvSpPr/>
-              <p:nvPr/>
-            </p:nvSpPr>
-            <p:spPr>
-              <a:xfrm>
-                <a:off x="7603603" y="3950348"/>
-                <a:ext cx="365663" cy="365663"/>
-              </a:xfrm>
-              <a:prstGeom prst="ellipse">
-                <a:avLst/>
-              </a:prstGeom>
-              <a:noFill/>
-              <a:ln w="25400">
-                <a:solidFill>
-                  <a:srgbClr val="7030A0"/>
-                </a:solidFill>
-              </a:ln>
-            </p:spPr>
-            <p:style>
-              <a:lnRef idx="2">
-                <a:schemeClr val="accent1">
-                  <a:shade val="50000"/>
-                </a:schemeClr>
-              </a:lnRef>
-              <a:fillRef idx="1">
-                <a:schemeClr val="accent1"/>
-              </a:fillRef>
-              <a:effectRef idx="0">
-                <a:schemeClr val="accent1"/>
-              </a:effectRef>
-              <a:fontRef idx="minor">
-                <a:schemeClr val="lt1"/>
-              </a:fontRef>
-            </p:style>
-            <p:txBody>
-              <a:bodyPr rtlCol="0" anchor="ctr"/>
-              <a:lstStyle/>
-              <a:p>
-                <a:pPr algn="ctr"/>
-                <a:endParaRPr lang="en-US">
-                  <a:solidFill>
-                    <a:schemeClr val="tx1"/>
-                  </a:solidFill>
-                </a:endParaRPr>
-              </a:p>
-            </p:txBody>
-          </p:sp>
-          <p:sp>
-            <p:nvSpPr>
-              <p:cNvPr id="48" name="Oval 47"/>
-              <p:cNvSpPr/>
-              <p:nvPr/>
-            </p:nvSpPr>
-            <p:spPr>
-              <a:xfrm>
-                <a:off x="5873259" y="3950348"/>
-                <a:ext cx="365663" cy="365663"/>
-              </a:xfrm>
-              <a:prstGeom prst="ellipse">
-                <a:avLst/>
-              </a:prstGeom>
-              <a:noFill/>
-              <a:ln w="25400">
-                <a:solidFill>
-                  <a:srgbClr val="7030A0"/>
-                </a:solidFill>
-              </a:ln>
-            </p:spPr>
-            <p:style>
-              <a:lnRef idx="2">
-                <a:schemeClr val="accent1">
-                  <a:shade val="50000"/>
-                </a:schemeClr>
-              </a:lnRef>
-              <a:fillRef idx="1">
-                <a:schemeClr val="accent1"/>
-              </a:fillRef>
-              <a:effectRef idx="0">
-                <a:schemeClr val="accent1"/>
-              </a:effectRef>
-              <a:fontRef idx="minor">
-                <a:schemeClr val="lt1"/>
-              </a:fontRef>
-            </p:style>
-            <p:txBody>
-              <a:bodyPr rtlCol="0" anchor="ctr"/>
-              <a:lstStyle/>
-              <a:p>
-                <a:pPr algn="ctr"/>
-                <a:endParaRPr lang="en-US">
-                  <a:solidFill>
-                    <a:schemeClr val="tx1"/>
-                  </a:solidFill>
-                </a:endParaRPr>
-              </a:p>
-            </p:txBody>
-          </p:sp>
-          <p:sp>
-            <p:nvSpPr>
-              <p:cNvPr id="49" name="Rectangle 48"/>
-              <p:cNvSpPr/>
-              <p:nvPr/>
-            </p:nvSpPr>
-            <p:spPr>
-              <a:xfrm>
-                <a:off x="5838484" y="3917173"/>
-                <a:ext cx="2169328" cy="441544"/>
-              </a:xfrm>
-              <a:prstGeom prst="rect">
-                <a:avLst/>
-              </a:prstGeom>
-              <a:noFill/>
-              <a:ln w="25400">
-                <a:solidFill>
-                  <a:srgbClr val="7030A0"/>
-                </a:solidFill>
-              </a:ln>
-            </p:spPr>
-            <p:style>
-              <a:lnRef idx="2">
-                <a:schemeClr val="accent1">
-                  <a:shade val="50000"/>
-                </a:schemeClr>
-              </a:lnRef>
-              <a:fillRef idx="1">
-                <a:schemeClr val="accent1"/>
-              </a:fillRef>
-              <a:effectRef idx="0">
-                <a:schemeClr val="accent1"/>
-              </a:effectRef>
-              <a:fontRef idx="minor">
-                <a:schemeClr val="lt1"/>
-              </a:fontRef>
-            </p:style>
-            <p:txBody>
-              <a:bodyPr rtlCol="0" anchor="ctr"/>
-              <a:lstStyle/>
-              <a:p>
-                <a:pPr algn="ctr"/>
-                <a:endParaRPr lang="en-US">
-                  <a:solidFill>
-                    <a:schemeClr val="tx1"/>
-                  </a:solidFill>
-                </a:endParaRPr>
-              </a:p>
-            </p:txBody>
-          </p:sp>
-        </p:grpSp>
-        <p:cxnSp>
-          <p:nvCxnSpPr>
-            <p:cNvPr id="26" name="Straight Arrow Connector 25"/>
-            <p:cNvCxnSpPr/>
-            <p:nvPr/>
-          </p:nvCxnSpPr>
-          <p:spPr>
-            <a:xfrm flipV="1">
-              <a:off x="10357888" y="5344512"/>
-              <a:ext cx="0" cy="230955"/>
-            </a:xfrm>
-            <a:prstGeom prst="straightConnector1">
-              <a:avLst/>
-            </a:prstGeom>
-            <a:ln w="50800">
-              <a:solidFill>
-                <a:srgbClr val="C00000"/>
-              </a:solidFill>
-              <a:tailEnd type="triangle"/>
-            </a:ln>
-            <a:effectLst/>
-          </p:spPr>
-          <p:style>
-            <a:lnRef idx="2">
-              <a:schemeClr val="accent1"/>
-            </a:lnRef>
-            <a:fillRef idx="0">
-              <a:schemeClr val="accent1"/>
-            </a:fillRef>
-            <a:effectRef idx="1">
-              <a:schemeClr val="accent1"/>
-            </a:effectRef>
-            <a:fontRef idx="minor">
-              <a:schemeClr val="tx1"/>
-            </a:fontRef>
-          </p:style>
-        </p:cxnSp>
-        <p:cxnSp>
-          <p:nvCxnSpPr>
-            <p:cNvPr id="27" name="Straight Arrow Connector 26"/>
-            <p:cNvCxnSpPr/>
-            <p:nvPr/>
-          </p:nvCxnSpPr>
-          <p:spPr>
-            <a:xfrm flipH="1" flipV="1">
-              <a:off x="10356361" y="4758136"/>
-              <a:ext cx="1526" cy="229009"/>
-            </a:xfrm>
-            <a:prstGeom prst="straightConnector1">
-              <a:avLst/>
-            </a:prstGeom>
-            <a:ln w="50800">
-              <a:solidFill>
-                <a:srgbClr val="00C6BA"/>
-              </a:solidFill>
-              <a:tailEnd type="triangle"/>
-            </a:ln>
-            <a:effectLst/>
-          </p:spPr>
-          <p:style>
-            <a:lnRef idx="2">
-              <a:schemeClr val="accent1"/>
-            </a:lnRef>
-            <a:fillRef idx="0">
-              <a:schemeClr val="accent1"/>
-            </a:fillRef>
-            <a:effectRef idx="1">
-              <a:schemeClr val="accent1"/>
-            </a:effectRef>
-            <a:fontRef idx="minor">
-              <a:schemeClr val="tx1"/>
-            </a:fontRef>
-          </p:style>
-        </p:cxnSp>
-        <p:grpSp>
-          <p:nvGrpSpPr>
-            <p:cNvPr id="28" name="Group 27"/>
-            <p:cNvGrpSpPr/>
-            <p:nvPr/>
-          </p:nvGrpSpPr>
-          <p:grpSpPr>
-            <a:xfrm>
-              <a:off x="9480007" y="4987145"/>
-              <a:ext cx="1755761" cy="357367"/>
-              <a:chOff x="5838484" y="3917173"/>
-              <a:chExt cx="2169328" cy="441544"/>
-            </a:xfrm>
-          </p:grpSpPr>
-          <p:sp>
-            <p:nvSpPr>
-              <p:cNvPr id="38" name="Oval 37"/>
-              <p:cNvSpPr/>
-              <p:nvPr/>
-            </p:nvSpPr>
-            <p:spPr>
-              <a:xfrm>
-                <a:off x="6305845" y="3950348"/>
-                <a:ext cx="365663" cy="365663"/>
-              </a:xfrm>
-              <a:prstGeom prst="ellipse">
-                <a:avLst/>
-              </a:prstGeom>
-              <a:noFill/>
-              <a:ln w="25400">
-                <a:solidFill>
-                  <a:srgbClr val="7030A0"/>
-                </a:solidFill>
-              </a:ln>
-            </p:spPr>
-            <p:style>
-              <a:lnRef idx="2">
-                <a:schemeClr val="accent1">
-                  <a:shade val="50000"/>
-                </a:schemeClr>
-              </a:lnRef>
-              <a:fillRef idx="1">
-                <a:schemeClr val="accent1"/>
-              </a:fillRef>
-              <a:effectRef idx="0">
-                <a:schemeClr val="accent1"/>
-              </a:effectRef>
-              <a:fontRef idx="minor">
-                <a:schemeClr val="lt1"/>
-              </a:fontRef>
-            </p:style>
-            <p:txBody>
-              <a:bodyPr rtlCol="0" anchor="ctr"/>
-              <a:lstStyle/>
-              <a:p>
-                <a:pPr algn="ctr"/>
-                <a:endParaRPr lang="en-US">
-                  <a:solidFill>
-                    <a:schemeClr val="tx1"/>
-                  </a:solidFill>
-                </a:endParaRPr>
-              </a:p>
-            </p:txBody>
-          </p:sp>
-          <p:sp>
-            <p:nvSpPr>
-              <p:cNvPr id="39" name="Oval 38"/>
-              <p:cNvSpPr/>
-              <p:nvPr/>
-            </p:nvSpPr>
-            <p:spPr>
-              <a:xfrm>
-                <a:off x="6738431" y="3950348"/>
-                <a:ext cx="365663" cy="365663"/>
-              </a:xfrm>
-              <a:prstGeom prst="ellipse">
-                <a:avLst/>
-              </a:prstGeom>
-              <a:noFill/>
-              <a:ln w="25400">
-                <a:solidFill>
-                  <a:srgbClr val="7030A0"/>
-                </a:solidFill>
-              </a:ln>
-            </p:spPr>
-            <p:style>
-              <a:lnRef idx="2">
-                <a:schemeClr val="accent1">
-                  <a:shade val="50000"/>
-                </a:schemeClr>
-              </a:lnRef>
-              <a:fillRef idx="1">
-                <a:schemeClr val="accent1"/>
-              </a:fillRef>
-              <a:effectRef idx="0">
-                <a:schemeClr val="accent1"/>
-              </a:effectRef>
-              <a:fontRef idx="minor">
-                <a:schemeClr val="lt1"/>
-              </a:fontRef>
-            </p:style>
-            <p:txBody>
-              <a:bodyPr rtlCol="0" anchor="ctr"/>
-              <a:lstStyle/>
-              <a:p>
-                <a:pPr algn="ctr"/>
-                <a:endParaRPr lang="en-US">
-                  <a:solidFill>
-                    <a:schemeClr val="tx1"/>
-                  </a:solidFill>
-                </a:endParaRPr>
-              </a:p>
-            </p:txBody>
-          </p:sp>
-          <p:sp>
-            <p:nvSpPr>
-              <p:cNvPr id="40" name="Oval 39"/>
-              <p:cNvSpPr/>
-              <p:nvPr/>
-            </p:nvSpPr>
-            <p:spPr>
-              <a:xfrm>
-                <a:off x="7171017" y="3950348"/>
-                <a:ext cx="365663" cy="365663"/>
-              </a:xfrm>
-              <a:prstGeom prst="ellipse">
-                <a:avLst/>
-              </a:prstGeom>
-              <a:noFill/>
-              <a:ln w="25400">
-                <a:solidFill>
-                  <a:srgbClr val="7030A0"/>
-                </a:solidFill>
-              </a:ln>
-            </p:spPr>
-            <p:style>
-              <a:lnRef idx="2">
-                <a:schemeClr val="accent1">
-                  <a:shade val="50000"/>
-                </a:schemeClr>
-              </a:lnRef>
-              <a:fillRef idx="1">
-                <a:schemeClr val="accent1"/>
-              </a:fillRef>
-              <a:effectRef idx="0">
-                <a:schemeClr val="accent1"/>
-              </a:effectRef>
-              <a:fontRef idx="minor">
-                <a:schemeClr val="lt1"/>
-              </a:fontRef>
-            </p:style>
-            <p:txBody>
-              <a:bodyPr rtlCol="0" anchor="ctr"/>
-              <a:lstStyle/>
-              <a:p>
-                <a:pPr algn="ctr"/>
-                <a:endParaRPr lang="en-US">
-                  <a:solidFill>
-                    <a:schemeClr val="tx1"/>
-                  </a:solidFill>
-                </a:endParaRPr>
-              </a:p>
-            </p:txBody>
-          </p:sp>
-          <p:sp>
-            <p:nvSpPr>
-              <p:cNvPr id="41" name="Oval 40"/>
-              <p:cNvSpPr/>
-              <p:nvPr/>
-            </p:nvSpPr>
-            <p:spPr>
-              <a:xfrm>
-                <a:off x="7603603" y="3950348"/>
-                <a:ext cx="365663" cy="365663"/>
-              </a:xfrm>
-              <a:prstGeom prst="ellipse">
-                <a:avLst/>
-              </a:prstGeom>
-              <a:noFill/>
-              <a:ln w="25400">
-                <a:solidFill>
-                  <a:srgbClr val="7030A0"/>
-                </a:solidFill>
-              </a:ln>
-            </p:spPr>
-            <p:style>
-              <a:lnRef idx="2">
-                <a:schemeClr val="accent1">
-                  <a:shade val="50000"/>
-                </a:schemeClr>
-              </a:lnRef>
-              <a:fillRef idx="1">
-                <a:schemeClr val="accent1"/>
-              </a:fillRef>
-              <a:effectRef idx="0">
-                <a:schemeClr val="accent1"/>
-              </a:effectRef>
-              <a:fontRef idx="minor">
-                <a:schemeClr val="lt1"/>
-              </a:fontRef>
-            </p:style>
-            <p:txBody>
-              <a:bodyPr rtlCol="0" anchor="ctr"/>
-              <a:lstStyle/>
-              <a:p>
-                <a:pPr algn="ctr"/>
-                <a:endParaRPr lang="en-US">
-                  <a:solidFill>
-                    <a:schemeClr val="tx1"/>
-                  </a:solidFill>
-                </a:endParaRPr>
-              </a:p>
-            </p:txBody>
-          </p:sp>
-          <p:sp>
-            <p:nvSpPr>
-              <p:cNvPr id="42" name="Oval 41"/>
-              <p:cNvSpPr/>
-              <p:nvPr/>
-            </p:nvSpPr>
-            <p:spPr>
-              <a:xfrm>
-                <a:off x="5873259" y="3950348"/>
-                <a:ext cx="365663" cy="365663"/>
-              </a:xfrm>
-              <a:prstGeom prst="ellipse">
-                <a:avLst/>
-              </a:prstGeom>
-              <a:noFill/>
-              <a:ln w="25400">
-                <a:solidFill>
-                  <a:srgbClr val="7030A0"/>
-                </a:solidFill>
-              </a:ln>
-            </p:spPr>
-            <p:style>
-              <a:lnRef idx="2">
-                <a:schemeClr val="accent1">
-                  <a:shade val="50000"/>
-                </a:schemeClr>
-              </a:lnRef>
-              <a:fillRef idx="1">
-                <a:schemeClr val="accent1"/>
-              </a:fillRef>
-              <a:effectRef idx="0">
-                <a:schemeClr val="accent1"/>
-              </a:effectRef>
-              <a:fontRef idx="minor">
-                <a:schemeClr val="lt1"/>
-              </a:fontRef>
-            </p:style>
-            <p:txBody>
-              <a:bodyPr rtlCol="0" anchor="ctr"/>
-              <a:lstStyle/>
-              <a:p>
-                <a:pPr algn="ctr"/>
-                <a:endParaRPr lang="en-US">
-                  <a:solidFill>
-                    <a:schemeClr val="tx1"/>
-                  </a:solidFill>
-                </a:endParaRPr>
-              </a:p>
-            </p:txBody>
-          </p:sp>
-          <p:sp>
-            <p:nvSpPr>
-              <p:cNvPr id="43" name="Rectangle 42"/>
-              <p:cNvSpPr/>
-              <p:nvPr/>
-            </p:nvSpPr>
-            <p:spPr>
-              <a:xfrm>
-                <a:off x="5838484" y="3917173"/>
-                <a:ext cx="2169328" cy="441544"/>
-              </a:xfrm>
-              <a:prstGeom prst="rect">
-                <a:avLst/>
-              </a:prstGeom>
-              <a:noFill/>
-              <a:ln w="25400">
-                <a:solidFill>
-                  <a:srgbClr val="7030A0"/>
-                </a:solidFill>
-              </a:ln>
-            </p:spPr>
-            <p:style>
-              <a:lnRef idx="2">
-                <a:schemeClr val="accent1">
-                  <a:shade val="50000"/>
-                </a:schemeClr>
-              </a:lnRef>
-              <a:fillRef idx="1">
-                <a:schemeClr val="accent1"/>
-              </a:fillRef>
-              <a:effectRef idx="0">
-                <a:schemeClr val="accent1"/>
-              </a:effectRef>
-              <a:fontRef idx="minor">
-                <a:schemeClr val="lt1"/>
-              </a:fontRef>
-            </p:style>
-            <p:txBody>
-              <a:bodyPr rtlCol="0" anchor="ctr"/>
-              <a:lstStyle/>
-              <a:p>
-                <a:pPr algn="ctr"/>
-                <a:endParaRPr lang="en-US">
-                  <a:solidFill>
-                    <a:schemeClr val="tx1"/>
-                  </a:solidFill>
-                </a:endParaRPr>
-              </a:p>
-            </p:txBody>
-          </p:sp>
-        </p:grpSp>
-        <p:grpSp>
-          <p:nvGrpSpPr>
-            <p:cNvPr id="29" name="Group 28"/>
-            <p:cNvGrpSpPr/>
-            <p:nvPr/>
-          </p:nvGrpSpPr>
-          <p:grpSpPr>
-            <a:xfrm>
-              <a:off x="9478481" y="3600082"/>
-              <a:ext cx="1755761" cy="357367"/>
-              <a:chOff x="5838484" y="3917173"/>
-              <a:chExt cx="2169328" cy="441544"/>
-            </a:xfrm>
-          </p:grpSpPr>
-          <p:sp>
-            <p:nvSpPr>
-              <p:cNvPr id="32" name="Oval 31"/>
-              <p:cNvSpPr/>
-              <p:nvPr/>
-            </p:nvSpPr>
-            <p:spPr>
-              <a:xfrm>
-                <a:off x="6305845" y="3950348"/>
-                <a:ext cx="365663" cy="365663"/>
-              </a:xfrm>
-              <a:prstGeom prst="ellipse">
-                <a:avLst/>
-              </a:prstGeom>
-              <a:noFill/>
-              <a:ln w="25400">
-                <a:solidFill>
-                  <a:srgbClr val="7030A0"/>
-                </a:solidFill>
-              </a:ln>
-            </p:spPr>
-            <p:style>
-              <a:lnRef idx="2">
-                <a:schemeClr val="accent1">
-                  <a:shade val="50000"/>
-                </a:schemeClr>
-              </a:lnRef>
-              <a:fillRef idx="1">
-                <a:schemeClr val="accent1"/>
-              </a:fillRef>
-              <a:effectRef idx="0">
-                <a:schemeClr val="accent1"/>
-              </a:effectRef>
-              <a:fontRef idx="minor">
-                <a:schemeClr val="lt1"/>
-              </a:fontRef>
-            </p:style>
-            <p:txBody>
-              <a:bodyPr rtlCol="0" anchor="ctr"/>
-              <a:lstStyle/>
-              <a:p>
-                <a:pPr algn="ctr"/>
-                <a:endParaRPr lang="en-US" dirty="0" smtClean="0">
-                  <a:solidFill>
-                    <a:schemeClr val="tx1"/>
-                  </a:solidFill>
-                </a:endParaRPr>
-              </a:p>
-              <a:p>
-                <a:pPr algn="ctr"/>
-                <a:endParaRPr lang="en-US" dirty="0">
-                  <a:solidFill>
-                    <a:schemeClr val="tx1"/>
-                  </a:solidFill>
-                </a:endParaRPr>
-              </a:p>
-            </p:txBody>
-          </p:sp>
-          <p:sp>
-            <p:nvSpPr>
-              <p:cNvPr id="33" name="Oval 32"/>
-              <p:cNvSpPr/>
-              <p:nvPr/>
-            </p:nvSpPr>
-            <p:spPr>
-              <a:xfrm>
-                <a:off x="6738431" y="3950348"/>
-                <a:ext cx="365663" cy="365663"/>
-              </a:xfrm>
-              <a:prstGeom prst="ellipse">
-                <a:avLst/>
-              </a:prstGeom>
-              <a:noFill/>
-              <a:ln w="25400">
-                <a:solidFill>
-                  <a:srgbClr val="7030A0"/>
-                </a:solidFill>
-              </a:ln>
-            </p:spPr>
-            <p:style>
-              <a:lnRef idx="2">
-                <a:schemeClr val="accent1">
-                  <a:shade val="50000"/>
-                </a:schemeClr>
-              </a:lnRef>
-              <a:fillRef idx="1">
-                <a:schemeClr val="accent1"/>
-              </a:fillRef>
-              <a:effectRef idx="0">
-                <a:schemeClr val="accent1"/>
-              </a:effectRef>
-              <a:fontRef idx="minor">
-                <a:schemeClr val="lt1"/>
-              </a:fontRef>
-            </p:style>
-            <p:txBody>
-              <a:bodyPr rtlCol="0" anchor="ctr"/>
-              <a:lstStyle/>
-              <a:p>
-                <a:pPr algn="ctr"/>
-                <a:endParaRPr lang="en-US">
-                  <a:solidFill>
-                    <a:schemeClr val="tx1"/>
-                  </a:solidFill>
-                </a:endParaRPr>
-              </a:p>
-            </p:txBody>
-          </p:sp>
-          <p:sp>
-            <p:nvSpPr>
-              <p:cNvPr id="34" name="Oval 33"/>
-              <p:cNvSpPr/>
-              <p:nvPr/>
-            </p:nvSpPr>
-            <p:spPr>
-              <a:xfrm>
-                <a:off x="7171017" y="3950348"/>
-                <a:ext cx="365663" cy="365663"/>
-              </a:xfrm>
-              <a:prstGeom prst="ellipse">
-                <a:avLst/>
-              </a:prstGeom>
-              <a:noFill/>
-              <a:ln w="25400">
-                <a:solidFill>
-                  <a:srgbClr val="7030A0"/>
-                </a:solidFill>
-              </a:ln>
-            </p:spPr>
-            <p:style>
-              <a:lnRef idx="2">
-                <a:schemeClr val="accent1">
-                  <a:shade val="50000"/>
-                </a:schemeClr>
-              </a:lnRef>
-              <a:fillRef idx="1">
-                <a:schemeClr val="accent1"/>
-              </a:fillRef>
-              <a:effectRef idx="0">
-                <a:schemeClr val="accent1"/>
-              </a:effectRef>
-              <a:fontRef idx="minor">
-                <a:schemeClr val="lt1"/>
-              </a:fontRef>
-            </p:style>
-            <p:txBody>
-              <a:bodyPr rtlCol="0" anchor="ctr"/>
-              <a:lstStyle/>
-              <a:p>
-                <a:pPr algn="ctr"/>
-                <a:endParaRPr lang="en-US">
-                  <a:solidFill>
-                    <a:schemeClr val="tx1"/>
-                  </a:solidFill>
-                </a:endParaRPr>
-              </a:p>
-            </p:txBody>
-          </p:sp>
-          <p:sp>
-            <p:nvSpPr>
-              <p:cNvPr id="35" name="Oval 34"/>
-              <p:cNvSpPr/>
-              <p:nvPr/>
-            </p:nvSpPr>
-            <p:spPr>
-              <a:xfrm>
-                <a:off x="7603603" y="3950348"/>
-                <a:ext cx="365663" cy="365663"/>
-              </a:xfrm>
-              <a:prstGeom prst="ellipse">
-                <a:avLst/>
-              </a:prstGeom>
-              <a:noFill/>
-              <a:ln w="25400">
-                <a:solidFill>
-                  <a:srgbClr val="7030A0"/>
-                </a:solidFill>
-              </a:ln>
-            </p:spPr>
-            <p:style>
-              <a:lnRef idx="2">
-                <a:schemeClr val="accent1">
-                  <a:shade val="50000"/>
-                </a:schemeClr>
-              </a:lnRef>
-              <a:fillRef idx="1">
-                <a:schemeClr val="accent1"/>
-              </a:fillRef>
-              <a:effectRef idx="0">
-                <a:schemeClr val="accent1"/>
-              </a:effectRef>
-              <a:fontRef idx="minor">
-                <a:schemeClr val="lt1"/>
-              </a:fontRef>
-            </p:style>
-            <p:txBody>
-              <a:bodyPr rtlCol="0" anchor="ctr"/>
-              <a:lstStyle/>
-              <a:p>
-                <a:pPr algn="ctr"/>
-                <a:endParaRPr lang="en-US">
-                  <a:solidFill>
-                    <a:schemeClr val="tx1"/>
-                  </a:solidFill>
-                </a:endParaRPr>
-              </a:p>
-            </p:txBody>
-          </p:sp>
-          <p:sp>
-            <p:nvSpPr>
-              <p:cNvPr id="36" name="Oval 35"/>
-              <p:cNvSpPr/>
-              <p:nvPr/>
-            </p:nvSpPr>
-            <p:spPr>
-              <a:xfrm>
-                <a:off x="5873259" y="3950348"/>
-                <a:ext cx="365663" cy="365663"/>
-              </a:xfrm>
-              <a:prstGeom prst="ellipse">
-                <a:avLst/>
-              </a:prstGeom>
-              <a:noFill/>
-              <a:ln w="25400">
-                <a:solidFill>
-                  <a:srgbClr val="7030A0"/>
-                </a:solidFill>
-              </a:ln>
-            </p:spPr>
-            <p:style>
-              <a:lnRef idx="2">
-                <a:schemeClr val="accent1">
-                  <a:shade val="50000"/>
-                </a:schemeClr>
-              </a:lnRef>
-              <a:fillRef idx="1">
-                <a:schemeClr val="accent1"/>
-              </a:fillRef>
-              <a:effectRef idx="0">
-                <a:schemeClr val="accent1"/>
-              </a:effectRef>
-              <a:fontRef idx="minor">
-                <a:schemeClr val="lt1"/>
-              </a:fontRef>
-            </p:style>
-            <p:txBody>
-              <a:bodyPr rtlCol="0" anchor="ctr"/>
-              <a:lstStyle/>
-              <a:p>
-                <a:pPr algn="ctr"/>
-                <a:endParaRPr lang="en-US">
-                  <a:solidFill>
-                    <a:schemeClr val="tx1"/>
-                  </a:solidFill>
-                </a:endParaRPr>
-              </a:p>
-            </p:txBody>
-          </p:sp>
-          <p:sp>
-            <p:nvSpPr>
-              <p:cNvPr id="37" name="Rectangle 36"/>
-              <p:cNvSpPr/>
-              <p:nvPr/>
-            </p:nvSpPr>
-            <p:spPr>
-              <a:xfrm>
-                <a:off x="5838484" y="3917173"/>
-                <a:ext cx="2169328" cy="441544"/>
-              </a:xfrm>
-              <a:prstGeom prst="rect">
-                <a:avLst/>
-              </a:prstGeom>
-              <a:noFill/>
-              <a:ln w="25400">
-                <a:solidFill>
-                  <a:srgbClr val="7030A0"/>
-                </a:solidFill>
-              </a:ln>
-            </p:spPr>
-            <p:style>
-              <a:lnRef idx="2">
-                <a:schemeClr val="accent1">
-                  <a:shade val="50000"/>
-                </a:schemeClr>
-              </a:lnRef>
-              <a:fillRef idx="1">
-                <a:schemeClr val="accent1"/>
-              </a:fillRef>
-              <a:effectRef idx="0">
-                <a:schemeClr val="accent1"/>
-              </a:effectRef>
-              <a:fontRef idx="minor">
-                <a:schemeClr val="lt1"/>
-              </a:fontRef>
-            </p:style>
-            <p:txBody>
-              <a:bodyPr rtlCol="0" anchor="ctr"/>
-              <a:lstStyle/>
-              <a:p>
-                <a:pPr algn="ctr"/>
-                <a:endParaRPr lang="en-US">
-                  <a:solidFill>
-                    <a:schemeClr val="tx1"/>
-                  </a:solidFill>
-                </a:endParaRPr>
-              </a:p>
-            </p:txBody>
-          </p:sp>
-        </p:grpSp>
-        <p:cxnSp>
-          <p:nvCxnSpPr>
-            <p:cNvPr id="30" name="Straight Arrow Connector 29"/>
-            <p:cNvCxnSpPr/>
-            <p:nvPr/>
-          </p:nvCxnSpPr>
-          <p:spPr>
-            <a:xfrm flipV="1">
-              <a:off x="10356361" y="3957449"/>
-              <a:ext cx="0" cy="230954"/>
-            </a:xfrm>
-            <a:prstGeom prst="straightConnector1">
-              <a:avLst/>
-            </a:prstGeom>
-            <a:ln w="50800">
-              <a:solidFill>
-                <a:srgbClr val="00C6BA"/>
-              </a:solidFill>
-              <a:tailEnd type="triangle"/>
-            </a:ln>
-            <a:effectLst/>
-          </p:spPr>
-          <p:style>
-            <a:lnRef idx="2">
-              <a:schemeClr val="accent1"/>
-            </a:lnRef>
-            <a:fillRef idx="0">
-              <a:schemeClr val="accent1"/>
-            </a:fillRef>
-            <a:effectRef idx="1">
-              <a:schemeClr val="accent1"/>
-            </a:effectRef>
-            <a:fontRef idx="minor">
-              <a:schemeClr val="tx1"/>
-            </a:fontRef>
-          </p:style>
-        </p:cxnSp>
-        <p:sp>
-          <p:nvSpPr>
-            <p:cNvPr id="31" name="TextBox 30"/>
-            <p:cNvSpPr txBox="1"/>
-            <p:nvPr/>
-          </p:nvSpPr>
-          <p:spPr>
-            <a:xfrm>
-              <a:off x="10125683" y="3915423"/>
-              <a:ext cx="466794" cy="569387"/>
-            </a:xfrm>
-            <a:prstGeom prst="rect">
-              <a:avLst/>
-            </a:prstGeom>
-            <a:noFill/>
-            <a:ln>
-              <a:noFill/>
-            </a:ln>
-          </p:spPr>
-          <p:txBody>
-            <a:bodyPr wrap="none" rtlCol="0">
-              <a:spAutoFit/>
-            </a:bodyPr>
-            <a:lstStyle/>
-            <a:p>
-              <a:r>
-                <a:rPr lang="mr-IN" sz="3100" b="1" dirty="0" smtClean="0">
-                  <a:solidFill>
-                    <a:srgbClr val="7030A0"/>
-                  </a:solidFill>
-                  <a:latin typeface="+mn-lt"/>
-                </a:rPr>
-                <a:t>…</a:t>
-              </a:r>
-              <a:endParaRPr lang="en-US" sz="3100" b="1" dirty="0">
-                <a:solidFill>
-                  <a:srgbClr val="7030A0"/>
-                </a:solidFill>
-                <a:latin typeface="+mn-lt"/>
-              </a:endParaRPr>
-            </a:p>
-          </p:txBody>
-        </p:sp>
-        <p:sp>
-          <p:nvSpPr>
-            <p:cNvPr id="57" name="TextBox 56"/>
-            <p:cNvSpPr txBox="1"/>
-            <p:nvPr/>
-          </p:nvSpPr>
-          <p:spPr>
-            <a:xfrm>
-              <a:off x="11447886" y="6089513"/>
-              <a:ext cx="744114" cy="344710"/>
-            </a:xfrm>
-            <a:prstGeom prst="rect">
-              <a:avLst/>
-            </a:prstGeom>
-            <a:noFill/>
-            <a:ln w="28575">
-              <a:solidFill>
-                <a:schemeClr val="accent1"/>
-              </a:solidFill>
-              <a:prstDash val="sysDot"/>
-            </a:ln>
-          </p:spPr>
-          <p:txBody>
-            <a:bodyPr wrap="none" tIns="18288" rIns="91440" bIns="18288" rtlCol="0">
-              <a:spAutoFit/>
-            </a:bodyPr>
-            <a:lstStyle/>
-            <a:p>
-              <a:r>
-                <a:rPr lang="en-US" sz="2000" b="1" i="1" dirty="0" smtClean="0">
-                  <a:solidFill>
-                    <a:srgbClr val="0F6FC6"/>
-                  </a:solidFill>
-                  <a:latin typeface="+mn-lt"/>
-                </a:rPr>
-                <a:t>noise</a:t>
-              </a:r>
-              <a:endParaRPr lang="en-US" sz="2000" b="1" i="1" dirty="0">
-                <a:solidFill>
-                  <a:srgbClr val="0F6FC6"/>
-                </a:solidFill>
-                <a:latin typeface="+mn-lt"/>
-              </a:endParaRPr>
-            </a:p>
-          </p:txBody>
-        </p:sp>
-        <p:cxnSp>
-          <p:nvCxnSpPr>
-            <p:cNvPr id="58" name="Straight Arrow Connector 57"/>
-            <p:cNvCxnSpPr/>
-            <p:nvPr/>
-          </p:nvCxnSpPr>
-          <p:spPr>
-            <a:xfrm flipH="1" flipV="1">
-              <a:off x="11234242" y="5863207"/>
-              <a:ext cx="213644" cy="398661"/>
-            </a:xfrm>
-            <a:prstGeom prst="straightConnector1">
-              <a:avLst/>
-            </a:prstGeom>
-            <a:ln w="31750">
-              <a:solidFill>
-                <a:schemeClr val="accent1"/>
-              </a:solidFill>
-              <a:prstDash val="sysDot"/>
-              <a:tailEnd type="triangle"/>
-            </a:ln>
-            <a:effectLst/>
-          </p:spPr>
-          <p:style>
-            <a:lnRef idx="2">
-              <a:schemeClr val="accent1"/>
-            </a:lnRef>
-            <a:fillRef idx="0">
-              <a:schemeClr val="accent1"/>
-            </a:fillRef>
-            <a:effectRef idx="1">
-              <a:schemeClr val="accent1"/>
-            </a:effectRef>
-            <a:fontRef idx="minor">
-              <a:schemeClr val="tx1"/>
-            </a:fontRef>
-          </p:style>
-        </p:cxnSp>
-        <p:sp>
-          <p:nvSpPr>
-            <p:cNvPr id="59" name="Curved Right Arrow 58"/>
-            <p:cNvSpPr/>
-            <p:nvPr/>
-          </p:nvSpPr>
-          <p:spPr>
-            <a:xfrm rot="10800000" flipH="1">
-              <a:off x="8602126" y="3615700"/>
-              <a:ext cx="740780" cy="2891469"/>
-            </a:xfrm>
-            <a:prstGeom prst="curvedRightArrow">
-              <a:avLst/>
-            </a:prstGeom>
-            <a:solidFill>
-              <a:schemeClr val="bg1">
-                <a:lumMod val="65000"/>
-              </a:schemeClr>
-            </a:solidFill>
-            <a:ln w="25400">
-              <a:solidFill>
-                <a:schemeClr val="bg1">
-                  <a:lumMod val="65000"/>
-                </a:schemeClr>
-              </a:solidFill>
-            </a:ln>
-          </p:spPr>
-          <p:style>
-            <a:lnRef idx="2">
-              <a:schemeClr val="accent1">
-                <a:shade val="50000"/>
-              </a:schemeClr>
-            </a:lnRef>
-            <a:fillRef idx="1">
-              <a:schemeClr val="accent1"/>
-            </a:fillRef>
-            <a:effectRef idx="0">
-              <a:schemeClr val="accent1"/>
-            </a:effectRef>
-            <a:fontRef idx="minor">
-              <a:schemeClr val="lt1"/>
-            </a:fontRef>
-          </p:style>
-          <p:txBody>
-            <a:bodyPr rtlCol="0" anchor="ctr"/>
-            <a:lstStyle/>
-            <a:p>
-              <a:pPr algn="ctr"/>
-              <a:endParaRPr lang="en-US">
-                <a:solidFill>
-                  <a:schemeClr val="tx1"/>
-                </a:solidFill>
-              </a:endParaRPr>
-            </a:p>
-          </p:txBody>
-        </p:sp>
-        <p:sp>
-          <p:nvSpPr>
-            <p:cNvPr id="60" name="TextBox 59"/>
-            <p:cNvSpPr txBox="1"/>
-            <p:nvPr/>
-          </p:nvSpPr>
-          <p:spPr>
-            <a:xfrm rot="16200000">
-              <a:off x="7488237" y="4426062"/>
-              <a:ext cx="1679691" cy="400110"/>
-            </a:xfrm>
-            <a:prstGeom prst="rect">
-              <a:avLst/>
-            </a:prstGeom>
-            <a:noFill/>
-          </p:spPr>
-          <p:txBody>
-            <a:bodyPr wrap="none" rtlCol="0">
-              <a:spAutoFit/>
-            </a:bodyPr>
-            <a:lstStyle/>
-            <a:p>
-              <a:r>
-                <a:rPr lang="en-US" sz="2000" b="1" dirty="0" smtClean="0">
-                  <a:solidFill>
-                    <a:schemeClr val="bg1">
-                      <a:lumMod val="65000"/>
-                    </a:schemeClr>
-                  </a:solidFill>
-                  <a:latin typeface="+mn-lt"/>
-                </a:rPr>
-                <a:t>training signal</a:t>
-              </a:r>
-              <a:endParaRPr lang="en-US" sz="2000" b="1" dirty="0">
-                <a:solidFill>
-                  <a:schemeClr val="bg1">
-                    <a:lumMod val="65000"/>
-                  </a:schemeClr>
-                </a:solidFill>
-                <a:latin typeface="+mn-lt"/>
-              </a:endParaRPr>
-            </a:p>
-          </p:txBody>
-        </p:sp>
-        <p:grpSp>
-          <p:nvGrpSpPr>
-            <p:cNvPr id="69" name="Group 68"/>
-            <p:cNvGrpSpPr/>
-            <p:nvPr/>
-          </p:nvGrpSpPr>
-          <p:grpSpPr>
-            <a:xfrm>
-              <a:off x="9476954" y="6235973"/>
-              <a:ext cx="1755761" cy="357367"/>
-              <a:chOff x="9632407" y="5727866"/>
-              <a:chExt cx="1755761" cy="357367"/>
-            </a:xfrm>
-          </p:grpSpPr>
-          <p:sp>
-            <p:nvSpPr>
-              <p:cNvPr id="63" name="Oval 62"/>
-              <p:cNvSpPr/>
-              <p:nvPr/>
-            </p:nvSpPr>
-            <p:spPr>
-              <a:xfrm>
-                <a:off x="10010669" y="5754716"/>
-                <a:ext cx="295952" cy="295952"/>
-              </a:xfrm>
-              <a:prstGeom prst="ellipse">
-                <a:avLst/>
-              </a:prstGeom>
-              <a:noFill/>
-              <a:ln w="25400">
-                <a:solidFill>
-                  <a:srgbClr val="0000FF"/>
-                </a:solidFill>
-              </a:ln>
-            </p:spPr>
-            <p:style>
-              <a:lnRef idx="2">
-                <a:schemeClr val="accent1">
-                  <a:shade val="50000"/>
-                </a:schemeClr>
-              </a:lnRef>
-              <a:fillRef idx="1">
-                <a:schemeClr val="accent1"/>
-              </a:fillRef>
-              <a:effectRef idx="0">
-                <a:schemeClr val="accent1"/>
-              </a:effectRef>
-              <a:fontRef idx="minor">
-                <a:schemeClr val="lt1"/>
-              </a:fontRef>
-            </p:style>
-            <p:txBody>
-              <a:bodyPr rtlCol="0" anchor="ctr"/>
-              <a:lstStyle/>
-              <a:p>
-                <a:pPr algn="ctr"/>
-                <a:endParaRPr lang="en-US">
-                  <a:solidFill>
-                    <a:schemeClr val="tx1"/>
-                  </a:solidFill>
-                </a:endParaRPr>
-              </a:p>
-            </p:txBody>
-          </p:sp>
-          <p:sp>
-            <p:nvSpPr>
-              <p:cNvPr id="64" name="Oval 63"/>
-              <p:cNvSpPr/>
-              <p:nvPr/>
-            </p:nvSpPr>
-            <p:spPr>
-              <a:xfrm>
-                <a:off x="10360785" y="5754716"/>
-                <a:ext cx="295952" cy="295952"/>
-              </a:xfrm>
-              <a:prstGeom prst="ellipse">
-                <a:avLst/>
-              </a:prstGeom>
-              <a:noFill/>
-              <a:ln w="25400">
-                <a:solidFill>
-                  <a:srgbClr val="0000FF"/>
-                </a:solidFill>
-              </a:ln>
-            </p:spPr>
-            <p:style>
-              <a:lnRef idx="2">
-                <a:schemeClr val="accent1">
-                  <a:shade val="50000"/>
-                </a:schemeClr>
-              </a:lnRef>
-              <a:fillRef idx="1">
-                <a:schemeClr val="accent1"/>
-              </a:fillRef>
-              <a:effectRef idx="0">
-                <a:schemeClr val="accent1"/>
-              </a:effectRef>
-              <a:fontRef idx="minor">
-                <a:schemeClr val="lt1"/>
-              </a:fontRef>
-            </p:style>
-            <p:txBody>
-              <a:bodyPr rtlCol="0" anchor="ctr"/>
-              <a:lstStyle/>
-              <a:p>
-                <a:pPr algn="ctr"/>
-                <a:endParaRPr lang="en-US">
-                  <a:solidFill>
-                    <a:schemeClr val="tx1"/>
-                  </a:solidFill>
-                </a:endParaRPr>
-              </a:p>
-            </p:txBody>
-          </p:sp>
-          <p:sp>
-            <p:nvSpPr>
-              <p:cNvPr id="65" name="Oval 64"/>
-              <p:cNvSpPr/>
-              <p:nvPr/>
-            </p:nvSpPr>
-            <p:spPr>
-              <a:xfrm>
-                <a:off x="10710902" y="5754716"/>
-                <a:ext cx="295952" cy="295952"/>
-              </a:xfrm>
-              <a:prstGeom prst="ellipse">
-                <a:avLst/>
-              </a:prstGeom>
-              <a:noFill/>
-              <a:ln w="25400">
-                <a:solidFill>
-                  <a:srgbClr val="0000FF"/>
-                </a:solidFill>
-              </a:ln>
-            </p:spPr>
-            <p:style>
-              <a:lnRef idx="2">
-                <a:schemeClr val="accent1">
-                  <a:shade val="50000"/>
-                </a:schemeClr>
-              </a:lnRef>
-              <a:fillRef idx="1">
-                <a:schemeClr val="accent1"/>
-              </a:fillRef>
-              <a:effectRef idx="0">
-                <a:schemeClr val="accent1"/>
-              </a:effectRef>
-              <a:fontRef idx="minor">
-                <a:schemeClr val="lt1"/>
-              </a:fontRef>
-            </p:style>
-            <p:txBody>
-              <a:bodyPr rtlCol="0" anchor="ctr"/>
-              <a:lstStyle/>
-              <a:p>
-                <a:pPr algn="ctr"/>
-                <a:endParaRPr lang="en-US">
-                  <a:solidFill>
-                    <a:schemeClr val="tx1"/>
-                  </a:solidFill>
-                </a:endParaRPr>
-              </a:p>
-            </p:txBody>
-          </p:sp>
-          <p:sp>
-            <p:nvSpPr>
-              <p:cNvPr id="66" name="Oval 65"/>
-              <p:cNvSpPr/>
-              <p:nvPr/>
-            </p:nvSpPr>
-            <p:spPr>
-              <a:xfrm>
-                <a:off x="11061019" y="5754716"/>
-                <a:ext cx="295952" cy="295952"/>
-              </a:xfrm>
-              <a:prstGeom prst="ellipse">
-                <a:avLst/>
-              </a:prstGeom>
-              <a:noFill/>
-              <a:ln w="25400">
-                <a:solidFill>
-                  <a:srgbClr val="0000FF"/>
-                </a:solidFill>
-              </a:ln>
-            </p:spPr>
-            <p:style>
-              <a:lnRef idx="2">
-                <a:schemeClr val="accent1">
-                  <a:shade val="50000"/>
-                </a:schemeClr>
-              </a:lnRef>
-              <a:fillRef idx="1">
-                <a:schemeClr val="accent1"/>
-              </a:fillRef>
-              <a:effectRef idx="0">
-                <a:schemeClr val="accent1"/>
-              </a:effectRef>
-              <a:fontRef idx="minor">
-                <a:schemeClr val="lt1"/>
-              </a:fontRef>
-            </p:style>
-            <p:txBody>
-              <a:bodyPr rtlCol="0" anchor="ctr"/>
-              <a:lstStyle/>
-              <a:p>
-                <a:pPr algn="ctr"/>
-                <a:endParaRPr lang="en-US">
-                  <a:solidFill>
-                    <a:schemeClr val="tx1"/>
-                  </a:solidFill>
-                </a:endParaRPr>
-              </a:p>
-            </p:txBody>
-          </p:sp>
-          <p:sp>
-            <p:nvSpPr>
-              <p:cNvPr id="67" name="Oval 66"/>
-              <p:cNvSpPr/>
-              <p:nvPr/>
-            </p:nvSpPr>
-            <p:spPr>
-              <a:xfrm>
-                <a:off x="9660552" y="5754716"/>
-                <a:ext cx="295952" cy="295952"/>
-              </a:xfrm>
-              <a:prstGeom prst="ellipse">
-                <a:avLst/>
-              </a:prstGeom>
-              <a:noFill/>
-              <a:ln w="25400">
-                <a:solidFill>
-                  <a:srgbClr val="0000FF"/>
-                </a:solidFill>
-              </a:ln>
-            </p:spPr>
-            <p:style>
-              <a:lnRef idx="2">
-                <a:schemeClr val="accent1">
-                  <a:shade val="50000"/>
-                </a:schemeClr>
-              </a:lnRef>
-              <a:fillRef idx="1">
-                <a:schemeClr val="accent1"/>
-              </a:fillRef>
-              <a:effectRef idx="0">
-                <a:schemeClr val="accent1"/>
-              </a:effectRef>
-              <a:fontRef idx="minor">
-                <a:schemeClr val="lt1"/>
-              </a:fontRef>
-            </p:style>
-            <p:txBody>
-              <a:bodyPr rtlCol="0" anchor="ctr"/>
-              <a:lstStyle/>
-              <a:p>
-                <a:pPr algn="ctr"/>
-                <a:endParaRPr lang="en-US" dirty="0">
-                  <a:solidFill>
-                    <a:schemeClr val="tx1"/>
-                  </a:solidFill>
-                </a:endParaRPr>
-              </a:p>
-            </p:txBody>
-          </p:sp>
-          <p:sp>
-            <p:nvSpPr>
-              <p:cNvPr id="68" name="Rectangle 67"/>
-              <p:cNvSpPr/>
-              <p:nvPr/>
-            </p:nvSpPr>
-            <p:spPr>
-              <a:xfrm>
-                <a:off x="9632407" y="5727866"/>
-                <a:ext cx="1755761" cy="357367"/>
-              </a:xfrm>
-              <a:prstGeom prst="rect">
-                <a:avLst/>
-              </a:prstGeom>
-              <a:noFill/>
-              <a:ln w="25400">
-                <a:solidFill>
-                  <a:srgbClr val="0000FF"/>
-                </a:solidFill>
-              </a:ln>
-            </p:spPr>
-            <p:style>
-              <a:lnRef idx="2">
-                <a:schemeClr val="accent1">
-                  <a:shade val="50000"/>
-                </a:schemeClr>
-              </a:lnRef>
-              <a:fillRef idx="1">
-                <a:schemeClr val="accent1"/>
-              </a:fillRef>
-              <a:effectRef idx="0">
-                <a:schemeClr val="accent1"/>
-              </a:effectRef>
-              <a:fontRef idx="minor">
-                <a:schemeClr val="lt1"/>
-              </a:fontRef>
-            </p:style>
-            <p:txBody>
-              <a:bodyPr rtlCol="0" anchor="ctr"/>
-              <a:lstStyle/>
-              <a:p>
-                <a:pPr algn="ctr"/>
-                <a:endParaRPr lang="en-US">
-                  <a:solidFill>
-                    <a:schemeClr val="tx1"/>
-                  </a:solidFill>
-                </a:endParaRPr>
-              </a:p>
-            </p:txBody>
-          </p:sp>
-        </p:grpSp>
-      </p:grpSp>
-    </p:spTree>
-    <p:extLst>
-      <p:ext uri="{BB962C8B-B14F-4D97-AF65-F5344CB8AC3E}">
-        <p14:creationId xmlns:p14="http://schemas.microsoft.com/office/powerpoint/2010/main" val="529437809"/>
-      </p:ext>
-    </p:extLst>
-  </p:cSld>
-  <p:clrMapOvr>
-    <a:masterClrMapping/>
-  </p:clrMapOvr>
-</p:sld>
-</file>
-
 <file path=ppt/theme/theme1.xml><?xml version="1.0" encoding="utf-8"?>
 <a:theme xmlns:a="http://schemas.openxmlformats.org/drawingml/2006/main" name="Default2015">
   <a:themeElements>
